--- a/Geolokation/doc/Mobile_Computing_Seminar_Presentation_Marosi_Oezcelik.pptx
+++ b/Geolokation/doc/Mobile_Computing_Seminar_Presentation_Marosi_Oezcelik.pptx
@@ -23382,6 +23382,18 @@
               <a:t>-&gt; </a:t>
             </a:r>
             <a:r>
+              <a:rPr lang="en-GB" sz="1800" dirty="0" err="1" smtClean="0"/>
+              <a:t>Herunterscrollen</a:t>
+            </a:r>
+            <a:r>
+              <a:rPr lang="en-GB" sz="1800" dirty="0" smtClean="0"/>
+              <a:t> </a:t>
+            </a:r>
+            <a:r>
+              <a:rPr lang="en-GB" sz="1800" dirty="0" err="1" smtClean="0"/>
+              <a:t>zu</a:t>
+            </a:r>
+            <a:r>
               <a:rPr lang="en-US" sz="1800" dirty="0" smtClean="0"/>
               <a:t>Google </a:t>
             </a:r>
@@ -23393,11 +23405,6 @@
               <a:rPr lang="en-US" sz="1800" dirty="0" smtClean="0"/>
               <a:t>Recognition </a:t>
             </a:r>
-            <a:r>
-              <a:rPr lang="en-US" sz="1800" dirty="0" err="1" smtClean="0"/>
-              <a:t>suchen</a:t>
-            </a:r>
-            <a:endParaRPr lang="en-US" sz="1800" dirty="0" smtClean="0"/>
           </a:p>
           <a:p>
             <a:pPr marL="0" lvl="0" indent="0">
@@ -23426,6 +23433,38 @@
             <a:r>
               <a:rPr lang="en-GB" sz="1800" dirty="0" err="1" smtClean="0"/>
               <a:t>hinzufügen</a:t>
+            </a:r>
+            <a:r>
+              <a:rPr lang="en-GB" sz="1800" dirty="0" smtClean="0"/>
+              <a:t> </a:t>
+            </a:r>
+            <a:r>
+              <a:rPr lang="en-GB" sz="1800" dirty="0" err="1" smtClean="0"/>
+              <a:t>wie</a:t>
+            </a:r>
+            <a:r>
+              <a:rPr lang="en-GB" sz="1800" dirty="0" smtClean="0"/>
+              <a:t> auf </a:t>
+            </a:r>
+            <a:r>
+              <a:rPr lang="en-GB" sz="1800" dirty="0" err="1" smtClean="0"/>
+              <a:t>unterer</a:t>
+            </a:r>
+            <a:r>
+              <a:rPr lang="en-GB" sz="1800" dirty="0" smtClean="0"/>
+              <a:t> </a:t>
+            </a:r>
+            <a:r>
+              <a:rPr lang="en-GB" sz="1800" dirty="0" err="1" smtClean="0"/>
+              <a:t>Abbildung</a:t>
+            </a:r>
+            <a:r>
+              <a:rPr lang="en-GB" sz="1800" dirty="0" smtClean="0"/>
+              <a:t> </a:t>
+            </a:r>
+            <a:r>
+              <a:rPr lang="en-GB" sz="1800" dirty="0" err="1" smtClean="0"/>
+              <a:t>gezeigt</a:t>
             </a:r>
             <a:endParaRPr lang="en-GB" sz="1800" dirty="0" smtClean="0"/>
           </a:p>
@@ -25457,7 +25496,7 @@
               <a:t>LocationRequest</a:t>
             </a:r>
             <a:r>
-              <a:rPr lang="de-DE" altLang="de-DE" sz="1100" dirty="0" smtClean="0">
+              <a:rPr lang="de-DE" altLang="de-DE" sz="1100" smtClean="0">
                 <a:solidFill>
                   <a:schemeClr val="accent6">
                     <a:lumMod val="75000"/>
@@ -25466,10 +25505,10 @@
                 <a:latin typeface="Consolas" panose="020B0609020204030204" pitchFamily="49" charset="0"/>
                 <a:sym typeface="Wingdings" panose="05000000000000000000" pitchFamily="2" charset="2"/>
               </a:rPr>
-              <a:t> = </a:t>
-            </a:r>
-            <a:r>
-              <a:rPr lang="de-DE" altLang="de-DE" sz="1100" dirty="0" err="1" smtClean="0">
+              <a:t> </a:t>
+            </a:r>
+            <a:r>
+              <a:rPr lang="de-DE" altLang="de-DE" sz="1100" smtClean="0">
                 <a:solidFill>
                   <a:schemeClr val="accent6">
                     <a:lumMod val="75000"/>
@@ -33416,7 +33455,15 @@
           <a:p>
             <a:r>
               <a:rPr lang="de-DE" dirty="0"/>
-              <a:t>Die API bietet ein Zugriff zu der Google-Maps Daten</a:t>
+              <a:t>Die API bietet ein Zugriff zu </a:t>
+            </a:r>
+            <a:r>
+              <a:rPr lang="de-DE" dirty="0" smtClean="0"/>
+              <a:t>den </a:t>
+            </a:r>
+            <a:r>
+              <a:rPr lang="de-DE" dirty="0"/>
+              <a:t>Google-Maps Daten</a:t>
             </a:r>
           </a:p>
           <a:p>
@@ -33428,7 +33475,23 @@
           <a:p>
             <a:r>
               <a:rPr lang="de-DE" dirty="0"/>
-              <a:t>Man kann grafische Elemente Symbole, Markierungen, Overlays zu der Karte hinzufügen</a:t>
+              <a:t>Man kann grafische </a:t>
+            </a:r>
+            <a:r>
+              <a:rPr lang="de-DE" dirty="0" smtClean="0"/>
+              <a:t>Elemente, </a:t>
+            </a:r>
+            <a:r>
+              <a:rPr lang="de-DE" dirty="0"/>
+              <a:t>Symbole, </a:t>
+            </a:r>
+            <a:r>
+              <a:rPr lang="de-DE" dirty="0" smtClean="0"/>
+              <a:t>Markierungen und </a:t>
+            </a:r>
+            <a:r>
+              <a:rPr lang="de-DE" dirty="0"/>
+              <a:t>Overlays zu der Karte hinzufügen</a:t>
             </a:r>
             <a:endParaRPr lang="en-GB" dirty="0"/>
           </a:p>

--- a/Geolokation/doc/Mobile_Computing_Seminar_Presentation_Marosi_Oezcelik.pptx
+++ b/Geolokation/doc/Mobile_Computing_Seminar_Presentation_Marosi_Oezcelik.pptx
@@ -5,7 +5,7 @@
     <p:sldMasterId id="2147483648" r:id="rId1"/>
   </p:sldMasterIdLst>
   <p:notesMasterIdLst>
-    <p:notesMasterId r:id="rId16"/>
+    <p:notesMasterId r:id="rId17"/>
   </p:notesMasterIdLst>
   <p:sldIdLst>
     <p:sldId id="256" r:id="rId2"/>
@@ -20,8 +20,9 @@
     <p:sldId id="267" r:id="rId11"/>
     <p:sldId id="287" r:id="rId12"/>
     <p:sldId id="288" r:id="rId13"/>
-    <p:sldId id="284" r:id="rId14"/>
-    <p:sldId id="283" r:id="rId15"/>
+    <p:sldId id="289" r:id="rId14"/>
+    <p:sldId id="284" r:id="rId15"/>
+    <p:sldId id="283" r:id="rId16"/>
   </p:sldIdLst>
   <p:sldSz cx="12192000" cy="6858000"/>
   <p:notesSz cx="6858000" cy="9144000"/>
@@ -4957,13 +4958,6 @@
         </dgm:presLayoutVars>
       </dgm:prSet>
       <dgm:spPr/>
-      <dgm:t>
-        <a:bodyPr/>
-        <a:lstStyle/>
-        <a:p>
-          <a:endParaRPr lang="de-DE"/>
-        </a:p>
-      </dgm:t>
     </dgm:pt>
     <dgm:pt modelId="{9609200F-81F6-47E6-8678-3DB023136184}" type="pres">
       <dgm:prSet presAssocID="{316E2E29-A49D-43FE-8CB0-A67A210B3406}" presName="parSpace" presStyleCnt="0"/>
@@ -4976,13 +4970,6 @@
         </dgm:presLayoutVars>
       </dgm:prSet>
       <dgm:spPr/>
-      <dgm:t>
-        <a:bodyPr/>
-        <a:lstStyle/>
-        <a:p>
-          <a:endParaRPr lang="de-DE"/>
-        </a:p>
-      </dgm:t>
     </dgm:pt>
     <dgm:pt modelId="{710D066B-FB16-4B2D-8AEC-F3F86FADF37C}" type="pres">
       <dgm:prSet presAssocID="{8501A7D4-507E-412C-98E3-C72FBE3B535E}" presName="parSpace" presStyleCnt="0"/>
@@ -4995,13 +4982,6 @@
         </dgm:presLayoutVars>
       </dgm:prSet>
       <dgm:spPr/>
-      <dgm:t>
-        <a:bodyPr/>
-        <a:lstStyle/>
-        <a:p>
-          <a:endParaRPr lang="de-DE"/>
-        </a:p>
-      </dgm:t>
     </dgm:pt>
     <dgm:pt modelId="{65B9A82A-C46C-4257-8F77-2E2F5ED9B4ED}" type="pres">
       <dgm:prSet presAssocID="{65178C3E-1AB9-44DE-A044-2DE099FF541E}" presName="parSpace" presStyleCnt="0"/>
@@ -5014,13 +4994,6 @@
         </dgm:presLayoutVars>
       </dgm:prSet>
       <dgm:spPr/>
-      <dgm:t>
-        <a:bodyPr/>
-        <a:lstStyle/>
-        <a:p>
-          <a:endParaRPr lang="de-DE"/>
-        </a:p>
-      </dgm:t>
     </dgm:pt>
     <dgm:pt modelId="{FA98F343-4F3E-4A24-86C6-4A85C7F71687}" type="pres">
       <dgm:prSet presAssocID="{A0D8349B-75A0-4DBC-AA15-03F8F0A68285}" presName="parSpace" presStyleCnt="0"/>
@@ -5033,13 +5006,6 @@
         </dgm:presLayoutVars>
       </dgm:prSet>
       <dgm:spPr/>
-      <dgm:t>
-        <a:bodyPr/>
-        <a:lstStyle/>
-        <a:p>
-          <a:endParaRPr lang="de-DE"/>
-        </a:p>
-      </dgm:t>
     </dgm:pt>
     <dgm:pt modelId="{4A16EEA0-CEB4-466B-9EBF-44E2356C1EF8}" type="pres">
       <dgm:prSet presAssocID="{E7C831B5-A889-49EF-99F0-9421C16125E3}" presName="parSpace" presStyleCnt="0"/>
@@ -5052,29 +5018,22 @@
         </dgm:presLayoutVars>
       </dgm:prSet>
       <dgm:spPr/>
-      <dgm:t>
-        <a:bodyPr/>
-        <a:lstStyle/>
-        <a:p>
-          <a:endParaRPr lang="de-DE"/>
-        </a:p>
-      </dgm:t>
     </dgm:pt>
   </dgm:ptLst>
   <dgm:cxnLst>
+    <dgm:cxn modelId="{C6C8171E-6EF6-4076-A59A-E6356720D4A7}" type="presOf" srcId="{26BA3BE8-4CFD-4CA9-8A0B-960E670B65A3}" destId="{359CC400-CD02-4C6C-9C4B-90749A316125}" srcOrd="0" destOrd="0" presId="urn:microsoft.com/office/officeart/2005/8/layout/hChevron3"/>
+    <dgm:cxn modelId="{0EFA4E5C-CA90-452D-B822-F71C4FE89D10}" srcId="{4454A727-A83C-4DCD-B316-0EC1DACA4FFC}" destId="{B396D6FA-6927-4CC8-8185-8B4B0FB499E8}" srcOrd="0" destOrd="0" parTransId="{D11A700C-2360-4A22-B5EB-18DEBF802321}" sibTransId="{316E2E29-A49D-43FE-8CB0-A67A210B3406}"/>
+    <dgm:cxn modelId="{E02F8061-C48F-4284-B4F5-AD144901F9C7}" srcId="{4454A727-A83C-4DCD-B316-0EC1DACA4FFC}" destId="{6208FDFF-5F5B-421B-9930-F55F8E1CFA20}" srcOrd="3" destOrd="0" parTransId="{F2AA9172-F2A8-455D-8951-1D40EEC35E08}" sibTransId="{A0D8349B-75A0-4DBC-AA15-03F8F0A68285}"/>
+    <dgm:cxn modelId="{08159F64-F1A1-435A-BDC4-5E6D098BF2EC}" type="presOf" srcId="{268661AE-5228-4712-A35C-B596C8C525D9}" destId="{8CA444A2-8682-4E4C-B30C-1B5E0E3255B8}" srcOrd="0" destOrd="0" presId="urn:microsoft.com/office/officeart/2005/8/layout/hChevron3"/>
     <dgm:cxn modelId="{511DCE54-0CD1-46F2-A5BC-75C3A51C8A7B}" srcId="{4454A727-A83C-4DCD-B316-0EC1DACA4FFC}" destId="{591160B3-0CC7-4065-B28B-BDCA097120BE}" srcOrd="4" destOrd="0" parTransId="{FA57BF0C-9521-4F49-94E3-AC6F67534010}" sibTransId="{E7C831B5-A889-49EF-99F0-9421C16125E3}"/>
-    <dgm:cxn modelId="{E02F8061-C48F-4284-B4F5-AD144901F9C7}" srcId="{4454A727-A83C-4DCD-B316-0EC1DACA4FFC}" destId="{6208FDFF-5F5B-421B-9930-F55F8E1CFA20}" srcOrd="3" destOrd="0" parTransId="{F2AA9172-F2A8-455D-8951-1D40EEC35E08}" sibTransId="{A0D8349B-75A0-4DBC-AA15-03F8F0A68285}"/>
+    <dgm:cxn modelId="{21419275-74A6-4E57-9F5A-C34B6EC65F6A}" type="presOf" srcId="{B396D6FA-6927-4CC8-8185-8B4B0FB499E8}" destId="{AD8E9CC5-1181-4C5D-BB10-713ED4CAB4C5}" srcOrd="0" destOrd="0" presId="urn:microsoft.com/office/officeart/2005/8/layout/hChevron3"/>
+    <dgm:cxn modelId="{2034F992-34C6-440A-B928-5209F97EC116}" type="presOf" srcId="{DAEBF9CB-EC7C-4933-9250-C2B155723297}" destId="{6919D201-A12F-4AB9-AE93-FD70FC3889BA}" srcOrd="0" destOrd="0" presId="urn:microsoft.com/office/officeart/2005/8/layout/hChevron3"/>
+    <dgm:cxn modelId="{C2155998-1A9C-487B-8269-69ACCC160A74}" type="presOf" srcId="{6208FDFF-5F5B-421B-9930-F55F8E1CFA20}" destId="{87B6F2D0-51B9-4D75-883E-5AFB3AE684B2}" srcOrd="0" destOrd="0" presId="urn:microsoft.com/office/officeart/2005/8/layout/hChevron3"/>
     <dgm:cxn modelId="{CF1093AA-9E6E-475B-A56D-48C263B44311}" srcId="{4454A727-A83C-4DCD-B316-0EC1DACA4FFC}" destId="{26BA3BE8-4CFD-4CA9-8A0B-960E670B65A3}" srcOrd="1" destOrd="0" parTransId="{031A14BD-A3F3-4D5D-AB2E-9A9FC5D00052}" sibTransId="{8501A7D4-507E-412C-98E3-C72FBE3B535E}"/>
-    <dgm:cxn modelId="{0EFA4E5C-CA90-452D-B822-F71C4FE89D10}" srcId="{4454A727-A83C-4DCD-B316-0EC1DACA4FFC}" destId="{B396D6FA-6927-4CC8-8185-8B4B0FB499E8}" srcOrd="0" destOrd="0" parTransId="{D11A700C-2360-4A22-B5EB-18DEBF802321}" sibTransId="{316E2E29-A49D-43FE-8CB0-A67A210B3406}"/>
-    <dgm:cxn modelId="{C2155998-1A9C-487B-8269-69ACCC160A74}" type="presOf" srcId="{6208FDFF-5F5B-421B-9930-F55F8E1CFA20}" destId="{87B6F2D0-51B9-4D75-883E-5AFB3AE684B2}" srcOrd="0" destOrd="0" presId="urn:microsoft.com/office/officeart/2005/8/layout/hChevron3"/>
-    <dgm:cxn modelId="{021EFDC7-1A5D-4856-B5B7-82BB85B99E41}" srcId="{4454A727-A83C-4DCD-B316-0EC1DACA4FFC}" destId="{268661AE-5228-4712-A35C-B596C8C525D9}" srcOrd="5" destOrd="0" parTransId="{3B592B06-CC2F-48AB-8B5C-C56B7779F833}" sibTransId="{9A56A5F5-DDAA-4186-9213-903858370B82}"/>
-    <dgm:cxn modelId="{C6C8171E-6EF6-4076-A59A-E6356720D4A7}" type="presOf" srcId="{26BA3BE8-4CFD-4CA9-8A0B-960E670B65A3}" destId="{359CC400-CD02-4C6C-9C4B-90749A316125}" srcOrd="0" destOrd="0" presId="urn:microsoft.com/office/officeart/2005/8/layout/hChevron3"/>
-    <dgm:cxn modelId="{08159F64-F1A1-435A-BDC4-5E6D098BF2EC}" type="presOf" srcId="{268661AE-5228-4712-A35C-B596C8C525D9}" destId="{8CA444A2-8682-4E4C-B30C-1B5E0E3255B8}" srcOrd="0" destOrd="0" presId="urn:microsoft.com/office/officeart/2005/8/layout/hChevron3"/>
     <dgm:cxn modelId="{99B3EBB2-AFC4-4418-9FAA-B458E7D0F853}" type="presOf" srcId="{4454A727-A83C-4DCD-B316-0EC1DACA4FFC}" destId="{0B456547-30FB-44C9-B3BF-6AB7A39712F3}" srcOrd="0" destOrd="0" presId="urn:microsoft.com/office/officeart/2005/8/layout/hChevron3"/>
     <dgm:cxn modelId="{21E53CB4-1225-45C6-92DB-2201EC3E22EF}" type="presOf" srcId="{591160B3-0CC7-4065-B28B-BDCA097120BE}" destId="{9436A75D-2A17-4250-A3BD-4BBF46653EA6}" srcOrd="0" destOrd="0" presId="urn:microsoft.com/office/officeart/2005/8/layout/hChevron3"/>
     <dgm:cxn modelId="{28961BB9-93A8-4173-840A-0752E8342B69}" srcId="{4454A727-A83C-4DCD-B316-0EC1DACA4FFC}" destId="{DAEBF9CB-EC7C-4933-9250-C2B155723297}" srcOrd="2" destOrd="0" parTransId="{6C163563-6DBF-4F12-99C5-F245633289A4}" sibTransId="{65178C3E-1AB9-44DE-A044-2DE099FF541E}"/>
-    <dgm:cxn modelId="{2034F992-34C6-440A-B928-5209F97EC116}" type="presOf" srcId="{DAEBF9CB-EC7C-4933-9250-C2B155723297}" destId="{6919D201-A12F-4AB9-AE93-FD70FC3889BA}" srcOrd="0" destOrd="0" presId="urn:microsoft.com/office/officeart/2005/8/layout/hChevron3"/>
-    <dgm:cxn modelId="{21419275-74A6-4E57-9F5A-C34B6EC65F6A}" type="presOf" srcId="{B396D6FA-6927-4CC8-8185-8B4B0FB499E8}" destId="{AD8E9CC5-1181-4C5D-BB10-713ED4CAB4C5}" srcOrd="0" destOrd="0" presId="urn:microsoft.com/office/officeart/2005/8/layout/hChevron3"/>
+    <dgm:cxn modelId="{021EFDC7-1A5D-4856-B5B7-82BB85B99E41}" srcId="{4454A727-A83C-4DCD-B316-0EC1DACA4FFC}" destId="{268661AE-5228-4712-A35C-B596C8C525D9}" srcOrd="5" destOrd="0" parTransId="{3B592B06-CC2F-48AB-8B5C-C56B7779F833}" sibTransId="{9A56A5F5-DDAA-4186-9213-903858370B82}"/>
     <dgm:cxn modelId="{A9E581F0-C140-43EF-BC9D-15E543326862}" type="presParOf" srcId="{0B456547-30FB-44C9-B3BF-6AB7A39712F3}" destId="{AD8E9CC5-1181-4C5D-BB10-713ED4CAB4C5}" srcOrd="0" destOrd="0" presId="urn:microsoft.com/office/officeart/2005/8/layout/hChevron3"/>
     <dgm:cxn modelId="{E7E2B71D-6621-4A8D-A24B-E6F8588F9095}" type="presParOf" srcId="{0B456547-30FB-44C9-B3BF-6AB7A39712F3}" destId="{9609200F-81F6-47E6-8678-3DB023136184}" srcOrd="1" destOrd="0" presId="urn:microsoft.com/office/officeart/2005/8/layout/hChevron3"/>
     <dgm:cxn modelId="{191F937D-0699-4311-AB73-90AB8749EF3B}" type="presParOf" srcId="{0B456547-30FB-44C9-B3BF-6AB7A39712F3}" destId="{359CC400-CD02-4C6C-9C4B-90749A316125}" srcOrd="2" destOrd="0" presId="urn:microsoft.com/office/officeart/2005/8/layout/hChevron3"/>
@@ -5444,13 +5403,6 @@
         </dgm:presLayoutVars>
       </dgm:prSet>
       <dgm:spPr/>
-      <dgm:t>
-        <a:bodyPr/>
-        <a:lstStyle/>
-        <a:p>
-          <a:endParaRPr lang="de-DE"/>
-        </a:p>
-      </dgm:t>
     </dgm:pt>
     <dgm:pt modelId="{9609200F-81F6-47E6-8678-3DB023136184}" type="pres">
       <dgm:prSet presAssocID="{316E2E29-A49D-43FE-8CB0-A67A210B3406}" presName="parSpace" presStyleCnt="0"/>
@@ -5463,13 +5415,6 @@
         </dgm:presLayoutVars>
       </dgm:prSet>
       <dgm:spPr/>
-      <dgm:t>
-        <a:bodyPr/>
-        <a:lstStyle/>
-        <a:p>
-          <a:endParaRPr lang="de-DE"/>
-        </a:p>
-      </dgm:t>
     </dgm:pt>
     <dgm:pt modelId="{710D066B-FB16-4B2D-8AEC-F3F86FADF37C}" type="pres">
       <dgm:prSet presAssocID="{8501A7D4-507E-412C-98E3-C72FBE3B535E}" presName="parSpace" presStyleCnt="0"/>
@@ -5482,13 +5427,6 @@
         </dgm:presLayoutVars>
       </dgm:prSet>
       <dgm:spPr/>
-      <dgm:t>
-        <a:bodyPr/>
-        <a:lstStyle/>
-        <a:p>
-          <a:endParaRPr lang="de-DE"/>
-        </a:p>
-      </dgm:t>
     </dgm:pt>
     <dgm:pt modelId="{65B9A82A-C46C-4257-8F77-2E2F5ED9B4ED}" type="pres">
       <dgm:prSet presAssocID="{65178C3E-1AB9-44DE-A044-2DE099FF541E}" presName="parSpace" presStyleCnt="0"/>
@@ -5501,13 +5439,6 @@
         </dgm:presLayoutVars>
       </dgm:prSet>
       <dgm:spPr/>
-      <dgm:t>
-        <a:bodyPr/>
-        <a:lstStyle/>
-        <a:p>
-          <a:endParaRPr lang="de-DE"/>
-        </a:p>
-      </dgm:t>
     </dgm:pt>
     <dgm:pt modelId="{FA98F343-4F3E-4A24-86C6-4A85C7F71687}" type="pres">
       <dgm:prSet presAssocID="{A0D8349B-75A0-4DBC-AA15-03F8F0A68285}" presName="parSpace" presStyleCnt="0"/>
@@ -5520,13 +5451,6 @@
         </dgm:presLayoutVars>
       </dgm:prSet>
       <dgm:spPr/>
-      <dgm:t>
-        <a:bodyPr/>
-        <a:lstStyle/>
-        <a:p>
-          <a:endParaRPr lang="de-DE"/>
-        </a:p>
-      </dgm:t>
     </dgm:pt>
     <dgm:pt modelId="{4A16EEA0-CEB4-466B-9EBF-44E2356C1EF8}" type="pres">
       <dgm:prSet presAssocID="{E7C831B5-A889-49EF-99F0-9421C16125E3}" presName="parSpace" presStyleCnt="0"/>
@@ -5539,29 +5463,22 @@
         </dgm:presLayoutVars>
       </dgm:prSet>
       <dgm:spPr/>
-      <dgm:t>
-        <a:bodyPr/>
-        <a:lstStyle/>
-        <a:p>
-          <a:endParaRPr lang="de-DE"/>
-        </a:p>
-      </dgm:t>
     </dgm:pt>
   </dgm:ptLst>
   <dgm:cxnLst>
+    <dgm:cxn modelId="{C6C8171E-6EF6-4076-A59A-E6356720D4A7}" type="presOf" srcId="{26BA3BE8-4CFD-4CA9-8A0B-960E670B65A3}" destId="{359CC400-CD02-4C6C-9C4B-90749A316125}" srcOrd="0" destOrd="0" presId="urn:microsoft.com/office/officeart/2005/8/layout/hChevron3"/>
+    <dgm:cxn modelId="{0EFA4E5C-CA90-452D-B822-F71C4FE89D10}" srcId="{4454A727-A83C-4DCD-B316-0EC1DACA4FFC}" destId="{B396D6FA-6927-4CC8-8185-8B4B0FB499E8}" srcOrd="0" destOrd="0" parTransId="{D11A700C-2360-4A22-B5EB-18DEBF802321}" sibTransId="{316E2E29-A49D-43FE-8CB0-A67A210B3406}"/>
+    <dgm:cxn modelId="{E02F8061-C48F-4284-B4F5-AD144901F9C7}" srcId="{4454A727-A83C-4DCD-B316-0EC1DACA4FFC}" destId="{6208FDFF-5F5B-421B-9930-F55F8E1CFA20}" srcOrd="3" destOrd="0" parTransId="{F2AA9172-F2A8-455D-8951-1D40EEC35E08}" sibTransId="{A0D8349B-75A0-4DBC-AA15-03F8F0A68285}"/>
+    <dgm:cxn modelId="{08159F64-F1A1-435A-BDC4-5E6D098BF2EC}" type="presOf" srcId="{268661AE-5228-4712-A35C-B596C8C525D9}" destId="{8CA444A2-8682-4E4C-B30C-1B5E0E3255B8}" srcOrd="0" destOrd="0" presId="urn:microsoft.com/office/officeart/2005/8/layout/hChevron3"/>
     <dgm:cxn modelId="{511DCE54-0CD1-46F2-A5BC-75C3A51C8A7B}" srcId="{4454A727-A83C-4DCD-B316-0EC1DACA4FFC}" destId="{591160B3-0CC7-4065-B28B-BDCA097120BE}" srcOrd="4" destOrd="0" parTransId="{FA57BF0C-9521-4F49-94E3-AC6F67534010}" sibTransId="{E7C831B5-A889-49EF-99F0-9421C16125E3}"/>
-    <dgm:cxn modelId="{E02F8061-C48F-4284-B4F5-AD144901F9C7}" srcId="{4454A727-A83C-4DCD-B316-0EC1DACA4FFC}" destId="{6208FDFF-5F5B-421B-9930-F55F8E1CFA20}" srcOrd="3" destOrd="0" parTransId="{F2AA9172-F2A8-455D-8951-1D40EEC35E08}" sibTransId="{A0D8349B-75A0-4DBC-AA15-03F8F0A68285}"/>
+    <dgm:cxn modelId="{21419275-74A6-4E57-9F5A-C34B6EC65F6A}" type="presOf" srcId="{B396D6FA-6927-4CC8-8185-8B4B0FB499E8}" destId="{AD8E9CC5-1181-4C5D-BB10-713ED4CAB4C5}" srcOrd="0" destOrd="0" presId="urn:microsoft.com/office/officeart/2005/8/layout/hChevron3"/>
+    <dgm:cxn modelId="{2034F992-34C6-440A-B928-5209F97EC116}" type="presOf" srcId="{DAEBF9CB-EC7C-4933-9250-C2B155723297}" destId="{6919D201-A12F-4AB9-AE93-FD70FC3889BA}" srcOrd="0" destOrd="0" presId="urn:microsoft.com/office/officeart/2005/8/layout/hChevron3"/>
+    <dgm:cxn modelId="{C2155998-1A9C-487B-8269-69ACCC160A74}" type="presOf" srcId="{6208FDFF-5F5B-421B-9930-F55F8E1CFA20}" destId="{87B6F2D0-51B9-4D75-883E-5AFB3AE684B2}" srcOrd="0" destOrd="0" presId="urn:microsoft.com/office/officeart/2005/8/layout/hChevron3"/>
     <dgm:cxn modelId="{CF1093AA-9E6E-475B-A56D-48C263B44311}" srcId="{4454A727-A83C-4DCD-B316-0EC1DACA4FFC}" destId="{26BA3BE8-4CFD-4CA9-8A0B-960E670B65A3}" srcOrd="1" destOrd="0" parTransId="{031A14BD-A3F3-4D5D-AB2E-9A9FC5D00052}" sibTransId="{8501A7D4-507E-412C-98E3-C72FBE3B535E}"/>
-    <dgm:cxn modelId="{0EFA4E5C-CA90-452D-B822-F71C4FE89D10}" srcId="{4454A727-A83C-4DCD-B316-0EC1DACA4FFC}" destId="{B396D6FA-6927-4CC8-8185-8B4B0FB499E8}" srcOrd="0" destOrd="0" parTransId="{D11A700C-2360-4A22-B5EB-18DEBF802321}" sibTransId="{316E2E29-A49D-43FE-8CB0-A67A210B3406}"/>
-    <dgm:cxn modelId="{C2155998-1A9C-487B-8269-69ACCC160A74}" type="presOf" srcId="{6208FDFF-5F5B-421B-9930-F55F8E1CFA20}" destId="{87B6F2D0-51B9-4D75-883E-5AFB3AE684B2}" srcOrd="0" destOrd="0" presId="urn:microsoft.com/office/officeart/2005/8/layout/hChevron3"/>
-    <dgm:cxn modelId="{021EFDC7-1A5D-4856-B5B7-82BB85B99E41}" srcId="{4454A727-A83C-4DCD-B316-0EC1DACA4FFC}" destId="{268661AE-5228-4712-A35C-B596C8C525D9}" srcOrd="5" destOrd="0" parTransId="{3B592B06-CC2F-48AB-8B5C-C56B7779F833}" sibTransId="{9A56A5F5-DDAA-4186-9213-903858370B82}"/>
-    <dgm:cxn modelId="{C6C8171E-6EF6-4076-A59A-E6356720D4A7}" type="presOf" srcId="{26BA3BE8-4CFD-4CA9-8A0B-960E670B65A3}" destId="{359CC400-CD02-4C6C-9C4B-90749A316125}" srcOrd="0" destOrd="0" presId="urn:microsoft.com/office/officeart/2005/8/layout/hChevron3"/>
-    <dgm:cxn modelId="{08159F64-F1A1-435A-BDC4-5E6D098BF2EC}" type="presOf" srcId="{268661AE-5228-4712-A35C-B596C8C525D9}" destId="{8CA444A2-8682-4E4C-B30C-1B5E0E3255B8}" srcOrd="0" destOrd="0" presId="urn:microsoft.com/office/officeart/2005/8/layout/hChevron3"/>
     <dgm:cxn modelId="{99B3EBB2-AFC4-4418-9FAA-B458E7D0F853}" type="presOf" srcId="{4454A727-A83C-4DCD-B316-0EC1DACA4FFC}" destId="{0B456547-30FB-44C9-B3BF-6AB7A39712F3}" srcOrd="0" destOrd="0" presId="urn:microsoft.com/office/officeart/2005/8/layout/hChevron3"/>
     <dgm:cxn modelId="{21E53CB4-1225-45C6-92DB-2201EC3E22EF}" type="presOf" srcId="{591160B3-0CC7-4065-B28B-BDCA097120BE}" destId="{9436A75D-2A17-4250-A3BD-4BBF46653EA6}" srcOrd="0" destOrd="0" presId="urn:microsoft.com/office/officeart/2005/8/layout/hChevron3"/>
     <dgm:cxn modelId="{28961BB9-93A8-4173-840A-0752E8342B69}" srcId="{4454A727-A83C-4DCD-B316-0EC1DACA4FFC}" destId="{DAEBF9CB-EC7C-4933-9250-C2B155723297}" srcOrd="2" destOrd="0" parTransId="{6C163563-6DBF-4F12-99C5-F245633289A4}" sibTransId="{65178C3E-1AB9-44DE-A044-2DE099FF541E}"/>
-    <dgm:cxn modelId="{2034F992-34C6-440A-B928-5209F97EC116}" type="presOf" srcId="{DAEBF9CB-EC7C-4933-9250-C2B155723297}" destId="{6919D201-A12F-4AB9-AE93-FD70FC3889BA}" srcOrd="0" destOrd="0" presId="urn:microsoft.com/office/officeart/2005/8/layout/hChevron3"/>
-    <dgm:cxn modelId="{21419275-74A6-4E57-9F5A-C34B6EC65F6A}" type="presOf" srcId="{B396D6FA-6927-4CC8-8185-8B4B0FB499E8}" destId="{AD8E9CC5-1181-4C5D-BB10-713ED4CAB4C5}" srcOrd="0" destOrd="0" presId="urn:microsoft.com/office/officeart/2005/8/layout/hChevron3"/>
+    <dgm:cxn modelId="{021EFDC7-1A5D-4856-B5B7-82BB85B99E41}" srcId="{4454A727-A83C-4DCD-B316-0EC1DACA4FFC}" destId="{268661AE-5228-4712-A35C-B596C8C525D9}" srcOrd="5" destOrd="0" parTransId="{3B592B06-CC2F-48AB-8B5C-C56B7779F833}" sibTransId="{9A56A5F5-DDAA-4186-9213-903858370B82}"/>
     <dgm:cxn modelId="{A9E581F0-C140-43EF-BC9D-15E543326862}" type="presParOf" srcId="{0B456547-30FB-44C9-B3BF-6AB7A39712F3}" destId="{AD8E9CC5-1181-4C5D-BB10-713ED4CAB4C5}" srcOrd="0" destOrd="0" presId="urn:microsoft.com/office/officeart/2005/8/layout/hChevron3"/>
     <dgm:cxn modelId="{E7E2B71D-6621-4A8D-A24B-E6F8588F9095}" type="presParOf" srcId="{0B456547-30FB-44C9-B3BF-6AB7A39712F3}" destId="{9609200F-81F6-47E6-8678-3DB023136184}" srcOrd="1" destOrd="0" presId="urn:microsoft.com/office/officeart/2005/8/layout/hChevron3"/>
     <dgm:cxn modelId="{191F937D-0699-4311-AB73-90AB8749EF3B}" type="presParOf" srcId="{0B456547-30FB-44C9-B3BF-6AB7A39712F3}" destId="{359CC400-CD02-4C6C-9C4B-90749A316125}" srcOrd="2" destOrd="0" presId="urn:microsoft.com/office/officeart/2005/8/layout/hChevron3"/>
@@ -5931,13 +5848,6 @@
         </dgm:presLayoutVars>
       </dgm:prSet>
       <dgm:spPr/>
-      <dgm:t>
-        <a:bodyPr/>
-        <a:lstStyle/>
-        <a:p>
-          <a:endParaRPr lang="de-DE"/>
-        </a:p>
-      </dgm:t>
     </dgm:pt>
     <dgm:pt modelId="{9609200F-81F6-47E6-8678-3DB023136184}" type="pres">
       <dgm:prSet presAssocID="{316E2E29-A49D-43FE-8CB0-A67A210B3406}" presName="parSpace" presStyleCnt="0"/>
@@ -5950,13 +5860,6 @@
         </dgm:presLayoutVars>
       </dgm:prSet>
       <dgm:spPr/>
-      <dgm:t>
-        <a:bodyPr/>
-        <a:lstStyle/>
-        <a:p>
-          <a:endParaRPr lang="de-DE"/>
-        </a:p>
-      </dgm:t>
     </dgm:pt>
     <dgm:pt modelId="{710D066B-FB16-4B2D-8AEC-F3F86FADF37C}" type="pres">
       <dgm:prSet presAssocID="{8501A7D4-507E-412C-98E3-C72FBE3B535E}" presName="parSpace" presStyleCnt="0"/>
@@ -5969,13 +5872,6 @@
         </dgm:presLayoutVars>
       </dgm:prSet>
       <dgm:spPr/>
-      <dgm:t>
-        <a:bodyPr/>
-        <a:lstStyle/>
-        <a:p>
-          <a:endParaRPr lang="de-DE"/>
-        </a:p>
-      </dgm:t>
     </dgm:pt>
     <dgm:pt modelId="{65B9A82A-C46C-4257-8F77-2E2F5ED9B4ED}" type="pres">
       <dgm:prSet presAssocID="{65178C3E-1AB9-44DE-A044-2DE099FF541E}" presName="parSpace" presStyleCnt="0"/>
@@ -5988,13 +5884,6 @@
         </dgm:presLayoutVars>
       </dgm:prSet>
       <dgm:spPr/>
-      <dgm:t>
-        <a:bodyPr/>
-        <a:lstStyle/>
-        <a:p>
-          <a:endParaRPr lang="de-DE"/>
-        </a:p>
-      </dgm:t>
     </dgm:pt>
     <dgm:pt modelId="{FA98F343-4F3E-4A24-86C6-4A85C7F71687}" type="pres">
       <dgm:prSet presAssocID="{A0D8349B-75A0-4DBC-AA15-03F8F0A68285}" presName="parSpace" presStyleCnt="0"/>
@@ -6007,13 +5896,6 @@
         </dgm:presLayoutVars>
       </dgm:prSet>
       <dgm:spPr/>
-      <dgm:t>
-        <a:bodyPr/>
-        <a:lstStyle/>
-        <a:p>
-          <a:endParaRPr lang="de-DE"/>
-        </a:p>
-      </dgm:t>
     </dgm:pt>
     <dgm:pt modelId="{4A16EEA0-CEB4-466B-9EBF-44E2356C1EF8}" type="pres">
       <dgm:prSet presAssocID="{E7C831B5-A889-49EF-99F0-9421C16125E3}" presName="parSpace" presStyleCnt="0"/>
@@ -6026,29 +5908,22 @@
         </dgm:presLayoutVars>
       </dgm:prSet>
       <dgm:spPr/>
-      <dgm:t>
-        <a:bodyPr/>
-        <a:lstStyle/>
-        <a:p>
-          <a:endParaRPr lang="de-DE"/>
-        </a:p>
-      </dgm:t>
     </dgm:pt>
   </dgm:ptLst>
   <dgm:cxnLst>
+    <dgm:cxn modelId="{C6C8171E-6EF6-4076-A59A-E6356720D4A7}" type="presOf" srcId="{26BA3BE8-4CFD-4CA9-8A0B-960E670B65A3}" destId="{359CC400-CD02-4C6C-9C4B-90749A316125}" srcOrd="0" destOrd="0" presId="urn:microsoft.com/office/officeart/2005/8/layout/hChevron3"/>
+    <dgm:cxn modelId="{0EFA4E5C-CA90-452D-B822-F71C4FE89D10}" srcId="{4454A727-A83C-4DCD-B316-0EC1DACA4FFC}" destId="{B396D6FA-6927-4CC8-8185-8B4B0FB499E8}" srcOrd="0" destOrd="0" parTransId="{D11A700C-2360-4A22-B5EB-18DEBF802321}" sibTransId="{316E2E29-A49D-43FE-8CB0-A67A210B3406}"/>
+    <dgm:cxn modelId="{E02F8061-C48F-4284-B4F5-AD144901F9C7}" srcId="{4454A727-A83C-4DCD-B316-0EC1DACA4FFC}" destId="{6208FDFF-5F5B-421B-9930-F55F8E1CFA20}" srcOrd="3" destOrd="0" parTransId="{F2AA9172-F2A8-455D-8951-1D40EEC35E08}" sibTransId="{A0D8349B-75A0-4DBC-AA15-03F8F0A68285}"/>
+    <dgm:cxn modelId="{08159F64-F1A1-435A-BDC4-5E6D098BF2EC}" type="presOf" srcId="{268661AE-5228-4712-A35C-B596C8C525D9}" destId="{8CA444A2-8682-4E4C-B30C-1B5E0E3255B8}" srcOrd="0" destOrd="0" presId="urn:microsoft.com/office/officeart/2005/8/layout/hChevron3"/>
     <dgm:cxn modelId="{511DCE54-0CD1-46F2-A5BC-75C3A51C8A7B}" srcId="{4454A727-A83C-4DCD-B316-0EC1DACA4FFC}" destId="{591160B3-0CC7-4065-B28B-BDCA097120BE}" srcOrd="4" destOrd="0" parTransId="{FA57BF0C-9521-4F49-94E3-AC6F67534010}" sibTransId="{E7C831B5-A889-49EF-99F0-9421C16125E3}"/>
-    <dgm:cxn modelId="{E02F8061-C48F-4284-B4F5-AD144901F9C7}" srcId="{4454A727-A83C-4DCD-B316-0EC1DACA4FFC}" destId="{6208FDFF-5F5B-421B-9930-F55F8E1CFA20}" srcOrd="3" destOrd="0" parTransId="{F2AA9172-F2A8-455D-8951-1D40EEC35E08}" sibTransId="{A0D8349B-75A0-4DBC-AA15-03F8F0A68285}"/>
+    <dgm:cxn modelId="{21419275-74A6-4E57-9F5A-C34B6EC65F6A}" type="presOf" srcId="{B396D6FA-6927-4CC8-8185-8B4B0FB499E8}" destId="{AD8E9CC5-1181-4C5D-BB10-713ED4CAB4C5}" srcOrd="0" destOrd="0" presId="urn:microsoft.com/office/officeart/2005/8/layout/hChevron3"/>
+    <dgm:cxn modelId="{2034F992-34C6-440A-B928-5209F97EC116}" type="presOf" srcId="{DAEBF9CB-EC7C-4933-9250-C2B155723297}" destId="{6919D201-A12F-4AB9-AE93-FD70FC3889BA}" srcOrd="0" destOrd="0" presId="urn:microsoft.com/office/officeart/2005/8/layout/hChevron3"/>
+    <dgm:cxn modelId="{C2155998-1A9C-487B-8269-69ACCC160A74}" type="presOf" srcId="{6208FDFF-5F5B-421B-9930-F55F8E1CFA20}" destId="{87B6F2D0-51B9-4D75-883E-5AFB3AE684B2}" srcOrd="0" destOrd="0" presId="urn:microsoft.com/office/officeart/2005/8/layout/hChevron3"/>
     <dgm:cxn modelId="{CF1093AA-9E6E-475B-A56D-48C263B44311}" srcId="{4454A727-A83C-4DCD-B316-0EC1DACA4FFC}" destId="{26BA3BE8-4CFD-4CA9-8A0B-960E670B65A3}" srcOrd="1" destOrd="0" parTransId="{031A14BD-A3F3-4D5D-AB2E-9A9FC5D00052}" sibTransId="{8501A7D4-507E-412C-98E3-C72FBE3B535E}"/>
-    <dgm:cxn modelId="{0EFA4E5C-CA90-452D-B822-F71C4FE89D10}" srcId="{4454A727-A83C-4DCD-B316-0EC1DACA4FFC}" destId="{B396D6FA-6927-4CC8-8185-8B4B0FB499E8}" srcOrd="0" destOrd="0" parTransId="{D11A700C-2360-4A22-B5EB-18DEBF802321}" sibTransId="{316E2E29-A49D-43FE-8CB0-A67A210B3406}"/>
-    <dgm:cxn modelId="{C2155998-1A9C-487B-8269-69ACCC160A74}" type="presOf" srcId="{6208FDFF-5F5B-421B-9930-F55F8E1CFA20}" destId="{87B6F2D0-51B9-4D75-883E-5AFB3AE684B2}" srcOrd="0" destOrd="0" presId="urn:microsoft.com/office/officeart/2005/8/layout/hChevron3"/>
-    <dgm:cxn modelId="{021EFDC7-1A5D-4856-B5B7-82BB85B99E41}" srcId="{4454A727-A83C-4DCD-B316-0EC1DACA4FFC}" destId="{268661AE-5228-4712-A35C-B596C8C525D9}" srcOrd="5" destOrd="0" parTransId="{3B592B06-CC2F-48AB-8B5C-C56B7779F833}" sibTransId="{9A56A5F5-DDAA-4186-9213-903858370B82}"/>
-    <dgm:cxn modelId="{C6C8171E-6EF6-4076-A59A-E6356720D4A7}" type="presOf" srcId="{26BA3BE8-4CFD-4CA9-8A0B-960E670B65A3}" destId="{359CC400-CD02-4C6C-9C4B-90749A316125}" srcOrd="0" destOrd="0" presId="urn:microsoft.com/office/officeart/2005/8/layout/hChevron3"/>
-    <dgm:cxn modelId="{08159F64-F1A1-435A-BDC4-5E6D098BF2EC}" type="presOf" srcId="{268661AE-5228-4712-A35C-B596C8C525D9}" destId="{8CA444A2-8682-4E4C-B30C-1B5E0E3255B8}" srcOrd="0" destOrd="0" presId="urn:microsoft.com/office/officeart/2005/8/layout/hChevron3"/>
     <dgm:cxn modelId="{99B3EBB2-AFC4-4418-9FAA-B458E7D0F853}" type="presOf" srcId="{4454A727-A83C-4DCD-B316-0EC1DACA4FFC}" destId="{0B456547-30FB-44C9-B3BF-6AB7A39712F3}" srcOrd="0" destOrd="0" presId="urn:microsoft.com/office/officeart/2005/8/layout/hChevron3"/>
     <dgm:cxn modelId="{21E53CB4-1225-45C6-92DB-2201EC3E22EF}" type="presOf" srcId="{591160B3-0CC7-4065-B28B-BDCA097120BE}" destId="{9436A75D-2A17-4250-A3BD-4BBF46653EA6}" srcOrd="0" destOrd="0" presId="urn:microsoft.com/office/officeart/2005/8/layout/hChevron3"/>
     <dgm:cxn modelId="{28961BB9-93A8-4173-840A-0752E8342B69}" srcId="{4454A727-A83C-4DCD-B316-0EC1DACA4FFC}" destId="{DAEBF9CB-EC7C-4933-9250-C2B155723297}" srcOrd="2" destOrd="0" parTransId="{6C163563-6DBF-4F12-99C5-F245633289A4}" sibTransId="{65178C3E-1AB9-44DE-A044-2DE099FF541E}"/>
-    <dgm:cxn modelId="{2034F992-34C6-440A-B928-5209F97EC116}" type="presOf" srcId="{DAEBF9CB-EC7C-4933-9250-C2B155723297}" destId="{6919D201-A12F-4AB9-AE93-FD70FC3889BA}" srcOrd="0" destOrd="0" presId="urn:microsoft.com/office/officeart/2005/8/layout/hChevron3"/>
-    <dgm:cxn modelId="{21419275-74A6-4E57-9F5A-C34B6EC65F6A}" type="presOf" srcId="{B396D6FA-6927-4CC8-8185-8B4B0FB499E8}" destId="{AD8E9CC5-1181-4C5D-BB10-713ED4CAB4C5}" srcOrd="0" destOrd="0" presId="urn:microsoft.com/office/officeart/2005/8/layout/hChevron3"/>
+    <dgm:cxn modelId="{021EFDC7-1A5D-4856-B5B7-82BB85B99E41}" srcId="{4454A727-A83C-4DCD-B316-0EC1DACA4FFC}" destId="{268661AE-5228-4712-A35C-B596C8C525D9}" srcOrd="5" destOrd="0" parTransId="{3B592B06-CC2F-48AB-8B5C-C56B7779F833}" sibTransId="{9A56A5F5-DDAA-4186-9213-903858370B82}"/>
     <dgm:cxn modelId="{A9E581F0-C140-43EF-BC9D-15E543326862}" type="presParOf" srcId="{0B456547-30FB-44C9-B3BF-6AB7A39712F3}" destId="{AD8E9CC5-1181-4C5D-BB10-713ED4CAB4C5}" srcOrd="0" destOrd="0" presId="urn:microsoft.com/office/officeart/2005/8/layout/hChevron3"/>
     <dgm:cxn modelId="{E7E2B71D-6621-4A8D-A24B-E6F8588F9095}" type="presParOf" srcId="{0B456547-30FB-44C9-B3BF-6AB7A39712F3}" destId="{9609200F-81F6-47E6-8678-3DB023136184}" srcOrd="1" destOrd="0" presId="urn:microsoft.com/office/officeart/2005/8/layout/hChevron3"/>
     <dgm:cxn modelId="{191F937D-0699-4311-AB73-90AB8749EF3B}" type="presParOf" srcId="{0B456547-30FB-44C9-B3BF-6AB7A39712F3}" destId="{359CC400-CD02-4C6C-9C4B-90749A316125}" srcOrd="2" destOrd="0" presId="urn:microsoft.com/office/officeart/2005/8/layout/hChevron3"/>
@@ -6418,13 +6293,6 @@
         </dgm:presLayoutVars>
       </dgm:prSet>
       <dgm:spPr/>
-      <dgm:t>
-        <a:bodyPr/>
-        <a:lstStyle/>
-        <a:p>
-          <a:endParaRPr lang="de-DE"/>
-        </a:p>
-      </dgm:t>
     </dgm:pt>
     <dgm:pt modelId="{9609200F-81F6-47E6-8678-3DB023136184}" type="pres">
       <dgm:prSet presAssocID="{316E2E29-A49D-43FE-8CB0-A67A210B3406}" presName="parSpace" presStyleCnt="0"/>
@@ -6437,13 +6305,6 @@
         </dgm:presLayoutVars>
       </dgm:prSet>
       <dgm:spPr/>
-      <dgm:t>
-        <a:bodyPr/>
-        <a:lstStyle/>
-        <a:p>
-          <a:endParaRPr lang="de-DE"/>
-        </a:p>
-      </dgm:t>
     </dgm:pt>
     <dgm:pt modelId="{710D066B-FB16-4B2D-8AEC-F3F86FADF37C}" type="pres">
       <dgm:prSet presAssocID="{8501A7D4-507E-412C-98E3-C72FBE3B535E}" presName="parSpace" presStyleCnt="0"/>
@@ -6456,13 +6317,6 @@
         </dgm:presLayoutVars>
       </dgm:prSet>
       <dgm:spPr/>
-      <dgm:t>
-        <a:bodyPr/>
-        <a:lstStyle/>
-        <a:p>
-          <a:endParaRPr lang="de-DE"/>
-        </a:p>
-      </dgm:t>
     </dgm:pt>
     <dgm:pt modelId="{65B9A82A-C46C-4257-8F77-2E2F5ED9B4ED}" type="pres">
       <dgm:prSet presAssocID="{65178C3E-1AB9-44DE-A044-2DE099FF541E}" presName="parSpace" presStyleCnt="0"/>
@@ -6475,13 +6329,6 @@
         </dgm:presLayoutVars>
       </dgm:prSet>
       <dgm:spPr/>
-      <dgm:t>
-        <a:bodyPr/>
-        <a:lstStyle/>
-        <a:p>
-          <a:endParaRPr lang="de-DE"/>
-        </a:p>
-      </dgm:t>
     </dgm:pt>
     <dgm:pt modelId="{FA98F343-4F3E-4A24-86C6-4A85C7F71687}" type="pres">
       <dgm:prSet presAssocID="{A0D8349B-75A0-4DBC-AA15-03F8F0A68285}" presName="parSpace" presStyleCnt="0"/>
@@ -6494,13 +6341,6 @@
         </dgm:presLayoutVars>
       </dgm:prSet>
       <dgm:spPr/>
-      <dgm:t>
-        <a:bodyPr/>
-        <a:lstStyle/>
-        <a:p>
-          <a:endParaRPr lang="de-DE"/>
-        </a:p>
-      </dgm:t>
     </dgm:pt>
     <dgm:pt modelId="{4A16EEA0-CEB4-466B-9EBF-44E2356C1EF8}" type="pres">
       <dgm:prSet presAssocID="{E7C831B5-A889-49EF-99F0-9421C16125E3}" presName="parSpace" presStyleCnt="0"/>
@@ -6513,29 +6353,22 @@
         </dgm:presLayoutVars>
       </dgm:prSet>
       <dgm:spPr/>
-      <dgm:t>
-        <a:bodyPr/>
-        <a:lstStyle/>
-        <a:p>
-          <a:endParaRPr lang="de-DE"/>
-        </a:p>
-      </dgm:t>
     </dgm:pt>
   </dgm:ptLst>
   <dgm:cxnLst>
+    <dgm:cxn modelId="{C6C8171E-6EF6-4076-A59A-E6356720D4A7}" type="presOf" srcId="{26BA3BE8-4CFD-4CA9-8A0B-960E670B65A3}" destId="{359CC400-CD02-4C6C-9C4B-90749A316125}" srcOrd="0" destOrd="0" presId="urn:microsoft.com/office/officeart/2005/8/layout/hChevron3"/>
+    <dgm:cxn modelId="{0EFA4E5C-CA90-452D-B822-F71C4FE89D10}" srcId="{4454A727-A83C-4DCD-B316-0EC1DACA4FFC}" destId="{B396D6FA-6927-4CC8-8185-8B4B0FB499E8}" srcOrd="0" destOrd="0" parTransId="{D11A700C-2360-4A22-B5EB-18DEBF802321}" sibTransId="{316E2E29-A49D-43FE-8CB0-A67A210B3406}"/>
+    <dgm:cxn modelId="{E02F8061-C48F-4284-B4F5-AD144901F9C7}" srcId="{4454A727-A83C-4DCD-B316-0EC1DACA4FFC}" destId="{6208FDFF-5F5B-421B-9930-F55F8E1CFA20}" srcOrd="3" destOrd="0" parTransId="{F2AA9172-F2A8-455D-8951-1D40EEC35E08}" sibTransId="{A0D8349B-75A0-4DBC-AA15-03F8F0A68285}"/>
+    <dgm:cxn modelId="{08159F64-F1A1-435A-BDC4-5E6D098BF2EC}" type="presOf" srcId="{268661AE-5228-4712-A35C-B596C8C525D9}" destId="{8CA444A2-8682-4E4C-B30C-1B5E0E3255B8}" srcOrd="0" destOrd="0" presId="urn:microsoft.com/office/officeart/2005/8/layout/hChevron3"/>
     <dgm:cxn modelId="{511DCE54-0CD1-46F2-A5BC-75C3A51C8A7B}" srcId="{4454A727-A83C-4DCD-B316-0EC1DACA4FFC}" destId="{591160B3-0CC7-4065-B28B-BDCA097120BE}" srcOrd="4" destOrd="0" parTransId="{FA57BF0C-9521-4F49-94E3-AC6F67534010}" sibTransId="{E7C831B5-A889-49EF-99F0-9421C16125E3}"/>
-    <dgm:cxn modelId="{E02F8061-C48F-4284-B4F5-AD144901F9C7}" srcId="{4454A727-A83C-4DCD-B316-0EC1DACA4FFC}" destId="{6208FDFF-5F5B-421B-9930-F55F8E1CFA20}" srcOrd="3" destOrd="0" parTransId="{F2AA9172-F2A8-455D-8951-1D40EEC35E08}" sibTransId="{A0D8349B-75A0-4DBC-AA15-03F8F0A68285}"/>
+    <dgm:cxn modelId="{21419275-74A6-4E57-9F5A-C34B6EC65F6A}" type="presOf" srcId="{B396D6FA-6927-4CC8-8185-8B4B0FB499E8}" destId="{AD8E9CC5-1181-4C5D-BB10-713ED4CAB4C5}" srcOrd="0" destOrd="0" presId="urn:microsoft.com/office/officeart/2005/8/layout/hChevron3"/>
+    <dgm:cxn modelId="{2034F992-34C6-440A-B928-5209F97EC116}" type="presOf" srcId="{DAEBF9CB-EC7C-4933-9250-C2B155723297}" destId="{6919D201-A12F-4AB9-AE93-FD70FC3889BA}" srcOrd="0" destOrd="0" presId="urn:microsoft.com/office/officeart/2005/8/layout/hChevron3"/>
+    <dgm:cxn modelId="{C2155998-1A9C-487B-8269-69ACCC160A74}" type="presOf" srcId="{6208FDFF-5F5B-421B-9930-F55F8E1CFA20}" destId="{87B6F2D0-51B9-4D75-883E-5AFB3AE684B2}" srcOrd="0" destOrd="0" presId="urn:microsoft.com/office/officeart/2005/8/layout/hChevron3"/>
     <dgm:cxn modelId="{CF1093AA-9E6E-475B-A56D-48C263B44311}" srcId="{4454A727-A83C-4DCD-B316-0EC1DACA4FFC}" destId="{26BA3BE8-4CFD-4CA9-8A0B-960E670B65A3}" srcOrd="1" destOrd="0" parTransId="{031A14BD-A3F3-4D5D-AB2E-9A9FC5D00052}" sibTransId="{8501A7D4-507E-412C-98E3-C72FBE3B535E}"/>
-    <dgm:cxn modelId="{0EFA4E5C-CA90-452D-B822-F71C4FE89D10}" srcId="{4454A727-A83C-4DCD-B316-0EC1DACA4FFC}" destId="{B396D6FA-6927-4CC8-8185-8B4B0FB499E8}" srcOrd="0" destOrd="0" parTransId="{D11A700C-2360-4A22-B5EB-18DEBF802321}" sibTransId="{316E2E29-A49D-43FE-8CB0-A67A210B3406}"/>
-    <dgm:cxn modelId="{C2155998-1A9C-487B-8269-69ACCC160A74}" type="presOf" srcId="{6208FDFF-5F5B-421B-9930-F55F8E1CFA20}" destId="{87B6F2D0-51B9-4D75-883E-5AFB3AE684B2}" srcOrd="0" destOrd="0" presId="urn:microsoft.com/office/officeart/2005/8/layout/hChevron3"/>
-    <dgm:cxn modelId="{021EFDC7-1A5D-4856-B5B7-82BB85B99E41}" srcId="{4454A727-A83C-4DCD-B316-0EC1DACA4FFC}" destId="{268661AE-5228-4712-A35C-B596C8C525D9}" srcOrd="5" destOrd="0" parTransId="{3B592B06-CC2F-48AB-8B5C-C56B7779F833}" sibTransId="{9A56A5F5-DDAA-4186-9213-903858370B82}"/>
-    <dgm:cxn modelId="{C6C8171E-6EF6-4076-A59A-E6356720D4A7}" type="presOf" srcId="{26BA3BE8-4CFD-4CA9-8A0B-960E670B65A3}" destId="{359CC400-CD02-4C6C-9C4B-90749A316125}" srcOrd="0" destOrd="0" presId="urn:microsoft.com/office/officeart/2005/8/layout/hChevron3"/>
-    <dgm:cxn modelId="{08159F64-F1A1-435A-BDC4-5E6D098BF2EC}" type="presOf" srcId="{268661AE-5228-4712-A35C-B596C8C525D9}" destId="{8CA444A2-8682-4E4C-B30C-1B5E0E3255B8}" srcOrd="0" destOrd="0" presId="urn:microsoft.com/office/officeart/2005/8/layout/hChevron3"/>
     <dgm:cxn modelId="{99B3EBB2-AFC4-4418-9FAA-B458E7D0F853}" type="presOf" srcId="{4454A727-A83C-4DCD-B316-0EC1DACA4FFC}" destId="{0B456547-30FB-44C9-B3BF-6AB7A39712F3}" srcOrd="0" destOrd="0" presId="urn:microsoft.com/office/officeart/2005/8/layout/hChevron3"/>
     <dgm:cxn modelId="{21E53CB4-1225-45C6-92DB-2201EC3E22EF}" type="presOf" srcId="{591160B3-0CC7-4065-B28B-BDCA097120BE}" destId="{9436A75D-2A17-4250-A3BD-4BBF46653EA6}" srcOrd="0" destOrd="0" presId="urn:microsoft.com/office/officeart/2005/8/layout/hChevron3"/>
     <dgm:cxn modelId="{28961BB9-93A8-4173-840A-0752E8342B69}" srcId="{4454A727-A83C-4DCD-B316-0EC1DACA4FFC}" destId="{DAEBF9CB-EC7C-4933-9250-C2B155723297}" srcOrd="2" destOrd="0" parTransId="{6C163563-6DBF-4F12-99C5-F245633289A4}" sibTransId="{65178C3E-1AB9-44DE-A044-2DE099FF541E}"/>
-    <dgm:cxn modelId="{2034F992-34C6-440A-B928-5209F97EC116}" type="presOf" srcId="{DAEBF9CB-EC7C-4933-9250-C2B155723297}" destId="{6919D201-A12F-4AB9-AE93-FD70FC3889BA}" srcOrd="0" destOrd="0" presId="urn:microsoft.com/office/officeart/2005/8/layout/hChevron3"/>
-    <dgm:cxn modelId="{21419275-74A6-4E57-9F5A-C34B6EC65F6A}" type="presOf" srcId="{B396D6FA-6927-4CC8-8185-8B4B0FB499E8}" destId="{AD8E9CC5-1181-4C5D-BB10-713ED4CAB4C5}" srcOrd="0" destOrd="0" presId="urn:microsoft.com/office/officeart/2005/8/layout/hChevron3"/>
+    <dgm:cxn modelId="{021EFDC7-1A5D-4856-B5B7-82BB85B99E41}" srcId="{4454A727-A83C-4DCD-B316-0EC1DACA4FFC}" destId="{268661AE-5228-4712-A35C-B596C8C525D9}" srcOrd="5" destOrd="0" parTransId="{3B592B06-CC2F-48AB-8B5C-C56B7779F833}" sibTransId="{9A56A5F5-DDAA-4186-9213-903858370B82}"/>
     <dgm:cxn modelId="{A9E581F0-C140-43EF-BC9D-15E543326862}" type="presParOf" srcId="{0B456547-30FB-44C9-B3BF-6AB7A39712F3}" destId="{AD8E9CC5-1181-4C5D-BB10-713ED4CAB4C5}" srcOrd="0" destOrd="0" presId="urn:microsoft.com/office/officeart/2005/8/layout/hChevron3"/>
     <dgm:cxn modelId="{E7E2B71D-6621-4A8D-A24B-E6F8588F9095}" type="presParOf" srcId="{0B456547-30FB-44C9-B3BF-6AB7A39712F3}" destId="{9609200F-81F6-47E6-8678-3DB023136184}" srcOrd="1" destOrd="0" presId="urn:microsoft.com/office/officeart/2005/8/layout/hChevron3"/>
     <dgm:cxn modelId="{191F937D-0699-4311-AB73-90AB8749EF3B}" type="presParOf" srcId="{0B456547-30FB-44C9-B3BF-6AB7A39712F3}" destId="{359CC400-CD02-4C6C-9C4B-90749A316125}" srcOrd="2" destOrd="0" presId="urn:microsoft.com/office/officeart/2005/8/layout/hChevron3"/>
@@ -6905,13 +6738,6 @@
         </dgm:presLayoutVars>
       </dgm:prSet>
       <dgm:spPr/>
-      <dgm:t>
-        <a:bodyPr/>
-        <a:lstStyle/>
-        <a:p>
-          <a:endParaRPr lang="de-DE"/>
-        </a:p>
-      </dgm:t>
     </dgm:pt>
     <dgm:pt modelId="{9609200F-81F6-47E6-8678-3DB023136184}" type="pres">
       <dgm:prSet presAssocID="{316E2E29-A49D-43FE-8CB0-A67A210B3406}" presName="parSpace" presStyleCnt="0"/>
@@ -6924,13 +6750,6 @@
         </dgm:presLayoutVars>
       </dgm:prSet>
       <dgm:spPr/>
-      <dgm:t>
-        <a:bodyPr/>
-        <a:lstStyle/>
-        <a:p>
-          <a:endParaRPr lang="de-DE"/>
-        </a:p>
-      </dgm:t>
     </dgm:pt>
     <dgm:pt modelId="{710D066B-FB16-4B2D-8AEC-F3F86FADF37C}" type="pres">
       <dgm:prSet presAssocID="{8501A7D4-507E-412C-98E3-C72FBE3B535E}" presName="parSpace" presStyleCnt="0"/>
@@ -6943,13 +6762,6 @@
         </dgm:presLayoutVars>
       </dgm:prSet>
       <dgm:spPr/>
-      <dgm:t>
-        <a:bodyPr/>
-        <a:lstStyle/>
-        <a:p>
-          <a:endParaRPr lang="de-DE"/>
-        </a:p>
-      </dgm:t>
     </dgm:pt>
     <dgm:pt modelId="{65B9A82A-C46C-4257-8F77-2E2F5ED9B4ED}" type="pres">
       <dgm:prSet presAssocID="{65178C3E-1AB9-44DE-A044-2DE099FF541E}" presName="parSpace" presStyleCnt="0"/>
@@ -6962,13 +6774,6 @@
         </dgm:presLayoutVars>
       </dgm:prSet>
       <dgm:spPr/>
-      <dgm:t>
-        <a:bodyPr/>
-        <a:lstStyle/>
-        <a:p>
-          <a:endParaRPr lang="de-DE"/>
-        </a:p>
-      </dgm:t>
     </dgm:pt>
     <dgm:pt modelId="{FA98F343-4F3E-4A24-86C6-4A85C7F71687}" type="pres">
       <dgm:prSet presAssocID="{A0D8349B-75A0-4DBC-AA15-03F8F0A68285}" presName="parSpace" presStyleCnt="0"/>
@@ -6981,13 +6786,6 @@
         </dgm:presLayoutVars>
       </dgm:prSet>
       <dgm:spPr/>
-      <dgm:t>
-        <a:bodyPr/>
-        <a:lstStyle/>
-        <a:p>
-          <a:endParaRPr lang="de-DE"/>
-        </a:p>
-      </dgm:t>
     </dgm:pt>
     <dgm:pt modelId="{4A16EEA0-CEB4-466B-9EBF-44E2356C1EF8}" type="pres">
       <dgm:prSet presAssocID="{E7C831B5-A889-49EF-99F0-9421C16125E3}" presName="parSpace" presStyleCnt="0"/>
@@ -7000,29 +6798,22 @@
         </dgm:presLayoutVars>
       </dgm:prSet>
       <dgm:spPr/>
-      <dgm:t>
-        <a:bodyPr/>
-        <a:lstStyle/>
-        <a:p>
-          <a:endParaRPr lang="de-DE"/>
-        </a:p>
-      </dgm:t>
     </dgm:pt>
   </dgm:ptLst>
   <dgm:cxnLst>
+    <dgm:cxn modelId="{C6C8171E-6EF6-4076-A59A-E6356720D4A7}" type="presOf" srcId="{26BA3BE8-4CFD-4CA9-8A0B-960E670B65A3}" destId="{359CC400-CD02-4C6C-9C4B-90749A316125}" srcOrd="0" destOrd="0" presId="urn:microsoft.com/office/officeart/2005/8/layout/hChevron3"/>
+    <dgm:cxn modelId="{0EFA4E5C-CA90-452D-B822-F71C4FE89D10}" srcId="{4454A727-A83C-4DCD-B316-0EC1DACA4FFC}" destId="{B396D6FA-6927-4CC8-8185-8B4B0FB499E8}" srcOrd="0" destOrd="0" parTransId="{D11A700C-2360-4A22-B5EB-18DEBF802321}" sibTransId="{316E2E29-A49D-43FE-8CB0-A67A210B3406}"/>
+    <dgm:cxn modelId="{E02F8061-C48F-4284-B4F5-AD144901F9C7}" srcId="{4454A727-A83C-4DCD-B316-0EC1DACA4FFC}" destId="{6208FDFF-5F5B-421B-9930-F55F8E1CFA20}" srcOrd="3" destOrd="0" parTransId="{F2AA9172-F2A8-455D-8951-1D40EEC35E08}" sibTransId="{A0D8349B-75A0-4DBC-AA15-03F8F0A68285}"/>
+    <dgm:cxn modelId="{08159F64-F1A1-435A-BDC4-5E6D098BF2EC}" type="presOf" srcId="{268661AE-5228-4712-A35C-B596C8C525D9}" destId="{8CA444A2-8682-4E4C-B30C-1B5E0E3255B8}" srcOrd="0" destOrd="0" presId="urn:microsoft.com/office/officeart/2005/8/layout/hChevron3"/>
     <dgm:cxn modelId="{511DCE54-0CD1-46F2-A5BC-75C3A51C8A7B}" srcId="{4454A727-A83C-4DCD-B316-0EC1DACA4FFC}" destId="{591160B3-0CC7-4065-B28B-BDCA097120BE}" srcOrd="4" destOrd="0" parTransId="{FA57BF0C-9521-4F49-94E3-AC6F67534010}" sibTransId="{E7C831B5-A889-49EF-99F0-9421C16125E3}"/>
-    <dgm:cxn modelId="{E02F8061-C48F-4284-B4F5-AD144901F9C7}" srcId="{4454A727-A83C-4DCD-B316-0EC1DACA4FFC}" destId="{6208FDFF-5F5B-421B-9930-F55F8E1CFA20}" srcOrd="3" destOrd="0" parTransId="{F2AA9172-F2A8-455D-8951-1D40EEC35E08}" sibTransId="{A0D8349B-75A0-4DBC-AA15-03F8F0A68285}"/>
+    <dgm:cxn modelId="{21419275-74A6-4E57-9F5A-C34B6EC65F6A}" type="presOf" srcId="{B396D6FA-6927-4CC8-8185-8B4B0FB499E8}" destId="{AD8E9CC5-1181-4C5D-BB10-713ED4CAB4C5}" srcOrd="0" destOrd="0" presId="urn:microsoft.com/office/officeart/2005/8/layout/hChevron3"/>
+    <dgm:cxn modelId="{2034F992-34C6-440A-B928-5209F97EC116}" type="presOf" srcId="{DAEBF9CB-EC7C-4933-9250-C2B155723297}" destId="{6919D201-A12F-4AB9-AE93-FD70FC3889BA}" srcOrd="0" destOrd="0" presId="urn:microsoft.com/office/officeart/2005/8/layout/hChevron3"/>
+    <dgm:cxn modelId="{C2155998-1A9C-487B-8269-69ACCC160A74}" type="presOf" srcId="{6208FDFF-5F5B-421B-9930-F55F8E1CFA20}" destId="{87B6F2D0-51B9-4D75-883E-5AFB3AE684B2}" srcOrd="0" destOrd="0" presId="urn:microsoft.com/office/officeart/2005/8/layout/hChevron3"/>
     <dgm:cxn modelId="{CF1093AA-9E6E-475B-A56D-48C263B44311}" srcId="{4454A727-A83C-4DCD-B316-0EC1DACA4FFC}" destId="{26BA3BE8-4CFD-4CA9-8A0B-960E670B65A3}" srcOrd="1" destOrd="0" parTransId="{031A14BD-A3F3-4D5D-AB2E-9A9FC5D00052}" sibTransId="{8501A7D4-507E-412C-98E3-C72FBE3B535E}"/>
-    <dgm:cxn modelId="{0EFA4E5C-CA90-452D-B822-F71C4FE89D10}" srcId="{4454A727-A83C-4DCD-B316-0EC1DACA4FFC}" destId="{B396D6FA-6927-4CC8-8185-8B4B0FB499E8}" srcOrd="0" destOrd="0" parTransId="{D11A700C-2360-4A22-B5EB-18DEBF802321}" sibTransId="{316E2E29-A49D-43FE-8CB0-A67A210B3406}"/>
-    <dgm:cxn modelId="{C2155998-1A9C-487B-8269-69ACCC160A74}" type="presOf" srcId="{6208FDFF-5F5B-421B-9930-F55F8E1CFA20}" destId="{87B6F2D0-51B9-4D75-883E-5AFB3AE684B2}" srcOrd="0" destOrd="0" presId="urn:microsoft.com/office/officeart/2005/8/layout/hChevron3"/>
-    <dgm:cxn modelId="{021EFDC7-1A5D-4856-B5B7-82BB85B99E41}" srcId="{4454A727-A83C-4DCD-B316-0EC1DACA4FFC}" destId="{268661AE-5228-4712-A35C-B596C8C525D9}" srcOrd="5" destOrd="0" parTransId="{3B592B06-CC2F-48AB-8B5C-C56B7779F833}" sibTransId="{9A56A5F5-DDAA-4186-9213-903858370B82}"/>
-    <dgm:cxn modelId="{C6C8171E-6EF6-4076-A59A-E6356720D4A7}" type="presOf" srcId="{26BA3BE8-4CFD-4CA9-8A0B-960E670B65A3}" destId="{359CC400-CD02-4C6C-9C4B-90749A316125}" srcOrd="0" destOrd="0" presId="urn:microsoft.com/office/officeart/2005/8/layout/hChevron3"/>
-    <dgm:cxn modelId="{08159F64-F1A1-435A-BDC4-5E6D098BF2EC}" type="presOf" srcId="{268661AE-5228-4712-A35C-B596C8C525D9}" destId="{8CA444A2-8682-4E4C-B30C-1B5E0E3255B8}" srcOrd="0" destOrd="0" presId="urn:microsoft.com/office/officeart/2005/8/layout/hChevron3"/>
     <dgm:cxn modelId="{99B3EBB2-AFC4-4418-9FAA-B458E7D0F853}" type="presOf" srcId="{4454A727-A83C-4DCD-B316-0EC1DACA4FFC}" destId="{0B456547-30FB-44C9-B3BF-6AB7A39712F3}" srcOrd="0" destOrd="0" presId="urn:microsoft.com/office/officeart/2005/8/layout/hChevron3"/>
     <dgm:cxn modelId="{21E53CB4-1225-45C6-92DB-2201EC3E22EF}" type="presOf" srcId="{591160B3-0CC7-4065-B28B-BDCA097120BE}" destId="{9436A75D-2A17-4250-A3BD-4BBF46653EA6}" srcOrd="0" destOrd="0" presId="urn:microsoft.com/office/officeart/2005/8/layout/hChevron3"/>
     <dgm:cxn modelId="{28961BB9-93A8-4173-840A-0752E8342B69}" srcId="{4454A727-A83C-4DCD-B316-0EC1DACA4FFC}" destId="{DAEBF9CB-EC7C-4933-9250-C2B155723297}" srcOrd="2" destOrd="0" parTransId="{6C163563-6DBF-4F12-99C5-F245633289A4}" sibTransId="{65178C3E-1AB9-44DE-A044-2DE099FF541E}"/>
-    <dgm:cxn modelId="{2034F992-34C6-440A-B928-5209F97EC116}" type="presOf" srcId="{DAEBF9CB-EC7C-4933-9250-C2B155723297}" destId="{6919D201-A12F-4AB9-AE93-FD70FC3889BA}" srcOrd="0" destOrd="0" presId="urn:microsoft.com/office/officeart/2005/8/layout/hChevron3"/>
-    <dgm:cxn modelId="{21419275-74A6-4E57-9F5A-C34B6EC65F6A}" type="presOf" srcId="{B396D6FA-6927-4CC8-8185-8B4B0FB499E8}" destId="{AD8E9CC5-1181-4C5D-BB10-713ED4CAB4C5}" srcOrd="0" destOrd="0" presId="urn:microsoft.com/office/officeart/2005/8/layout/hChevron3"/>
+    <dgm:cxn modelId="{021EFDC7-1A5D-4856-B5B7-82BB85B99E41}" srcId="{4454A727-A83C-4DCD-B316-0EC1DACA4FFC}" destId="{268661AE-5228-4712-A35C-B596C8C525D9}" srcOrd="5" destOrd="0" parTransId="{3B592B06-CC2F-48AB-8B5C-C56B7779F833}" sibTransId="{9A56A5F5-DDAA-4186-9213-903858370B82}"/>
     <dgm:cxn modelId="{A9E581F0-C140-43EF-BC9D-15E543326862}" type="presParOf" srcId="{0B456547-30FB-44C9-B3BF-6AB7A39712F3}" destId="{AD8E9CC5-1181-4C5D-BB10-713ED4CAB4C5}" srcOrd="0" destOrd="0" presId="urn:microsoft.com/office/officeart/2005/8/layout/hChevron3"/>
     <dgm:cxn modelId="{E7E2B71D-6621-4A8D-A24B-E6F8588F9095}" type="presParOf" srcId="{0B456547-30FB-44C9-B3BF-6AB7A39712F3}" destId="{9609200F-81F6-47E6-8678-3DB023136184}" srcOrd="1" destOrd="0" presId="urn:microsoft.com/office/officeart/2005/8/layout/hChevron3"/>
     <dgm:cxn modelId="{191F937D-0699-4311-AB73-90AB8749EF3B}" type="presParOf" srcId="{0B456547-30FB-44C9-B3BF-6AB7A39712F3}" destId="{359CC400-CD02-4C6C-9C4B-90749A316125}" srcOrd="2" destOrd="0" presId="urn:microsoft.com/office/officeart/2005/8/layout/hChevron3"/>
@@ -7392,13 +7183,6 @@
         </dgm:presLayoutVars>
       </dgm:prSet>
       <dgm:spPr/>
-      <dgm:t>
-        <a:bodyPr/>
-        <a:lstStyle/>
-        <a:p>
-          <a:endParaRPr lang="de-DE"/>
-        </a:p>
-      </dgm:t>
     </dgm:pt>
     <dgm:pt modelId="{9609200F-81F6-47E6-8678-3DB023136184}" type="pres">
       <dgm:prSet presAssocID="{316E2E29-A49D-43FE-8CB0-A67A210B3406}" presName="parSpace" presStyleCnt="0"/>
@@ -7411,13 +7195,6 @@
         </dgm:presLayoutVars>
       </dgm:prSet>
       <dgm:spPr/>
-      <dgm:t>
-        <a:bodyPr/>
-        <a:lstStyle/>
-        <a:p>
-          <a:endParaRPr lang="de-DE"/>
-        </a:p>
-      </dgm:t>
     </dgm:pt>
     <dgm:pt modelId="{710D066B-FB16-4B2D-8AEC-F3F86FADF37C}" type="pres">
       <dgm:prSet presAssocID="{8501A7D4-507E-412C-98E3-C72FBE3B535E}" presName="parSpace" presStyleCnt="0"/>
@@ -7430,13 +7207,6 @@
         </dgm:presLayoutVars>
       </dgm:prSet>
       <dgm:spPr/>
-      <dgm:t>
-        <a:bodyPr/>
-        <a:lstStyle/>
-        <a:p>
-          <a:endParaRPr lang="de-DE"/>
-        </a:p>
-      </dgm:t>
     </dgm:pt>
     <dgm:pt modelId="{65B9A82A-C46C-4257-8F77-2E2F5ED9B4ED}" type="pres">
       <dgm:prSet presAssocID="{65178C3E-1AB9-44DE-A044-2DE099FF541E}" presName="parSpace" presStyleCnt="0"/>
@@ -7449,13 +7219,6 @@
         </dgm:presLayoutVars>
       </dgm:prSet>
       <dgm:spPr/>
-      <dgm:t>
-        <a:bodyPr/>
-        <a:lstStyle/>
-        <a:p>
-          <a:endParaRPr lang="de-DE"/>
-        </a:p>
-      </dgm:t>
     </dgm:pt>
     <dgm:pt modelId="{FA98F343-4F3E-4A24-86C6-4A85C7F71687}" type="pres">
       <dgm:prSet presAssocID="{A0D8349B-75A0-4DBC-AA15-03F8F0A68285}" presName="parSpace" presStyleCnt="0"/>
@@ -7468,13 +7231,6 @@
         </dgm:presLayoutVars>
       </dgm:prSet>
       <dgm:spPr/>
-      <dgm:t>
-        <a:bodyPr/>
-        <a:lstStyle/>
-        <a:p>
-          <a:endParaRPr lang="de-DE"/>
-        </a:p>
-      </dgm:t>
     </dgm:pt>
     <dgm:pt modelId="{4A16EEA0-CEB4-466B-9EBF-44E2356C1EF8}" type="pres">
       <dgm:prSet presAssocID="{E7C831B5-A889-49EF-99F0-9421C16125E3}" presName="parSpace" presStyleCnt="0"/>
@@ -7487,29 +7243,22 @@
         </dgm:presLayoutVars>
       </dgm:prSet>
       <dgm:spPr/>
-      <dgm:t>
-        <a:bodyPr/>
-        <a:lstStyle/>
-        <a:p>
-          <a:endParaRPr lang="de-DE"/>
-        </a:p>
-      </dgm:t>
     </dgm:pt>
   </dgm:ptLst>
   <dgm:cxnLst>
+    <dgm:cxn modelId="{C6C8171E-6EF6-4076-A59A-E6356720D4A7}" type="presOf" srcId="{26BA3BE8-4CFD-4CA9-8A0B-960E670B65A3}" destId="{359CC400-CD02-4C6C-9C4B-90749A316125}" srcOrd="0" destOrd="0" presId="urn:microsoft.com/office/officeart/2005/8/layout/hChevron3"/>
+    <dgm:cxn modelId="{0EFA4E5C-CA90-452D-B822-F71C4FE89D10}" srcId="{4454A727-A83C-4DCD-B316-0EC1DACA4FFC}" destId="{B396D6FA-6927-4CC8-8185-8B4B0FB499E8}" srcOrd="0" destOrd="0" parTransId="{D11A700C-2360-4A22-B5EB-18DEBF802321}" sibTransId="{316E2E29-A49D-43FE-8CB0-A67A210B3406}"/>
+    <dgm:cxn modelId="{E02F8061-C48F-4284-B4F5-AD144901F9C7}" srcId="{4454A727-A83C-4DCD-B316-0EC1DACA4FFC}" destId="{6208FDFF-5F5B-421B-9930-F55F8E1CFA20}" srcOrd="3" destOrd="0" parTransId="{F2AA9172-F2A8-455D-8951-1D40EEC35E08}" sibTransId="{A0D8349B-75A0-4DBC-AA15-03F8F0A68285}"/>
+    <dgm:cxn modelId="{08159F64-F1A1-435A-BDC4-5E6D098BF2EC}" type="presOf" srcId="{268661AE-5228-4712-A35C-B596C8C525D9}" destId="{8CA444A2-8682-4E4C-B30C-1B5E0E3255B8}" srcOrd="0" destOrd="0" presId="urn:microsoft.com/office/officeart/2005/8/layout/hChevron3"/>
     <dgm:cxn modelId="{511DCE54-0CD1-46F2-A5BC-75C3A51C8A7B}" srcId="{4454A727-A83C-4DCD-B316-0EC1DACA4FFC}" destId="{591160B3-0CC7-4065-B28B-BDCA097120BE}" srcOrd="4" destOrd="0" parTransId="{FA57BF0C-9521-4F49-94E3-AC6F67534010}" sibTransId="{E7C831B5-A889-49EF-99F0-9421C16125E3}"/>
-    <dgm:cxn modelId="{E02F8061-C48F-4284-B4F5-AD144901F9C7}" srcId="{4454A727-A83C-4DCD-B316-0EC1DACA4FFC}" destId="{6208FDFF-5F5B-421B-9930-F55F8E1CFA20}" srcOrd="3" destOrd="0" parTransId="{F2AA9172-F2A8-455D-8951-1D40EEC35E08}" sibTransId="{A0D8349B-75A0-4DBC-AA15-03F8F0A68285}"/>
+    <dgm:cxn modelId="{21419275-74A6-4E57-9F5A-C34B6EC65F6A}" type="presOf" srcId="{B396D6FA-6927-4CC8-8185-8B4B0FB499E8}" destId="{AD8E9CC5-1181-4C5D-BB10-713ED4CAB4C5}" srcOrd="0" destOrd="0" presId="urn:microsoft.com/office/officeart/2005/8/layout/hChevron3"/>
+    <dgm:cxn modelId="{2034F992-34C6-440A-B928-5209F97EC116}" type="presOf" srcId="{DAEBF9CB-EC7C-4933-9250-C2B155723297}" destId="{6919D201-A12F-4AB9-AE93-FD70FC3889BA}" srcOrd="0" destOrd="0" presId="urn:microsoft.com/office/officeart/2005/8/layout/hChevron3"/>
+    <dgm:cxn modelId="{C2155998-1A9C-487B-8269-69ACCC160A74}" type="presOf" srcId="{6208FDFF-5F5B-421B-9930-F55F8E1CFA20}" destId="{87B6F2D0-51B9-4D75-883E-5AFB3AE684B2}" srcOrd="0" destOrd="0" presId="urn:microsoft.com/office/officeart/2005/8/layout/hChevron3"/>
     <dgm:cxn modelId="{CF1093AA-9E6E-475B-A56D-48C263B44311}" srcId="{4454A727-A83C-4DCD-B316-0EC1DACA4FFC}" destId="{26BA3BE8-4CFD-4CA9-8A0B-960E670B65A3}" srcOrd="1" destOrd="0" parTransId="{031A14BD-A3F3-4D5D-AB2E-9A9FC5D00052}" sibTransId="{8501A7D4-507E-412C-98E3-C72FBE3B535E}"/>
-    <dgm:cxn modelId="{0EFA4E5C-CA90-452D-B822-F71C4FE89D10}" srcId="{4454A727-A83C-4DCD-B316-0EC1DACA4FFC}" destId="{B396D6FA-6927-4CC8-8185-8B4B0FB499E8}" srcOrd="0" destOrd="0" parTransId="{D11A700C-2360-4A22-B5EB-18DEBF802321}" sibTransId="{316E2E29-A49D-43FE-8CB0-A67A210B3406}"/>
-    <dgm:cxn modelId="{C2155998-1A9C-487B-8269-69ACCC160A74}" type="presOf" srcId="{6208FDFF-5F5B-421B-9930-F55F8E1CFA20}" destId="{87B6F2D0-51B9-4D75-883E-5AFB3AE684B2}" srcOrd="0" destOrd="0" presId="urn:microsoft.com/office/officeart/2005/8/layout/hChevron3"/>
-    <dgm:cxn modelId="{021EFDC7-1A5D-4856-B5B7-82BB85B99E41}" srcId="{4454A727-A83C-4DCD-B316-0EC1DACA4FFC}" destId="{268661AE-5228-4712-A35C-B596C8C525D9}" srcOrd="5" destOrd="0" parTransId="{3B592B06-CC2F-48AB-8B5C-C56B7779F833}" sibTransId="{9A56A5F5-DDAA-4186-9213-903858370B82}"/>
-    <dgm:cxn modelId="{C6C8171E-6EF6-4076-A59A-E6356720D4A7}" type="presOf" srcId="{26BA3BE8-4CFD-4CA9-8A0B-960E670B65A3}" destId="{359CC400-CD02-4C6C-9C4B-90749A316125}" srcOrd="0" destOrd="0" presId="urn:microsoft.com/office/officeart/2005/8/layout/hChevron3"/>
-    <dgm:cxn modelId="{08159F64-F1A1-435A-BDC4-5E6D098BF2EC}" type="presOf" srcId="{268661AE-5228-4712-A35C-B596C8C525D9}" destId="{8CA444A2-8682-4E4C-B30C-1B5E0E3255B8}" srcOrd="0" destOrd="0" presId="urn:microsoft.com/office/officeart/2005/8/layout/hChevron3"/>
     <dgm:cxn modelId="{99B3EBB2-AFC4-4418-9FAA-B458E7D0F853}" type="presOf" srcId="{4454A727-A83C-4DCD-B316-0EC1DACA4FFC}" destId="{0B456547-30FB-44C9-B3BF-6AB7A39712F3}" srcOrd="0" destOrd="0" presId="urn:microsoft.com/office/officeart/2005/8/layout/hChevron3"/>
     <dgm:cxn modelId="{21E53CB4-1225-45C6-92DB-2201EC3E22EF}" type="presOf" srcId="{591160B3-0CC7-4065-B28B-BDCA097120BE}" destId="{9436A75D-2A17-4250-A3BD-4BBF46653EA6}" srcOrd="0" destOrd="0" presId="urn:microsoft.com/office/officeart/2005/8/layout/hChevron3"/>
     <dgm:cxn modelId="{28961BB9-93A8-4173-840A-0752E8342B69}" srcId="{4454A727-A83C-4DCD-B316-0EC1DACA4FFC}" destId="{DAEBF9CB-EC7C-4933-9250-C2B155723297}" srcOrd="2" destOrd="0" parTransId="{6C163563-6DBF-4F12-99C5-F245633289A4}" sibTransId="{65178C3E-1AB9-44DE-A044-2DE099FF541E}"/>
-    <dgm:cxn modelId="{2034F992-34C6-440A-B928-5209F97EC116}" type="presOf" srcId="{DAEBF9CB-EC7C-4933-9250-C2B155723297}" destId="{6919D201-A12F-4AB9-AE93-FD70FC3889BA}" srcOrd="0" destOrd="0" presId="urn:microsoft.com/office/officeart/2005/8/layout/hChevron3"/>
-    <dgm:cxn modelId="{21419275-74A6-4E57-9F5A-C34B6EC65F6A}" type="presOf" srcId="{B396D6FA-6927-4CC8-8185-8B4B0FB499E8}" destId="{AD8E9CC5-1181-4C5D-BB10-713ED4CAB4C5}" srcOrd="0" destOrd="0" presId="urn:microsoft.com/office/officeart/2005/8/layout/hChevron3"/>
+    <dgm:cxn modelId="{021EFDC7-1A5D-4856-B5B7-82BB85B99E41}" srcId="{4454A727-A83C-4DCD-B316-0EC1DACA4FFC}" destId="{268661AE-5228-4712-A35C-B596C8C525D9}" srcOrd="5" destOrd="0" parTransId="{3B592B06-CC2F-48AB-8B5C-C56B7779F833}" sibTransId="{9A56A5F5-DDAA-4186-9213-903858370B82}"/>
     <dgm:cxn modelId="{A9E581F0-C140-43EF-BC9D-15E543326862}" type="presParOf" srcId="{0B456547-30FB-44C9-B3BF-6AB7A39712F3}" destId="{AD8E9CC5-1181-4C5D-BB10-713ED4CAB4C5}" srcOrd="0" destOrd="0" presId="urn:microsoft.com/office/officeart/2005/8/layout/hChevron3"/>
     <dgm:cxn modelId="{E7E2B71D-6621-4A8D-A24B-E6F8588F9095}" type="presParOf" srcId="{0B456547-30FB-44C9-B3BF-6AB7A39712F3}" destId="{9609200F-81F6-47E6-8678-3DB023136184}" srcOrd="1" destOrd="0" presId="urn:microsoft.com/office/officeart/2005/8/layout/hChevron3"/>
     <dgm:cxn modelId="{191F937D-0699-4311-AB73-90AB8749EF3B}" type="presParOf" srcId="{0B456547-30FB-44C9-B3BF-6AB7A39712F3}" destId="{359CC400-CD02-4C6C-9C4B-90749A316125}" srcOrd="2" destOrd="0" presId="urn:microsoft.com/office/officeart/2005/8/layout/hChevron3"/>
@@ -7585,7 +7334,7 @@
         </a:bodyPr>
         <a:lstStyle/>
         <a:p>
-          <a:pPr lvl="0" algn="ctr" defTabSz="800100">
+          <a:pPr marL="0" lvl="0" indent="0" algn="ctr" defTabSz="800100">
             <a:lnSpc>
               <a:spcPct val="90000"/>
             </a:lnSpc>
@@ -7595,6 +7344,7 @@
             <a:spcAft>
               <a:spcPct val="35000"/>
             </a:spcAft>
+            <a:buNone/>
           </a:pPr>
           <a:r>
             <a:rPr lang="de-DE" sz="1800" b="1" kern="1200" dirty="0">
@@ -7661,7 +7411,7 @@
         </a:bodyPr>
         <a:lstStyle/>
         <a:p>
-          <a:pPr lvl="0" algn="ctr" defTabSz="711200">
+          <a:pPr marL="0" lvl="0" indent="0" algn="ctr" defTabSz="711200">
             <a:lnSpc>
               <a:spcPct val="90000"/>
             </a:lnSpc>
@@ -7671,6 +7421,7 @@
             <a:spcAft>
               <a:spcPct val="35000"/>
             </a:spcAft>
+            <a:buNone/>
           </a:pPr>
           <a:r>
             <a:rPr lang="de-DE" sz="1600" kern="1200" dirty="0">
@@ -7737,7 +7488,7 @@
         </a:bodyPr>
         <a:lstStyle/>
         <a:p>
-          <a:pPr lvl="0" algn="ctr" defTabSz="711200">
+          <a:pPr marL="0" lvl="0" indent="0" algn="ctr" defTabSz="711200">
             <a:lnSpc>
               <a:spcPct val="90000"/>
             </a:lnSpc>
@@ -7747,6 +7498,7 @@
             <a:spcAft>
               <a:spcPct val="35000"/>
             </a:spcAft>
+            <a:buNone/>
           </a:pPr>
           <a:r>
             <a:rPr lang="de-DE" sz="1600" kern="1200" dirty="0">
@@ -7813,7 +7565,7 @@
         </a:bodyPr>
         <a:lstStyle/>
         <a:p>
-          <a:pPr lvl="0" algn="ctr" defTabSz="711200">
+          <a:pPr marL="0" lvl="0" indent="0" algn="ctr" defTabSz="711200">
             <a:lnSpc>
               <a:spcPct val="90000"/>
             </a:lnSpc>
@@ -7823,6 +7575,7 @@
             <a:spcAft>
               <a:spcPct val="35000"/>
             </a:spcAft>
+            <a:buNone/>
           </a:pPr>
           <a:r>
             <a:rPr lang="de-DE" sz="1600" kern="1200" dirty="0">
@@ -7889,7 +7642,7 @@
         </a:bodyPr>
         <a:lstStyle/>
         <a:p>
-          <a:pPr lvl="0" algn="ctr" defTabSz="711200">
+          <a:pPr marL="0" lvl="0" indent="0" algn="ctr" defTabSz="711200">
             <a:lnSpc>
               <a:spcPct val="90000"/>
             </a:lnSpc>
@@ -7899,6 +7652,7 @@
             <a:spcAft>
               <a:spcPct val="35000"/>
             </a:spcAft>
+            <a:buNone/>
           </a:pPr>
           <a:r>
             <a:rPr lang="de-DE" sz="1600" kern="1200" dirty="0">
@@ -7965,7 +7719,7 @@
         </a:bodyPr>
         <a:lstStyle/>
         <a:p>
-          <a:pPr lvl="0" algn="ctr" defTabSz="711200">
+          <a:pPr marL="0" lvl="0" indent="0" algn="ctr" defTabSz="711200">
             <a:lnSpc>
               <a:spcPct val="90000"/>
             </a:lnSpc>
@@ -7975,6 +7729,7 @@
             <a:spcAft>
               <a:spcPct val="35000"/>
             </a:spcAft>
+            <a:buNone/>
           </a:pPr>
           <a:r>
             <a:rPr lang="de-DE" sz="1600" kern="1200" dirty="0">
@@ -8053,7 +7808,7 @@
         </a:bodyPr>
         <a:lstStyle/>
         <a:p>
-          <a:pPr lvl="0" algn="ctr" defTabSz="711200">
+          <a:pPr marL="0" lvl="0" indent="0" algn="ctr" defTabSz="711200">
             <a:lnSpc>
               <a:spcPct val="90000"/>
             </a:lnSpc>
@@ -8063,6 +7818,7 @@
             <a:spcAft>
               <a:spcPct val="35000"/>
             </a:spcAft>
+            <a:buNone/>
           </a:pPr>
           <a:r>
             <a:rPr lang="de-DE" sz="1600" b="0" kern="1200" dirty="0">
@@ -8129,7 +7885,7 @@
         </a:bodyPr>
         <a:lstStyle/>
         <a:p>
-          <a:pPr lvl="0" algn="ctr" defTabSz="800100">
+          <a:pPr marL="0" lvl="0" indent="0" algn="ctr" defTabSz="800100">
             <a:lnSpc>
               <a:spcPct val="90000"/>
             </a:lnSpc>
@@ -8139,6 +7895,7 @@
             <a:spcAft>
               <a:spcPct val="35000"/>
             </a:spcAft>
+            <a:buNone/>
           </a:pPr>
           <a:r>
             <a:rPr lang="de-DE" sz="1800" b="1" kern="1200" dirty="0">
@@ -8205,7 +7962,7 @@
         </a:bodyPr>
         <a:lstStyle/>
         <a:p>
-          <a:pPr lvl="0" algn="ctr" defTabSz="711200">
+          <a:pPr marL="0" lvl="0" indent="0" algn="ctr" defTabSz="711200">
             <a:lnSpc>
               <a:spcPct val="90000"/>
             </a:lnSpc>
@@ -8215,6 +7972,7 @@
             <a:spcAft>
               <a:spcPct val="35000"/>
             </a:spcAft>
+            <a:buNone/>
           </a:pPr>
           <a:r>
             <a:rPr lang="de-DE" sz="1600" kern="1200" dirty="0">
@@ -8281,7 +8039,7 @@
         </a:bodyPr>
         <a:lstStyle/>
         <a:p>
-          <a:pPr lvl="0" algn="ctr" defTabSz="711200">
+          <a:pPr marL="0" lvl="0" indent="0" algn="ctr" defTabSz="711200">
             <a:lnSpc>
               <a:spcPct val="90000"/>
             </a:lnSpc>
@@ -8291,6 +8049,7 @@
             <a:spcAft>
               <a:spcPct val="35000"/>
             </a:spcAft>
+            <a:buNone/>
           </a:pPr>
           <a:r>
             <a:rPr lang="de-DE" sz="1600" kern="1200" dirty="0">
@@ -8357,7 +8116,7 @@
         </a:bodyPr>
         <a:lstStyle/>
         <a:p>
-          <a:pPr lvl="0" algn="ctr" defTabSz="711200">
+          <a:pPr marL="0" lvl="0" indent="0" algn="ctr" defTabSz="711200">
             <a:lnSpc>
               <a:spcPct val="90000"/>
             </a:lnSpc>
@@ -8367,6 +8126,7 @@
             <a:spcAft>
               <a:spcPct val="35000"/>
             </a:spcAft>
+            <a:buNone/>
           </a:pPr>
           <a:r>
             <a:rPr lang="de-DE" sz="1600" kern="1200" dirty="0">
@@ -8433,7 +8193,7 @@
         </a:bodyPr>
         <a:lstStyle/>
         <a:p>
-          <a:pPr lvl="0" algn="ctr" defTabSz="711200">
+          <a:pPr marL="0" lvl="0" indent="0" algn="ctr" defTabSz="711200">
             <a:lnSpc>
               <a:spcPct val="90000"/>
             </a:lnSpc>
@@ -8443,6 +8203,7 @@
             <a:spcAft>
               <a:spcPct val="35000"/>
             </a:spcAft>
+            <a:buNone/>
           </a:pPr>
           <a:r>
             <a:rPr lang="de-DE" sz="1600" kern="1200" dirty="0">
@@ -8521,7 +8282,7 @@
         </a:bodyPr>
         <a:lstStyle/>
         <a:p>
-          <a:pPr lvl="0" algn="ctr" defTabSz="711200">
+          <a:pPr marL="0" lvl="0" indent="0" algn="ctr" defTabSz="711200">
             <a:lnSpc>
               <a:spcPct val="90000"/>
             </a:lnSpc>
@@ -8531,6 +8292,7 @@
             <a:spcAft>
               <a:spcPct val="35000"/>
             </a:spcAft>
+            <a:buNone/>
           </a:pPr>
           <a:r>
             <a:rPr lang="de-DE" sz="1600" b="0" kern="1200" dirty="0">
@@ -8597,7 +8359,7 @@
         </a:bodyPr>
         <a:lstStyle/>
         <a:p>
-          <a:pPr lvl="0" algn="ctr" defTabSz="711200">
+          <a:pPr marL="0" lvl="0" indent="0" algn="ctr" defTabSz="711200">
             <a:lnSpc>
               <a:spcPct val="90000"/>
             </a:lnSpc>
@@ -8607,6 +8369,7 @@
             <a:spcAft>
               <a:spcPct val="35000"/>
             </a:spcAft>
+            <a:buNone/>
           </a:pPr>
           <a:r>
             <a:rPr lang="de-DE" sz="1600" kern="1200" dirty="0">
@@ -8673,7 +8436,7 @@
         </a:bodyPr>
         <a:lstStyle/>
         <a:p>
-          <a:pPr lvl="0" algn="ctr" defTabSz="800100">
+          <a:pPr marL="0" lvl="0" indent="0" algn="ctr" defTabSz="800100">
             <a:lnSpc>
               <a:spcPct val="90000"/>
             </a:lnSpc>
@@ -8683,6 +8446,7 @@
             <a:spcAft>
               <a:spcPct val="35000"/>
             </a:spcAft>
+            <a:buNone/>
           </a:pPr>
           <a:r>
             <a:rPr lang="de-DE" sz="1800" b="1" kern="1200" dirty="0">
@@ -8749,7 +8513,7 @@
         </a:bodyPr>
         <a:lstStyle/>
         <a:p>
-          <a:pPr lvl="0" algn="ctr" defTabSz="711200">
+          <a:pPr marL="0" lvl="0" indent="0" algn="ctr" defTabSz="711200">
             <a:lnSpc>
               <a:spcPct val="90000"/>
             </a:lnSpc>
@@ -8759,6 +8523,7 @@
             <a:spcAft>
               <a:spcPct val="35000"/>
             </a:spcAft>
+            <a:buNone/>
           </a:pPr>
           <a:r>
             <a:rPr lang="de-DE" sz="1600" kern="1200" dirty="0">
@@ -8825,7 +8590,7 @@
         </a:bodyPr>
         <a:lstStyle/>
         <a:p>
-          <a:pPr lvl="0" algn="ctr" defTabSz="711200">
+          <a:pPr marL="0" lvl="0" indent="0" algn="ctr" defTabSz="711200">
             <a:lnSpc>
               <a:spcPct val="90000"/>
             </a:lnSpc>
@@ -8835,6 +8600,7 @@
             <a:spcAft>
               <a:spcPct val="35000"/>
             </a:spcAft>
+            <a:buNone/>
           </a:pPr>
           <a:r>
             <a:rPr lang="de-DE" sz="1600" kern="1200" dirty="0">
@@ -8901,7 +8667,7 @@
         </a:bodyPr>
         <a:lstStyle/>
         <a:p>
-          <a:pPr lvl="0" algn="ctr" defTabSz="711200">
+          <a:pPr marL="0" lvl="0" indent="0" algn="ctr" defTabSz="711200">
             <a:lnSpc>
               <a:spcPct val="90000"/>
             </a:lnSpc>
@@ -8911,6 +8677,7 @@
             <a:spcAft>
               <a:spcPct val="35000"/>
             </a:spcAft>
+            <a:buNone/>
           </a:pPr>
           <a:r>
             <a:rPr lang="de-DE" sz="1600" kern="1200" dirty="0">
@@ -8989,7 +8756,7 @@
         </a:bodyPr>
         <a:lstStyle/>
         <a:p>
-          <a:pPr lvl="0" algn="ctr" defTabSz="711200">
+          <a:pPr marL="0" lvl="0" indent="0" algn="ctr" defTabSz="711200">
             <a:lnSpc>
               <a:spcPct val="90000"/>
             </a:lnSpc>
@@ -8999,6 +8766,7 @@
             <a:spcAft>
               <a:spcPct val="35000"/>
             </a:spcAft>
+            <a:buNone/>
           </a:pPr>
           <a:r>
             <a:rPr lang="de-DE" sz="1600" b="0" kern="1200" dirty="0">
@@ -9065,7 +8833,7 @@
         </a:bodyPr>
         <a:lstStyle/>
         <a:p>
-          <a:pPr lvl="0" algn="ctr" defTabSz="711200">
+          <a:pPr marL="0" lvl="0" indent="0" algn="ctr" defTabSz="711200">
             <a:lnSpc>
               <a:spcPct val="90000"/>
             </a:lnSpc>
@@ -9075,6 +8843,7 @@
             <a:spcAft>
               <a:spcPct val="35000"/>
             </a:spcAft>
+            <a:buNone/>
           </a:pPr>
           <a:r>
             <a:rPr lang="de-DE" sz="1600" kern="1200" dirty="0">
@@ -9141,7 +8910,7 @@
         </a:bodyPr>
         <a:lstStyle/>
         <a:p>
-          <a:pPr lvl="0" algn="ctr" defTabSz="711200">
+          <a:pPr marL="0" lvl="0" indent="0" algn="ctr" defTabSz="711200">
             <a:lnSpc>
               <a:spcPct val="90000"/>
             </a:lnSpc>
@@ -9151,6 +8920,7 @@
             <a:spcAft>
               <a:spcPct val="35000"/>
             </a:spcAft>
+            <a:buNone/>
           </a:pPr>
           <a:r>
             <a:rPr lang="de-DE" sz="1600" kern="1200" dirty="0">
@@ -9217,7 +8987,7 @@
         </a:bodyPr>
         <a:lstStyle/>
         <a:p>
-          <a:pPr lvl="0" algn="ctr" defTabSz="800100">
+          <a:pPr marL="0" lvl="0" indent="0" algn="ctr" defTabSz="800100">
             <a:lnSpc>
               <a:spcPct val="90000"/>
             </a:lnSpc>
@@ -9227,6 +8997,7 @@
             <a:spcAft>
               <a:spcPct val="35000"/>
             </a:spcAft>
+            <a:buNone/>
           </a:pPr>
           <a:r>
             <a:rPr lang="de-DE" sz="1800" b="1" kern="1200" dirty="0">
@@ -9293,7 +9064,7 @@
         </a:bodyPr>
         <a:lstStyle/>
         <a:p>
-          <a:pPr lvl="0" algn="ctr" defTabSz="711200">
+          <a:pPr marL="0" lvl="0" indent="0" algn="ctr" defTabSz="711200">
             <a:lnSpc>
               <a:spcPct val="90000"/>
             </a:lnSpc>
@@ -9303,6 +9074,7 @@
             <a:spcAft>
               <a:spcPct val="35000"/>
             </a:spcAft>
+            <a:buNone/>
           </a:pPr>
           <a:r>
             <a:rPr lang="de-DE" sz="1600" kern="1200" dirty="0">
@@ -9369,7 +9141,7 @@
         </a:bodyPr>
         <a:lstStyle/>
         <a:p>
-          <a:pPr lvl="0" algn="ctr" defTabSz="711200">
+          <a:pPr marL="0" lvl="0" indent="0" algn="ctr" defTabSz="711200">
             <a:lnSpc>
               <a:spcPct val="90000"/>
             </a:lnSpc>
@@ -9379,6 +9151,7 @@
             <a:spcAft>
               <a:spcPct val="35000"/>
             </a:spcAft>
+            <a:buNone/>
           </a:pPr>
           <a:r>
             <a:rPr lang="de-DE" sz="1600" kern="1200" dirty="0">
@@ -9457,7 +9230,7 @@
         </a:bodyPr>
         <a:lstStyle/>
         <a:p>
-          <a:pPr lvl="0" algn="ctr" defTabSz="711200">
+          <a:pPr marL="0" lvl="0" indent="0" algn="ctr" defTabSz="711200">
             <a:lnSpc>
               <a:spcPct val="90000"/>
             </a:lnSpc>
@@ -9467,6 +9240,7 @@
             <a:spcAft>
               <a:spcPct val="35000"/>
             </a:spcAft>
+            <a:buNone/>
           </a:pPr>
           <a:r>
             <a:rPr lang="de-DE" sz="1600" b="0" kern="1200" dirty="0">
@@ -9533,7 +9307,7 @@
         </a:bodyPr>
         <a:lstStyle/>
         <a:p>
-          <a:pPr lvl="0" algn="ctr" defTabSz="711200">
+          <a:pPr marL="0" lvl="0" indent="0" algn="ctr" defTabSz="711200">
             <a:lnSpc>
               <a:spcPct val="90000"/>
             </a:lnSpc>
@@ -9543,6 +9317,7 @@
             <a:spcAft>
               <a:spcPct val="35000"/>
             </a:spcAft>
+            <a:buNone/>
           </a:pPr>
           <a:r>
             <a:rPr lang="de-DE" sz="1600" kern="1200" dirty="0">
@@ -9609,7 +9384,7 @@
         </a:bodyPr>
         <a:lstStyle/>
         <a:p>
-          <a:pPr lvl="0" algn="ctr" defTabSz="711200">
+          <a:pPr marL="0" lvl="0" indent="0" algn="ctr" defTabSz="711200">
             <a:lnSpc>
               <a:spcPct val="90000"/>
             </a:lnSpc>
@@ -9619,6 +9394,7 @@
             <a:spcAft>
               <a:spcPct val="35000"/>
             </a:spcAft>
+            <a:buNone/>
           </a:pPr>
           <a:r>
             <a:rPr lang="de-DE" sz="1600" kern="1200" dirty="0">
@@ -9685,7 +9461,7 @@
         </a:bodyPr>
         <a:lstStyle/>
         <a:p>
-          <a:pPr lvl="0" algn="ctr" defTabSz="711200">
+          <a:pPr marL="0" lvl="0" indent="0" algn="ctr" defTabSz="711200">
             <a:lnSpc>
               <a:spcPct val="90000"/>
             </a:lnSpc>
@@ -9695,6 +9471,7 @@
             <a:spcAft>
               <a:spcPct val="35000"/>
             </a:spcAft>
+            <a:buNone/>
           </a:pPr>
           <a:r>
             <a:rPr lang="de-DE" sz="1600" kern="1200" dirty="0">
@@ -9761,7 +9538,7 @@
         </a:bodyPr>
         <a:lstStyle/>
         <a:p>
-          <a:pPr lvl="0" algn="ctr" defTabSz="800100">
+          <a:pPr marL="0" lvl="0" indent="0" algn="ctr" defTabSz="800100">
             <a:lnSpc>
               <a:spcPct val="90000"/>
             </a:lnSpc>
@@ -9771,6 +9548,7 @@
             <a:spcAft>
               <a:spcPct val="35000"/>
             </a:spcAft>
+            <a:buNone/>
           </a:pPr>
           <a:r>
             <a:rPr lang="de-DE" sz="1800" b="1" kern="1200" dirty="0">
@@ -9837,7 +9615,7 @@
         </a:bodyPr>
         <a:lstStyle/>
         <a:p>
-          <a:pPr lvl="0" algn="ctr" defTabSz="711200">
+          <a:pPr marL="0" lvl="0" indent="0" algn="ctr" defTabSz="711200">
             <a:lnSpc>
               <a:spcPct val="90000"/>
             </a:lnSpc>
@@ -9847,6 +9625,7 @@
             <a:spcAft>
               <a:spcPct val="35000"/>
             </a:spcAft>
+            <a:buNone/>
           </a:pPr>
           <a:r>
             <a:rPr lang="de-DE" sz="1600" kern="1200" dirty="0">
@@ -9925,7 +9704,7 @@
         </a:bodyPr>
         <a:lstStyle/>
         <a:p>
-          <a:pPr lvl="0" algn="ctr" defTabSz="711200">
+          <a:pPr marL="0" lvl="0" indent="0" algn="ctr" defTabSz="711200">
             <a:lnSpc>
               <a:spcPct val="90000"/>
             </a:lnSpc>
@@ -9935,6 +9714,7 @@
             <a:spcAft>
               <a:spcPct val="35000"/>
             </a:spcAft>
+            <a:buNone/>
           </a:pPr>
           <a:r>
             <a:rPr lang="de-DE" sz="1600" b="0" kern="1200" dirty="0">
@@ -10001,7 +9781,7 @@
         </a:bodyPr>
         <a:lstStyle/>
         <a:p>
-          <a:pPr lvl="0" algn="ctr" defTabSz="711200">
+          <a:pPr marL="0" lvl="0" indent="0" algn="ctr" defTabSz="711200">
             <a:lnSpc>
               <a:spcPct val="90000"/>
             </a:lnSpc>
@@ -10011,6 +9791,7 @@
             <a:spcAft>
               <a:spcPct val="35000"/>
             </a:spcAft>
+            <a:buNone/>
           </a:pPr>
           <a:r>
             <a:rPr lang="de-DE" sz="1600" kern="1200" dirty="0">
@@ -10077,7 +9858,7 @@
         </a:bodyPr>
         <a:lstStyle/>
         <a:p>
-          <a:pPr lvl="0" algn="ctr" defTabSz="711200">
+          <a:pPr marL="0" lvl="0" indent="0" algn="ctr" defTabSz="711200">
             <a:lnSpc>
               <a:spcPct val="90000"/>
             </a:lnSpc>
@@ -10087,6 +9868,7 @@
             <a:spcAft>
               <a:spcPct val="35000"/>
             </a:spcAft>
+            <a:buNone/>
           </a:pPr>
           <a:r>
             <a:rPr lang="de-DE" sz="1600" kern="1200" dirty="0">
@@ -10153,7 +9935,7 @@
         </a:bodyPr>
         <a:lstStyle/>
         <a:p>
-          <a:pPr lvl="0" algn="ctr" defTabSz="711200">
+          <a:pPr marL="0" lvl="0" indent="0" algn="ctr" defTabSz="711200">
             <a:lnSpc>
               <a:spcPct val="90000"/>
             </a:lnSpc>
@@ -10163,6 +9945,7 @@
             <a:spcAft>
               <a:spcPct val="35000"/>
             </a:spcAft>
+            <a:buNone/>
           </a:pPr>
           <a:r>
             <a:rPr lang="de-DE" sz="1600" kern="1200" dirty="0">
@@ -10229,7 +10012,7 @@
         </a:bodyPr>
         <a:lstStyle/>
         <a:p>
-          <a:pPr lvl="0" algn="ctr" defTabSz="711200">
+          <a:pPr marL="0" lvl="0" indent="0" algn="ctr" defTabSz="711200">
             <a:lnSpc>
               <a:spcPct val="90000"/>
             </a:lnSpc>
@@ -10239,6 +10022,7 @@
             <a:spcAft>
               <a:spcPct val="35000"/>
             </a:spcAft>
+            <a:buNone/>
           </a:pPr>
           <a:r>
             <a:rPr lang="de-DE" sz="1600" kern="1200" dirty="0">
@@ -10305,7 +10089,7 @@
         </a:bodyPr>
         <a:lstStyle/>
         <a:p>
-          <a:pPr lvl="0" algn="ctr" defTabSz="800100">
+          <a:pPr marL="0" lvl="0" indent="0" algn="ctr" defTabSz="800100">
             <a:lnSpc>
               <a:spcPct val="90000"/>
             </a:lnSpc>
@@ -10315,6 +10099,7 @@
             <a:spcAft>
               <a:spcPct val="35000"/>
             </a:spcAft>
+            <a:buNone/>
           </a:pPr>
           <a:r>
             <a:rPr lang="de-DE" sz="1800" b="1" kern="1200" dirty="0">
@@ -18258,7 +18043,7 @@
           <a:p>
             <a:fld id="{BAAC9F4D-5AC8-485E-A69F-D522876DFB24}" type="datetimeFigureOut">
               <a:rPr lang="en-GB" smtClean="0"/>
-              <a:t>21/06/2020</a:t>
+              <a:t>23/06/2020</a:t>
             </a:fld>
             <a:endParaRPr lang="en-GB"/>
           </a:p>
@@ -19104,7 +18889,7 @@
           <a:p>
             <a:fld id="{77FCA2BF-F217-46B4-932F-4836F08BCA0D}" type="datetime1">
               <a:rPr lang="en-GB" smtClean="0"/>
-              <a:t>21/06/2020</a:t>
+              <a:t>23/06/2020</a:t>
             </a:fld>
             <a:endParaRPr lang="en-GB"/>
           </a:p>
@@ -19360,7 +19145,7 @@
           <a:p>
             <a:fld id="{CA4026C2-EEED-4258-B111-D82BF2EE2EE3}" type="datetime1">
               <a:rPr lang="en-GB" smtClean="0"/>
-              <a:t>21/06/2020</a:t>
+              <a:t>23/06/2020</a:t>
             </a:fld>
             <a:endParaRPr lang="en-GB"/>
           </a:p>
@@ -19686,7 +19471,7 @@
           <a:p>
             <a:fld id="{F7EE396D-E448-493A-B018-BCE2A63BA92F}" type="datetime1">
               <a:rPr lang="en-GB" smtClean="0"/>
-              <a:t>21/06/2020</a:t>
+              <a:t>23/06/2020</a:t>
             </a:fld>
             <a:endParaRPr lang="en-GB"/>
           </a:p>
@@ -19988,7 +19773,7 @@
           <a:p>
             <a:fld id="{82E751E2-DB0A-421C-8DD3-5CD418581B7E}" type="datetime1">
               <a:rPr lang="en-GB" smtClean="0"/>
-              <a:t>21/06/2020</a:t>
+              <a:t>23/06/2020</a:t>
             </a:fld>
             <a:endParaRPr lang="en-GB"/>
           </a:p>
@@ -20208,7 +19993,7 @@
           <a:p>
             <a:fld id="{FE8F0912-8D69-4926-A4EB-57559738A58C}" type="datetime1">
               <a:rPr lang="en-GB" smtClean="0"/>
-              <a:t>21/06/2020</a:t>
+              <a:t>23/06/2020</a:t>
             </a:fld>
             <a:endParaRPr lang="en-GB"/>
           </a:p>
@@ -20428,7 +20213,7 @@
           <a:p>
             <a:fld id="{1AD0D455-454B-45F2-A59D-B27E005CEB1E}" type="datetime1">
               <a:rPr lang="en-GB" smtClean="0"/>
-              <a:t>21/06/2020</a:t>
+              <a:t>23/06/2020</a:t>
             </a:fld>
             <a:endParaRPr lang="en-GB"/>
           </a:p>
@@ -20582,7 +20367,7 @@
           <a:p>
             <a:fld id="{D8A6523E-85C1-4537-9C69-9EB636FEB9BA}" type="datetime1">
               <a:rPr lang="en-GB" smtClean="0"/>
-              <a:t>21/06/2020</a:t>
+              <a:t>23/06/2020</a:t>
             </a:fld>
             <a:endParaRPr lang="en-GB"/>
           </a:p>
@@ -22207,7 +21992,7 @@
           <a:p>
             <a:fld id="{F216891A-FE6F-418C-AFE0-FFBC225779EB}" type="datetime1">
               <a:rPr lang="en-GB" smtClean="0"/>
-              <a:t>21/06/2020</a:t>
+              <a:t>23/06/2020</a:t>
             </a:fld>
             <a:endParaRPr lang="en-GB"/>
           </a:p>
@@ -22493,7 +22278,7 @@
           <a:p>
             <a:fld id="{88218D9F-E4C5-47C9-BBE8-67A3BA75289F}" type="datetime1">
               <a:rPr lang="en-GB" smtClean="0"/>
-              <a:t>21/06/2020</a:t>
+              <a:t>23/06/2020</a:t>
             </a:fld>
             <a:endParaRPr lang="en-GB"/>
           </a:p>
@@ -22636,7 +22421,7 @@
           <a:p>
             <a:fld id="{A4F3A52D-6942-433A-AF17-5BD218A30141}" type="datetime1">
               <a:rPr lang="en-GB" smtClean="0"/>
-              <a:t>21/06/2020</a:t>
+              <a:t>23/06/2020</a:t>
             </a:fld>
             <a:endParaRPr lang="en-GB"/>
           </a:p>
@@ -23305,7 +23090,12 @@
             <p:ph idx="1"/>
           </p:nvPr>
         </p:nvSpPr>
-        <p:spPr/>
+        <p:spPr>
+          <a:xfrm>
+            <a:off x="838200" y="1825625"/>
+            <a:ext cx="10515600" cy="4351338"/>
+          </a:xfrm>
+        </p:spPr>
         <p:txBody>
           <a:bodyPr/>
           <a:lstStyle/>
@@ -23319,10 +23109,10 @@
               <a:t>Dependency </a:t>
             </a:r>
             <a:r>
-              <a:rPr lang="en-GB" dirty="0" err="1" smtClean="0"/>
+              <a:rPr lang="en-GB" dirty="0" err="1"/>
               <a:t>hinzufügen</a:t>
             </a:r>
-            <a:endParaRPr lang="en-GB" dirty="0" smtClean="0"/>
+            <a:endParaRPr lang="en-GB" dirty="0"/>
           </a:p>
           <a:p>
             <a:pPr marL="0" indent="0">
@@ -23330,23 +23120,15 @@
             </a:pPr>
             <a:r>
               <a:rPr lang="en-GB" sz="1800" dirty="0"/>
-              <a:t>Google Play </a:t>
-            </a:r>
-            <a:r>
-              <a:rPr lang="en-GB" sz="1800" dirty="0" smtClean="0"/>
-              <a:t>Service </a:t>
-            </a:r>
-            <a:r>
-              <a:rPr lang="en-GB" sz="1800" dirty="0" err="1" smtClean="0"/>
+              <a:t>Google Play Service </a:t>
+            </a:r>
+            <a:r>
+              <a:rPr lang="en-GB" sz="1800" dirty="0" err="1"/>
               <a:t>öffnen</a:t>
             </a:r>
             <a:r>
-              <a:rPr lang="en-GB" sz="1800" dirty="0" smtClean="0"/>
-              <a:t> </a:t>
-            </a:r>
-            <a:r>
               <a:rPr lang="en-GB" sz="1800" dirty="0"/>
-              <a:t>-&gt; </a:t>
+              <a:t> -&gt; </a:t>
             </a:r>
           </a:p>
           <a:p>
@@ -23354,22 +23136,10 @@
               <a:buNone/>
             </a:pPr>
             <a:r>
-              <a:rPr lang="en-GB" sz="1800" dirty="0" smtClean="0">
-                <a:hlinkClick r:id="rId2"/>
-              </a:rPr>
-              <a:t> https</a:t>
-            </a:r>
-            <a:r>
               <a:rPr lang="en-GB" sz="1800" dirty="0">
                 <a:hlinkClick r:id="rId2"/>
               </a:rPr>
-              <a:t>://</a:t>
-            </a:r>
-            <a:r>
-              <a:rPr lang="en-GB" sz="1800" dirty="0" smtClean="0">
-                <a:hlinkClick r:id="rId2"/>
-              </a:rPr>
-              <a:t>developers.google.com/android/guides/setup</a:t>
+              <a:t> https://developers.google.com/android/guides/setup</a:t>
             </a:r>
             <a:endParaRPr lang="en-GB" sz="1800" dirty="0"/>
           </a:p>
@@ -23378,32 +23148,24 @@
               <a:buNone/>
             </a:pPr>
             <a:r>
-              <a:rPr lang="en-GB" sz="1800" dirty="0" smtClean="0"/>
+              <a:rPr lang="en-GB" sz="1800" dirty="0"/>
               <a:t>-&gt; </a:t>
             </a:r>
             <a:r>
-              <a:rPr lang="en-GB" sz="1800" dirty="0" err="1" smtClean="0"/>
+              <a:rPr lang="en-GB" sz="1800" dirty="0" err="1"/>
               <a:t>Herunterscrollen</a:t>
             </a:r>
             <a:r>
-              <a:rPr lang="en-GB" sz="1800" dirty="0" smtClean="0"/>
+              <a:rPr lang="en-GB" sz="1800" dirty="0"/>
               <a:t> </a:t>
             </a:r>
             <a:r>
-              <a:rPr lang="en-GB" sz="1800" dirty="0" err="1" smtClean="0"/>
+              <a:rPr lang="en-GB" sz="1800" dirty="0" err="1"/>
               <a:t>zu</a:t>
             </a:r>
             <a:r>
-              <a:rPr lang="en-US" sz="1800" dirty="0" smtClean="0"/>
-              <a:t>Google </a:t>
-            </a:r>
-            <a:r>
               <a:rPr lang="en-US" sz="1800" dirty="0"/>
-              <a:t>Location and Activity </a:t>
-            </a:r>
-            <a:r>
-              <a:rPr lang="en-US" sz="1800" dirty="0" smtClean="0"/>
-              <a:t>Recognition </a:t>
+              <a:t>Google Location and Activity Recognition </a:t>
             </a:r>
           </a:p>
           <a:p>
@@ -23411,62 +23173,62 @@
               <a:buNone/>
             </a:pPr>
             <a:r>
-              <a:rPr lang="en-GB" sz="1800" dirty="0" smtClean="0"/>
+              <a:rPr lang="en-GB" sz="1800" dirty="0"/>
               <a:t>-&gt; API </a:t>
             </a:r>
             <a:r>
-              <a:rPr lang="en-GB" sz="1800" dirty="0" err="1" smtClean="0"/>
+              <a:rPr lang="en-GB" sz="1800" dirty="0" err="1"/>
               <a:t>zu</a:t>
             </a:r>
             <a:r>
-              <a:rPr lang="en-GB" sz="1800" dirty="0" smtClean="0"/>
+              <a:rPr lang="en-GB" sz="1800" dirty="0"/>
               <a:t> </a:t>
             </a:r>
             <a:r>
-              <a:rPr lang="en-GB" sz="1800" dirty="0" err="1" smtClean="0"/>
+              <a:rPr lang="en-GB" sz="1800" dirty="0" err="1"/>
               <a:t>build.gradle</a:t>
             </a:r>
             <a:r>
-              <a:rPr lang="en-GB" sz="1800" dirty="0" smtClean="0"/>
+              <a:rPr lang="en-GB" sz="1800" dirty="0"/>
               <a:t> (:app) </a:t>
             </a:r>
             <a:r>
-              <a:rPr lang="en-GB" sz="1800" dirty="0" err="1" smtClean="0"/>
+              <a:rPr lang="en-GB" sz="1800" dirty="0" err="1"/>
               <a:t>hinzufügen</a:t>
             </a:r>
             <a:r>
-              <a:rPr lang="en-GB" sz="1800" dirty="0" smtClean="0"/>
+              <a:rPr lang="en-GB" sz="1800" dirty="0"/>
               <a:t> </a:t>
             </a:r>
             <a:r>
-              <a:rPr lang="en-GB" sz="1800" dirty="0" err="1" smtClean="0"/>
+              <a:rPr lang="en-GB" sz="1800" dirty="0" err="1"/>
               <a:t>wie</a:t>
             </a:r>
             <a:r>
-              <a:rPr lang="en-GB" sz="1800" dirty="0" smtClean="0"/>
+              <a:rPr lang="en-GB" sz="1800" dirty="0"/>
               <a:t> auf </a:t>
             </a:r>
             <a:r>
-              <a:rPr lang="en-GB" sz="1800" dirty="0" err="1" smtClean="0"/>
+              <a:rPr lang="en-GB" sz="1800" dirty="0" err="1"/>
               <a:t>unterer</a:t>
             </a:r>
             <a:r>
-              <a:rPr lang="en-GB" sz="1800" dirty="0" smtClean="0"/>
+              <a:rPr lang="en-GB" sz="1800" dirty="0"/>
               <a:t> </a:t>
             </a:r>
             <a:r>
-              <a:rPr lang="en-GB" sz="1800" dirty="0" err="1" smtClean="0"/>
+              <a:rPr lang="en-GB" sz="1800" dirty="0" err="1"/>
               <a:t>Abbildung</a:t>
             </a:r>
             <a:r>
-              <a:rPr lang="en-GB" sz="1800" dirty="0" smtClean="0"/>
+              <a:rPr lang="en-GB" sz="1800" dirty="0"/>
               <a:t> </a:t>
             </a:r>
             <a:r>
-              <a:rPr lang="en-GB" sz="1800" dirty="0" err="1" smtClean="0"/>
+              <a:rPr lang="en-GB" sz="1800" dirty="0" err="1"/>
               <a:t>gezeigt</a:t>
             </a:r>
-            <a:endParaRPr lang="en-GB" sz="1800" dirty="0" smtClean="0"/>
+            <a:endParaRPr lang="en-GB" sz="1800" dirty="0"/>
           </a:p>
           <a:p>
             <a:pPr marL="0" lvl="0" indent="0">
@@ -23616,7 +23378,7 @@
               </a:spcAft>
             </a:pPr>
             <a:r>
-              <a:rPr kumimoji="0" lang="de-DE" altLang="de-DE" sz="1200" b="0" i="0" u="none" strike="noStrike" cap="none" normalizeH="0" baseline="0" dirty="0" err="1" smtClean="0">
+              <a:rPr kumimoji="0" lang="de-DE" altLang="de-DE" sz="1200" b="0" i="0" u="none" strike="noStrike" cap="none" normalizeH="0" baseline="0" dirty="0" err="1">
                 <a:ln>
                   <a:noFill/>
                 </a:ln>
@@ -23629,7 +23391,7 @@
               <a:t>dependencies</a:t>
             </a:r>
             <a:r>
-              <a:rPr kumimoji="0" lang="de-DE" altLang="de-DE" sz="1200" b="0" i="0" u="none" strike="noStrike" cap="none" normalizeH="0" baseline="0" dirty="0" smtClean="0">
+              <a:rPr kumimoji="0" lang="de-DE" altLang="de-DE" sz="1200" b="0" i="0" u="none" strike="noStrike" cap="none" normalizeH="0" baseline="0" dirty="0">
                 <a:ln>
                   <a:noFill/>
                 </a:ln>
@@ -23642,7 +23404,7 @@
               <a:t> </a:t>
             </a:r>
             <a:r>
-              <a:rPr kumimoji="0" lang="de-DE" altLang="de-DE" sz="1200" b="1" i="0" u="none" strike="noStrike" cap="none" normalizeH="0" baseline="0" dirty="0" smtClean="0">
+              <a:rPr kumimoji="0" lang="de-DE" altLang="de-DE" sz="1200" b="1" i="0" u="none" strike="noStrike" cap="none" normalizeH="0" baseline="0" dirty="0">
                 <a:ln>
                   <a:noFill/>
                 </a:ln>
@@ -23655,7 +23417,7 @@
               <a:t>{</a:t>
             </a:r>
             <a:br>
-              <a:rPr kumimoji="0" lang="de-DE" altLang="de-DE" sz="1200" b="1" i="0" u="none" strike="noStrike" cap="none" normalizeH="0" baseline="0" dirty="0" smtClean="0">
+              <a:rPr kumimoji="0" lang="de-DE" altLang="de-DE" sz="1200" b="1" i="0" u="none" strike="noStrike" cap="none" normalizeH="0" baseline="0" dirty="0">
                 <a:ln>
                   <a:noFill/>
                 </a:ln>
@@ -23667,7 +23429,7 @@
               </a:rPr>
             </a:br>
             <a:r>
-              <a:rPr kumimoji="0" lang="de-DE" altLang="de-DE" sz="1200" b="1" i="0" u="none" strike="noStrike" cap="none" normalizeH="0" baseline="0" dirty="0" smtClean="0">
+              <a:rPr kumimoji="0" lang="de-DE" altLang="de-DE" sz="1200" b="1" i="0" u="none" strike="noStrike" cap="none" normalizeH="0" baseline="0" dirty="0">
                 <a:ln>
                   <a:noFill/>
                 </a:ln>
@@ -23680,7 +23442,7 @@
               <a:t>    </a:t>
             </a:r>
             <a:r>
-              <a:rPr kumimoji="0" lang="de-DE" altLang="de-DE" sz="1200" b="0" i="0" u="none" strike="noStrike" cap="none" normalizeH="0" baseline="0" dirty="0" err="1" smtClean="0">
+              <a:rPr kumimoji="0" lang="de-DE" altLang="de-DE" sz="1200" b="0" i="0" u="none" strike="noStrike" cap="none" normalizeH="0" baseline="0" dirty="0" err="1">
                 <a:ln>
                   <a:noFill/>
                 </a:ln>
@@ -23693,7 +23455,7 @@
               <a:t>implementation</a:t>
             </a:r>
             <a:r>
-              <a:rPr kumimoji="0" lang="de-DE" altLang="de-DE" sz="1200" b="0" i="0" u="none" strike="noStrike" cap="none" normalizeH="0" baseline="0" dirty="0" smtClean="0">
+              <a:rPr kumimoji="0" lang="de-DE" altLang="de-DE" sz="1200" b="0" i="0" u="none" strike="noStrike" cap="none" normalizeH="0" baseline="0" dirty="0">
                 <a:ln>
                   <a:noFill/>
                 </a:ln>
@@ -23706,7 +23468,7 @@
               <a:t> </a:t>
             </a:r>
             <a:r>
-              <a:rPr kumimoji="0" lang="de-DE" altLang="de-DE" sz="1200" b="0" i="0" u="none" strike="noStrike" cap="none" normalizeH="0" baseline="0" dirty="0" err="1" smtClean="0">
+              <a:rPr kumimoji="0" lang="de-DE" altLang="de-DE" sz="1200" b="0" i="0" u="none" strike="noStrike" cap="none" normalizeH="0" baseline="0" dirty="0" err="1">
                 <a:ln>
                   <a:noFill/>
                 </a:ln>
@@ -23719,7 +23481,7 @@
               <a:t>fileTree</a:t>
             </a:r>
             <a:r>
-              <a:rPr kumimoji="0" lang="de-DE" altLang="de-DE" sz="1200" b="0" i="0" u="none" strike="noStrike" cap="none" normalizeH="0" baseline="0" dirty="0" smtClean="0">
+              <a:rPr kumimoji="0" lang="de-DE" altLang="de-DE" sz="1200" b="0" i="0" u="none" strike="noStrike" cap="none" normalizeH="0" baseline="0" dirty="0">
                 <a:ln>
                   <a:noFill/>
                 </a:ln>
@@ -23732,7 +23494,7 @@
               <a:t>(</a:t>
             </a:r>
             <a:r>
-              <a:rPr kumimoji="0" lang="de-DE" altLang="de-DE" sz="1200" b="0" i="0" u="none" strike="noStrike" cap="none" normalizeH="0" baseline="0" dirty="0" smtClean="0">
+              <a:rPr kumimoji="0" lang="de-DE" altLang="de-DE" sz="1200" b="0" i="0" u="none" strike="noStrike" cap="none" normalizeH="0" baseline="0" dirty="0">
                 <a:ln>
                   <a:noFill/>
                 </a:ln>
@@ -23745,7 +23507,7 @@
               <a:t>dir</a:t>
             </a:r>
             <a:r>
-              <a:rPr kumimoji="0" lang="de-DE" altLang="de-DE" sz="1200" b="0" i="0" u="none" strike="noStrike" cap="none" normalizeH="0" baseline="0" dirty="0" smtClean="0">
+              <a:rPr kumimoji="0" lang="de-DE" altLang="de-DE" sz="1200" b="0" i="0" u="none" strike="noStrike" cap="none" normalizeH="0" baseline="0" dirty="0">
                 <a:ln>
                   <a:noFill/>
                 </a:ln>
@@ -23758,7 +23520,7 @@
               <a:t>: </a:t>
             </a:r>
             <a:r>
-              <a:rPr kumimoji="0" lang="de-DE" altLang="de-DE" sz="1200" b="0" i="0" u="none" strike="noStrike" cap="none" normalizeH="0" baseline="0" dirty="0" smtClean="0">
+              <a:rPr kumimoji="0" lang="de-DE" altLang="de-DE" sz="1200" b="0" i="0" u="none" strike="noStrike" cap="none" normalizeH="0" baseline="0" dirty="0">
                 <a:ln>
                   <a:noFill/>
                 </a:ln>
@@ -23771,7 +23533,7 @@
               <a:t>'</a:t>
             </a:r>
             <a:r>
-              <a:rPr kumimoji="0" lang="de-DE" altLang="de-DE" sz="1200" b="0" i="0" u="none" strike="noStrike" cap="none" normalizeH="0" baseline="0" dirty="0" err="1" smtClean="0">
+              <a:rPr kumimoji="0" lang="de-DE" altLang="de-DE" sz="1200" b="0" i="0" u="none" strike="noStrike" cap="none" normalizeH="0" baseline="0" dirty="0" err="1">
                 <a:ln>
                   <a:noFill/>
                 </a:ln>
@@ -23784,7 +23546,7 @@
               <a:t>libs</a:t>
             </a:r>
             <a:r>
-              <a:rPr kumimoji="0" lang="de-DE" altLang="de-DE" sz="1200" b="0" i="0" u="none" strike="noStrike" cap="none" normalizeH="0" baseline="0" dirty="0" smtClean="0">
+              <a:rPr kumimoji="0" lang="de-DE" altLang="de-DE" sz="1200" b="0" i="0" u="none" strike="noStrike" cap="none" normalizeH="0" baseline="0" dirty="0">
                 <a:ln>
                   <a:noFill/>
                 </a:ln>
@@ -23797,7 +23559,7 @@
               <a:t>'</a:t>
             </a:r>
             <a:r>
-              <a:rPr kumimoji="0" lang="de-DE" altLang="de-DE" sz="1200" b="0" i="0" u="none" strike="noStrike" cap="none" normalizeH="0" baseline="0" dirty="0" smtClean="0">
+              <a:rPr kumimoji="0" lang="de-DE" altLang="de-DE" sz="1200" b="0" i="0" u="none" strike="noStrike" cap="none" normalizeH="0" baseline="0" dirty="0">
                 <a:ln>
                   <a:noFill/>
                 </a:ln>
@@ -23810,7 +23572,7 @@
               <a:t>, </a:t>
             </a:r>
             <a:r>
-              <a:rPr kumimoji="0" lang="de-DE" altLang="de-DE" sz="1200" b="0" i="0" u="none" strike="noStrike" cap="none" normalizeH="0" baseline="0" dirty="0" err="1" smtClean="0">
+              <a:rPr kumimoji="0" lang="de-DE" altLang="de-DE" sz="1200" b="0" i="0" u="none" strike="noStrike" cap="none" normalizeH="0" baseline="0" dirty="0" err="1">
                 <a:ln>
                   <a:noFill/>
                 </a:ln>
@@ -23823,7 +23585,7 @@
               <a:t>include</a:t>
             </a:r>
             <a:r>
-              <a:rPr kumimoji="0" lang="de-DE" altLang="de-DE" sz="1200" b="0" i="0" u="none" strike="noStrike" cap="none" normalizeH="0" baseline="0" dirty="0" smtClean="0">
+              <a:rPr kumimoji="0" lang="de-DE" altLang="de-DE" sz="1200" b="0" i="0" u="none" strike="noStrike" cap="none" normalizeH="0" baseline="0" dirty="0">
                 <a:ln>
                   <a:noFill/>
                 </a:ln>
@@ -23836,7 +23598,7 @@
               <a:t>: [</a:t>
             </a:r>
             <a:r>
-              <a:rPr kumimoji="0" lang="de-DE" altLang="de-DE" sz="1200" b="0" i="0" u="none" strike="noStrike" cap="none" normalizeH="0" baseline="0" dirty="0" smtClean="0">
+              <a:rPr kumimoji="0" lang="de-DE" altLang="de-DE" sz="1200" b="0" i="0" u="none" strike="noStrike" cap="none" normalizeH="0" baseline="0" dirty="0">
                 <a:ln>
                   <a:noFill/>
                 </a:ln>
@@ -23849,7 +23611,7 @@
               <a:t>'*.</a:t>
             </a:r>
             <a:r>
-              <a:rPr kumimoji="0" lang="de-DE" altLang="de-DE" sz="1200" b="0" i="0" u="none" strike="noStrike" cap="none" normalizeH="0" baseline="0" dirty="0" err="1" smtClean="0">
+              <a:rPr kumimoji="0" lang="de-DE" altLang="de-DE" sz="1200" b="0" i="0" u="none" strike="noStrike" cap="none" normalizeH="0" baseline="0" dirty="0" err="1">
                 <a:ln>
                   <a:noFill/>
                 </a:ln>
@@ -23862,7 +23624,7 @@
               <a:t>jar</a:t>
             </a:r>
             <a:r>
-              <a:rPr kumimoji="0" lang="de-DE" altLang="de-DE" sz="1200" b="0" i="0" u="none" strike="noStrike" cap="none" normalizeH="0" baseline="0" dirty="0" smtClean="0">
+              <a:rPr kumimoji="0" lang="de-DE" altLang="de-DE" sz="1200" b="0" i="0" u="none" strike="noStrike" cap="none" normalizeH="0" baseline="0" dirty="0">
                 <a:ln>
                   <a:noFill/>
                 </a:ln>
@@ -23875,7 +23637,7 @@
               <a:t>'</a:t>
             </a:r>
             <a:r>
-              <a:rPr kumimoji="0" lang="de-DE" altLang="de-DE" sz="1200" b="0" i="0" u="none" strike="noStrike" cap="none" normalizeH="0" baseline="0" dirty="0" smtClean="0">
+              <a:rPr kumimoji="0" lang="de-DE" altLang="de-DE" sz="1200" b="0" i="0" u="none" strike="noStrike" cap="none" normalizeH="0" baseline="0" dirty="0">
                 <a:ln>
                   <a:noFill/>
                 </a:ln>
@@ -23888,7 +23650,7 @@
               <a:t>])</a:t>
             </a:r>
             <a:br>
-              <a:rPr kumimoji="0" lang="de-DE" altLang="de-DE" sz="1200" b="0" i="0" u="none" strike="noStrike" cap="none" normalizeH="0" baseline="0" dirty="0" smtClean="0">
+              <a:rPr kumimoji="0" lang="de-DE" altLang="de-DE" sz="1200" b="0" i="0" u="none" strike="noStrike" cap="none" normalizeH="0" baseline="0" dirty="0">
                 <a:ln>
                   <a:noFill/>
                 </a:ln>
@@ -23899,8 +23661,8 @@
                 <a:latin typeface="Consolas" panose="020B0609020204030204" pitchFamily="49" charset="0"/>
               </a:rPr>
             </a:br>
-            <a:r>
-              <a:rPr kumimoji="0" lang="de-DE" altLang="de-DE" sz="1200" b="0" i="0" u="none" strike="noStrike" cap="none" normalizeH="0" baseline="0" dirty="0" smtClean="0">
+            <a:br>
+              <a:rPr kumimoji="0" lang="de-DE" altLang="de-DE" sz="1200" b="0" i="0" u="none" strike="noStrike" cap="none" normalizeH="0" baseline="0" dirty="0">
                 <a:ln>
                   <a:noFill/>
                 </a:ln>
@@ -23910,10 +23672,9 @@
                 <a:effectLst/>
                 <a:latin typeface="Consolas" panose="020B0609020204030204" pitchFamily="49" charset="0"/>
               </a:rPr>
-              <a:t/>
-            </a:r>
-            <a:br>
-              <a:rPr kumimoji="0" lang="de-DE" altLang="de-DE" sz="1200" b="0" i="0" u="none" strike="noStrike" cap="none" normalizeH="0" baseline="0" dirty="0" smtClean="0">
+            </a:br>
+            <a:r>
+              <a:rPr kumimoji="0" lang="de-DE" altLang="de-DE" sz="1200" b="0" i="0" u="none" strike="noStrike" cap="none" normalizeH="0" baseline="0" dirty="0">
                 <a:ln>
                   <a:noFill/>
                 </a:ln>
@@ -23923,9 +23684,10 @@
                 <a:effectLst/>
                 <a:latin typeface="Consolas" panose="020B0609020204030204" pitchFamily="49" charset="0"/>
               </a:rPr>
-            </a:br>
-            <a:r>
-              <a:rPr kumimoji="0" lang="de-DE" altLang="de-DE" sz="1200" b="0" i="0" u="none" strike="noStrike" cap="none" normalizeH="0" baseline="0" dirty="0" smtClean="0">
+              <a:t>    </a:t>
+            </a:r>
+            <a:r>
+              <a:rPr kumimoji="0" lang="de-DE" altLang="de-DE" sz="1200" b="0" i="0" u="none" strike="noStrike" cap="none" normalizeH="0" baseline="0" dirty="0" err="1">
                 <a:ln>
                   <a:noFill/>
                 </a:ln>
@@ -23935,10 +23697,10 @@
                 <a:effectLst/>
                 <a:latin typeface="Consolas" panose="020B0609020204030204" pitchFamily="49" charset="0"/>
               </a:rPr>
-              <a:t>    </a:t>
-            </a:r>
-            <a:r>
-              <a:rPr kumimoji="0" lang="de-DE" altLang="de-DE" sz="1200" b="0" i="0" u="none" strike="noStrike" cap="none" normalizeH="0" baseline="0" dirty="0" err="1" smtClean="0">
+              <a:t>implementation</a:t>
+            </a:r>
+            <a:r>
+              <a:rPr kumimoji="0" lang="de-DE" altLang="de-DE" sz="1200" b="0" i="0" u="none" strike="noStrike" cap="none" normalizeH="0" baseline="0" dirty="0">
                 <a:ln>
                   <a:noFill/>
                 </a:ln>
@@ -23948,23 +23710,23 @@
                 <a:effectLst/>
                 <a:latin typeface="Consolas" panose="020B0609020204030204" pitchFamily="49" charset="0"/>
               </a:rPr>
-              <a:t>implementation</a:t>
-            </a:r>
-            <a:r>
-              <a:rPr kumimoji="0" lang="de-DE" altLang="de-DE" sz="1200" b="0" i="0" u="none" strike="noStrike" cap="none" normalizeH="0" baseline="0" dirty="0" smtClean="0">
+              <a:t> </a:t>
+            </a:r>
+            <a:r>
+              <a:rPr kumimoji="0" lang="de-DE" altLang="de-DE" sz="1200" b="0" i="0" u="none" strike="noStrike" cap="none" normalizeH="0" baseline="0" dirty="0">
                 <a:ln>
                   <a:noFill/>
                 </a:ln>
                 <a:solidFill>
-                  <a:srgbClr val="A9B7C6"/>
+                  <a:srgbClr val="6A8759"/>
                 </a:solidFill>
                 <a:effectLst/>
                 <a:latin typeface="Consolas" panose="020B0609020204030204" pitchFamily="49" charset="0"/>
               </a:rPr>
-              <a:t> </a:t>
-            </a:r>
-            <a:r>
-              <a:rPr kumimoji="0" lang="de-DE" altLang="de-DE" sz="1200" b="0" i="0" u="none" strike="noStrike" cap="none" normalizeH="0" baseline="0" dirty="0" smtClean="0">
+              <a:t>'androidx.appcompat:appcompat:1.1.0'</a:t>
+            </a:r>
+            <a:br>
+              <a:rPr kumimoji="0" lang="de-DE" altLang="de-DE" sz="1200" b="0" i="0" u="none" strike="noStrike" cap="none" normalizeH="0" baseline="0" dirty="0">
                 <a:ln>
                   <a:noFill/>
                 </a:ln>
@@ -23974,10 +23736,9 @@
                 <a:effectLst/>
                 <a:latin typeface="Consolas" panose="020B0609020204030204" pitchFamily="49" charset="0"/>
               </a:rPr>
-              <a:t>'androidx.appcompat:appcompat:1.1.0'</a:t>
-            </a:r>
-            <a:br>
-              <a:rPr kumimoji="0" lang="de-DE" altLang="de-DE" sz="1200" b="0" i="0" u="none" strike="noStrike" cap="none" normalizeH="0" baseline="0" dirty="0" smtClean="0">
+            </a:br>
+            <a:r>
+              <a:rPr kumimoji="0" lang="de-DE" altLang="de-DE" sz="1200" b="0" i="0" u="none" strike="noStrike" cap="none" normalizeH="0" baseline="0" dirty="0">
                 <a:ln>
                   <a:noFill/>
                 </a:ln>
@@ -23987,22 +23748,23 @@
                 <a:effectLst/>
                 <a:latin typeface="Consolas" panose="020B0609020204030204" pitchFamily="49" charset="0"/>
               </a:rPr>
-            </a:br>
-            <a:r>
-              <a:rPr kumimoji="0" lang="de-DE" altLang="de-DE" sz="1200" b="0" i="0" u="none" strike="noStrike" cap="none" normalizeH="0" baseline="0" dirty="0" smtClean="0">
+              <a:t>    </a:t>
+            </a:r>
+            <a:r>
+              <a:rPr kumimoji="0" lang="de-DE" altLang="de-DE" sz="1200" b="0" i="0" u="none" strike="noStrike" cap="none" normalizeH="0" baseline="0" dirty="0" err="1">
                 <a:ln>
                   <a:noFill/>
                 </a:ln>
                 <a:solidFill>
-                  <a:srgbClr val="6A8759"/>
+                  <a:srgbClr val="A9B7C6"/>
                 </a:solidFill>
                 <a:effectLst/>
                 <a:latin typeface="Consolas" panose="020B0609020204030204" pitchFamily="49" charset="0"/>
               </a:rPr>
-              <a:t>    </a:t>
-            </a:r>
-            <a:r>
-              <a:rPr kumimoji="0" lang="de-DE" altLang="de-DE" sz="1200" b="0" i="0" u="none" strike="noStrike" cap="none" normalizeH="0" baseline="0" dirty="0" err="1" smtClean="0">
+              <a:t>implementation</a:t>
+            </a:r>
+            <a:r>
+              <a:rPr kumimoji="0" lang="de-DE" altLang="de-DE" sz="1200" b="0" i="0" u="none" strike="noStrike" cap="none" normalizeH="0" baseline="0" dirty="0">
                 <a:ln>
                   <a:noFill/>
                 </a:ln>
@@ -24012,23 +23774,23 @@
                 <a:effectLst/>
                 <a:latin typeface="Consolas" panose="020B0609020204030204" pitchFamily="49" charset="0"/>
               </a:rPr>
-              <a:t>implementation</a:t>
-            </a:r>
-            <a:r>
-              <a:rPr kumimoji="0" lang="de-DE" altLang="de-DE" sz="1200" b="0" i="0" u="none" strike="noStrike" cap="none" normalizeH="0" baseline="0" dirty="0" smtClean="0">
+              <a:t> </a:t>
+            </a:r>
+            <a:r>
+              <a:rPr kumimoji="0" lang="de-DE" altLang="de-DE" sz="1200" b="0" i="0" u="none" strike="noStrike" cap="none" normalizeH="0" baseline="0" dirty="0">
                 <a:ln>
                   <a:noFill/>
                 </a:ln>
                 <a:solidFill>
-                  <a:srgbClr val="A9B7C6"/>
+                  <a:srgbClr val="6A8759"/>
                 </a:solidFill>
                 <a:effectLst/>
                 <a:latin typeface="Consolas" panose="020B0609020204030204" pitchFamily="49" charset="0"/>
               </a:rPr>
-              <a:t> </a:t>
-            </a:r>
-            <a:r>
-              <a:rPr kumimoji="0" lang="de-DE" altLang="de-DE" sz="1200" b="0" i="0" u="none" strike="noStrike" cap="none" normalizeH="0" baseline="0" dirty="0" smtClean="0">
+              <a:t>'androidx.constraintlayout:constraintlayout:1.1.3'</a:t>
+            </a:r>
+            <a:br>
+              <a:rPr kumimoji="0" lang="de-DE" altLang="de-DE" sz="1200" b="0" i="0" u="none" strike="noStrike" cap="none" normalizeH="0" baseline="0" dirty="0">
                 <a:ln>
                   <a:noFill/>
                 </a:ln>
@@ -24038,10 +23800,9 @@
                 <a:effectLst/>
                 <a:latin typeface="Consolas" panose="020B0609020204030204" pitchFamily="49" charset="0"/>
               </a:rPr>
-              <a:t>'androidx.constraintlayout:constraintlayout:1.1.3'</a:t>
-            </a:r>
-            <a:br>
-              <a:rPr kumimoji="0" lang="de-DE" altLang="de-DE" sz="1200" b="0" i="0" u="none" strike="noStrike" cap="none" normalizeH="0" baseline="0" dirty="0" smtClean="0">
+            </a:br>
+            <a:r>
+              <a:rPr kumimoji="0" lang="de-DE" altLang="de-DE" sz="1200" b="0" i="0" u="none" strike="noStrike" cap="none" normalizeH="0" baseline="0" dirty="0">
                 <a:ln>
                   <a:noFill/>
                 </a:ln>
@@ -24051,22 +23812,23 @@
                 <a:effectLst/>
                 <a:latin typeface="Consolas" panose="020B0609020204030204" pitchFamily="49" charset="0"/>
               </a:rPr>
-            </a:br>
-            <a:r>
-              <a:rPr kumimoji="0" lang="de-DE" altLang="de-DE" sz="1200" b="0" i="0" u="none" strike="noStrike" cap="none" normalizeH="0" baseline="0" dirty="0" smtClean="0">
+              <a:t>    </a:t>
+            </a:r>
+            <a:r>
+              <a:rPr kumimoji="0" lang="de-DE" altLang="de-DE" sz="1200" b="0" i="0" u="none" strike="noStrike" cap="none" normalizeH="0" baseline="0" dirty="0" err="1">
                 <a:ln>
                   <a:noFill/>
                 </a:ln>
                 <a:solidFill>
-                  <a:srgbClr val="6A8759"/>
+                  <a:srgbClr val="A9B7C6"/>
                 </a:solidFill>
                 <a:effectLst/>
                 <a:latin typeface="Consolas" panose="020B0609020204030204" pitchFamily="49" charset="0"/>
               </a:rPr>
-              <a:t>    </a:t>
-            </a:r>
-            <a:r>
-              <a:rPr kumimoji="0" lang="de-DE" altLang="de-DE" sz="1200" b="0" i="0" u="none" strike="noStrike" cap="none" normalizeH="0" baseline="0" dirty="0" err="1" smtClean="0">
+              <a:t>testImplementation</a:t>
+            </a:r>
+            <a:r>
+              <a:rPr kumimoji="0" lang="de-DE" altLang="de-DE" sz="1200" b="0" i="0" u="none" strike="noStrike" cap="none" normalizeH="0" baseline="0" dirty="0">
                 <a:ln>
                   <a:noFill/>
                 </a:ln>
@@ -24076,23 +23838,23 @@
                 <a:effectLst/>
                 <a:latin typeface="Consolas" panose="020B0609020204030204" pitchFamily="49" charset="0"/>
               </a:rPr>
-              <a:t>testImplementation</a:t>
-            </a:r>
-            <a:r>
-              <a:rPr kumimoji="0" lang="de-DE" altLang="de-DE" sz="1200" b="0" i="0" u="none" strike="noStrike" cap="none" normalizeH="0" baseline="0" dirty="0" smtClean="0">
+              <a:t> </a:t>
+            </a:r>
+            <a:r>
+              <a:rPr kumimoji="0" lang="de-DE" altLang="de-DE" sz="1200" b="0" i="0" u="none" strike="noStrike" cap="none" normalizeH="0" baseline="0" dirty="0">
                 <a:ln>
                   <a:noFill/>
                 </a:ln>
                 <a:solidFill>
-                  <a:srgbClr val="A9B7C6"/>
+                  <a:srgbClr val="6A8759"/>
                 </a:solidFill>
                 <a:effectLst/>
                 <a:latin typeface="Consolas" panose="020B0609020204030204" pitchFamily="49" charset="0"/>
               </a:rPr>
-              <a:t> </a:t>
-            </a:r>
-            <a:r>
-              <a:rPr kumimoji="0" lang="de-DE" altLang="de-DE" sz="1200" b="0" i="0" u="none" strike="noStrike" cap="none" normalizeH="0" baseline="0" dirty="0" smtClean="0">
+              <a:t>'junit:junit:4.12'</a:t>
+            </a:r>
+            <a:br>
+              <a:rPr kumimoji="0" lang="de-DE" altLang="de-DE" sz="1200" b="0" i="0" u="none" strike="noStrike" cap="none" normalizeH="0" baseline="0" dirty="0">
                 <a:ln>
                   <a:noFill/>
                 </a:ln>
@@ -24102,10 +23864,9 @@
                 <a:effectLst/>
                 <a:latin typeface="Consolas" panose="020B0609020204030204" pitchFamily="49" charset="0"/>
               </a:rPr>
-              <a:t>'junit:junit:4.12'</a:t>
-            </a:r>
-            <a:br>
-              <a:rPr kumimoji="0" lang="de-DE" altLang="de-DE" sz="1200" b="0" i="0" u="none" strike="noStrike" cap="none" normalizeH="0" baseline="0" dirty="0" smtClean="0">
+            </a:br>
+            <a:r>
+              <a:rPr kumimoji="0" lang="de-DE" altLang="de-DE" sz="1200" b="0" i="0" u="none" strike="noStrike" cap="none" normalizeH="0" baseline="0" dirty="0">
                 <a:ln>
                   <a:noFill/>
                 </a:ln>
@@ -24115,22 +23876,23 @@
                 <a:effectLst/>
                 <a:latin typeface="Consolas" panose="020B0609020204030204" pitchFamily="49" charset="0"/>
               </a:rPr>
-            </a:br>
-            <a:r>
-              <a:rPr kumimoji="0" lang="de-DE" altLang="de-DE" sz="1200" b="0" i="0" u="none" strike="noStrike" cap="none" normalizeH="0" baseline="0" dirty="0" smtClean="0">
+              <a:t>    </a:t>
+            </a:r>
+            <a:r>
+              <a:rPr kumimoji="0" lang="de-DE" altLang="de-DE" sz="1200" b="0" i="0" u="none" strike="noStrike" cap="none" normalizeH="0" baseline="0" dirty="0" err="1">
                 <a:ln>
                   <a:noFill/>
                 </a:ln>
                 <a:solidFill>
-                  <a:srgbClr val="6A8759"/>
+                  <a:srgbClr val="A9B7C6"/>
                 </a:solidFill>
                 <a:effectLst/>
                 <a:latin typeface="Consolas" panose="020B0609020204030204" pitchFamily="49" charset="0"/>
               </a:rPr>
-              <a:t>    </a:t>
-            </a:r>
-            <a:r>
-              <a:rPr kumimoji="0" lang="de-DE" altLang="de-DE" sz="1200" b="0" i="0" u="none" strike="noStrike" cap="none" normalizeH="0" baseline="0" dirty="0" err="1" smtClean="0">
+              <a:t>androidTestImplementation</a:t>
+            </a:r>
+            <a:r>
+              <a:rPr kumimoji="0" lang="de-DE" altLang="de-DE" sz="1200" b="0" i="0" u="none" strike="noStrike" cap="none" normalizeH="0" baseline="0" dirty="0">
                 <a:ln>
                   <a:noFill/>
                 </a:ln>
@@ -24140,23 +23902,23 @@
                 <a:effectLst/>
                 <a:latin typeface="Consolas" panose="020B0609020204030204" pitchFamily="49" charset="0"/>
               </a:rPr>
-              <a:t>androidTestImplementation</a:t>
-            </a:r>
-            <a:r>
-              <a:rPr kumimoji="0" lang="de-DE" altLang="de-DE" sz="1200" b="0" i="0" u="none" strike="noStrike" cap="none" normalizeH="0" baseline="0" dirty="0" smtClean="0">
+              <a:t> </a:t>
+            </a:r>
+            <a:r>
+              <a:rPr kumimoji="0" lang="de-DE" altLang="de-DE" sz="1200" b="0" i="0" u="none" strike="noStrike" cap="none" normalizeH="0" baseline="0" dirty="0">
                 <a:ln>
                   <a:noFill/>
                 </a:ln>
                 <a:solidFill>
-                  <a:srgbClr val="A9B7C6"/>
+                  <a:srgbClr val="6A8759"/>
                 </a:solidFill>
                 <a:effectLst/>
                 <a:latin typeface="Consolas" panose="020B0609020204030204" pitchFamily="49" charset="0"/>
               </a:rPr>
-              <a:t> </a:t>
-            </a:r>
-            <a:r>
-              <a:rPr kumimoji="0" lang="de-DE" altLang="de-DE" sz="1200" b="0" i="0" u="none" strike="noStrike" cap="none" normalizeH="0" baseline="0" dirty="0" smtClean="0">
+              <a:t>'androidx.test.ext:junit:1.1.1'</a:t>
+            </a:r>
+            <a:br>
+              <a:rPr kumimoji="0" lang="de-DE" altLang="de-DE" sz="1200" b="0" i="0" u="none" strike="noStrike" cap="none" normalizeH="0" baseline="0" dirty="0">
                 <a:ln>
                   <a:noFill/>
                 </a:ln>
@@ -24166,10 +23928,9 @@
                 <a:effectLst/>
                 <a:latin typeface="Consolas" panose="020B0609020204030204" pitchFamily="49" charset="0"/>
               </a:rPr>
-              <a:t>'androidx.test.ext:junit:1.1.1'</a:t>
-            </a:r>
-            <a:br>
-              <a:rPr kumimoji="0" lang="de-DE" altLang="de-DE" sz="1200" b="0" i="0" u="none" strike="noStrike" cap="none" normalizeH="0" baseline="0" dirty="0" smtClean="0">
+            </a:br>
+            <a:r>
+              <a:rPr kumimoji="0" lang="de-DE" altLang="de-DE" sz="1200" b="0" i="0" u="none" strike="noStrike" cap="none" normalizeH="0" baseline="0" dirty="0">
                 <a:ln>
                   <a:noFill/>
                 </a:ln>
@@ -24179,22 +23940,23 @@
                 <a:effectLst/>
                 <a:latin typeface="Consolas" panose="020B0609020204030204" pitchFamily="49" charset="0"/>
               </a:rPr>
-            </a:br>
-            <a:r>
-              <a:rPr kumimoji="0" lang="de-DE" altLang="de-DE" sz="1200" b="0" i="0" u="none" strike="noStrike" cap="none" normalizeH="0" baseline="0" dirty="0" smtClean="0">
+              <a:t>    </a:t>
+            </a:r>
+            <a:r>
+              <a:rPr kumimoji="0" lang="de-DE" altLang="de-DE" sz="1200" b="0" i="0" u="none" strike="noStrike" cap="none" normalizeH="0" baseline="0" dirty="0" err="1">
                 <a:ln>
                   <a:noFill/>
                 </a:ln>
                 <a:solidFill>
-                  <a:srgbClr val="6A8759"/>
+                  <a:srgbClr val="A9B7C6"/>
                 </a:solidFill>
                 <a:effectLst/>
                 <a:latin typeface="Consolas" panose="020B0609020204030204" pitchFamily="49" charset="0"/>
               </a:rPr>
-              <a:t>    </a:t>
-            </a:r>
-            <a:r>
-              <a:rPr kumimoji="0" lang="de-DE" altLang="de-DE" sz="1200" b="0" i="0" u="none" strike="noStrike" cap="none" normalizeH="0" baseline="0" dirty="0" err="1" smtClean="0">
+              <a:t>androidTestImplementation</a:t>
+            </a:r>
+            <a:r>
+              <a:rPr kumimoji="0" lang="de-DE" altLang="de-DE" sz="1200" b="0" i="0" u="none" strike="noStrike" cap="none" normalizeH="0" baseline="0" dirty="0">
                 <a:ln>
                   <a:noFill/>
                 </a:ln>
@@ -24204,44 +23966,31 @@
                 <a:effectLst/>
                 <a:latin typeface="Consolas" panose="020B0609020204030204" pitchFamily="49" charset="0"/>
               </a:rPr>
-              <a:t>androidTestImplementation</a:t>
-            </a:r>
-            <a:r>
-              <a:rPr kumimoji="0" lang="de-DE" altLang="de-DE" sz="1200" b="0" i="0" u="none" strike="noStrike" cap="none" normalizeH="0" baseline="0" dirty="0" smtClean="0">
+              <a:t> </a:t>
+            </a:r>
+            <a:r>
+              <a:rPr kumimoji="0" lang="de-DE" altLang="de-DE" sz="1200" b="0" i="0" u="none" strike="noStrike" cap="none" normalizeH="0" baseline="0" dirty="0">
                 <a:ln>
                   <a:noFill/>
                 </a:ln>
                 <a:solidFill>
-                  <a:srgbClr val="A9B7C6"/>
+                  <a:srgbClr val="6A8759"/>
                 </a:solidFill>
                 <a:effectLst/>
                 <a:latin typeface="Consolas" panose="020B0609020204030204" pitchFamily="49" charset="0"/>
               </a:rPr>
-              <a:t> </a:t>
-            </a:r>
-            <a:r>
-              <a:rPr kumimoji="0" lang="de-DE" altLang="de-DE" sz="1200" b="0" i="0" u="none" strike="noStrike" cap="none" normalizeH="0" baseline="0" dirty="0" smtClean="0">
-                <a:ln>
-                  <a:noFill/>
-                </a:ln>
+              <a:t>'androidx.test.espresso:espresso-core:3.2.0</a:t>
+            </a:r>
+            <a:r>
+              <a:rPr lang="de-DE" altLang="de-DE" sz="1200" dirty="0">
                 <a:solidFill>
                   <a:srgbClr val="6A8759"/>
                 </a:solidFill>
-                <a:effectLst/>
-                <a:latin typeface="Consolas" panose="020B0609020204030204" pitchFamily="49" charset="0"/>
-              </a:rPr>
-              <a:t>'androidx.test.espresso:espresso-core:3.2.0</a:t>
-            </a:r>
-            <a:r>
-              <a:rPr lang="de-DE" altLang="de-DE" sz="1200" dirty="0" smtClean="0">
-                <a:solidFill>
-                  <a:srgbClr val="6A8759"/>
-                </a:solidFill>
                 <a:latin typeface="Consolas" panose="020B0609020204030204" pitchFamily="49" charset="0"/>
               </a:rPr>
               <a:t>'</a:t>
             </a:r>
-            <a:endParaRPr kumimoji="0" lang="de-DE" altLang="de-DE" sz="1200" b="0" i="0" u="none" strike="noStrike" cap="none" normalizeH="0" baseline="0" dirty="0" smtClean="0">
+            <a:endParaRPr kumimoji="0" lang="de-DE" altLang="de-DE" sz="1200" b="0" i="0" u="none" strike="noStrike" cap="none" normalizeH="0" baseline="0" dirty="0">
               <a:ln>
                 <a:noFill/>
               </a:ln>
@@ -24269,7 +24018,7 @@
               <a:buNone/>
               <a:tabLst/>
             </a:pPr>
-            <a:endParaRPr kumimoji="0" lang="de-DE" altLang="de-DE" sz="1200" b="0" i="0" u="none" strike="noStrike" cap="none" normalizeH="0" baseline="0" dirty="0" smtClean="0">
+            <a:endParaRPr kumimoji="0" lang="de-DE" altLang="de-DE" sz="1200" b="0" i="0" u="none" strike="noStrike" cap="none" normalizeH="0" baseline="0" dirty="0">
               <a:ln>
                 <a:noFill/>
               </a:ln>
@@ -24290,7 +24039,7 @@
               </a:spcAft>
             </a:pPr>
             <a:r>
-              <a:rPr lang="de-DE" altLang="de-DE" sz="1200" dirty="0" smtClean="0">
+              <a:rPr lang="de-DE" altLang="de-DE" sz="1200" dirty="0">
                 <a:solidFill>
                   <a:schemeClr val="accent6">
                     <a:lumMod val="75000"/>
@@ -24301,7 +24050,7 @@
               <a:t>// </a:t>
             </a:r>
             <a:r>
-              <a:rPr lang="de-DE" altLang="de-DE" sz="1200" dirty="0" smtClean="0">
+              <a:rPr lang="de-DE" altLang="de-DE" sz="1200" dirty="0">
                 <a:solidFill>
                   <a:schemeClr val="accent6">
                     <a:lumMod val="75000"/>
@@ -24310,8 +24059,8 @@
               </a:rPr>
               <a:t>API hinzufügen</a:t>
             </a:r>
-            <a:r>
-              <a:rPr kumimoji="0" lang="de-DE" altLang="de-DE" sz="1200" b="0" i="0" u="none" strike="noStrike" cap="none" normalizeH="0" baseline="0" dirty="0" smtClean="0">
+            <a:br>
+              <a:rPr kumimoji="0" lang="de-DE" altLang="de-DE" sz="1200" b="0" i="0" u="none" strike="noStrike" cap="none" normalizeH="0" baseline="0" dirty="0">
                 <a:ln>
                   <a:noFill/>
                 </a:ln>
@@ -24321,10 +24070,9 @@
                 <a:effectLst/>
                 <a:latin typeface="Consolas" panose="020B0609020204030204" pitchFamily="49" charset="0"/>
               </a:rPr>
-              <a:t/>
-            </a:r>
-            <a:br>
-              <a:rPr kumimoji="0" lang="de-DE" altLang="de-DE" sz="1200" b="0" i="0" u="none" strike="noStrike" cap="none" normalizeH="0" baseline="0" dirty="0" smtClean="0">
+            </a:br>
+            <a:r>
+              <a:rPr kumimoji="0" lang="de-DE" altLang="de-DE" sz="1200" b="0" i="0" u="none" strike="noStrike" cap="none" normalizeH="0" baseline="0" dirty="0">
                 <a:ln>
                   <a:noFill/>
                 </a:ln>
@@ -24334,22 +24082,23 @@
                 <a:effectLst/>
                 <a:latin typeface="Consolas" panose="020B0609020204030204" pitchFamily="49" charset="0"/>
               </a:rPr>
-            </a:br>
-            <a:r>
-              <a:rPr kumimoji="0" lang="de-DE" altLang="de-DE" sz="1200" b="0" i="0" u="none" strike="noStrike" cap="none" normalizeH="0" baseline="0" dirty="0" smtClean="0">
+              <a:t>    </a:t>
+            </a:r>
+            <a:r>
+              <a:rPr kumimoji="0" lang="de-DE" altLang="de-DE" sz="1200" b="1" i="0" u="none" strike="noStrike" cap="none" normalizeH="0" baseline="0" dirty="0" err="1">
                 <a:ln>
                   <a:noFill/>
                 </a:ln>
                 <a:solidFill>
-                  <a:srgbClr val="6A8759"/>
+                  <a:srgbClr val="FF0000"/>
                 </a:solidFill>
                 <a:effectLst/>
                 <a:latin typeface="Consolas" panose="020B0609020204030204" pitchFamily="49" charset="0"/>
               </a:rPr>
-              <a:t>    </a:t>
-            </a:r>
-            <a:r>
-              <a:rPr kumimoji="0" lang="de-DE" altLang="de-DE" sz="1200" b="1" i="0" u="none" strike="noStrike" cap="none" normalizeH="0" baseline="0" dirty="0" err="1" smtClean="0">
+              <a:t>implementation</a:t>
+            </a:r>
+            <a:r>
+              <a:rPr kumimoji="0" lang="de-DE" altLang="de-DE" sz="1200" b="1" i="0" u="none" strike="noStrike" cap="none" normalizeH="0" baseline="0" dirty="0">
                 <a:ln>
                   <a:noFill/>
                 </a:ln>
@@ -24359,31 +24108,18 @@
                 <a:effectLst/>
                 <a:latin typeface="Consolas" panose="020B0609020204030204" pitchFamily="49" charset="0"/>
               </a:rPr>
-              <a:t>implementation</a:t>
-            </a:r>
-            <a:r>
-              <a:rPr kumimoji="0" lang="de-DE" altLang="de-DE" sz="1200" b="1" i="0" u="none" strike="noStrike" cap="none" normalizeH="0" baseline="0" dirty="0" smtClean="0">
-                <a:ln>
-                  <a:noFill/>
-                </a:ln>
+              <a:t> 'com.google.android.gms:play-services-location:17.0.0</a:t>
+            </a:r>
+            <a:r>
+              <a:rPr lang="de-DE" altLang="de-DE" sz="1200" b="1" dirty="0">
                 <a:solidFill>
                   <a:srgbClr val="FF0000"/>
                 </a:solidFill>
-                <a:effectLst/>
-                <a:latin typeface="Consolas" panose="020B0609020204030204" pitchFamily="49" charset="0"/>
-              </a:rPr>
-              <a:t> 'com.google.android.gms:play-services-location:17.0.0</a:t>
-            </a:r>
-            <a:r>
-              <a:rPr lang="de-DE" altLang="de-DE" sz="1200" b="1" dirty="0" smtClean="0">
-                <a:solidFill>
-                  <a:srgbClr val="FF0000"/>
-                </a:solidFill>
                 <a:latin typeface="Consolas" panose="020B0609020204030204" pitchFamily="49" charset="0"/>
               </a:rPr>
               <a:t>'</a:t>
             </a:r>
-            <a:endParaRPr kumimoji="0" lang="de-DE" altLang="de-DE" sz="1200" b="1" i="0" u="none" strike="noStrike" cap="none" normalizeH="0" baseline="0" dirty="0" smtClean="0">
+            <a:endParaRPr kumimoji="0" lang="de-DE" altLang="de-DE" sz="1200" b="1" i="0" u="none" strike="noStrike" cap="none" normalizeH="0" baseline="0" dirty="0">
               <a:ln>
                 <a:noFill/>
               </a:ln>
@@ -24403,8 +24139,8 @@
                 <a:spcPct val="0"/>
               </a:spcAft>
             </a:pPr>
-            <a:r>
-              <a:rPr kumimoji="0" lang="de-DE" altLang="de-DE" sz="1200" b="0" i="0" u="none" strike="noStrike" cap="none" normalizeH="0" baseline="0" dirty="0" smtClean="0">
+            <a:br>
+              <a:rPr kumimoji="0" lang="de-DE" altLang="de-DE" sz="1200" b="0" i="0" u="none" strike="noStrike" cap="none" normalizeH="0" baseline="0" dirty="0">
                 <a:ln>
                   <a:noFill/>
                 </a:ln>
@@ -24414,34 +24150,21 @@
                 <a:effectLst/>
                 <a:latin typeface="Consolas" panose="020B0609020204030204" pitchFamily="49" charset="0"/>
               </a:rPr>
-              <a:t/>
-            </a:r>
-            <a:br>
-              <a:rPr kumimoji="0" lang="de-DE" altLang="de-DE" sz="1200" b="0" i="0" u="none" strike="noStrike" cap="none" normalizeH="0" baseline="0" dirty="0" smtClean="0">
+            </a:br>
+            <a:r>
+              <a:rPr kumimoji="0" lang="de-DE" altLang="de-DE" sz="1200" b="1" i="0" u="none" strike="noStrike" cap="none" normalizeH="0" baseline="0" dirty="0">
                 <a:ln>
                   <a:noFill/>
                 </a:ln>
                 <a:solidFill>
-                  <a:srgbClr val="6A8759"/>
+                  <a:srgbClr val="A9B7C6"/>
                 </a:solidFill>
                 <a:effectLst/>
                 <a:latin typeface="Consolas" panose="020B0609020204030204" pitchFamily="49" charset="0"/>
               </a:rPr>
-            </a:br>
-            <a:r>
-              <a:rPr kumimoji="0" lang="de-DE" altLang="de-DE" sz="1200" b="1" i="0" u="none" strike="noStrike" cap="none" normalizeH="0" baseline="0" dirty="0" smtClean="0">
-                <a:ln>
-                  <a:noFill/>
-                </a:ln>
-                <a:solidFill>
-                  <a:srgbClr val="A9B7C6"/>
-                </a:solidFill>
-                <a:effectLst/>
-                <a:latin typeface="Consolas" panose="020B0609020204030204" pitchFamily="49" charset="0"/>
-              </a:rPr>
               <a:t>}</a:t>
             </a:r>
-            <a:endParaRPr kumimoji="0" lang="de-DE" altLang="de-DE" sz="1200" b="0" i="0" u="none" strike="noStrike" cap="none" normalizeH="0" baseline="0" dirty="0" smtClean="0">
+            <a:endParaRPr kumimoji="0" lang="de-DE" altLang="de-DE" sz="1200" b="0" i="0" u="none" strike="noStrike" cap="none" normalizeH="0" baseline="0" dirty="0">
               <a:ln>
                 <a:noFill/>
               </a:ln>
@@ -24539,17 +24262,17 @@
               <a:buNone/>
             </a:pPr>
             <a:r>
-              <a:rPr lang="de-DE" dirty="0" smtClean="0"/>
+              <a:rPr lang="de-DE" dirty="0"/>
               <a:t>2. </a:t>
             </a:r>
             <a:r>
-              <a:rPr lang="de-DE" altLang="de-DE" dirty="0" err="1" smtClean="0">
+              <a:rPr lang="de-DE" altLang="de-DE" dirty="0" err="1">
                 <a:latin typeface="Consolas" panose="020B0609020204030204" pitchFamily="49" charset="0"/>
               </a:rPr>
               <a:t>LocationRequest</a:t>
             </a:r>
             <a:r>
-              <a:rPr lang="de-DE" altLang="de-DE" dirty="0" smtClean="0">
+              <a:rPr lang="de-DE" altLang="de-DE" dirty="0">
                 <a:solidFill>
                   <a:srgbClr val="A9B7C6"/>
                 </a:solidFill>
@@ -24558,11 +24281,11 @@
               <a:t> </a:t>
             </a:r>
             <a:r>
-              <a:rPr lang="de-DE" dirty="0" smtClean="0"/>
+              <a:rPr lang="de-DE" dirty="0"/>
               <a:t>initialisieren in der Klasse </a:t>
             </a:r>
             <a:r>
-              <a:rPr lang="de-DE" dirty="0" err="1" smtClean="0"/>
+              <a:rPr lang="de-DE" dirty="0" err="1"/>
               <a:t>MainActivity</a:t>
             </a:r>
             <a:endParaRPr lang="de-DE" dirty="0"/>
@@ -24723,7 +24446,7 @@
               <a:tabLst/>
             </a:pPr>
             <a:r>
-              <a:rPr kumimoji="0" lang="de-DE" altLang="de-DE" sz="1100" b="0" i="0" u="none" strike="noStrike" cap="none" normalizeH="0" baseline="0" dirty="0" err="1" smtClean="0">
+              <a:rPr kumimoji="0" lang="de-DE" altLang="de-DE" sz="1100" b="0" i="0" u="none" strike="noStrike" cap="none" normalizeH="0" baseline="0" dirty="0" err="1">
                 <a:ln>
                   <a:noFill/>
                 </a:ln>
@@ -24736,7 +24459,7 @@
               <a:t>public</a:t>
             </a:r>
             <a:r>
-              <a:rPr kumimoji="0" lang="de-DE" altLang="de-DE" sz="1100" b="0" i="0" u="none" strike="noStrike" cap="none" normalizeH="0" baseline="0" dirty="0" smtClean="0">
+              <a:rPr kumimoji="0" lang="de-DE" altLang="de-DE" sz="1100" b="0" i="0" u="none" strike="noStrike" cap="none" normalizeH="0" baseline="0" dirty="0">
                 <a:ln>
                   <a:noFill/>
                 </a:ln>
@@ -24749,7 +24472,7 @@
               <a:t> </a:t>
             </a:r>
             <a:r>
-              <a:rPr kumimoji="0" lang="de-DE" altLang="de-DE" sz="1100" b="0" i="0" u="none" strike="noStrike" cap="none" normalizeH="0" baseline="0" dirty="0" err="1" smtClean="0">
+              <a:rPr kumimoji="0" lang="de-DE" altLang="de-DE" sz="1100" b="0" i="0" u="none" strike="noStrike" cap="none" normalizeH="0" baseline="0" dirty="0" err="1">
                 <a:ln>
                   <a:noFill/>
                 </a:ln>
@@ -24762,7 +24485,7 @@
               <a:t>class</a:t>
             </a:r>
             <a:r>
-              <a:rPr kumimoji="0" lang="de-DE" altLang="de-DE" sz="1100" b="0" i="0" u="none" strike="noStrike" cap="none" normalizeH="0" baseline="0" dirty="0" smtClean="0">
+              <a:rPr kumimoji="0" lang="de-DE" altLang="de-DE" sz="1100" b="0" i="0" u="none" strike="noStrike" cap="none" normalizeH="0" baseline="0" dirty="0">
                 <a:ln>
                   <a:noFill/>
                 </a:ln>
@@ -24775,7 +24498,7 @@
               <a:t> </a:t>
             </a:r>
             <a:r>
-              <a:rPr kumimoji="0" lang="de-DE" altLang="de-DE" sz="1100" b="0" i="0" u="none" strike="noStrike" cap="none" normalizeH="0" baseline="0" dirty="0" err="1" smtClean="0">
+              <a:rPr kumimoji="0" lang="de-DE" altLang="de-DE" sz="1100" b="0" i="0" u="none" strike="noStrike" cap="none" normalizeH="0" baseline="0" dirty="0" err="1">
                 <a:ln>
                   <a:noFill/>
                 </a:ln>
@@ -24788,7 +24511,7 @@
               <a:t>MainActivity</a:t>
             </a:r>
             <a:r>
-              <a:rPr kumimoji="0" lang="de-DE" altLang="de-DE" sz="1100" b="0" i="0" u="none" strike="noStrike" cap="none" normalizeH="0" baseline="0" dirty="0" smtClean="0">
+              <a:rPr kumimoji="0" lang="de-DE" altLang="de-DE" sz="1100" b="0" i="0" u="none" strike="noStrike" cap="none" normalizeH="0" baseline="0" dirty="0">
                 <a:ln>
                   <a:noFill/>
                 </a:ln>
@@ -24801,7 +24524,7 @@
               <a:t> </a:t>
             </a:r>
             <a:r>
-              <a:rPr kumimoji="0" lang="de-DE" altLang="de-DE" sz="1100" b="0" i="0" u="none" strike="noStrike" cap="none" normalizeH="0" baseline="0" dirty="0" err="1" smtClean="0">
+              <a:rPr kumimoji="0" lang="de-DE" altLang="de-DE" sz="1100" b="0" i="0" u="none" strike="noStrike" cap="none" normalizeH="0" baseline="0" dirty="0" err="1">
                 <a:ln>
                   <a:noFill/>
                 </a:ln>
@@ -24814,7 +24537,7 @@
               <a:t>extends</a:t>
             </a:r>
             <a:r>
-              <a:rPr kumimoji="0" lang="de-DE" altLang="de-DE" sz="1100" b="0" i="0" u="none" strike="noStrike" cap="none" normalizeH="0" baseline="0" dirty="0" smtClean="0">
+              <a:rPr kumimoji="0" lang="de-DE" altLang="de-DE" sz="1100" b="0" i="0" u="none" strike="noStrike" cap="none" normalizeH="0" baseline="0" dirty="0">
                 <a:ln>
                   <a:noFill/>
                 </a:ln>
@@ -24827,7 +24550,7 @@
               <a:t> </a:t>
             </a:r>
             <a:r>
-              <a:rPr kumimoji="0" lang="de-DE" altLang="de-DE" sz="1100" b="0" i="0" u="none" strike="noStrike" cap="none" normalizeH="0" baseline="0" dirty="0" err="1" smtClean="0">
+              <a:rPr kumimoji="0" lang="de-DE" altLang="de-DE" sz="1100" b="0" i="0" u="none" strike="noStrike" cap="none" normalizeH="0" baseline="0" dirty="0" err="1">
                 <a:ln>
                   <a:noFill/>
                 </a:ln>
@@ -24840,7 +24563,7 @@
               <a:t>AppCompatActivity</a:t>
             </a:r>
             <a:r>
-              <a:rPr kumimoji="0" lang="de-DE" altLang="de-DE" sz="1100" b="0" i="0" u="none" strike="noStrike" cap="none" normalizeH="0" baseline="0" dirty="0" smtClean="0">
+              <a:rPr kumimoji="0" lang="de-DE" altLang="de-DE" sz="1100" b="0" i="0" u="none" strike="noStrike" cap="none" normalizeH="0" baseline="0" dirty="0">
                 <a:ln>
                   <a:noFill/>
                 </a:ln>
@@ -24853,7 +24576,7 @@
               <a:t> {</a:t>
             </a:r>
             <a:br>
-              <a:rPr kumimoji="0" lang="de-DE" altLang="de-DE" sz="1100" b="0" i="0" u="none" strike="noStrike" cap="none" normalizeH="0" baseline="0" dirty="0" smtClean="0">
+              <a:rPr kumimoji="0" lang="de-DE" altLang="de-DE" sz="1100" b="0" i="0" u="none" strike="noStrike" cap="none" normalizeH="0" baseline="0" dirty="0">
                 <a:ln>
                   <a:noFill/>
                 </a:ln>
@@ -24864,8 +24587,8 @@
                 <a:latin typeface="Consolas" panose="020B0609020204030204" pitchFamily="49" charset="0"/>
               </a:rPr>
             </a:br>
-            <a:r>
-              <a:rPr kumimoji="0" lang="de-DE" altLang="de-DE" sz="1100" b="0" i="0" u="none" strike="noStrike" cap="none" normalizeH="0" baseline="0" dirty="0" smtClean="0">
+            <a:br>
+              <a:rPr kumimoji="0" lang="de-DE" altLang="de-DE" sz="1100" b="0" i="0" u="none" strike="noStrike" cap="none" normalizeH="0" baseline="0" dirty="0">
                 <a:ln>
                   <a:noFill/>
                 </a:ln>
@@ -24875,10 +24598,9 @@
                 <a:effectLst/>
                 <a:latin typeface="Consolas" panose="020B0609020204030204" pitchFamily="49" charset="0"/>
               </a:rPr>
-              <a:t/>
-            </a:r>
-            <a:br>
-              <a:rPr kumimoji="0" lang="de-DE" altLang="de-DE" sz="1100" b="0" i="0" u="none" strike="noStrike" cap="none" normalizeH="0" baseline="0" dirty="0" smtClean="0">
+            </a:br>
+            <a:r>
+              <a:rPr kumimoji="0" lang="de-DE" altLang="de-DE" sz="1100" b="0" i="0" u="none" strike="noStrike" cap="none" normalizeH="0" baseline="0" dirty="0">
                 <a:ln>
                   <a:noFill/>
                 </a:ln>
@@ -24888,22 +24610,23 @@
                 <a:effectLst/>
                 <a:latin typeface="Consolas" panose="020B0609020204030204" pitchFamily="49" charset="0"/>
               </a:rPr>
-            </a:br>
-            <a:r>
-              <a:rPr kumimoji="0" lang="de-DE" altLang="de-DE" sz="1100" b="0" i="0" u="none" strike="noStrike" cap="none" normalizeH="0" baseline="0" dirty="0" smtClean="0">
+              <a:t>    </a:t>
+            </a:r>
+            <a:r>
+              <a:rPr kumimoji="0" lang="de-DE" altLang="de-DE" sz="1100" b="0" i="0" u="none" strike="noStrike" cap="none" normalizeH="0" baseline="0" dirty="0">
                 <a:ln>
                   <a:noFill/>
                 </a:ln>
                 <a:solidFill>
-                  <a:srgbClr val="A9B7C6"/>
+                  <a:srgbClr val="CC7832"/>
                 </a:solidFill>
                 <a:effectLst/>
                 <a:latin typeface="Consolas" panose="020B0609020204030204" pitchFamily="49" charset="0"/>
               </a:rPr>
-              <a:t>    </a:t>
-            </a:r>
-            <a:r>
-              <a:rPr kumimoji="0" lang="de-DE" altLang="de-DE" sz="1100" b="0" i="0" u="none" strike="noStrike" cap="none" normalizeH="0" baseline="0" dirty="0" smtClean="0">
+              <a:t>private </a:t>
+            </a:r>
+            <a:r>
+              <a:rPr kumimoji="0" lang="de-DE" altLang="de-DE" sz="1100" b="0" i="0" u="none" strike="noStrike" cap="none" normalizeH="0" baseline="0" dirty="0" err="1">
                 <a:ln>
                   <a:noFill/>
                 </a:ln>
@@ -24913,10 +24636,10 @@
                 <a:effectLst/>
                 <a:latin typeface="Consolas" panose="020B0609020204030204" pitchFamily="49" charset="0"/>
               </a:rPr>
-              <a:t>private </a:t>
-            </a:r>
-            <a:r>
-              <a:rPr kumimoji="0" lang="de-DE" altLang="de-DE" sz="1100" b="0" i="0" u="none" strike="noStrike" cap="none" normalizeH="0" baseline="0" dirty="0" err="1" smtClean="0">
+              <a:t>static</a:t>
+            </a:r>
+            <a:r>
+              <a:rPr kumimoji="0" lang="de-DE" altLang="de-DE" sz="1100" b="0" i="0" u="none" strike="noStrike" cap="none" normalizeH="0" baseline="0" dirty="0">
                 <a:ln>
                   <a:noFill/>
                 </a:ln>
@@ -24926,10 +24649,10 @@
                 <a:effectLst/>
                 <a:latin typeface="Consolas" panose="020B0609020204030204" pitchFamily="49" charset="0"/>
               </a:rPr>
-              <a:t>static</a:t>
-            </a:r>
-            <a:r>
-              <a:rPr kumimoji="0" lang="de-DE" altLang="de-DE" sz="1100" b="0" i="0" u="none" strike="noStrike" cap="none" normalizeH="0" baseline="0" dirty="0" smtClean="0">
+              <a:t> final </a:t>
+            </a:r>
+            <a:r>
+              <a:rPr kumimoji="0" lang="de-DE" altLang="de-DE" sz="1100" b="0" i="0" u="none" strike="noStrike" cap="none" normalizeH="0" baseline="0" dirty="0" err="1">
                 <a:ln>
                   <a:noFill/>
                 </a:ln>
@@ -24939,10 +24662,10 @@
                 <a:effectLst/>
                 <a:latin typeface="Consolas" panose="020B0609020204030204" pitchFamily="49" charset="0"/>
               </a:rPr>
-              <a:t> final </a:t>
-            </a:r>
-            <a:r>
-              <a:rPr kumimoji="0" lang="de-DE" altLang="de-DE" sz="1100" b="0" i="0" u="none" strike="noStrike" cap="none" normalizeH="0" baseline="0" dirty="0" err="1" smtClean="0">
+              <a:t>int</a:t>
+            </a:r>
+            <a:r>
+              <a:rPr kumimoji="0" lang="de-DE" altLang="de-DE" sz="1100" b="0" i="0" u="none" strike="noStrike" cap="none" normalizeH="0" baseline="0" dirty="0">
                 <a:ln>
                   <a:noFill/>
                 </a:ln>
@@ -24952,62 +24675,62 @@
                 <a:effectLst/>
                 <a:latin typeface="Consolas" panose="020B0609020204030204" pitchFamily="49" charset="0"/>
               </a:rPr>
-              <a:t>int</a:t>
-            </a:r>
-            <a:r>
-              <a:rPr kumimoji="0" lang="de-DE" altLang="de-DE" sz="1100" b="0" i="0" u="none" strike="noStrike" cap="none" normalizeH="0" baseline="0" dirty="0" smtClean="0">
+              <a:t> </a:t>
+            </a:r>
+            <a:r>
+              <a:rPr kumimoji="0" lang="de-DE" altLang="de-DE" sz="1100" b="0" i="1" u="none" strike="noStrike" cap="none" normalizeH="0" baseline="0" dirty="0">
                 <a:ln>
                   <a:noFill/>
                 </a:ln>
                 <a:solidFill>
-                  <a:srgbClr val="CC7832"/>
+                  <a:srgbClr val="9876AA"/>
                 </a:solidFill>
                 <a:effectLst/>
                 <a:latin typeface="Consolas" panose="020B0609020204030204" pitchFamily="49" charset="0"/>
               </a:rPr>
-              <a:t> </a:t>
-            </a:r>
-            <a:r>
-              <a:rPr kumimoji="0" lang="de-DE" altLang="de-DE" sz="1100" b="0" i="1" u="none" strike="noStrike" cap="none" normalizeH="0" baseline="0" dirty="0" smtClean="0">
+              <a:t>PERMISSION_FINE_LOCATION </a:t>
+            </a:r>
+            <a:r>
+              <a:rPr kumimoji="0" lang="de-DE" altLang="de-DE" sz="1100" b="0" i="0" u="none" strike="noStrike" cap="none" normalizeH="0" baseline="0" dirty="0">
                 <a:ln>
                   <a:noFill/>
                 </a:ln>
                 <a:solidFill>
-                  <a:srgbClr val="9876AA"/>
+                  <a:srgbClr val="A9B7C6"/>
                 </a:solidFill>
                 <a:effectLst/>
                 <a:latin typeface="Consolas" panose="020B0609020204030204" pitchFamily="49" charset="0"/>
               </a:rPr>
-              <a:t>PERMISSION_FINE_LOCATION </a:t>
-            </a:r>
-            <a:r>
-              <a:rPr kumimoji="0" lang="de-DE" altLang="de-DE" sz="1100" b="0" i="0" u="none" strike="noStrike" cap="none" normalizeH="0" baseline="0" dirty="0" smtClean="0">
+              <a:t>= </a:t>
+            </a:r>
+            <a:r>
+              <a:rPr kumimoji="0" lang="de-DE" altLang="de-DE" sz="1100" b="0" i="0" u="none" strike="noStrike" cap="none" normalizeH="0" baseline="0" dirty="0">
                 <a:ln>
                   <a:noFill/>
                 </a:ln>
                 <a:solidFill>
-                  <a:srgbClr val="A9B7C6"/>
+                  <a:srgbClr val="6897BB"/>
                 </a:solidFill>
                 <a:effectLst/>
                 <a:latin typeface="Consolas" panose="020B0609020204030204" pitchFamily="49" charset="0"/>
               </a:rPr>
-              <a:t>= </a:t>
-            </a:r>
-            <a:r>
-              <a:rPr kumimoji="0" lang="de-DE" altLang="de-DE" sz="1100" b="0" i="0" u="none" strike="noStrike" cap="none" normalizeH="0" baseline="0" dirty="0" smtClean="0">
+              <a:t>99</a:t>
+            </a:r>
+            <a:r>
+              <a:rPr kumimoji="0" lang="de-DE" altLang="de-DE" sz="1100" b="0" i="0" u="none" strike="noStrike" cap="none" normalizeH="0" baseline="0" dirty="0">
                 <a:ln>
                   <a:noFill/>
                 </a:ln>
                 <a:solidFill>
-                  <a:srgbClr val="6897BB"/>
+                  <a:srgbClr val="CC7832"/>
                 </a:solidFill>
                 <a:effectLst/>
                 <a:latin typeface="Consolas" panose="020B0609020204030204" pitchFamily="49" charset="0"/>
               </a:rPr>
-              <a:t>99</a:t>
-            </a:r>
-            <a:r>
-              <a:rPr kumimoji="0" lang="de-DE" altLang="de-DE" sz="1100" b="0" i="0" u="none" strike="noStrike" cap="none" normalizeH="0" baseline="0" dirty="0" smtClean="0">
+              <a:t>;</a:t>
+            </a:r>
+            <a:br>
+              <a:rPr kumimoji="0" lang="de-DE" altLang="de-DE" sz="1100" b="0" i="0" u="none" strike="noStrike" cap="none" normalizeH="0" baseline="0" dirty="0">
                 <a:ln>
                   <a:noFill/>
                 </a:ln>
@@ -25017,10 +24740,9 @@
                 <a:effectLst/>
                 <a:latin typeface="Consolas" panose="020B0609020204030204" pitchFamily="49" charset="0"/>
               </a:rPr>
-              <a:t>;</a:t>
-            </a:r>
-            <a:br>
-              <a:rPr kumimoji="0" lang="de-DE" altLang="de-DE" sz="1100" b="0" i="0" u="none" strike="noStrike" cap="none" normalizeH="0" baseline="0" dirty="0" smtClean="0">
+            </a:br>
+            <a:r>
+              <a:rPr kumimoji="0" lang="de-DE" altLang="de-DE" sz="1100" b="0" i="0" u="none" strike="noStrike" cap="none" normalizeH="0" baseline="0" dirty="0">
                 <a:ln>
                   <a:noFill/>
                 </a:ln>
@@ -25030,22 +24752,23 @@
                 <a:effectLst/>
                 <a:latin typeface="Consolas" panose="020B0609020204030204" pitchFamily="49" charset="0"/>
               </a:rPr>
-            </a:br>
-            <a:r>
-              <a:rPr kumimoji="0" lang="de-DE" altLang="de-DE" sz="1100" b="0" i="0" u="none" strike="noStrike" cap="none" normalizeH="0" baseline="0" dirty="0" smtClean="0">
+              <a:t>    </a:t>
+            </a:r>
+            <a:r>
+              <a:rPr kumimoji="0" lang="de-DE" altLang="de-DE" sz="1100" b="0" i="0" u="none" strike="noStrike" cap="none" normalizeH="0" baseline="0" dirty="0" err="1">
                 <a:ln>
                   <a:noFill/>
                 </a:ln>
                 <a:solidFill>
-                  <a:srgbClr val="CC7832"/>
+                  <a:srgbClr val="A9B7C6"/>
                 </a:solidFill>
                 <a:effectLst/>
                 <a:latin typeface="Consolas" panose="020B0609020204030204" pitchFamily="49" charset="0"/>
               </a:rPr>
-              <a:t>    </a:t>
-            </a:r>
-            <a:r>
-              <a:rPr kumimoji="0" lang="de-DE" altLang="de-DE" sz="1100" b="0" i="0" u="none" strike="noStrike" cap="none" normalizeH="0" baseline="0" dirty="0" err="1" smtClean="0">
+              <a:t>TextView</a:t>
+            </a:r>
+            <a:r>
+              <a:rPr kumimoji="0" lang="de-DE" altLang="de-DE" sz="1100" b="0" i="0" u="none" strike="noStrike" cap="none" normalizeH="0" baseline="0" dirty="0">
                 <a:ln>
                   <a:noFill/>
                 </a:ln>
@@ -25055,218 +24778,218 @@
                 <a:effectLst/>
                 <a:latin typeface="Consolas" panose="020B0609020204030204" pitchFamily="49" charset="0"/>
               </a:rPr>
-              <a:t>TextView</a:t>
-            </a:r>
-            <a:r>
-              <a:rPr kumimoji="0" lang="de-DE" altLang="de-DE" sz="1100" b="0" i="0" u="none" strike="noStrike" cap="none" normalizeH="0" baseline="0" dirty="0" smtClean="0">
+              <a:t> </a:t>
+            </a:r>
+            <a:r>
+              <a:rPr kumimoji="0" lang="de-DE" altLang="de-DE" sz="1100" b="0" i="0" u="none" strike="noStrike" cap="none" normalizeH="0" baseline="0" dirty="0" err="1">
                 <a:ln>
                   <a:noFill/>
                 </a:ln>
                 <a:solidFill>
-                  <a:srgbClr val="A9B7C6"/>
+                  <a:srgbClr val="9876AA"/>
                 </a:solidFill>
                 <a:effectLst/>
                 <a:latin typeface="Consolas" panose="020B0609020204030204" pitchFamily="49" charset="0"/>
               </a:rPr>
-              <a:t> </a:t>
-            </a:r>
-            <a:r>
-              <a:rPr kumimoji="0" lang="de-DE" altLang="de-DE" sz="1100" b="0" i="0" u="none" strike="noStrike" cap="none" normalizeH="0" baseline="0" dirty="0" err="1" smtClean="0">
+              <a:t>tv_lat</a:t>
+            </a:r>
+            <a:r>
+              <a:rPr kumimoji="0" lang="de-DE" altLang="de-DE" sz="1100" b="0" i="0" u="none" strike="noStrike" cap="none" normalizeH="0" baseline="0" dirty="0">
                 <a:ln>
                   <a:noFill/>
                 </a:ln>
                 <a:solidFill>
-                  <a:srgbClr val="9876AA"/>
+                  <a:srgbClr val="CC7832"/>
                 </a:solidFill>
                 <a:effectLst/>
                 <a:latin typeface="Consolas" panose="020B0609020204030204" pitchFamily="49" charset="0"/>
               </a:rPr>
-              <a:t>tv_lat</a:t>
-            </a:r>
-            <a:r>
-              <a:rPr kumimoji="0" lang="de-DE" altLang="de-DE" sz="1100" b="0" i="0" u="none" strike="noStrike" cap="none" normalizeH="0" baseline="0" dirty="0" smtClean="0">
+              <a:t>, </a:t>
+            </a:r>
+            <a:r>
+              <a:rPr kumimoji="0" lang="de-DE" altLang="de-DE" sz="1100" b="0" i="0" u="none" strike="noStrike" cap="none" normalizeH="0" baseline="0" dirty="0" err="1">
                 <a:ln>
                   <a:noFill/>
                 </a:ln>
                 <a:solidFill>
-                  <a:srgbClr val="CC7832"/>
+                  <a:srgbClr val="9876AA"/>
                 </a:solidFill>
                 <a:effectLst/>
                 <a:latin typeface="Consolas" panose="020B0609020204030204" pitchFamily="49" charset="0"/>
               </a:rPr>
-              <a:t>, </a:t>
-            </a:r>
-            <a:r>
-              <a:rPr kumimoji="0" lang="de-DE" altLang="de-DE" sz="1100" b="0" i="0" u="none" strike="noStrike" cap="none" normalizeH="0" baseline="0" dirty="0" err="1" smtClean="0">
+              <a:t>tv_lon</a:t>
+            </a:r>
+            <a:r>
+              <a:rPr kumimoji="0" lang="de-DE" altLang="de-DE" sz="1100" b="0" i="0" u="none" strike="noStrike" cap="none" normalizeH="0" baseline="0" dirty="0">
                 <a:ln>
                   <a:noFill/>
                 </a:ln>
                 <a:solidFill>
-                  <a:srgbClr val="9876AA"/>
+                  <a:srgbClr val="CC7832"/>
                 </a:solidFill>
                 <a:effectLst/>
                 <a:latin typeface="Consolas" panose="020B0609020204030204" pitchFamily="49" charset="0"/>
               </a:rPr>
-              <a:t>tv_lon</a:t>
-            </a:r>
-            <a:r>
-              <a:rPr kumimoji="0" lang="de-DE" altLang="de-DE" sz="1100" b="0" i="0" u="none" strike="noStrike" cap="none" normalizeH="0" baseline="0" dirty="0" smtClean="0">
+              <a:t>, </a:t>
+            </a:r>
+            <a:r>
+              <a:rPr kumimoji="0" lang="de-DE" altLang="de-DE" sz="1100" b="0" i="0" u="none" strike="noStrike" cap="none" normalizeH="0" baseline="0" dirty="0" err="1">
                 <a:ln>
                   <a:noFill/>
                 </a:ln>
                 <a:solidFill>
-                  <a:srgbClr val="CC7832"/>
+                  <a:srgbClr val="9876AA"/>
                 </a:solidFill>
                 <a:effectLst/>
                 <a:latin typeface="Consolas" panose="020B0609020204030204" pitchFamily="49" charset="0"/>
               </a:rPr>
-              <a:t>, </a:t>
-            </a:r>
-            <a:r>
-              <a:rPr kumimoji="0" lang="de-DE" altLang="de-DE" sz="1100" b="0" i="0" u="none" strike="noStrike" cap="none" normalizeH="0" baseline="0" dirty="0" err="1" smtClean="0">
+              <a:t>tv_altitude</a:t>
+            </a:r>
+            <a:r>
+              <a:rPr kumimoji="0" lang="de-DE" altLang="de-DE" sz="1100" b="0" i="0" u="none" strike="noStrike" cap="none" normalizeH="0" baseline="0" dirty="0">
                 <a:ln>
                   <a:noFill/>
                 </a:ln>
                 <a:solidFill>
-                  <a:srgbClr val="9876AA"/>
+                  <a:srgbClr val="CC7832"/>
                 </a:solidFill>
                 <a:effectLst/>
                 <a:latin typeface="Consolas" panose="020B0609020204030204" pitchFamily="49" charset="0"/>
               </a:rPr>
-              <a:t>tv_altitude</a:t>
-            </a:r>
-            <a:r>
-              <a:rPr kumimoji="0" lang="de-DE" altLang="de-DE" sz="1100" b="0" i="0" u="none" strike="noStrike" cap="none" normalizeH="0" baseline="0" dirty="0" smtClean="0">
+              <a:t>, </a:t>
+            </a:r>
+            <a:r>
+              <a:rPr kumimoji="0" lang="de-DE" altLang="de-DE" sz="1100" b="0" i="0" u="none" strike="noStrike" cap="none" normalizeH="0" baseline="0" dirty="0" err="1">
                 <a:ln>
                   <a:noFill/>
                 </a:ln>
                 <a:solidFill>
-                  <a:srgbClr val="CC7832"/>
+                  <a:srgbClr val="9876AA"/>
                 </a:solidFill>
                 <a:effectLst/>
                 <a:latin typeface="Consolas" panose="020B0609020204030204" pitchFamily="49" charset="0"/>
               </a:rPr>
-              <a:t>, </a:t>
-            </a:r>
-            <a:r>
-              <a:rPr kumimoji="0" lang="de-DE" altLang="de-DE" sz="1100" b="0" i="0" u="none" strike="noStrike" cap="none" normalizeH="0" baseline="0" dirty="0" err="1" smtClean="0">
+              <a:t>tv_accuracy</a:t>
+            </a:r>
+            <a:r>
+              <a:rPr kumimoji="0" lang="de-DE" altLang="de-DE" sz="1100" b="0" i="0" u="none" strike="noStrike" cap="none" normalizeH="0" baseline="0" dirty="0">
                 <a:ln>
                   <a:noFill/>
                 </a:ln>
                 <a:solidFill>
-                  <a:srgbClr val="9876AA"/>
+                  <a:srgbClr val="CC7832"/>
                 </a:solidFill>
                 <a:effectLst/>
                 <a:latin typeface="Consolas" panose="020B0609020204030204" pitchFamily="49" charset="0"/>
               </a:rPr>
-              <a:t>tv_accuracy</a:t>
-            </a:r>
-            <a:r>
-              <a:rPr kumimoji="0" lang="de-DE" altLang="de-DE" sz="1100" b="0" i="0" u="none" strike="noStrike" cap="none" normalizeH="0" baseline="0" dirty="0" smtClean="0">
+              <a:t>, </a:t>
+            </a:r>
+            <a:r>
+              <a:rPr kumimoji="0" lang="de-DE" altLang="de-DE" sz="1100" b="0" i="0" u="none" strike="noStrike" cap="none" normalizeH="0" baseline="0" dirty="0" err="1">
                 <a:ln>
                   <a:noFill/>
                 </a:ln>
                 <a:solidFill>
-                  <a:srgbClr val="CC7832"/>
+                  <a:srgbClr val="9876AA"/>
                 </a:solidFill>
                 <a:effectLst/>
                 <a:latin typeface="Consolas" panose="020B0609020204030204" pitchFamily="49" charset="0"/>
               </a:rPr>
-              <a:t>, </a:t>
-            </a:r>
-            <a:r>
-              <a:rPr kumimoji="0" lang="de-DE" altLang="de-DE" sz="1100" b="0" i="0" u="none" strike="noStrike" cap="none" normalizeH="0" baseline="0" dirty="0" err="1" smtClean="0">
+              <a:t>tv_speed</a:t>
+            </a:r>
+            <a:r>
+              <a:rPr kumimoji="0" lang="de-DE" altLang="de-DE" sz="1100" b="0" i="0" u="none" strike="noStrike" cap="none" normalizeH="0" baseline="0" dirty="0">
                 <a:ln>
                   <a:noFill/>
                 </a:ln>
                 <a:solidFill>
-                  <a:srgbClr val="9876AA"/>
+                  <a:srgbClr val="CC7832"/>
                 </a:solidFill>
                 <a:effectLst/>
                 <a:latin typeface="Consolas" panose="020B0609020204030204" pitchFamily="49" charset="0"/>
               </a:rPr>
-              <a:t>tv_speed</a:t>
-            </a:r>
-            <a:r>
-              <a:rPr kumimoji="0" lang="de-DE" altLang="de-DE" sz="1100" b="0" i="0" u="none" strike="noStrike" cap="none" normalizeH="0" baseline="0" dirty="0" smtClean="0">
+              <a:t>, </a:t>
+            </a:r>
+            <a:r>
+              <a:rPr kumimoji="0" lang="de-DE" altLang="de-DE" sz="1100" b="0" i="0" u="none" strike="noStrike" cap="none" normalizeH="0" baseline="0" dirty="0" err="1">
                 <a:ln>
                   <a:noFill/>
                 </a:ln>
                 <a:solidFill>
-                  <a:srgbClr val="CC7832"/>
+                  <a:srgbClr val="9876AA"/>
                 </a:solidFill>
                 <a:effectLst/>
                 <a:latin typeface="Consolas" panose="020B0609020204030204" pitchFamily="49" charset="0"/>
               </a:rPr>
-              <a:t>, </a:t>
-            </a:r>
-            <a:r>
-              <a:rPr kumimoji="0" lang="de-DE" altLang="de-DE" sz="1100" b="0" i="0" u="none" strike="noStrike" cap="none" normalizeH="0" baseline="0" dirty="0" err="1" smtClean="0">
+              <a:t>tv_sensor</a:t>
+            </a:r>
+            <a:r>
+              <a:rPr kumimoji="0" lang="de-DE" altLang="de-DE" sz="1100" b="0" i="0" u="none" strike="noStrike" cap="none" normalizeH="0" baseline="0" dirty="0">
                 <a:ln>
                   <a:noFill/>
                 </a:ln>
                 <a:solidFill>
-                  <a:srgbClr val="9876AA"/>
+                  <a:srgbClr val="CC7832"/>
                 </a:solidFill>
                 <a:effectLst/>
                 <a:latin typeface="Consolas" panose="020B0609020204030204" pitchFamily="49" charset="0"/>
               </a:rPr>
-              <a:t>tv_sensor</a:t>
-            </a:r>
-            <a:r>
-              <a:rPr kumimoji="0" lang="de-DE" altLang="de-DE" sz="1100" b="0" i="0" u="none" strike="noStrike" cap="none" normalizeH="0" baseline="0" dirty="0" smtClean="0">
+              <a:t>, </a:t>
+            </a:r>
+            <a:r>
+              <a:rPr kumimoji="0" lang="de-DE" altLang="de-DE" sz="1100" b="0" i="0" u="none" strike="noStrike" cap="none" normalizeH="0" baseline="0" dirty="0" err="1">
                 <a:ln>
                   <a:noFill/>
                 </a:ln>
                 <a:solidFill>
-                  <a:srgbClr val="CC7832"/>
+                  <a:srgbClr val="9876AA"/>
                 </a:solidFill>
                 <a:effectLst/>
                 <a:latin typeface="Consolas" panose="020B0609020204030204" pitchFamily="49" charset="0"/>
               </a:rPr>
-              <a:t>, </a:t>
-            </a:r>
-            <a:r>
-              <a:rPr kumimoji="0" lang="de-DE" altLang="de-DE" sz="1100" b="0" i="0" u="none" strike="noStrike" cap="none" normalizeH="0" baseline="0" dirty="0" err="1" smtClean="0">
+              <a:t>tv_updates</a:t>
+            </a:r>
+            <a:r>
+              <a:rPr kumimoji="0" lang="de-DE" altLang="de-DE" sz="1100" b="0" i="0" u="none" strike="noStrike" cap="none" normalizeH="0" baseline="0" dirty="0">
                 <a:ln>
                   <a:noFill/>
                 </a:ln>
                 <a:solidFill>
-                  <a:srgbClr val="9876AA"/>
+                  <a:srgbClr val="CC7832"/>
                 </a:solidFill>
                 <a:effectLst/>
                 <a:latin typeface="Consolas" panose="020B0609020204030204" pitchFamily="49" charset="0"/>
               </a:rPr>
-              <a:t>tv_updates</a:t>
-            </a:r>
-            <a:r>
-              <a:rPr kumimoji="0" lang="de-DE" altLang="de-DE" sz="1100" b="0" i="0" u="none" strike="noStrike" cap="none" normalizeH="0" baseline="0" dirty="0" smtClean="0">
+              <a:t>, </a:t>
+            </a:r>
+            <a:r>
+              <a:rPr kumimoji="0" lang="de-DE" altLang="de-DE" sz="1100" b="0" i="0" u="none" strike="noStrike" cap="none" normalizeH="0" baseline="0" dirty="0" err="1">
                 <a:ln>
                   <a:noFill/>
                 </a:ln>
                 <a:solidFill>
-                  <a:srgbClr val="CC7832"/>
+                  <a:srgbClr val="9876AA"/>
                 </a:solidFill>
                 <a:effectLst/>
                 <a:latin typeface="Consolas" panose="020B0609020204030204" pitchFamily="49" charset="0"/>
               </a:rPr>
-              <a:t>, </a:t>
-            </a:r>
-            <a:r>
-              <a:rPr kumimoji="0" lang="de-DE" altLang="de-DE" sz="1100" b="0" i="0" u="none" strike="noStrike" cap="none" normalizeH="0" baseline="0" dirty="0" err="1" smtClean="0">
+              <a:t>tv_address</a:t>
+            </a:r>
+            <a:r>
+              <a:rPr kumimoji="0" lang="de-DE" altLang="de-DE" sz="1100" b="0" i="0" u="none" strike="noStrike" cap="none" normalizeH="0" baseline="0" dirty="0">
                 <a:ln>
                   <a:noFill/>
                 </a:ln>
                 <a:solidFill>
-                  <a:srgbClr val="9876AA"/>
+                  <a:srgbClr val="CC7832"/>
                 </a:solidFill>
                 <a:effectLst/>
                 <a:latin typeface="Consolas" panose="020B0609020204030204" pitchFamily="49" charset="0"/>
               </a:rPr>
-              <a:t>tv_address</a:t>
-            </a:r>
-            <a:r>
-              <a:rPr kumimoji="0" lang="de-DE" altLang="de-DE" sz="1100" b="0" i="0" u="none" strike="noStrike" cap="none" normalizeH="0" baseline="0" dirty="0" smtClean="0">
+              <a:t>;</a:t>
+            </a:r>
+            <a:br>
+              <a:rPr kumimoji="0" lang="de-DE" altLang="de-DE" sz="1100" b="0" i="0" u="none" strike="noStrike" cap="none" normalizeH="0" baseline="0" dirty="0">
                 <a:ln>
                   <a:noFill/>
                 </a:ln>
@@ -25276,10 +24999,9 @@
                 <a:effectLst/>
                 <a:latin typeface="Consolas" panose="020B0609020204030204" pitchFamily="49" charset="0"/>
               </a:rPr>
-              <a:t>;</a:t>
-            </a:r>
-            <a:br>
-              <a:rPr kumimoji="0" lang="de-DE" altLang="de-DE" sz="1100" b="0" i="0" u="none" strike="noStrike" cap="none" normalizeH="0" baseline="0" dirty="0" smtClean="0">
+            </a:br>
+            <a:r>
+              <a:rPr kumimoji="0" lang="de-DE" altLang="de-DE" sz="1100" b="0" i="0" u="none" strike="noStrike" cap="none" normalizeH="0" baseline="0" dirty="0">
                 <a:ln>
                   <a:noFill/>
                 </a:ln>
@@ -25289,74 +25011,75 @@
                 <a:effectLst/>
                 <a:latin typeface="Consolas" panose="020B0609020204030204" pitchFamily="49" charset="0"/>
               </a:rPr>
-            </a:br>
-            <a:r>
-              <a:rPr kumimoji="0" lang="de-DE" altLang="de-DE" sz="1100" b="0" i="0" u="none" strike="noStrike" cap="none" normalizeH="0" baseline="0" dirty="0" smtClean="0">
+              <a:t>    </a:t>
+            </a:r>
+            <a:r>
+              <a:rPr kumimoji="0" lang="de-DE" altLang="de-DE" sz="1100" b="0" i="0" u="none" strike="noStrike" cap="none" normalizeH="0" baseline="0" dirty="0">
                 <a:ln>
                   <a:noFill/>
                 </a:ln>
                 <a:solidFill>
-                  <a:srgbClr val="CC7832"/>
+                  <a:srgbClr val="A9B7C6"/>
                 </a:solidFill>
                 <a:effectLst/>
                 <a:latin typeface="Consolas" panose="020B0609020204030204" pitchFamily="49" charset="0"/>
               </a:rPr>
-              <a:t>    </a:t>
-            </a:r>
-            <a:r>
-              <a:rPr kumimoji="0" lang="de-DE" altLang="de-DE" sz="1100" b="0" i="0" u="none" strike="noStrike" cap="none" normalizeH="0" baseline="0" dirty="0" smtClean="0">
+              <a:t>Switch </a:t>
+            </a:r>
+            <a:r>
+              <a:rPr kumimoji="0" lang="de-DE" altLang="de-DE" sz="1100" b="0" i="0" u="none" strike="noStrike" cap="none" normalizeH="0" baseline="0" dirty="0" err="1">
                 <a:ln>
                   <a:noFill/>
                 </a:ln>
                 <a:solidFill>
-                  <a:srgbClr val="A9B7C6"/>
+                  <a:srgbClr val="9876AA"/>
                 </a:solidFill>
                 <a:effectLst/>
                 <a:latin typeface="Consolas" panose="020B0609020204030204" pitchFamily="49" charset="0"/>
               </a:rPr>
-              <a:t>Switch </a:t>
-            </a:r>
-            <a:r>
-              <a:rPr kumimoji="0" lang="de-DE" altLang="de-DE" sz="1100" b="0" i="0" u="none" strike="noStrike" cap="none" normalizeH="0" baseline="0" dirty="0" err="1" smtClean="0">
+              <a:t>sw_locationsupdates</a:t>
+            </a:r>
+            <a:r>
+              <a:rPr kumimoji="0" lang="de-DE" altLang="de-DE" sz="1100" b="0" i="0" u="none" strike="noStrike" cap="none" normalizeH="0" baseline="0" dirty="0">
                 <a:ln>
                   <a:noFill/>
                 </a:ln>
                 <a:solidFill>
-                  <a:srgbClr val="9876AA"/>
+                  <a:srgbClr val="CC7832"/>
                 </a:solidFill>
                 <a:effectLst/>
                 <a:latin typeface="Consolas" panose="020B0609020204030204" pitchFamily="49" charset="0"/>
               </a:rPr>
-              <a:t>sw_locationsupdates</a:t>
-            </a:r>
-            <a:r>
-              <a:rPr kumimoji="0" lang="de-DE" altLang="de-DE" sz="1100" b="0" i="0" u="none" strike="noStrike" cap="none" normalizeH="0" baseline="0" dirty="0" smtClean="0">
+              <a:t>, </a:t>
+            </a:r>
+            <a:r>
+              <a:rPr kumimoji="0" lang="de-DE" altLang="de-DE" sz="1100" b="0" i="0" u="none" strike="noStrike" cap="none" normalizeH="0" baseline="0" dirty="0" err="1">
                 <a:ln>
                   <a:noFill/>
                 </a:ln>
                 <a:solidFill>
-                  <a:srgbClr val="CC7832"/>
+                  <a:srgbClr val="9876AA"/>
                 </a:solidFill>
                 <a:effectLst/>
                 <a:latin typeface="Consolas" panose="020B0609020204030204" pitchFamily="49" charset="0"/>
               </a:rPr>
-              <a:t>, </a:t>
-            </a:r>
-            <a:r>
-              <a:rPr kumimoji="0" lang="de-DE" altLang="de-DE" sz="1100" b="0" i="0" u="none" strike="noStrike" cap="none" normalizeH="0" baseline="0" dirty="0" err="1" smtClean="0">
+              <a:t>sw_gps</a:t>
+            </a:r>
+            <a:r>
+              <a:rPr kumimoji="0" lang="de-DE" altLang="de-DE" sz="1100" b="0" i="0" u="none" strike="noStrike" cap="none" normalizeH="0" baseline="0" dirty="0">
                 <a:ln>
                   <a:noFill/>
                 </a:ln>
                 <a:solidFill>
-                  <a:srgbClr val="9876AA"/>
+                  <a:srgbClr val="CC7832"/>
                 </a:solidFill>
                 <a:effectLst/>
                 <a:latin typeface="Consolas" panose="020B0609020204030204" pitchFamily="49" charset="0"/>
               </a:rPr>
-              <a:t>sw_gps</a:t>
-            </a:r>
-            <a:r>
-              <a:rPr kumimoji="0" lang="de-DE" altLang="de-DE" sz="1100" b="0" i="0" u="none" strike="noStrike" cap="none" normalizeH="0" baseline="0" dirty="0" smtClean="0">
+              <a:t>;</a:t>
+            </a:r>
+            <a:br>
+              <a:rPr kumimoji="0" lang="de-DE" altLang="de-DE" sz="1100" b="0" i="0" u="none" strike="noStrike" cap="none" normalizeH="0" baseline="0" dirty="0">
                 <a:ln>
                   <a:noFill/>
                 </a:ln>
@@ -25366,21 +25089,8 @@
                 <a:effectLst/>
                 <a:latin typeface="Consolas" panose="020B0609020204030204" pitchFamily="49" charset="0"/>
               </a:rPr>
-              <a:t>;</a:t>
-            </a:r>
-            <a:br>
-              <a:rPr kumimoji="0" lang="de-DE" altLang="de-DE" sz="1100" b="0" i="0" u="none" strike="noStrike" cap="none" normalizeH="0" baseline="0" dirty="0" smtClean="0">
-                <a:ln>
-                  <a:noFill/>
-                </a:ln>
-                <a:solidFill>
-                  <a:srgbClr val="CC7832"/>
-                </a:solidFill>
-                <a:effectLst/>
-                <a:latin typeface="Consolas" panose="020B0609020204030204" pitchFamily="49" charset="0"/>
-              </a:rPr>
             </a:br>
-            <a:endParaRPr kumimoji="0" lang="de-DE" altLang="de-DE" sz="1100" b="0" i="0" u="none" strike="noStrike" cap="none" normalizeH="0" baseline="0" dirty="0" smtClean="0">
+            <a:endParaRPr kumimoji="0" lang="de-DE" altLang="de-DE" sz="1100" b="0" i="0" u="none" strike="noStrike" cap="none" normalizeH="0" baseline="0" dirty="0">
               <a:ln>
                 <a:noFill/>
               </a:ln>
@@ -25409,7 +25119,7 @@
               <a:tabLst/>
             </a:pPr>
             <a:r>
-              <a:rPr lang="de-DE" altLang="de-DE" sz="1100" dirty="0" smtClean="0">
+              <a:rPr lang="de-DE" altLang="de-DE" sz="1100" dirty="0">
                 <a:solidFill>
                   <a:schemeClr val="accent6">
                     <a:lumMod val="75000"/>
@@ -25420,7 +25130,7 @@
               <a:t>//</a:t>
             </a:r>
             <a:r>
-              <a:rPr lang="de-DE" altLang="de-DE" sz="1100" dirty="0" err="1" smtClean="0">
+              <a:rPr lang="de-DE" altLang="de-DE" sz="1100" dirty="0" err="1">
                 <a:solidFill>
                   <a:schemeClr val="accent6">
                     <a:lumMod val="75000"/>
@@ -25431,7 +25141,7 @@
               <a:t>LocationRequest</a:t>
             </a:r>
             <a:r>
-              <a:rPr lang="de-DE" altLang="de-DE" sz="1100" dirty="0" smtClean="0">
+              <a:rPr lang="de-DE" altLang="de-DE" sz="1100" dirty="0">
                 <a:solidFill>
                   <a:schemeClr val="accent6">
                     <a:lumMod val="75000"/>
@@ -25442,7 +25152,7 @@
               <a:t> deklarieren </a:t>
             </a:r>
             <a:r>
-              <a:rPr lang="de-DE" altLang="de-DE" sz="1100" dirty="0" smtClean="0">
+              <a:rPr lang="de-DE" altLang="de-DE" sz="1100" dirty="0">
                 <a:solidFill>
                   <a:schemeClr val="accent6">
                     <a:lumMod val="75000"/>
@@ -25472,7 +25182,7 @@
               <a:tabLst/>
             </a:pPr>
             <a:r>
-              <a:rPr lang="de-DE" altLang="de-DE" sz="1100" dirty="0" smtClean="0">
+              <a:rPr lang="de-DE" altLang="de-DE" sz="1100" dirty="0">
                 <a:solidFill>
                   <a:schemeClr val="accent6">
                     <a:lumMod val="75000"/>
@@ -25484,7 +25194,7 @@
               <a:t>//</a:t>
             </a:r>
             <a:r>
-              <a:rPr lang="de-DE" altLang="de-DE" sz="1100" dirty="0" err="1" smtClean="0">
+              <a:rPr lang="de-DE" altLang="de-DE" sz="1100" dirty="0" err="1">
                 <a:solidFill>
                   <a:schemeClr val="accent6">
                     <a:lumMod val="75000"/>
@@ -25496,7 +25206,7 @@
               <a:t>LocationRequest</a:t>
             </a:r>
             <a:r>
-              <a:rPr lang="de-DE" altLang="de-DE" sz="1100" smtClean="0">
+              <a:rPr lang="de-DE" altLang="de-DE" sz="1100">
                 <a:solidFill>
                   <a:schemeClr val="accent6">
                     <a:lumMod val="75000"/>
@@ -25505,22 +25215,10 @@
                 <a:latin typeface="Consolas" panose="020B0609020204030204" pitchFamily="49" charset="0"/>
                 <a:sym typeface="Wingdings" panose="05000000000000000000" pitchFamily="2" charset="2"/>
               </a:rPr>
-              <a:t> </a:t>
-            </a:r>
-            <a:r>
-              <a:rPr lang="de-DE" altLang="de-DE" sz="1100" smtClean="0">
-                <a:solidFill>
-                  <a:schemeClr val="accent6">
-                    <a:lumMod val="75000"/>
-                  </a:schemeClr>
-                </a:solidFill>
-                <a:latin typeface="Consolas" panose="020B0609020204030204" pitchFamily="49" charset="0"/>
-                <a:sym typeface="Wingdings" panose="05000000000000000000" pitchFamily="2" charset="2"/>
-              </a:rPr>
-              <a:t>locationRequest</a:t>
-            </a:r>
-            <a:r>
-              <a:rPr lang="de-DE" altLang="de-DE" sz="1100" dirty="0" smtClean="0">
+              <a:t> locationRequest</a:t>
+            </a:r>
+            <a:r>
+              <a:rPr lang="de-DE" altLang="de-DE" sz="1100" dirty="0">
                 <a:solidFill>
                   <a:schemeClr val="accent6">
                     <a:lumMod val="75000"/>
@@ -25549,8 +25247,8 @@
               <a:buNone/>
               <a:tabLst/>
             </a:pPr>
-            <a:r>
-              <a:rPr kumimoji="0" lang="de-DE" altLang="de-DE" sz="1100" b="0" i="0" u="none" strike="noStrike" cap="none" normalizeH="0" baseline="0" dirty="0" smtClean="0">
+            <a:br>
+              <a:rPr kumimoji="0" lang="de-DE" altLang="de-DE" sz="1100" b="0" i="0" u="none" strike="noStrike" cap="none" normalizeH="0" baseline="0" dirty="0">
                 <a:ln>
                   <a:noFill/>
                 </a:ln>
@@ -25560,10 +25258,9 @@
                 <a:effectLst/>
                 <a:latin typeface="Consolas" panose="020B0609020204030204" pitchFamily="49" charset="0"/>
               </a:rPr>
-              <a:t/>
-            </a:r>
-            <a:br>
-              <a:rPr kumimoji="0" lang="de-DE" altLang="de-DE" sz="1100" b="0" i="0" u="none" strike="noStrike" cap="none" normalizeH="0" baseline="0" dirty="0" smtClean="0">
+            </a:br>
+            <a:r>
+              <a:rPr kumimoji="0" lang="de-DE" altLang="de-DE" sz="1100" b="0" i="0" u="none" strike="noStrike" cap="none" normalizeH="0" baseline="0" dirty="0">
                 <a:ln>
                   <a:noFill/>
                 </a:ln>
@@ -25573,44 +25270,44 @@
                 <a:effectLst/>
                 <a:latin typeface="Consolas" panose="020B0609020204030204" pitchFamily="49" charset="0"/>
               </a:rPr>
-            </a:br>
-            <a:r>
-              <a:rPr kumimoji="0" lang="de-DE" altLang="de-DE" sz="1100" b="0" i="0" u="none" strike="noStrike" cap="none" normalizeH="0" baseline="0" dirty="0" smtClean="0">
+              <a:t>    </a:t>
+            </a:r>
+            <a:r>
+              <a:rPr lang="de-DE" altLang="de-DE" sz="1100" b="1" dirty="0">
+                <a:solidFill>
+                  <a:srgbClr val="FF0000"/>
+                </a:solidFill>
+                <a:latin typeface="Consolas" panose="020B0609020204030204" pitchFamily="49" charset="0"/>
+              </a:rPr>
+              <a:t>&lt;</a:t>
+            </a:r>
+            <a:r>
+              <a:rPr kumimoji="0" lang="de-DE" altLang="de-DE" sz="1100" b="1" i="0" u="none" strike="noStrike" cap="none" normalizeH="0" baseline="0" dirty="0">
                 <a:ln>
                   <a:noFill/>
                 </a:ln>
                 <a:solidFill>
-                  <a:srgbClr val="CC7832"/>
+                  <a:srgbClr val="FF0000"/>
                 </a:solidFill>
                 <a:effectLst/>
                 <a:latin typeface="Consolas" panose="020B0609020204030204" pitchFamily="49" charset="0"/>
               </a:rPr>
-              <a:t>    </a:t>
-            </a:r>
-            <a:r>
-              <a:rPr lang="de-DE" altLang="de-DE" sz="1100" b="1" dirty="0" smtClean="0">
-                <a:solidFill>
-                  <a:srgbClr val="FF0000"/>
-                </a:solidFill>
-                <a:latin typeface="Consolas" panose="020B0609020204030204" pitchFamily="49" charset="0"/>
-              </a:rPr>
-              <a:t>&lt;</a:t>
-            </a:r>
-            <a:r>
-              <a:rPr kumimoji="0" lang="de-DE" altLang="de-DE" sz="1100" b="1" i="0" u="none" strike="noStrike" cap="none" normalizeH="0" baseline="0" dirty="0" smtClean="0">
+              <a:t>…&gt;</a:t>
+            </a:r>
+            <a:br>
+              <a:rPr kumimoji="0" lang="de-DE" altLang="de-DE" sz="1100" b="0" i="0" u="none" strike="noStrike" cap="none" normalizeH="0" baseline="0" dirty="0">
                 <a:ln>
                   <a:noFill/>
                 </a:ln>
                 <a:solidFill>
-                  <a:srgbClr val="FF0000"/>
+                  <a:srgbClr val="CC7832"/>
                 </a:solidFill>
                 <a:effectLst/>
                 <a:latin typeface="Consolas" panose="020B0609020204030204" pitchFamily="49" charset="0"/>
               </a:rPr>
-              <a:t>…&gt;</a:t>
-            </a:r>
-            <a:r>
-              <a:rPr kumimoji="0" lang="de-DE" altLang="de-DE" sz="1100" b="0" i="0" u="none" strike="noStrike" cap="none" normalizeH="0" baseline="0" dirty="0" smtClean="0">
+            </a:br>
+            <a:r>
+              <a:rPr kumimoji="0" lang="de-DE" altLang="de-DE" sz="1100" b="0" i="0" u="none" strike="noStrike" cap="none" normalizeH="0" baseline="0" dirty="0">
                 <a:ln>
                   <a:noFill/>
                 </a:ln>
@@ -25620,10 +25317,10 @@
                 <a:effectLst/>
                 <a:latin typeface="Consolas" panose="020B0609020204030204" pitchFamily="49" charset="0"/>
               </a:rPr>
-              <a:t/>
+              <a:t>    </a:t>
             </a:r>
             <a:br>
-              <a:rPr kumimoji="0" lang="de-DE" altLang="de-DE" sz="1100" b="0" i="0" u="none" strike="noStrike" cap="none" normalizeH="0" baseline="0" dirty="0" smtClean="0">
+              <a:rPr kumimoji="0" lang="de-DE" altLang="de-DE" sz="1100" b="0" i="0" u="none" strike="noStrike" cap="none" normalizeH="0" baseline="0" dirty="0">
                 <a:ln>
                   <a:noFill/>
                 </a:ln>
@@ -25635,7 +25332,7 @@
               </a:rPr>
             </a:br>
             <a:r>
-              <a:rPr kumimoji="0" lang="de-DE" altLang="de-DE" sz="1100" b="0" i="0" u="none" strike="noStrike" cap="none" normalizeH="0" baseline="0" dirty="0" smtClean="0">
+              <a:rPr kumimoji="0" lang="de-DE" altLang="de-DE" sz="1100" b="0" i="0" u="none" strike="noStrike" cap="none" normalizeH="0" baseline="0" dirty="0">
                 <a:ln>
                   <a:noFill/>
                 </a:ln>
@@ -25645,10 +25342,10 @@
                 <a:effectLst/>
                 <a:latin typeface="Consolas" panose="020B0609020204030204" pitchFamily="49" charset="0"/>
               </a:rPr>
-              <a:t>    </a:t>
+              <a:t>   </a:t>
             </a:r>
             <a:br>
-              <a:rPr kumimoji="0" lang="de-DE" altLang="de-DE" sz="1100" b="0" i="0" u="none" strike="noStrike" cap="none" normalizeH="0" baseline="0" dirty="0" smtClean="0">
+              <a:rPr kumimoji="0" lang="de-DE" altLang="de-DE" sz="1100" b="0" i="0" u="none" strike="noStrike" cap="none" normalizeH="0" baseline="0" dirty="0">
                 <a:ln>
                   <a:noFill/>
                 </a:ln>
@@ -25660,7 +25357,7 @@
               </a:rPr>
             </a:br>
             <a:r>
-              <a:rPr kumimoji="0" lang="de-DE" altLang="de-DE" sz="1100" b="0" i="0" u="none" strike="noStrike" cap="none" normalizeH="0" baseline="0" dirty="0" smtClean="0">
+              <a:rPr kumimoji="0" lang="de-DE" altLang="de-DE" sz="1100" b="0" i="0" u="none" strike="noStrike" cap="none" normalizeH="0" baseline="0" dirty="0">
                 <a:ln>
                   <a:noFill/>
                 </a:ln>
@@ -25670,10 +25367,10 @@
                 <a:effectLst/>
                 <a:latin typeface="Consolas" panose="020B0609020204030204" pitchFamily="49" charset="0"/>
               </a:rPr>
-              <a:t>   </a:t>
-            </a:r>
-            <a:br>
-              <a:rPr kumimoji="0" lang="de-DE" altLang="de-DE" sz="1100" b="0" i="0" u="none" strike="noStrike" cap="none" normalizeH="0" baseline="0" dirty="0" smtClean="0">
+              <a:t>    final </a:t>
+            </a:r>
+            <a:r>
+              <a:rPr kumimoji="0" lang="de-DE" altLang="de-DE" sz="1100" b="0" i="0" u="none" strike="noStrike" cap="none" normalizeH="0" baseline="0" dirty="0" err="1">
                 <a:ln>
                   <a:noFill/>
                 </a:ln>
@@ -25683,9 +25380,10 @@
                 <a:effectLst/>
                 <a:latin typeface="Consolas" panose="020B0609020204030204" pitchFamily="49" charset="0"/>
               </a:rPr>
-            </a:br>
-            <a:r>
-              <a:rPr kumimoji="0" lang="de-DE" altLang="de-DE" sz="1100" b="0" i="0" u="none" strike="noStrike" cap="none" normalizeH="0" baseline="0" dirty="0" smtClean="0">
+              <a:t>int</a:t>
+            </a:r>
+            <a:r>
+              <a:rPr kumimoji="0" lang="de-DE" altLang="de-DE" sz="1100" b="0" i="0" u="none" strike="noStrike" cap="none" normalizeH="0" baseline="0" dirty="0">
                 <a:ln>
                   <a:noFill/>
                 </a:ln>
@@ -25695,75 +25393,74 @@
                 <a:effectLst/>
                 <a:latin typeface="Consolas" panose="020B0609020204030204" pitchFamily="49" charset="0"/>
               </a:rPr>
-              <a:t>    final </a:t>
-            </a:r>
-            <a:r>
-              <a:rPr kumimoji="0" lang="de-DE" altLang="de-DE" sz="1100" b="0" i="0" u="none" strike="noStrike" cap="none" normalizeH="0" baseline="0" dirty="0" err="1" smtClean="0">
+              <a:t> </a:t>
+            </a:r>
+            <a:r>
+              <a:rPr kumimoji="0" lang="de-DE" altLang="de-DE" sz="1100" b="0" i="0" u="none" strike="noStrike" cap="none" normalizeH="0" baseline="0" dirty="0">
                 <a:ln>
                   <a:noFill/>
                 </a:ln>
                 <a:solidFill>
-                  <a:srgbClr val="CC7832"/>
+                  <a:srgbClr val="9876AA"/>
                 </a:solidFill>
                 <a:effectLst/>
                 <a:latin typeface="Consolas" panose="020B0609020204030204" pitchFamily="49" charset="0"/>
               </a:rPr>
-              <a:t>int</a:t>
-            </a:r>
-            <a:r>
-              <a:rPr kumimoji="0" lang="de-DE" altLang="de-DE" sz="1100" b="0" i="0" u="none" strike="noStrike" cap="none" normalizeH="0" baseline="0" dirty="0" smtClean="0">
+              <a:t>DEFAULT_UPDATE_INTERVAL </a:t>
+            </a:r>
+            <a:r>
+              <a:rPr kumimoji="0" lang="de-DE" altLang="de-DE" sz="1100" b="0" i="0" u="none" strike="noStrike" cap="none" normalizeH="0" baseline="0" dirty="0">
                 <a:ln>
                   <a:noFill/>
                 </a:ln>
                 <a:solidFill>
-                  <a:srgbClr val="CC7832"/>
+                  <a:srgbClr val="A9B7C6"/>
                 </a:solidFill>
                 <a:effectLst/>
                 <a:latin typeface="Consolas" panose="020B0609020204030204" pitchFamily="49" charset="0"/>
               </a:rPr>
-              <a:t> </a:t>
-            </a:r>
-            <a:r>
-              <a:rPr kumimoji="0" lang="de-DE" altLang="de-DE" sz="1100" b="0" i="0" u="none" strike="noStrike" cap="none" normalizeH="0" baseline="0" dirty="0" smtClean="0">
+              <a:t>= </a:t>
+            </a:r>
+            <a:r>
+              <a:rPr kumimoji="0" lang="de-DE" altLang="de-DE" sz="1100" b="0" i="0" u="none" strike="noStrike" cap="none" normalizeH="0" baseline="0" dirty="0">
                 <a:ln>
                   <a:noFill/>
                 </a:ln>
                 <a:solidFill>
-                  <a:srgbClr val="9876AA"/>
+                  <a:srgbClr val="6897BB"/>
                 </a:solidFill>
                 <a:effectLst/>
                 <a:latin typeface="Consolas" panose="020B0609020204030204" pitchFamily="49" charset="0"/>
               </a:rPr>
-              <a:t>DEFAULT_UPDATE_INTERVAL </a:t>
-            </a:r>
-            <a:r>
-              <a:rPr kumimoji="0" lang="de-DE" altLang="de-DE" sz="1100" b="0" i="0" u="none" strike="noStrike" cap="none" normalizeH="0" baseline="0" dirty="0" smtClean="0">
+              <a:t>30</a:t>
+            </a:r>
+            <a:r>
+              <a:rPr kumimoji="0" lang="de-DE" altLang="de-DE" sz="1100" b="0" i="0" u="none" strike="noStrike" cap="none" normalizeH="0" baseline="0" dirty="0">
                 <a:ln>
                   <a:noFill/>
                 </a:ln>
                 <a:solidFill>
-                  <a:srgbClr val="A9B7C6"/>
+                  <a:srgbClr val="CC7832"/>
                 </a:solidFill>
                 <a:effectLst/>
                 <a:latin typeface="Consolas" panose="020B0609020204030204" pitchFamily="49" charset="0"/>
               </a:rPr>
-              <a:t>= </a:t>
-            </a:r>
-            <a:r>
-              <a:rPr kumimoji="0" lang="de-DE" altLang="de-DE" sz="1100" b="0" i="0" u="none" strike="noStrike" cap="none" normalizeH="0" baseline="0" dirty="0" smtClean="0">
+              <a:t>;</a:t>
+            </a:r>
+            <a:br>
+              <a:rPr kumimoji="0" lang="de-DE" altLang="de-DE" sz="1100" b="0" i="0" u="none" strike="noStrike" cap="none" normalizeH="0" baseline="0" dirty="0">
                 <a:ln>
                   <a:noFill/>
                 </a:ln>
                 <a:solidFill>
-                  <a:srgbClr val="6897BB"/>
+                  <a:srgbClr val="CC7832"/>
                 </a:solidFill>
                 <a:effectLst/>
                 <a:latin typeface="Consolas" panose="020B0609020204030204" pitchFamily="49" charset="0"/>
               </a:rPr>
-              <a:t>30</a:t>
-            </a:r>
-            <a:r>
-              <a:rPr kumimoji="0" lang="de-DE" altLang="de-DE" sz="1100" b="0" i="0" u="none" strike="noStrike" cap="none" normalizeH="0" baseline="0" dirty="0" smtClean="0">
+            </a:br>
+            <a:r>
+              <a:rPr kumimoji="0" lang="de-DE" altLang="de-DE" sz="1100" b="0" i="0" u="none" strike="noStrike" cap="none" normalizeH="0" baseline="0" dirty="0">
                 <a:ln>
                   <a:noFill/>
                 </a:ln>
@@ -25773,10 +25470,10 @@
                 <a:effectLst/>
                 <a:latin typeface="Consolas" panose="020B0609020204030204" pitchFamily="49" charset="0"/>
               </a:rPr>
-              <a:t>;</a:t>
-            </a:r>
-            <a:br>
-              <a:rPr kumimoji="0" lang="de-DE" altLang="de-DE" sz="1100" b="0" i="0" u="none" strike="noStrike" cap="none" normalizeH="0" baseline="0" dirty="0" smtClean="0">
+              <a:t>    final </a:t>
+            </a:r>
+            <a:r>
+              <a:rPr kumimoji="0" lang="de-DE" altLang="de-DE" sz="1100" b="0" i="0" u="none" strike="noStrike" cap="none" normalizeH="0" baseline="0" dirty="0" err="1">
                 <a:ln>
                   <a:noFill/>
                 </a:ln>
@@ -25786,9 +25483,10 @@
                 <a:effectLst/>
                 <a:latin typeface="Consolas" panose="020B0609020204030204" pitchFamily="49" charset="0"/>
               </a:rPr>
-            </a:br>
-            <a:r>
-              <a:rPr kumimoji="0" lang="de-DE" altLang="de-DE" sz="1100" b="0" i="0" u="none" strike="noStrike" cap="none" normalizeH="0" baseline="0" dirty="0" smtClean="0">
+              <a:t>int</a:t>
+            </a:r>
+            <a:r>
+              <a:rPr kumimoji="0" lang="de-DE" altLang="de-DE" sz="1100" b="0" i="0" u="none" strike="noStrike" cap="none" normalizeH="0" baseline="0" dirty="0">
                 <a:ln>
                   <a:noFill/>
                 </a:ln>
@@ -25798,87 +25496,61 @@
                 <a:effectLst/>
                 <a:latin typeface="Consolas" panose="020B0609020204030204" pitchFamily="49" charset="0"/>
               </a:rPr>
-              <a:t>    final </a:t>
-            </a:r>
-            <a:r>
-              <a:rPr kumimoji="0" lang="de-DE" altLang="de-DE" sz="1100" b="0" i="0" u="none" strike="noStrike" cap="none" normalizeH="0" baseline="0" dirty="0" err="1" smtClean="0">
+              <a:t> </a:t>
+            </a:r>
+            <a:r>
+              <a:rPr kumimoji="0" lang="de-DE" altLang="de-DE" sz="1100" b="0" i="0" u="none" strike="noStrike" cap="none" normalizeH="0" baseline="0" dirty="0">
                 <a:ln>
                   <a:noFill/>
                 </a:ln>
                 <a:solidFill>
-                  <a:srgbClr val="CC7832"/>
+                  <a:srgbClr val="9876AA"/>
                 </a:solidFill>
                 <a:effectLst/>
                 <a:latin typeface="Consolas" panose="020B0609020204030204" pitchFamily="49" charset="0"/>
               </a:rPr>
-              <a:t>int</a:t>
-            </a:r>
-            <a:r>
-              <a:rPr kumimoji="0" lang="de-DE" altLang="de-DE" sz="1100" b="0" i="0" u="none" strike="noStrike" cap="none" normalizeH="0" baseline="0" dirty="0" smtClean="0">
+              <a:t>FAST_UPDATE_INTERVAL </a:t>
+            </a:r>
+            <a:r>
+              <a:rPr kumimoji="0" lang="de-DE" altLang="de-DE" sz="1100" b="0" i="0" u="none" strike="noStrike" cap="none" normalizeH="0" baseline="0" dirty="0">
                 <a:ln>
                   <a:noFill/>
                 </a:ln>
                 <a:solidFill>
-                  <a:srgbClr val="CC7832"/>
+                  <a:srgbClr val="A9B7C6"/>
                 </a:solidFill>
                 <a:effectLst/>
                 <a:latin typeface="Consolas" panose="020B0609020204030204" pitchFamily="49" charset="0"/>
               </a:rPr>
-              <a:t> </a:t>
-            </a:r>
-            <a:r>
-              <a:rPr kumimoji="0" lang="de-DE" altLang="de-DE" sz="1100" b="0" i="0" u="none" strike="noStrike" cap="none" normalizeH="0" baseline="0" dirty="0" smtClean="0">
+              <a:t>= </a:t>
+            </a:r>
+            <a:r>
+              <a:rPr kumimoji="0" lang="de-DE" altLang="de-DE" sz="1100" b="0" i="0" u="none" strike="noStrike" cap="none" normalizeH="0" baseline="0" dirty="0">
                 <a:ln>
                   <a:noFill/>
                 </a:ln>
                 <a:solidFill>
-                  <a:srgbClr val="9876AA"/>
+                  <a:srgbClr val="6897BB"/>
                 </a:solidFill>
                 <a:effectLst/>
                 <a:latin typeface="Consolas" panose="020B0609020204030204" pitchFamily="49" charset="0"/>
               </a:rPr>
-              <a:t>FAST_UPDATE_INTERVAL </a:t>
-            </a:r>
-            <a:r>
-              <a:rPr kumimoji="0" lang="de-DE" altLang="de-DE" sz="1100" b="0" i="0" u="none" strike="noStrike" cap="none" normalizeH="0" baseline="0" dirty="0" smtClean="0">
+              <a:t>5</a:t>
+            </a:r>
+            <a:r>
+              <a:rPr kumimoji="0" lang="de-DE" altLang="de-DE" sz="1100" b="0" i="0" u="none" strike="noStrike" cap="none" normalizeH="0" baseline="0" dirty="0">
                 <a:ln>
                   <a:noFill/>
                 </a:ln>
                 <a:solidFill>
-                  <a:srgbClr val="A9B7C6"/>
+                  <a:srgbClr val="CC7832"/>
                 </a:solidFill>
                 <a:effectLst/>
                 <a:latin typeface="Consolas" panose="020B0609020204030204" pitchFamily="49" charset="0"/>
               </a:rPr>
-              <a:t>= </a:t>
-            </a:r>
-            <a:r>
-              <a:rPr kumimoji="0" lang="de-DE" altLang="de-DE" sz="1100" b="0" i="0" u="none" strike="noStrike" cap="none" normalizeH="0" baseline="0" dirty="0" smtClean="0">
-                <a:ln>
-                  <a:noFill/>
-                </a:ln>
-                <a:solidFill>
-                  <a:srgbClr val="6897BB"/>
-                </a:solidFill>
-                <a:effectLst/>
-                <a:latin typeface="Consolas" panose="020B0609020204030204" pitchFamily="49" charset="0"/>
-              </a:rPr>
-              <a:t>5</a:t>
-            </a:r>
-            <a:r>
-              <a:rPr kumimoji="0" lang="de-DE" altLang="de-DE" sz="1100" b="0" i="0" u="none" strike="noStrike" cap="none" normalizeH="0" baseline="0" dirty="0" smtClean="0">
-                <a:ln>
-                  <a:noFill/>
-                </a:ln>
-                <a:solidFill>
-                  <a:srgbClr val="CC7832"/>
-                </a:solidFill>
-                <a:effectLst/>
-                <a:latin typeface="Consolas" panose="020B0609020204030204" pitchFamily="49" charset="0"/>
-              </a:rPr>
               <a:t>;</a:t>
             </a:r>
-            <a:endParaRPr kumimoji="0" lang="de-DE" altLang="de-DE" sz="1100" b="0" i="0" u="none" strike="noStrike" cap="none" normalizeH="0" baseline="0" dirty="0" smtClean="0">
+            <a:endParaRPr kumimoji="0" lang="de-DE" altLang="de-DE" sz="1100" b="0" i="0" u="none" strike="noStrike" cap="none" normalizeH="0" baseline="0" dirty="0">
               <a:ln>
                 <a:noFill/>
               </a:ln>
@@ -25962,7 +25634,7 @@
               <a:tabLst/>
             </a:pPr>
             <a:r>
-              <a:rPr kumimoji="0" lang="de-DE" altLang="de-DE" sz="1100" b="0" i="0" u="none" strike="noStrike" cap="none" normalizeH="0" baseline="0" dirty="0" err="1" smtClean="0">
+              <a:rPr kumimoji="0" lang="de-DE" altLang="de-DE" sz="1100" b="0" i="0" u="none" strike="noStrike" cap="none" normalizeH="0" baseline="0" dirty="0" err="1">
                 <a:ln>
                   <a:noFill/>
                 </a:ln>
@@ -25975,7 +25647,7 @@
               <a:t>sw_gps</a:t>
             </a:r>
             <a:r>
-              <a:rPr kumimoji="0" lang="de-DE" altLang="de-DE" sz="1100" b="0" i="0" u="none" strike="noStrike" cap="none" normalizeH="0" baseline="0" dirty="0" err="1" smtClean="0">
+              <a:rPr kumimoji="0" lang="de-DE" altLang="de-DE" sz="1100" b="0" i="0" u="none" strike="noStrike" cap="none" normalizeH="0" baseline="0" dirty="0" err="1">
                 <a:ln>
                   <a:noFill/>
                 </a:ln>
@@ -25988,7 +25660,7 @@
               <a:t>.setOnClickListener</a:t>
             </a:r>
             <a:r>
-              <a:rPr kumimoji="0" lang="de-DE" altLang="de-DE" sz="1100" b="0" i="0" u="none" strike="noStrike" cap="none" normalizeH="0" baseline="0" dirty="0" smtClean="0">
+              <a:rPr kumimoji="0" lang="de-DE" altLang="de-DE" sz="1100" b="0" i="0" u="none" strike="noStrike" cap="none" normalizeH="0" baseline="0" dirty="0">
                 <a:ln>
                   <a:noFill/>
                 </a:ln>
@@ -26001,7 +25673,7 @@
               <a:t>(</a:t>
             </a:r>
             <a:r>
-              <a:rPr kumimoji="0" lang="de-DE" altLang="de-DE" sz="1100" b="0" i="0" u="none" strike="noStrike" cap="none" normalizeH="0" baseline="0" dirty="0" err="1" smtClean="0">
+              <a:rPr kumimoji="0" lang="de-DE" altLang="de-DE" sz="1100" b="0" i="0" u="none" strike="noStrike" cap="none" normalizeH="0" baseline="0" dirty="0" err="1">
                 <a:ln>
                   <a:noFill/>
                 </a:ln>
@@ -26014,7 +25686,7 @@
               <a:t>new</a:t>
             </a:r>
             <a:r>
-              <a:rPr kumimoji="0" lang="de-DE" altLang="de-DE" sz="1100" b="0" i="0" u="none" strike="noStrike" cap="none" normalizeH="0" baseline="0" dirty="0" smtClean="0">
+              <a:rPr kumimoji="0" lang="de-DE" altLang="de-DE" sz="1100" b="0" i="0" u="none" strike="noStrike" cap="none" normalizeH="0" baseline="0" dirty="0">
                 <a:ln>
                   <a:noFill/>
                 </a:ln>
@@ -26027,7 +25699,7 @@
               <a:t> </a:t>
             </a:r>
             <a:r>
-              <a:rPr kumimoji="0" lang="de-DE" altLang="de-DE" sz="1100" b="0" i="0" u="none" strike="noStrike" cap="none" normalizeH="0" baseline="0" dirty="0" err="1" smtClean="0">
+              <a:rPr kumimoji="0" lang="de-DE" altLang="de-DE" sz="1100" b="0" i="0" u="none" strike="noStrike" cap="none" normalizeH="0" baseline="0" dirty="0" err="1">
                 <a:ln>
                   <a:noFill/>
                 </a:ln>
@@ -26040,7 +25712,7 @@
               <a:t>View.OnClickListener</a:t>
             </a:r>
             <a:r>
-              <a:rPr kumimoji="0" lang="de-DE" altLang="de-DE" sz="1100" b="0" i="0" u="none" strike="noStrike" cap="none" normalizeH="0" baseline="0" dirty="0" smtClean="0">
+              <a:rPr kumimoji="0" lang="de-DE" altLang="de-DE" sz="1100" b="0" i="0" u="none" strike="noStrike" cap="none" normalizeH="0" baseline="0" dirty="0">
                 <a:ln>
                   <a:noFill/>
                 </a:ln>
@@ -26053,7 +25725,7 @@
               <a:t>() {</a:t>
             </a:r>
             <a:br>
-              <a:rPr kumimoji="0" lang="de-DE" altLang="de-DE" sz="1100" b="0" i="0" u="none" strike="noStrike" cap="none" normalizeH="0" baseline="0" dirty="0" smtClean="0">
+              <a:rPr kumimoji="0" lang="de-DE" altLang="de-DE" sz="1100" b="0" i="0" u="none" strike="noStrike" cap="none" normalizeH="0" baseline="0" dirty="0">
                 <a:ln>
                   <a:noFill/>
                 </a:ln>
@@ -26065,7 +25737,7 @@
               </a:rPr>
             </a:br>
             <a:r>
-              <a:rPr kumimoji="0" lang="de-DE" altLang="de-DE" sz="1100" b="0" i="0" u="none" strike="noStrike" cap="none" normalizeH="0" baseline="0" dirty="0" smtClean="0">
+              <a:rPr kumimoji="0" lang="de-DE" altLang="de-DE" sz="1100" b="0" i="0" u="none" strike="noStrike" cap="none" normalizeH="0" baseline="0" dirty="0">
                 <a:ln>
                   <a:noFill/>
                 </a:ln>
@@ -26078,7 +25750,7 @@
               <a:t>    </a:t>
             </a:r>
             <a:r>
-              <a:rPr kumimoji="0" lang="de-DE" altLang="de-DE" sz="1100" b="0" i="0" u="none" strike="noStrike" cap="none" normalizeH="0" baseline="0" dirty="0" smtClean="0">
+              <a:rPr kumimoji="0" lang="de-DE" altLang="de-DE" sz="1100" b="0" i="0" u="none" strike="noStrike" cap="none" normalizeH="0" baseline="0" dirty="0">
                 <a:ln>
                   <a:noFill/>
                 </a:ln>
@@ -26091,7 +25763,7 @@
               <a:t>@</a:t>
             </a:r>
             <a:r>
-              <a:rPr kumimoji="0" lang="de-DE" altLang="de-DE" sz="1100" b="0" i="0" u="none" strike="noStrike" cap="none" normalizeH="0" baseline="0" dirty="0" err="1" smtClean="0">
+              <a:rPr kumimoji="0" lang="de-DE" altLang="de-DE" sz="1100" b="0" i="0" u="none" strike="noStrike" cap="none" normalizeH="0" baseline="0" dirty="0" err="1">
                 <a:ln>
                   <a:noFill/>
                 </a:ln>
@@ -26103,8 +25775,8 @@
               </a:rPr>
               <a:t>Override</a:t>
             </a:r>
-            <a:r>
-              <a:rPr kumimoji="0" lang="de-DE" altLang="de-DE" sz="1100" b="0" i="0" u="none" strike="noStrike" cap="none" normalizeH="0" baseline="0" dirty="0" smtClean="0">
+            <a:br>
+              <a:rPr kumimoji="0" lang="de-DE" altLang="de-DE" sz="1100" b="0" i="0" u="none" strike="noStrike" cap="none" normalizeH="0" baseline="0" dirty="0">
                 <a:ln>
                   <a:noFill/>
                 </a:ln>
@@ -26114,10 +25786,9 @@
                 <a:effectLst/>
                 <a:latin typeface="Consolas" panose="020B0609020204030204" pitchFamily="49" charset="0"/>
               </a:rPr>
-              <a:t/>
-            </a:r>
-            <a:br>
-              <a:rPr kumimoji="0" lang="de-DE" altLang="de-DE" sz="1100" b="0" i="0" u="none" strike="noStrike" cap="none" normalizeH="0" baseline="0" dirty="0" smtClean="0">
+            </a:br>
+            <a:r>
+              <a:rPr kumimoji="0" lang="de-DE" altLang="de-DE" sz="1100" b="0" i="0" u="none" strike="noStrike" cap="none" normalizeH="0" baseline="0" dirty="0">
                 <a:ln>
                   <a:noFill/>
                 </a:ln>
@@ -26127,22 +25798,23 @@
                 <a:effectLst/>
                 <a:latin typeface="Consolas" panose="020B0609020204030204" pitchFamily="49" charset="0"/>
               </a:rPr>
-            </a:br>
-            <a:r>
-              <a:rPr kumimoji="0" lang="de-DE" altLang="de-DE" sz="1100" b="0" i="0" u="none" strike="noStrike" cap="none" normalizeH="0" baseline="0" dirty="0" smtClean="0">
+              <a:t>    </a:t>
+            </a:r>
+            <a:r>
+              <a:rPr kumimoji="0" lang="de-DE" altLang="de-DE" sz="1100" b="0" i="0" u="none" strike="noStrike" cap="none" normalizeH="0" baseline="0" dirty="0" err="1">
                 <a:ln>
                   <a:noFill/>
                 </a:ln>
                 <a:solidFill>
-                  <a:srgbClr val="BBB529"/>
+                  <a:srgbClr val="CC7832"/>
                 </a:solidFill>
                 <a:effectLst/>
                 <a:latin typeface="Consolas" panose="020B0609020204030204" pitchFamily="49" charset="0"/>
               </a:rPr>
-              <a:t>    </a:t>
-            </a:r>
-            <a:r>
-              <a:rPr kumimoji="0" lang="de-DE" altLang="de-DE" sz="1100" b="0" i="0" u="none" strike="noStrike" cap="none" normalizeH="0" baseline="0" dirty="0" err="1" smtClean="0">
+              <a:t>public</a:t>
+            </a:r>
+            <a:r>
+              <a:rPr kumimoji="0" lang="de-DE" altLang="de-DE" sz="1100" b="0" i="0" u="none" strike="noStrike" cap="none" normalizeH="0" baseline="0" dirty="0">
                 <a:ln>
                   <a:noFill/>
                 </a:ln>
@@ -26152,10 +25824,10 @@
                 <a:effectLst/>
                 <a:latin typeface="Consolas" panose="020B0609020204030204" pitchFamily="49" charset="0"/>
               </a:rPr>
-              <a:t>public</a:t>
-            </a:r>
-            <a:r>
-              <a:rPr kumimoji="0" lang="de-DE" altLang="de-DE" sz="1100" b="0" i="0" u="none" strike="noStrike" cap="none" normalizeH="0" baseline="0" dirty="0" smtClean="0">
+              <a:t> </a:t>
+            </a:r>
+            <a:r>
+              <a:rPr kumimoji="0" lang="de-DE" altLang="de-DE" sz="1100" b="0" i="0" u="none" strike="noStrike" cap="none" normalizeH="0" baseline="0" dirty="0" err="1">
                 <a:ln>
                   <a:noFill/>
                 </a:ln>
@@ -26165,10 +25837,10 @@
                 <a:effectLst/>
                 <a:latin typeface="Consolas" panose="020B0609020204030204" pitchFamily="49" charset="0"/>
               </a:rPr>
-              <a:t> </a:t>
-            </a:r>
-            <a:r>
-              <a:rPr kumimoji="0" lang="de-DE" altLang="de-DE" sz="1100" b="0" i="0" u="none" strike="noStrike" cap="none" normalizeH="0" baseline="0" dirty="0" err="1" smtClean="0">
+              <a:t>void</a:t>
+            </a:r>
+            <a:r>
+              <a:rPr kumimoji="0" lang="de-DE" altLang="de-DE" sz="1100" b="0" i="0" u="none" strike="noStrike" cap="none" normalizeH="0" baseline="0" dirty="0">
                 <a:ln>
                   <a:noFill/>
                 </a:ln>
@@ -26178,36 +25850,36 @@
                 <a:effectLst/>
                 <a:latin typeface="Consolas" panose="020B0609020204030204" pitchFamily="49" charset="0"/>
               </a:rPr>
-              <a:t>void</a:t>
-            </a:r>
-            <a:r>
-              <a:rPr kumimoji="0" lang="de-DE" altLang="de-DE" sz="1100" b="0" i="0" u="none" strike="noStrike" cap="none" normalizeH="0" baseline="0" dirty="0" smtClean="0">
+              <a:t> </a:t>
+            </a:r>
+            <a:r>
+              <a:rPr kumimoji="0" lang="de-DE" altLang="de-DE" sz="1100" b="0" i="0" u="none" strike="noStrike" cap="none" normalizeH="0" baseline="0" dirty="0" err="1">
                 <a:ln>
                   <a:noFill/>
                 </a:ln>
                 <a:solidFill>
-                  <a:srgbClr val="CC7832"/>
+                  <a:srgbClr val="FFC66D"/>
                 </a:solidFill>
                 <a:effectLst/>
                 <a:latin typeface="Consolas" panose="020B0609020204030204" pitchFamily="49" charset="0"/>
               </a:rPr>
-              <a:t> </a:t>
-            </a:r>
-            <a:r>
-              <a:rPr kumimoji="0" lang="de-DE" altLang="de-DE" sz="1100" b="0" i="0" u="none" strike="noStrike" cap="none" normalizeH="0" baseline="0" dirty="0" err="1" smtClean="0">
+              <a:t>onClick</a:t>
+            </a:r>
+            <a:r>
+              <a:rPr kumimoji="0" lang="de-DE" altLang="de-DE" sz="1100" b="0" i="0" u="none" strike="noStrike" cap="none" normalizeH="0" baseline="0" dirty="0">
                 <a:ln>
                   <a:noFill/>
                 </a:ln>
                 <a:solidFill>
-                  <a:srgbClr val="FFC66D"/>
+                  <a:srgbClr val="A9B7C6"/>
                 </a:solidFill>
                 <a:effectLst/>
                 <a:latin typeface="Consolas" panose="020B0609020204030204" pitchFamily="49" charset="0"/>
               </a:rPr>
-              <a:t>onClick</a:t>
-            </a:r>
-            <a:r>
-              <a:rPr kumimoji="0" lang="de-DE" altLang="de-DE" sz="1100" b="0" i="0" u="none" strike="noStrike" cap="none" normalizeH="0" baseline="0" dirty="0" smtClean="0">
+              <a:t>(View v) {</a:t>
+            </a:r>
+            <a:br>
+              <a:rPr kumimoji="0" lang="de-DE" altLang="de-DE" sz="1100" b="0" i="0" u="none" strike="noStrike" cap="none" normalizeH="0" baseline="0" dirty="0">
                 <a:ln>
                   <a:noFill/>
                 </a:ln>
@@ -26217,10 +25889,9 @@
                 <a:effectLst/>
                 <a:latin typeface="Consolas" panose="020B0609020204030204" pitchFamily="49" charset="0"/>
               </a:rPr>
-              <a:t>(View v) {</a:t>
-            </a:r>
-            <a:br>
-              <a:rPr kumimoji="0" lang="de-DE" altLang="de-DE" sz="1100" b="0" i="0" u="none" strike="noStrike" cap="none" normalizeH="0" baseline="0" dirty="0" smtClean="0">
+            </a:br>
+            <a:r>
+              <a:rPr kumimoji="0" lang="de-DE" altLang="de-DE" sz="1100" b="0" i="0" u="none" strike="noStrike" cap="none" normalizeH="0" baseline="0" dirty="0">
                 <a:ln>
                   <a:noFill/>
                 </a:ln>
@@ -26230,74 +25901,62 @@
                 <a:effectLst/>
                 <a:latin typeface="Consolas" panose="020B0609020204030204" pitchFamily="49" charset="0"/>
               </a:rPr>
-            </a:br>
-            <a:r>
-              <a:rPr kumimoji="0" lang="de-DE" altLang="de-DE" sz="1100" b="0" i="0" u="none" strike="noStrike" cap="none" normalizeH="0" baseline="0" dirty="0" smtClean="0">
+              <a:t>        </a:t>
+            </a:r>
+            <a:r>
+              <a:rPr kumimoji="0" lang="de-DE" altLang="de-DE" sz="1100" b="0" i="0" u="none" strike="noStrike" cap="none" normalizeH="0" baseline="0" dirty="0" err="1">
                 <a:ln>
                   <a:noFill/>
                 </a:ln>
                 <a:solidFill>
-                  <a:srgbClr val="A9B7C6"/>
+                  <a:srgbClr val="CC7832"/>
                 </a:solidFill>
                 <a:effectLst/>
                 <a:latin typeface="Consolas" panose="020B0609020204030204" pitchFamily="49" charset="0"/>
               </a:rPr>
-              <a:t>        </a:t>
-            </a:r>
-            <a:r>
-              <a:rPr kumimoji="0" lang="de-DE" altLang="de-DE" sz="1100" b="0" i="0" u="none" strike="noStrike" cap="none" normalizeH="0" baseline="0" dirty="0" err="1" smtClean="0">
+              <a:t>if</a:t>
+            </a:r>
+            <a:r>
+              <a:rPr kumimoji="0" lang="de-DE" altLang="de-DE" sz="1100" b="0" i="0" u="none" strike="noStrike" cap="none" normalizeH="0" baseline="0" dirty="0">
                 <a:ln>
                   <a:noFill/>
                 </a:ln>
                 <a:solidFill>
-                  <a:srgbClr val="CC7832"/>
+                  <a:srgbClr val="A9B7C6"/>
                 </a:solidFill>
                 <a:effectLst/>
                 <a:latin typeface="Consolas" panose="020B0609020204030204" pitchFamily="49" charset="0"/>
               </a:rPr>
-              <a:t>if</a:t>
-            </a:r>
-            <a:r>
-              <a:rPr kumimoji="0" lang="de-DE" altLang="de-DE" sz="1100" b="0" i="0" u="none" strike="noStrike" cap="none" normalizeH="0" baseline="0" dirty="0" smtClean="0">
+              <a:t>(</a:t>
+            </a:r>
+            <a:r>
+              <a:rPr kumimoji="0" lang="de-DE" altLang="de-DE" sz="1100" b="0" i="0" u="none" strike="noStrike" cap="none" normalizeH="0" baseline="0" dirty="0" err="1">
                 <a:ln>
                   <a:noFill/>
                 </a:ln>
                 <a:solidFill>
-                  <a:srgbClr val="A9B7C6"/>
+                  <a:srgbClr val="9876AA"/>
                 </a:solidFill>
                 <a:effectLst/>
                 <a:latin typeface="Consolas" panose="020B0609020204030204" pitchFamily="49" charset="0"/>
               </a:rPr>
-              <a:t>(</a:t>
-            </a:r>
-            <a:r>
-              <a:rPr kumimoji="0" lang="de-DE" altLang="de-DE" sz="1100" b="0" i="0" u="none" strike="noStrike" cap="none" normalizeH="0" baseline="0" dirty="0" err="1" smtClean="0">
+              <a:t>sw_gps</a:t>
+            </a:r>
+            <a:r>
+              <a:rPr kumimoji="0" lang="de-DE" altLang="de-DE" sz="1100" b="0" i="0" u="none" strike="noStrike" cap="none" normalizeH="0" baseline="0" dirty="0" err="1">
                 <a:ln>
                   <a:noFill/>
                 </a:ln>
                 <a:solidFill>
-                  <a:srgbClr val="9876AA"/>
+                  <a:srgbClr val="A9B7C6"/>
                 </a:solidFill>
                 <a:effectLst/>
                 <a:latin typeface="Consolas" panose="020B0609020204030204" pitchFamily="49" charset="0"/>
               </a:rPr>
-              <a:t>sw_gps</a:t>
-            </a:r>
-            <a:r>
-              <a:rPr kumimoji="0" lang="de-DE" altLang="de-DE" sz="1100" b="0" i="0" u="none" strike="noStrike" cap="none" normalizeH="0" baseline="0" dirty="0" err="1" smtClean="0">
-                <a:ln>
-                  <a:noFill/>
-                </a:ln>
-                <a:solidFill>
-                  <a:srgbClr val="A9B7C6"/>
-                </a:solidFill>
-                <a:effectLst/>
-                <a:latin typeface="Consolas" panose="020B0609020204030204" pitchFamily="49" charset="0"/>
-              </a:rPr>
               <a:t>.isChecked</a:t>
             </a:r>
             <a:r>
-              <a:rPr kumimoji="0" lang="de-DE" altLang="de-DE" sz="1100" b="0" i="0" u="none" strike="noStrike" cap="none" normalizeH="0" baseline="0" dirty="0" smtClean="0">
+              <a:rPr kumimoji="0" lang="de-DE" altLang="de-DE" sz="1100" b="0" i="0" u="none" strike="noStrike" cap="none" normalizeH="0" baseline="0" dirty="0">
                 <a:ln>
                   <a:noFill/>
                 </a:ln>
@@ -26327,7 +25986,7 @@
               <a:buNone/>
               <a:tabLst/>
             </a:pPr>
-            <a:endParaRPr kumimoji="0" lang="de-DE" altLang="de-DE" sz="1100" b="0" i="0" u="none" strike="noStrike" cap="none" normalizeH="0" baseline="0" dirty="0" smtClean="0">
+            <a:endParaRPr kumimoji="0" lang="de-DE" altLang="de-DE" sz="1100" b="0" i="0" u="none" strike="noStrike" cap="none" normalizeH="0" baseline="0" dirty="0">
               <a:ln>
                 <a:noFill/>
               </a:ln>
@@ -26348,7 +26007,7 @@
               </a:spcAft>
             </a:pPr>
             <a:r>
-              <a:rPr lang="de-DE" altLang="de-DE" sz="1100" dirty="0" smtClean="0">
+              <a:rPr lang="de-DE" altLang="de-DE" sz="1100" dirty="0">
                 <a:solidFill>
                   <a:schemeClr val="accent6">
                     <a:lumMod val="75000"/>
@@ -26359,7 +26018,7 @@
               <a:t>//Anbieter GPS </a:t>
             </a:r>
             <a:r>
-              <a:rPr lang="de-DE" altLang="de-DE" sz="1100" dirty="0" smtClean="0">
+              <a:rPr lang="de-DE" altLang="de-DE" sz="1100" dirty="0">
                 <a:solidFill>
                   <a:schemeClr val="accent6">
                     <a:lumMod val="75000"/>
@@ -26381,7 +26040,7 @@
               </a:spcAft>
             </a:pPr>
             <a:r>
-              <a:rPr kumimoji="0" lang="de-DE" altLang="de-DE" sz="1100" b="0" i="0" u="none" strike="noStrike" cap="none" normalizeH="0" baseline="0" dirty="0" smtClean="0">
+              <a:rPr kumimoji="0" lang="de-DE" altLang="de-DE" sz="1100" b="0" i="0" u="none" strike="noStrike" cap="none" normalizeH="0" baseline="0" dirty="0">
                 <a:ln>
                   <a:noFill/>
                 </a:ln>
@@ -26397,7 +26056,7 @@
               <a:t>//</a:t>
             </a:r>
             <a:r>
-              <a:rPr lang="de-DE" altLang="de-DE" sz="1100" dirty="0" err="1" smtClean="0">
+              <a:rPr lang="de-DE" altLang="de-DE" sz="1100" dirty="0" err="1">
                 <a:solidFill>
                   <a:schemeClr val="accent6">
                     <a:lumMod val="75000"/>
@@ -26408,7 +26067,7 @@
               <a:t>LocationRequest.</a:t>
             </a:r>
             <a:r>
-              <a:rPr lang="de-DE" altLang="de-DE" sz="1100" i="1" dirty="0" err="1" smtClean="0">
+              <a:rPr lang="de-DE" altLang="de-DE" sz="1100" i="1" dirty="0" err="1">
                 <a:solidFill>
                   <a:schemeClr val="accent6">
                     <a:lumMod val="75000"/>
@@ -26418,7 +26077,7 @@
               </a:rPr>
               <a:t>PRIORITY_HIGH_ACCURACY</a:t>
             </a:r>
-            <a:endParaRPr lang="de-DE" altLang="de-DE" sz="1100" i="1" dirty="0" smtClean="0">
+            <a:endParaRPr lang="de-DE" altLang="de-DE" sz="1100" i="1" dirty="0">
               <a:solidFill>
                 <a:schemeClr val="accent6">
                   <a:lumMod val="75000"/>
@@ -26436,8 +26095,8 @@
                 <a:spcPct val="0"/>
               </a:spcAft>
             </a:pPr>
-            <a:r>
-              <a:rPr kumimoji="0" lang="de-DE" altLang="de-DE" sz="1100" b="0" i="0" u="none" strike="noStrike" cap="none" normalizeH="0" baseline="0" dirty="0" smtClean="0">
+            <a:br>
+              <a:rPr kumimoji="0" lang="de-DE" altLang="de-DE" sz="1100" b="0" i="0" u="none" strike="noStrike" cap="none" normalizeH="0" baseline="0" dirty="0">
                 <a:ln>
                   <a:noFill/>
                 </a:ln>
@@ -26447,10 +26106,9 @@
                 <a:effectLst/>
                 <a:latin typeface="Consolas" panose="020B0609020204030204" pitchFamily="49" charset="0"/>
               </a:rPr>
-              <a:t/>
-            </a:r>
-            <a:br>
-              <a:rPr kumimoji="0" lang="de-DE" altLang="de-DE" sz="1100" b="0" i="0" u="none" strike="noStrike" cap="none" normalizeH="0" baseline="0" dirty="0" smtClean="0">
+            </a:br>
+            <a:r>
+              <a:rPr kumimoji="0" lang="de-DE" altLang="de-DE" sz="1100" b="0" i="0" u="none" strike="noStrike" cap="none" normalizeH="0" baseline="0" dirty="0">
                 <a:ln>
                   <a:noFill/>
                 </a:ln>
@@ -26460,35 +26118,36 @@
                 <a:effectLst/>
                 <a:latin typeface="Consolas" panose="020B0609020204030204" pitchFamily="49" charset="0"/>
               </a:rPr>
-            </a:br>
-            <a:r>
-              <a:rPr kumimoji="0" lang="de-DE" altLang="de-DE" sz="1100" b="0" i="0" u="none" strike="noStrike" cap="none" normalizeH="0" baseline="0" dirty="0" smtClean="0">
+              <a:t>          </a:t>
+            </a:r>
+            <a:r>
+              <a:rPr kumimoji="0" lang="de-DE" altLang="de-DE" sz="1100" b="0" i="0" u="none" strike="noStrike" cap="none" normalizeH="0" baseline="0" dirty="0" err="1">
                 <a:ln>
                   <a:noFill/>
                 </a:ln>
                 <a:solidFill>
-                  <a:srgbClr val="A9B7C6"/>
+                  <a:srgbClr val="9876AA"/>
                 </a:solidFill>
                 <a:effectLst/>
                 <a:latin typeface="Consolas" panose="020B0609020204030204" pitchFamily="49" charset="0"/>
               </a:rPr>
-              <a:t>          </a:t>
-            </a:r>
-            <a:r>
-              <a:rPr kumimoji="0" lang="de-DE" altLang="de-DE" sz="1100" b="0" i="0" u="none" strike="noStrike" cap="none" normalizeH="0" baseline="0" dirty="0" err="1" smtClean="0">
+              <a:t>locationRequest</a:t>
+            </a:r>
+            <a:r>
+              <a:rPr kumimoji="0" lang="de-DE" altLang="de-DE" sz="1100" b="0" i="0" u="none" strike="noStrike" cap="none" normalizeH="0" baseline="0" dirty="0" err="1">
                 <a:ln>
                   <a:noFill/>
                 </a:ln>
                 <a:solidFill>
-                  <a:srgbClr val="9876AA"/>
+                  <a:srgbClr val="A9B7C6"/>
                 </a:solidFill>
                 <a:effectLst/>
                 <a:latin typeface="Consolas" panose="020B0609020204030204" pitchFamily="49" charset="0"/>
               </a:rPr>
-              <a:t>locationRequest</a:t>
-            </a:r>
-            <a:r>
-              <a:rPr kumimoji="0" lang="de-DE" altLang="de-DE" sz="1100" b="0" i="0" u="none" strike="noStrike" cap="none" normalizeH="0" baseline="0" dirty="0" err="1" smtClean="0">
+              <a:t>.setPriority</a:t>
+            </a:r>
+            <a:r>
+              <a:rPr kumimoji="0" lang="de-DE" altLang="de-DE" sz="1100" b="0" i="0" u="none" strike="noStrike" cap="none" normalizeH="0" baseline="0" dirty="0">
                 <a:ln>
                   <a:noFill/>
                 </a:ln>
@@ -26498,10 +26157,10 @@
                 <a:effectLst/>
                 <a:latin typeface="Consolas" panose="020B0609020204030204" pitchFamily="49" charset="0"/>
               </a:rPr>
-              <a:t>.setPriority</a:t>
-            </a:r>
-            <a:r>
-              <a:rPr kumimoji="0" lang="de-DE" altLang="de-DE" sz="1100" b="0" i="0" u="none" strike="noStrike" cap="none" normalizeH="0" baseline="0" dirty="0" smtClean="0">
+              <a:t>(</a:t>
+            </a:r>
+            <a:r>
+              <a:rPr kumimoji="0" lang="de-DE" altLang="de-DE" sz="1100" b="0" i="0" u="none" strike="noStrike" cap="none" normalizeH="0" baseline="0" dirty="0" err="1">
                 <a:ln>
                   <a:noFill/>
                 </a:ln>
@@ -26511,10 +26170,10 @@
                 <a:effectLst/>
                 <a:latin typeface="Consolas" panose="020B0609020204030204" pitchFamily="49" charset="0"/>
               </a:rPr>
-              <a:t>(</a:t>
-            </a:r>
-            <a:r>
-              <a:rPr kumimoji="0" lang="de-DE" altLang="de-DE" sz="1100" b="0" i="0" u="none" strike="noStrike" cap="none" normalizeH="0" baseline="0" dirty="0" err="1" smtClean="0">
+              <a:t>LocationRequest</a:t>
+            </a:r>
+            <a:r>
+              <a:rPr kumimoji="0" lang="de-DE" altLang="de-DE" sz="1100" b="0" i="0" u="none" strike="noStrike" cap="none" normalizeH="0" baseline="0" dirty="0">
                 <a:ln>
                   <a:noFill/>
                 </a:ln>
@@ -26524,10 +26183,19 @@
                 <a:effectLst/>
                 <a:latin typeface="Consolas" panose="020B0609020204030204" pitchFamily="49" charset="0"/>
               </a:rPr>
-              <a:t>LocationRequest</a:t>
-            </a:r>
-            <a:r>
-              <a:rPr kumimoji="0" lang="de-DE" altLang="de-DE" sz="1100" b="0" i="0" u="none" strike="noStrike" cap="none" normalizeH="0" baseline="0" dirty="0" smtClean="0">
+              <a:t>.</a:t>
+            </a:r>
+            <a:r>
+              <a:rPr lang="de-DE" altLang="de-DE" sz="1100" b="1" dirty="0">
+                <a:solidFill>
+                  <a:srgbClr val="FF0000"/>
+                </a:solidFill>
+                <a:latin typeface="Consolas" panose="020B0609020204030204" pitchFamily="49" charset="0"/>
+              </a:rPr>
+              <a:t>&lt;…&gt;</a:t>
+            </a:r>
+            <a:r>
+              <a:rPr kumimoji="0" lang="de-DE" altLang="de-DE" sz="1100" b="0" i="0" u="none" strike="noStrike" cap="none" normalizeH="0" baseline="0" dirty="0">
                 <a:ln>
                   <a:noFill/>
                 </a:ln>
@@ -26537,32 +26205,23 @@
                 <a:effectLst/>
                 <a:latin typeface="Consolas" panose="020B0609020204030204" pitchFamily="49" charset="0"/>
               </a:rPr>
-              <a:t>.</a:t>
-            </a:r>
-            <a:r>
-              <a:rPr lang="de-DE" altLang="de-DE" sz="1100" b="1" dirty="0" smtClean="0">
-                <a:solidFill>
-                  <a:srgbClr val="FF0000"/>
-                </a:solidFill>
-                <a:latin typeface="Consolas" panose="020B0609020204030204" pitchFamily="49" charset="0"/>
-              </a:rPr>
-              <a:t>&lt;…&gt;</a:t>
-            </a:r>
-            <a:r>
-              <a:rPr kumimoji="0" lang="de-DE" altLang="de-DE" sz="1100" b="0" i="0" u="none" strike="noStrike" cap="none" normalizeH="0" baseline="0" dirty="0" smtClean="0">
+              <a:t>)</a:t>
+            </a:r>
+            <a:r>
+              <a:rPr kumimoji="0" lang="de-DE" altLang="de-DE" sz="1100" b="0" i="0" u="none" strike="noStrike" cap="none" normalizeH="0" baseline="0" dirty="0">
                 <a:ln>
                   <a:noFill/>
                 </a:ln>
                 <a:solidFill>
-                  <a:srgbClr val="A9B7C6"/>
+                  <a:srgbClr val="CC7832"/>
                 </a:solidFill>
                 <a:effectLst/>
                 <a:latin typeface="Consolas" panose="020B0609020204030204" pitchFamily="49" charset="0"/>
               </a:rPr>
-              <a:t>)</a:t>
-            </a:r>
-            <a:r>
-              <a:rPr kumimoji="0" lang="de-DE" altLang="de-DE" sz="1100" b="0" i="0" u="none" strike="noStrike" cap="none" normalizeH="0" baseline="0" dirty="0" smtClean="0">
+              <a:t>;</a:t>
+            </a:r>
+            <a:br>
+              <a:rPr kumimoji="0" lang="de-DE" altLang="de-DE" sz="1100" b="0" i="0" u="none" strike="noStrike" cap="none" normalizeH="0" baseline="0" dirty="0">
                 <a:ln>
                   <a:noFill/>
                 </a:ln>
@@ -26572,10 +26231,9 @@
                 <a:effectLst/>
                 <a:latin typeface="Consolas" panose="020B0609020204030204" pitchFamily="49" charset="0"/>
               </a:rPr>
-              <a:t>;</a:t>
-            </a:r>
-            <a:br>
-              <a:rPr kumimoji="0" lang="de-DE" altLang="de-DE" sz="1100" b="0" i="0" u="none" strike="noStrike" cap="none" normalizeH="0" baseline="0" dirty="0" smtClean="0">
+            </a:br>
+            <a:r>
+              <a:rPr kumimoji="0" lang="de-DE" altLang="de-DE" sz="1100" b="0" i="0" u="none" strike="noStrike" cap="none" normalizeH="0" baseline="0" dirty="0">
                 <a:ln>
                   <a:noFill/>
                 </a:ln>
@@ -26585,35 +26243,36 @@
                 <a:effectLst/>
                 <a:latin typeface="Consolas" panose="020B0609020204030204" pitchFamily="49" charset="0"/>
               </a:rPr>
-            </a:br>
-            <a:r>
-              <a:rPr kumimoji="0" lang="de-DE" altLang="de-DE" sz="1100" b="0" i="0" u="none" strike="noStrike" cap="none" normalizeH="0" baseline="0" dirty="0" smtClean="0">
+              <a:t>            </a:t>
+            </a:r>
+            <a:r>
+              <a:rPr kumimoji="0" lang="de-DE" altLang="de-DE" sz="1100" b="0" i="0" u="none" strike="noStrike" cap="none" normalizeH="0" baseline="0" dirty="0" err="1">
                 <a:ln>
                   <a:noFill/>
                 </a:ln>
                 <a:solidFill>
-                  <a:srgbClr val="CC7832"/>
+                  <a:srgbClr val="9876AA"/>
                 </a:solidFill>
                 <a:effectLst/>
                 <a:latin typeface="Consolas" panose="020B0609020204030204" pitchFamily="49" charset="0"/>
               </a:rPr>
-              <a:t>            </a:t>
-            </a:r>
-            <a:r>
-              <a:rPr kumimoji="0" lang="de-DE" altLang="de-DE" sz="1100" b="0" i="0" u="none" strike="noStrike" cap="none" normalizeH="0" baseline="0" dirty="0" err="1" smtClean="0">
+              <a:t>tv_sensor</a:t>
+            </a:r>
+            <a:r>
+              <a:rPr kumimoji="0" lang="de-DE" altLang="de-DE" sz="1100" b="0" i="0" u="none" strike="noStrike" cap="none" normalizeH="0" baseline="0" dirty="0" err="1">
                 <a:ln>
                   <a:noFill/>
                 </a:ln>
                 <a:solidFill>
-                  <a:srgbClr val="9876AA"/>
+                  <a:srgbClr val="A9B7C6"/>
                 </a:solidFill>
                 <a:effectLst/>
                 <a:latin typeface="Consolas" panose="020B0609020204030204" pitchFamily="49" charset="0"/>
               </a:rPr>
-              <a:t>tv_sensor</a:t>
-            </a:r>
-            <a:r>
-              <a:rPr kumimoji="0" lang="de-DE" altLang="de-DE" sz="1100" b="0" i="0" u="none" strike="noStrike" cap="none" normalizeH="0" baseline="0" dirty="0" err="1" smtClean="0">
+              <a:t>.setText</a:t>
+            </a:r>
+            <a:r>
+              <a:rPr kumimoji="0" lang="de-DE" altLang="de-DE" sz="1100" b="0" i="0" u="none" strike="noStrike" cap="none" normalizeH="0" baseline="0" dirty="0">
                 <a:ln>
                   <a:noFill/>
                 </a:ln>
@@ -26623,23 +26282,23 @@
                 <a:effectLst/>
                 <a:latin typeface="Consolas" panose="020B0609020204030204" pitchFamily="49" charset="0"/>
               </a:rPr>
-              <a:t>.setText</a:t>
-            </a:r>
-            <a:r>
-              <a:rPr kumimoji="0" lang="de-DE" altLang="de-DE" sz="1100" b="0" i="0" u="none" strike="noStrike" cap="none" normalizeH="0" baseline="0" dirty="0" smtClean="0">
+              <a:t>(</a:t>
+            </a:r>
+            <a:r>
+              <a:rPr kumimoji="0" lang="de-DE" altLang="de-DE" sz="1100" b="0" i="0" u="none" strike="noStrike" cap="none" normalizeH="0" baseline="0" dirty="0">
                 <a:ln>
                   <a:noFill/>
                 </a:ln>
                 <a:solidFill>
-                  <a:srgbClr val="A9B7C6"/>
+                  <a:srgbClr val="6A8759"/>
                 </a:solidFill>
                 <a:effectLst/>
                 <a:latin typeface="Consolas" panose="020B0609020204030204" pitchFamily="49" charset="0"/>
               </a:rPr>
-              <a:t>(</a:t>
-            </a:r>
-            <a:r>
-              <a:rPr kumimoji="0" lang="de-DE" altLang="de-DE" sz="1100" b="0" i="0" u="none" strike="noStrike" cap="none" normalizeH="0" baseline="0" dirty="0" smtClean="0">
+              <a:t>"</a:t>
+            </a:r>
+            <a:r>
+              <a:rPr kumimoji="0" lang="de-DE" altLang="de-DE" sz="1100" b="0" i="0" u="none" strike="noStrike" cap="none" normalizeH="0" baseline="0" dirty="0" err="1">
                 <a:ln>
                   <a:noFill/>
                 </a:ln>
@@ -26649,10 +26308,10 @@
                 <a:effectLst/>
                 <a:latin typeface="Consolas" panose="020B0609020204030204" pitchFamily="49" charset="0"/>
               </a:rPr>
-              <a:t>"</a:t>
-            </a:r>
-            <a:r>
-              <a:rPr kumimoji="0" lang="de-DE" altLang="de-DE" sz="1100" b="0" i="0" u="none" strike="noStrike" cap="none" normalizeH="0" baseline="0" dirty="0" err="1" smtClean="0">
+              <a:t>Using</a:t>
+            </a:r>
+            <a:r>
+              <a:rPr kumimoji="0" lang="de-DE" altLang="de-DE" sz="1100" b="0" i="0" u="none" strike="noStrike" cap="none" normalizeH="0" baseline="0" dirty="0">
                 <a:ln>
                   <a:noFill/>
                 </a:ln>
@@ -26662,10 +26321,10 @@
                 <a:effectLst/>
                 <a:latin typeface="Consolas" panose="020B0609020204030204" pitchFamily="49" charset="0"/>
               </a:rPr>
-              <a:t>Using</a:t>
-            </a:r>
-            <a:r>
-              <a:rPr kumimoji="0" lang="de-DE" altLang="de-DE" sz="1100" b="0" i="0" u="none" strike="noStrike" cap="none" normalizeH="0" baseline="0" dirty="0" smtClean="0">
+              <a:t> GPS </a:t>
+            </a:r>
+            <a:r>
+              <a:rPr kumimoji="0" lang="de-DE" altLang="de-DE" sz="1100" b="0" i="0" u="none" strike="noStrike" cap="none" normalizeH="0" baseline="0" dirty="0" err="1">
                 <a:ln>
                   <a:noFill/>
                 </a:ln>
@@ -26675,10 +26334,10 @@
                 <a:effectLst/>
                 <a:latin typeface="Consolas" panose="020B0609020204030204" pitchFamily="49" charset="0"/>
               </a:rPr>
-              <a:t> GPS </a:t>
-            </a:r>
-            <a:r>
-              <a:rPr kumimoji="0" lang="de-DE" altLang="de-DE" sz="1100" b="0" i="0" u="none" strike="noStrike" cap="none" normalizeH="0" baseline="0" dirty="0" err="1" smtClean="0">
+              <a:t>sensors</a:t>
+            </a:r>
+            <a:r>
+              <a:rPr kumimoji="0" lang="de-DE" altLang="de-DE" sz="1100" b="0" i="0" u="none" strike="noStrike" cap="none" normalizeH="0" baseline="0" dirty="0">
                 <a:ln>
                   <a:noFill/>
                 </a:ln>
@@ -26688,36 +26347,36 @@
                 <a:effectLst/>
                 <a:latin typeface="Consolas" panose="020B0609020204030204" pitchFamily="49" charset="0"/>
               </a:rPr>
-              <a:t>sensors</a:t>
-            </a:r>
-            <a:r>
-              <a:rPr kumimoji="0" lang="de-DE" altLang="de-DE" sz="1100" b="0" i="0" u="none" strike="noStrike" cap="none" normalizeH="0" baseline="0" dirty="0" smtClean="0">
+              <a:t>"</a:t>
+            </a:r>
+            <a:r>
+              <a:rPr kumimoji="0" lang="de-DE" altLang="de-DE" sz="1100" b="0" i="0" u="none" strike="noStrike" cap="none" normalizeH="0" baseline="0" dirty="0">
                 <a:ln>
                   <a:noFill/>
                 </a:ln>
                 <a:solidFill>
-                  <a:srgbClr val="6A8759"/>
+                  <a:srgbClr val="A9B7C6"/>
                 </a:solidFill>
                 <a:effectLst/>
                 <a:latin typeface="Consolas" panose="020B0609020204030204" pitchFamily="49" charset="0"/>
               </a:rPr>
-              <a:t>"</a:t>
-            </a:r>
-            <a:r>
-              <a:rPr kumimoji="0" lang="de-DE" altLang="de-DE" sz="1100" b="0" i="0" u="none" strike="noStrike" cap="none" normalizeH="0" baseline="0" dirty="0" smtClean="0">
+              <a:t>)</a:t>
+            </a:r>
+            <a:r>
+              <a:rPr kumimoji="0" lang="de-DE" altLang="de-DE" sz="1100" b="0" i="0" u="none" strike="noStrike" cap="none" normalizeH="0" baseline="0" dirty="0">
                 <a:ln>
                   <a:noFill/>
                 </a:ln>
                 <a:solidFill>
-                  <a:srgbClr val="A9B7C6"/>
+                  <a:srgbClr val="CC7832"/>
                 </a:solidFill>
                 <a:effectLst/>
                 <a:latin typeface="Consolas" panose="020B0609020204030204" pitchFamily="49" charset="0"/>
               </a:rPr>
-              <a:t>)</a:t>
-            </a:r>
-            <a:r>
-              <a:rPr kumimoji="0" lang="de-DE" altLang="de-DE" sz="1100" b="0" i="0" u="none" strike="noStrike" cap="none" normalizeH="0" baseline="0" dirty="0" smtClean="0">
+              <a:t>;</a:t>
+            </a:r>
+            <a:br>
+              <a:rPr kumimoji="0" lang="de-DE" altLang="de-DE" sz="1100" b="0" i="0" u="none" strike="noStrike" cap="none" normalizeH="0" baseline="0" dirty="0">
                 <a:ln>
                   <a:noFill/>
                 </a:ln>
@@ -26727,10 +26386,9 @@
                 <a:effectLst/>
                 <a:latin typeface="Consolas" panose="020B0609020204030204" pitchFamily="49" charset="0"/>
               </a:rPr>
-              <a:t>;</a:t>
-            </a:r>
-            <a:br>
-              <a:rPr kumimoji="0" lang="de-DE" altLang="de-DE" sz="1100" b="0" i="0" u="none" strike="noStrike" cap="none" normalizeH="0" baseline="0" dirty="0" smtClean="0">
+            </a:br>
+            <a:r>
+              <a:rPr kumimoji="0" lang="de-DE" altLang="de-DE" sz="1100" b="0" i="0" u="none" strike="noStrike" cap="none" normalizeH="0" baseline="0" dirty="0">
                 <a:ln>
                   <a:noFill/>
                 </a:ln>
@@ -26740,48 +26398,49 @@
                 <a:effectLst/>
                 <a:latin typeface="Consolas" panose="020B0609020204030204" pitchFamily="49" charset="0"/>
               </a:rPr>
-            </a:br>
-            <a:r>
-              <a:rPr kumimoji="0" lang="de-DE" altLang="de-DE" sz="1100" b="0" i="0" u="none" strike="noStrike" cap="none" normalizeH="0" baseline="0" dirty="0" smtClean="0">
+              <a:t>        </a:t>
+            </a:r>
+            <a:r>
+              <a:rPr kumimoji="0" lang="de-DE" altLang="de-DE" sz="1100" b="0" i="0" u="none" strike="noStrike" cap="none" normalizeH="0" baseline="0" dirty="0">
                 <a:ln>
                   <a:noFill/>
                 </a:ln>
                 <a:solidFill>
-                  <a:srgbClr val="CC7832"/>
+                  <a:srgbClr val="A9B7C6"/>
                 </a:solidFill>
                 <a:effectLst/>
                 <a:latin typeface="Consolas" panose="020B0609020204030204" pitchFamily="49" charset="0"/>
               </a:rPr>
-              <a:t>        </a:t>
-            </a:r>
-            <a:r>
-              <a:rPr kumimoji="0" lang="de-DE" altLang="de-DE" sz="1100" b="0" i="0" u="none" strike="noStrike" cap="none" normalizeH="0" baseline="0" dirty="0" smtClean="0">
+              <a:t>}</a:t>
+            </a:r>
+            <a:r>
+              <a:rPr kumimoji="0" lang="de-DE" altLang="de-DE" sz="1100" b="0" i="0" u="none" strike="noStrike" cap="none" normalizeH="0" baseline="0" dirty="0" err="1">
                 <a:ln>
                   <a:noFill/>
                 </a:ln>
                 <a:solidFill>
-                  <a:srgbClr val="A9B7C6"/>
+                  <a:srgbClr val="CC7832"/>
                 </a:solidFill>
                 <a:effectLst/>
                 <a:latin typeface="Consolas" panose="020B0609020204030204" pitchFamily="49" charset="0"/>
               </a:rPr>
-              <a:t>}</a:t>
-            </a:r>
-            <a:r>
-              <a:rPr kumimoji="0" lang="de-DE" altLang="de-DE" sz="1100" b="0" i="0" u="none" strike="noStrike" cap="none" normalizeH="0" baseline="0" dirty="0" err="1" smtClean="0">
+              <a:t>else</a:t>
+            </a:r>
+            <a:r>
+              <a:rPr kumimoji="0" lang="de-DE" altLang="de-DE" sz="1100" b="0" i="0" u="none" strike="noStrike" cap="none" normalizeH="0" baseline="0" dirty="0">
                 <a:ln>
                   <a:noFill/>
                 </a:ln>
                 <a:solidFill>
-                  <a:srgbClr val="CC7832"/>
+                  <a:srgbClr val="A9B7C6"/>
                 </a:solidFill>
                 <a:effectLst/>
                 <a:latin typeface="Consolas" panose="020B0609020204030204" pitchFamily="49" charset="0"/>
               </a:rPr>
-              <a:t>else</a:t>
-            </a:r>
-            <a:r>
-              <a:rPr kumimoji="0" lang="de-DE" altLang="de-DE" sz="1100" b="0" i="0" u="none" strike="noStrike" cap="none" normalizeH="0" baseline="0" dirty="0" smtClean="0">
+              <a:t>{</a:t>
+            </a:r>
+            <a:br>
+              <a:rPr kumimoji="0" lang="de-DE" altLang="de-DE" sz="1100" b="0" i="0" u="none" strike="noStrike" cap="none" normalizeH="0" baseline="0" dirty="0">
                 <a:ln>
                   <a:noFill/>
                 </a:ln>
@@ -26791,22 +26450,9 @@
                 <a:effectLst/>
                 <a:latin typeface="Consolas" panose="020B0609020204030204" pitchFamily="49" charset="0"/>
               </a:rPr>
-              <a:t>{</a:t>
-            </a:r>
-            <a:br>
-              <a:rPr kumimoji="0" lang="de-DE" altLang="de-DE" sz="1100" b="0" i="0" u="none" strike="noStrike" cap="none" normalizeH="0" baseline="0" dirty="0" smtClean="0">
-                <a:ln>
-                  <a:noFill/>
-                </a:ln>
-                <a:solidFill>
-                  <a:srgbClr val="A9B7C6"/>
-                </a:solidFill>
-                <a:effectLst/>
-                <a:latin typeface="Consolas" panose="020B0609020204030204" pitchFamily="49" charset="0"/>
-              </a:rPr>
             </a:br>
             <a:r>
-              <a:rPr kumimoji="0" lang="de-DE" altLang="de-DE" sz="1100" b="0" i="0" u="none" strike="noStrike" cap="none" normalizeH="0" baseline="0" dirty="0" smtClean="0">
+              <a:rPr kumimoji="0" lang="de-DE" altLang="de-DE" sz="1100" b="0" i="0" u="none" strike="noStrike" cap="none" normalizeH="0" baseline="0" dirty="0">
                 <a:ln>
                   <a:noFill/>
                 </a:ln>
@@ -26837,21 +26483,10 @@
                 </a:solidFill>
                 <a:latin typeface="Consolas" panose="020B0609020204030204" pitchFamily="49" charset="0"/>
               </a:rPr>
-              <a:t>//Anbieter </a:t>
-            </a:r>
-            <a:r>
-              <a:rPr lang="de-DE" altLang="de-DE" sz="1100" dirty="0" smtClean="0">
-                <a:solidFill>
-                  <a:schemeClr val="accent6">
-                    <a:lumMod val="75000"/>
-                  </a:schemeClr>
-                </a:solidFill>
-                <a:latin typeface="Consolas" panose="020B0609020204030204" pitchFamily="49" charset="0"/>
-              </a:rPr>
-              <a:t>Netzwerk </a:t>
-            </a:r>
-            <a:r>
-              <a:rPr lang="de-DE" altLang="de-DE" sz="1100" dirty="0" smtClean="0">
+              <a:t>//Anbieter Netzwerk </a:t>
+            </a:r>
+            <a:r>
+              <a:rPr lang="de-DE" altLang="de-DE" sz="1100" dirty="0">
                 <a:solidFill>
                   <a:schemeClr val="accent6">
                     <a:lumMod val="75000"/>
@@ -26873,7 +26508,7 @@
               </a:spcAft>
             </a:pPr>
             <a:r>
-              <a:rPr lang="de-DE" altLang="de-DE" sz="1100" dirty="0" smtClean="0">
+              <a:rPr lang="de-DE" altLang="de-DE" sz="1100" dirty="0">
                 <a:solidFill>
                   <a:schemeClr val="accent6">
                     <a:lumMod val="75000"/>
@@ -26884,7 +26519,7 @@
               <a:t>//</a:t>
             </a:r>
             <a:r>
-              <a:rPr lang="de-DE" altLang="de-DE" sz="1100" dirty="0" err="1" smtClean="0">
+              <a:rPr lang="de-DE" altLang="de-DE" sz="1100" dirty="0" err="1">
                 <a:solidFill>
                   <a:schemeClr val="accent6">
                     <a:lumMod val="75000"/>
@@ -26895,7 +26530,7 @@
               <a:t>LocationRequest.</a:t>
             </a:r>
             <a:r>
-              <a:rPr lang="de-DE" altLang="de-DE" sz="1100" i="1" dirty="0" err="1" smtClean="0">
+              <a:rPr lang="de-DE" altLang="de-DE" sz="1100" i="1" dirty="0" err="1">
                 <a:solidFill>
                   <a:schemeClr val="accent6">
                     <a:lumMod val="75000"/>
@@ -26905,7 +26540,7 @@
               </a:rPr>
               <a:t>PRIORITY_BALANCED_POWER_ACCURACY</a:t>
             </a:r>
-            <a:endParaRPr lang="de-DE" altLang="de-DE" sz="1100" i="1" dirty="0" smtClean="0">
+            <a:endParaRPr lang="de-DE" altLang="de-DE" sz="1100" i="1" dirty="0">
               <a:solidFill>
                 <a:schemeClr val="accent6">
                   <a:lumMod val="75000"/>
@@ -26940,7 +26575,7 @@
               </a:spcAft>
             </a:pPr>
             <a:r>
-              <a:rPr kumimoji="0" lang="de-DE" altLang="de-DE" sz="1100" b="0" i="0" u="none" strike="noStrike" cap="none" normalizeH="0" baseline="0" dirty="0" err="1" smtClean="0">
+              <a:rPr kumimoji="0" lang="de-DE" altLang="de-DE" sz="1100" b="0" i="0" u="none" strike="noStrike" cap="none" normalizeH="0" baseline="0" dirty="0" err="1">
                 <a:ln>
                   <a:noFill/>
                 </a:ln>
@@ -26953,7 +26588,7 @@
               <a:t>locationRequest</a:t>
             </a:r>
             <a:r>
-              <a:rPr kumimoji="0" lang="de-DE" altLang="de-DE" sz="1100" b="0" i="0" u="none" strike="noStrike" cap="none" normalizeH="0" baseline="0" dirty="0" err="1" smtClean="0">
+              <a:rPr kumimoji="0" lang="de-DE" altLang="de-DE" sz="1100" b="0" i="0" u="none" strike="noStrike" cap="none" normalizeH="0" baseline="0" dirty="0" err="1">
                 <a:ln>
                   <a:noFill/>
                 </a:ln>
@@ -26966,7 +26601,7 @@
               <a:t>.setPriority</a:t>
             </a:r>
             <a:r>
-              <a:rPr kumimoji="0" lang="de-DE" altLang="de-DE" sz="1100" b="0" i="0" u="none" strike="noStrike" cap="none" normalizeH="0" baseline="0" dirty="0" smtClean="0">
+              <a:rPr kumimoji="0" lang="de-DE" altLang="de-DE" sz="1100" b="0" i="0" u="none" strike="noStrike" cap="none" normalizeH="0" baseline="0" dirty="0">
                 <a:ln>
                   <a:noFill/>
                 </a:ln>
@@ -26979,7 +26614,7 @@
               <a:t>(</a:t>
             </a:r>
             <a:r>
-              <a:rPr kumimoji="0" lang="de-DE" altLang="de-DE" sz="1100" b="0" i="0" u="none" strike="noStrike" cap="none" normalizeH="0" baseline="0" dirty="0" err="1" smtClean="0">
+              <a:rPr kumimoji="0" lang="de-DE" altLang="de-DE" sz="1100" b="0" i="0" u="none" strike="noStrike" cap="none" normalizeH="0" baseline="0" dirty="0" err="1">
                 <a:ln>
                   <a:noFill/>
                 </a:ln>
@@ -26992,7 +26627,7 @@
               <a:t>LocationRequest</a:t>
             </a:r>
             <a:r>
-              <a:rPr kumimoji="0" lang="de-DE" altLang="de-DE" sz="1100" b="0" i="0" u="none" strike="noStrike" cap="none" normalizeH="0" baseline="0" dirty="0" smtClean="0">
+              <a:rPr kumimoji="0" lang="de-DE" altLang="de-DE" sz="1100" b="0" i="0" u="none" strike="noStrike" cap="none" normalizeH="0" baseline="0" dirty="0">
                 <a:ln>
                   <a:noFill/>
                 </a:ln>
@@ -27005,7 +26640,7 @@
               <a:t>.</a:t>
             </a:r>
             <a:r>
-              <a:rPr lang="de-DE" altLang="de-DE" sz="1100" b="1" dirty="0" smtClean="0">
+              <a:rPr lang="de-DE" altLang="de-DE" sz="1100" b="1" dirty="0">
                 <a:solidFill>
                   <a:srgbClr val="FF0000"/>
                 </a:solidFill>
@@ -27014,7 +26649,7 @@
               <a:t>&lt;…&gt;</a:t>
             </a:r>
             <a:r>
-              <a:rPr kumimoji="0" lang="de-DE" altLang="de-DE" sz="1100" b="0" i="0" u="none" strike="noStrike" cap="none" normalizeH="0" baseline="0" dirty="0" smtClean="0">
+              <a:rPr kumimoji="0" lang="de-DE" altLang="de-DE" sz="1100" b="0" i="0" u="none" strike="noStrike" cap="none" normalizeH="0" baseline="0" dirty="0">
                 <a:ln>
                   <a:noFill/>
                 </a:ln>
@@ -27027,7 +26662,7 @@
               <a:t>)</a:t>
             </a:r>
             <a:r>
-              <a:rPr kumimoji="0" lang="de-DE" altLang="de-DE" sz="1100" b="0" i="0" u="none" strike="noStrike" cap="none" normalizeH="0" baseline="0" dirty="0" smtClean="0">
+              <a:rPr kumimoji="0" lang="de-DE" altLang="de-DE" sz="1100" b="0" i="0" u="none" strike="noStrike" cap="none" normalizeH="0" baseline="0" dirty="0">
                 <a:ln>
                   <a:noFill/>
                 </a:ln>
@@ -27040,7 +26675,7 @@
               <a:t>;</a:t>
             </a:r>
             <a:br>
-              <a:rPr kumimoji="0" lang="de-DE" altLang="de-DE" sz="1100" b="0" i="0" u="none" strike="noStrike" cap="none" normalizeH="0" baseline="0" dirty="0" smtClean="0">
+              <a:rPr kumimoji="0" lang="de-DE" altLang="de-DE" sz="1100" b="0" i="0" u="none" strike="noStrike" cap="none" normalizeH="0" baseline="0" dirty="0">
                 <a:ln>
                   <a:noFill/>
                 </a:ln>
@@ -27052,7 +26687,7 @@
               </a:rPr>
             </a:br>
             <a:r>
-              <a:rPr kumimoji="0" lang="de-DE" altLang="de-DE" sz="1100" b="0" i="0" u="none" strike="noStrike" cap="none" normalizeH="0" baseline="0" dirty="0" smtClean="0">
+              <a:rPr kumimoji="0" lang="de-DE" altLang="de-DE" sz="1100" b="0" i="0" u="none" strike="noStrike" cap="none" normalizeH="0" baseline="0" dirty="0">
                 <a:ln>
                   <a:noFill/>
                 </a:ln>
@@ -27065,7 +26700,7 @@
               <a:t>            </a:t>
             </a:r>
             <a:r>
-              <a:rPr kumimoji="0" lang="de-DE" altLang="de-DE" sz="1100" b="0" i="0" u="none" strike="noStrike" cap="none" normalizeH="0" baseline="0" dirty="0" err="1" smtClean="0">
+              <a:rPr kumimoji="0" lang="de-DE" altLang="de-DE" sz="1100" b="0" i="0" u="none" strike="noStrike" cap="none" normalizeH="0" baseline="0" dirty="0" err="1">
                 <a:ln>
                   <a:noFill/>
                 </a:ln>
@@ -27078,7 +26713,7 @@
               <a:t>tv_sensor</a:t>
             </a:r>
             <a:r>
-              <a:rPr kumimoji="0" lang="de-DE" altLang="de-DE" sz="1100" b="0" i="0" u="none" strike="noStrike" cap="none" normalizeH="0" baseline="0" dirty="0" err="1" smtClean="0">
+              <a:rPr kumimoji="0" lang="de-DE" altLang="de-DE" sz="1100" b="0" i="0" u="none" strike="noStrike" cap="none" normalizeH="0" baseline="0" dirty="0" err="1">
                 <a:ln>
                   <a:noFill/>
                 </a:ln>
@@ -27091,7 +26726,7 @@
               <a:t>.setText</a:t>
             </a:r>
             <a:r>
-              <a:rPr kumimoji="0" lang="de-DE" altLang="de-DE" sz="1100" b="0" i="0" u="none" strike="noStrike" cap="none" normalizeH="0" baseline="0" dirty="0" smtClean="0">
+              <a:rPr kumimoji="0" lang="de-DE" altLang="de-DE" sz="1100" b="0" i="0" u="none" strike="noStrike" cap="none" normalizeH="0" baseline="0" dirty="0">
                 <a:ln>
                   <a:noFill/>
                 </a:ln>
@@ -27104,7 +26739,7 @@
               <a:t>(</a:t>
             </a:r>
             <a:r>
-              <a:rPr kumimoji="0" lang="de-DE" altLang="de-DE" sz="1100" b="0" i="0" u="none" strike="noStrike" cap="none" normalizeH="0" baseline="0" dirty="0" smtClean="0">
+              <a:rPr kumimoji="0" lang="de-DE" altLang="de-DE" sz="1100" b="0" i="0" u="none" strike="noStrike" cap="none" normalizeH="0" baseline="0" dirty="0">
                 <a:ln>
                   <a:noFill/>
                 </a:ln>
@@ -27117,7 +26752,7 @@
               <a:t>"</a:t>
             </a:r>
             <a:r>
-              <a:rPr kumimoji="0" lang="de-DE" altLang="de-DE" sz="1100" b="0" i="0" u="none" strike="noStrike" cap="none" normalizeH="0" baseline="0" dirty="0" err="1" smtClean="0">
+              <a:rPr kumimoji="0" lang="de-DE" altLang="de-DE" sz="1100" b="0" i="0" u="none" strike="noStrike" cap="none" normalizeH="0" baseline="0" dirty="0" err="1">
                 <a:ln>
                   <a:noFill/>
                 </a:ln>
@@ -27130,7 +26765,7 @@
               <a:t>Using</a:t>
             </a:r>
             <a:r>
-              <a:rPr kumimoji="0" lang="de-DE" altLang="de-DE" sz="1100" b="0" i="0" u="none" strike="noStrike" cap="none" normalizeH="0" baseline="0" dirty="0" smtClean="0">
+              <a:rPr kumimoji="0" lang="de-DE" altLang="de-DE" sz="1100" b="0" i="0" u="none" strike="noStrike" cap="none" normalizeH="0" baseline="0" dirty="0">
                 <a:ln>
                   <a:noFill/>
                 </a:ln>
@@ -27143,7 +26778,7 @@
               <a:t> </a:t>
             </a:r>
             <a:r>
-              <a:rPr kumimoji="0" lang="de-DE" altLang="de-DE" sz="1100" b="0" i="0" u="none" strike="noStrike" cap="none" normalizeH="0" baseline="0" dirty="0" err="1" smtClean="0">
+              <a:rPr kumimoji="0" lang="de-DE" altLang="de-DE" sz="1100" b="0" i="0" u="none" strike="noStrike" cap="none" normalizeH="0" baseline="0" dirty="0" err="1">
                 <a:ln>
                   <a:noFill/>
                 </a:ln>
@@ -27156,7 +26791,7 @@
               <a:t>Cell</a:t>
             </a:r>
             <a:r>
-              <a:rPr kumimoji="0" lang="de-DE" altLang="de-DE" sz="1100" b="0" i="0" u="none" strike="noStrike" cap="none" normalizeH="0" baseline="0" dirty="0" smtClean="0">
+              <a:rPr kumimoji="0" lang="de-DE" altLang="de-DE" sz="1100" b="0" i="0" u="none" strike="noStrike" cap="none" normalizeH="0" baseline="0" dirty="0">
                 <a:ln>
                   <a:noFill/>
                 </a:ln>
@@ -27169,7 +26804,7 @@
               <a:t> Towers </a:t>
             </a:r>
             <a:r>
-              <a:rPr kumimoji="0" lang="de-DE" altLang="de-DE" sz="1100" b="0" i="0" u="none" strike="noStrike" cap="none" normalizeH="0" baseline="0" dirty="0" err="1" smtClean="0">
+              <a:rPr kumimoji="0" lang="de-DE" altLang="de-DE" sz="1100" b="0" i="0" u="none" strike="noStrike" cap="none" normalizeH="0" baseline="0" dirty="0" err="1">
                 <a:ln>
                   <a:noFill/>
                 </a:ln>
@@ -27182,7 +26817,7 @@
               <a:t>or</a:t>
             </a:r>
             <a:r>
-              <a:rPr kumimoji="0" lang="de-DE" altLang="de-DE" sz="1100" b="0" i="0" u="none" strike="noStrike" cap="none" normalizeH="0" baseline="0" dirty="0" smtClean="0">
+              <a:rPr kumimoji="0" lang="de-DE" altLang="de-DE" sz="1100" b="0" i="0" u="none" strike="noStrike" cap="none" normalizeH="0" baseline="0" dirty="0">
                 <a:ln>
                   <a:noFill/>
                 </a:ln>
@@ -27195,7 +26830,7 @@
               <a:t> Wifi"</a:t>
             </a:r>
             <a:r>
-              <a:rPr kumimoji="0" lang="de-DE" altLang="de-DE" sz="1100" b="0" i="0" u="none" strike="noStrike" cap="none" normalizeH="0" baseline="0" dirty="0" smtClean="0">
+              <a:rPr kumimoji="0" lang="de-DE" altLang="de-DE" sz="1100" b="0" i="0" u="none" strike="noStrike" cap="none" normalizeH="0" baseline="0" dirty="0">
                 <a:ln>
                   <a:noFill/>
                 </a:ln>
@@ -27208,7 +26843,7 @@
               <a:t>)</a:t>
             </a:r>
             <a:r>
-              <a:rPr kumimoji="0" lang="de-DE" altLang="de-DE" sz="1100" b="0" i="0" u="none" strike="noStrike" cap="none" normalizeH="0" baseline="0" dirty="0" smtClean="0">
+              <a:rPr kumimoji="0" lang="de-DE" altLang="de-DE" sz="1100" b="0" i="0" u="none" strike="noStrike" cap="none" normalizeH="0" baseline="0" dirty="0">
                 <a:ln>
                   <a:noFill/>
                 </a:ln>
@@ -27221,7 +26856,7 @@
               <a:t>;</a:t>
             </a:r>
             <a:br>
-              <a:rPr kumimoji="0" lang="de-DE" altLang="de-DE" sz="1100" b="0" i="0" u="none" strike="noStrike" cap="none" normalizeH="0" baseline="0" dirty="0" smtClean="0">
+              <a:rPr kumimoji="0" lang="de-DE" altLang="de-DE" sz="1100" b="0" i="0" u="none" strike="noStrike" cap="none" normalizeH="0" baseline="0" dirty="0">
                 <a:ln>
                   <a:noFill/>
                 </a:ln>
@@ -27233,7 +26868,7 @@
               </a:rPr>
             </a:br>
             <a:r>
-              <a:rPr kumimoji="0" lang="de-DE" altLang="de-DE" sz="1100" b="0" i="0" u="none" strike="noStrike" cap="none" normalizeH="0" baseline="0" dirty="0" smtClean="0">
+              <a:rPr kumimoji="0" lang="de-DE" altLang="de-DE" sz="1100" b="0" i="0" u="none" strike="noStrike" cap="none" normalizeH="0" baseline="0" dirty="0">
                 <a:ln>
                   <a:noFill/>
                 </a:ln>
@@ -27246,7 +26881,7 @@
               <a:t>        </a:t>
             </a:r>
             <a:r>
-              <a:rPr kumimoji="0" lang="de-DE" altLang="de-DE" sz="1100" b="0" i="0" u="none" strike="noStrike" cap="none" normalizeH="0" baseline="0" dirty="0" smtClean="0">
+              <a:rPr kumimoji="0" lang="de-DE" altLang="de-DE" sz="1100" b="0" i="0" u="none" strike="noStrike" cap="none" normalizeH="0" baseline="0" dirty="0">
                 <a:ln>
                   <a:noFill/>
                 </a:ln>
@@ -27259,7 +26894,7 @@
               <a:t>}</a:t>
             </a:r>
             <a:br>
-              <a:rPr kumimoji="0" lang="de-DE" altLang="de-DE" sz="1100" b="0" i="0" u="none" strike="noStrike" cap="none" normalizeH="0" baseline="0" dirty="0" smtClean="0">
+              <a:rPr kumimoji="0" lang="de-DE" altLang="de-DE" sz="1100" b="0" i="0" u="none" strike="noStrike" cap="none" normalizeH="0" baseline="0" dirty="0">
                 <a:ln>
                   <a:noFill/>
                 </a:ln>
@@ -27271,7 +26906,7 @@
               </a:rPr>
             </a:br>
             <a:r>
-              <a:rPr kumimoji="0" lang="de-DE" altLang="de-DE" sz="1100" b="0" i="0" u="none" strike="noStrike" cap="none" normalizeH="0" baseline="0" dirty="0" smtClean="0">
+              <a:rPr kumimoji="0" lang="de-DE" altLang="de-DE" sz="1100" b="0" i="0" u="none" strike="noStrike" cap="none" normalizeH="0" baseline="0" dirty="0">
                 <a:ln>
                   <a:noFill/>
                 </a:ln>
@@ -27284,7 +26919,7 @@
               <a:t>    }</a:t>
             </a:r>
             <a:br>
-              <a:rPr kumimoji="0" lang="de-DE" altLang="de-DE" sz="1100" b="0" i="0" u="none" strike="noStrike" cap="none" normalizeH="0" baseline="0" dirty="0" smtClean="0">
+              <a:rPr kumimoji="0" lang="de-DE" altLang="de-DE" sz="1100" b="0" i="0" u="none" strike="noStrike" cap="none" normalizeH="0" baseline="0" dirty="0">
                 <a:ln>
                   <a:noFill/>
                 </a:ln>
@@ -27296,7 +26931,7 @@
               </a:rPr>
             </a:br>
             <a:r>
-              <a:rPr kumimoji="0" lang="de-DE" altLang="de-DE" sz="1100" b="0" i="0" u="none" strike="noStrike" cap="none" normalizeH="0" baseline="0" dirty="0" smtClean="0">
+              <a:rPr kumimoji="0" lang="de-DE" altLang="de-DE" sz="1100" b="0" i="0" u="none" strike="noStrike" cap="none" normalizeH="0" baseline="0" dirty="0">
                 <a:ln>
                   <a:noFill/>
                 </a:ln>
@@ -27309,7 +26944,7 @@
               <a:t>})</a:t>
             </a:r>
             <a:r>
-              <a:rPr kumimoji="0" lang="de-DE" altLang="de-DE" sz="1100" b="0" i="0" u="none" strike="noStrike" cap="none" normalizeH="0" baseline="0" dirty="0" smtClean="0">
+              <a:rPr kumimoji="0" lang="de-DE" altLang="de-DE" sz="1100" b="0" i="0" u="none" strike="noStrike" cap="none" normalizeH="0" baseline="0" dirty="0">
                 <a:ln>
                   <a:noFill/>
                 </a:ln>
@@ -27321,7 +26956,7 @@
               </a:rPr>
               <a:t>;</a:t>
             </a:r>
-            <a:endParaRPr kumimoji="0" lang="de-DE" altLang="de-DE" sz="1100" b="0" i="0" u="none" strike="noStrike" cap="none" normalizeH="0" baseline="0" dirty="0" smtClean="0">
+            <a:endParaRPr kumimoji="0" lang="de-DE" altLang="de-DE" sz="1100" b="0" i="0" u="none" strike="noStrike" cap="none" normalizeH="0" baseline="0" dirty="0">
               <a:ln>
                 <a:noFill/>
               </a:ln>
@@ -27420,29 +27055,24 @@
             </a:pPr>
             <a:r>
               <a:rPr lang="de-DE" dirty="0"/>
-              <a:t>3</a:t>
-            </a:r>
-            <a:r>
-              <a:rPr lang="de-DE" dirty="0" smtClean="0"/>
-              <a:t>. </a:t>
-            </a:r>
-            <a:r>
-              <a:rPr lang="de-DE" altLang="de-DE" dirty="0" err="1" smtClean="0">
+              <a:t>3. </a:t>
+            </a:r>
+            <a:r>
+              <a:rPr lang="de-DE" altLang="de-DE" dirty="0" err="1">
                 <a:latin typeface="Consolas" panose="020B0609020204030204" pitchFamily="49" charset="0"/>
               </a:rPr>
               <a:t>FusedLocationProviderClient</a:t>
             </a:r>
             <a:r>
-              <a:rPr lang="de-DE" altLang="de-DE" dirty="0" smtClean="0">
+              <a:rPr lang="de-DE" altLang="de-DE" dirty="0">
                 <a:latin typeface="Consolas" panose="020B0609020204030204" pitchFamily="49" charset="0"/>
               </a:rPr>
               <a:t> </a:t>
             </a:r>
             <a:r>
-              <a:rPr lang="de-DE" dirty="0" smtClean="0"/>
+              <a:rPr lang="de-DE" dirty="0"/>
               <a:t>initialisieren</a:t>
             </a:r>
-            <a:endParaRPr lang="de-DE" dirty="0"/>
           </a:p>
           <a:p>
             <a:pPr marL="0" lvl="0" indent="0">
@@ -27600,7 +27230,7 @@
               <a:tabLst/>
             </a:pPr>
             <a:r>
-              <a:rPr kumimoji="0" lang="de-DE" altLang="de-DE" sz="1200" b="0" i="0" u="none" strike="noStrike" cap="none" normalizeH="0" baseline="0" dirty="0" smtClean="0">
+              <a:rPr kumimoji="0" lang="de-DE" altLang="de-DE" sz="1200" b="0" i="0" u="none" strike="noStrike" cap="none" normalizeH="0" baseline="0" dirty="0">
                 <a:ln>
                   <a:noFill/>
                 </a:ln>
@@ -27613,7 +27243,7 @@
               <a:t>private </a:t>
             </a:r>
             <a:r>
-              <a:rPr kumimoji="0" lang="de-DE" altLang="de-DE" sz="1200" b="0" i="0" u="none" strike="noStrike" cap="none" normalizeH="0" baseline="0" dirty="0" err="1" smtClean="0">
+              <a:rPr kumimoji="0" lang="de-DE" altLang="de-DE" sz="1200" b="0" i="0" u="none" strike="noStrike" cap="none" normalizeH="0" baseline="0" dirty="0" err="1">
                 <a:ln>
                   <a:noFill/>
                 </a:ln>
@@ -27626,7 +27256,7 @@
               <a:t>void</a:t>
             </a:r>
             <a:r>
-              <a:rPr kumimoji="0" lang="de-DE" altLang="de-DE" sz="1200" b="0" i="0" u="none" strike="noStrike" cap="none" normalizeH="0" baseline="0" dirty="0" smtClean="0">
+              <a:rPr kumimoji="0" lang="de-DE" altLang="de-DE" sz="1200" b="0" i="0" u="none" strike="noStrike" cap="none" normalizeH="0" baseline="0" dirty="0">
                 <a:ln>
                   <a:noFill/>
                 </a:ln>
@@ -27639,7 +27269,7 @@
               <a:t> </a:t>
             </a:r>
             <a:r>
-              <a:rPr kumimoji="0" lang="de-DE" altLang="de-DE" sz="1200" b="0" i="0" u="none" strike="noStrike" cap="none" normalizeH="0" baseline="0" dirty="0" err="1" smtClean="0">
+              <a:rPr kumimoji="0" lang="de-DE" altLang="de-DE" sz="1200" b="0" i="0" u="none" strike="noStrike" cap="none" normalizeH="0" baseline="0" dirty="0" err="1">
                 <a:ln>
                   <a:noFill/>
                 </a:ln>
@@ -27652,7 +27282,7 @@
               <a:t>updateGPS</a:t>
             </a:r>
             <a:r>
-              <a:rPr kumimoji="0" lang="de-DE" altLang="de-DE" sz="1200" b="0" i="0" u="none" strike="noStrike" cap="none" normalizeH="0" baseline="0" dirty="0" smtClean="0">
+              <a:rPr kumimoji="0" lang="de-DE" altLang="de-DE" sz="1200" b="0" i="0" u="none" strike="noStrike" cap="none" normalizeH="0" baseline="0" dirty="0">
                 <a:ln>
                   <a:noFill/>
                 </a:ln>
@@ -27682,7 +27312,7 @@
               <a:buNone/>
               <a:tabLst/>
             </a:pPr>
-            <a:endParaRPr kumimoji="0" lang="de-DE" altLang="de-DE" sz="1200" b="0" i="0" u="none" strike="noStrike" cap="none" normalizeH="0" baseline="0" dirty="0" smtClean="0">
+            <a:endParaRPr kumimoji="0" lang="de-DE" altLang="de-DE" sz="1200" b="0" i="0" u="none" strike="noStrike" cap="none" normalizeH="0" baseline="0" dirty="0">
               <a:ln>
                 <a:noFill/>
               </a:ln>
@@ -27703,7 +27333,7 @@
               </a:spcAft>
             </a:pPr>
             <a:r>
-              <a:rPr lang="de-DE" altLang="de-DE" sz="1200" dirty="0" smtClean="0">
+              <a:rPr lang="de-DE" altLang="de-DE" sz="1200" dirty="0">
                 <a:solidFill>
                   <a:schemeClr val="accent6">
                     <a:lumMod val="75000"/>
@@ -27714,7 +27344,7 @@
               <a:t>// </a:t>
             </a:r>
             <a:r>
-              <a:rPr lang="de-DE" altLang="de-DE" sz="1200" dirty="0" err="1" smtClean="0">
+              <a:rPr lang="de-DE" altLang="de-DE" sz="1200" dirty="0" err="1">
                 <a:solidFill>
                   <a:schemeClr val="accent6">
                     <a:lumMod val="75000"/>
@@ -27725,7 +27355,7 @@
               <a:t>FusedLocationProviderClient</a:t>
             </a:r>
             <a:r>
-              <a:rPr lang="de-DE" altLang="de-DE" sz="1200" dirty="0" smtClean="0">
+              <a:rPr lang="de-DE" altLang="de-DE" sz="1200" dirty="0">
                 <a:solidFill>
                   <a:schemeClr val="accent6">
                     <a:lumMod val="75000"/>
@@ -27736,7 +27366,7 @@
               <a:t> </a:t>
             </a:r>
             <a:r>
-              <a:rPr lang="de-DE" sz="1200" dirty="0" smtClean="0">
+              <a:rPr lang="de-DE" sz="1200" dirty="0">
                 <a:solidFill>
                   <a:schemeClr val="accent6">
                     <a:lumMod val="75000"/>
@@ -27745,7 +27375,7 @@
               </a:rPr>
               <a:t>initialisieren</a:t>
             </a:r>
-            <a:endParaRPr kumimoji="0" lang="de-DE" altLang="de-DE" sz="1200" b="0" i="0" u="none" strike="noStrike" cap="none" normalizeH="0" baseline="0" dirty="0" smtClean="0">
+            <a:endParaRPr kumimoji="0" lang="de-DE" altLang="de-DE" sz="1200" b="0" i="0" u="none" strike="noStrike" cap="none" normalizeH="0" baseline="0" dirty="0">
               <a:ln>
                 <a:noFill/>
               </a:ln>
@@ -27768,7 +27398,7 @@
               </a:spcAft>
             </a:pPr>
             <a:r>
-              <a:rPr lang="de-DE" altLang="de-DE" sz="1200" dirty="0" smtClean="0">
+              <a:rPr lang="de-DE" altLang="de-DE" sz="1200" dirty="0">
                 <a:solidFill>
                   <a:schemeClr val="accent6">
                     <a:lumMod val="75000"/>
@@ -27776,10 +27406,10 @@
                 </a:solidFill>
                 <a:latin typeface="Consolas" panose="020B0609020204030204" pitchFamily="49" charset="0"/>
               </a:rPr>
-              <a:t>// </a:t>
-            </a:r>
-            <a:r>
-              <a:rPr lang="de-DE" altLang="de-DE" sz="1200" dirty="0">
+              <a:t>// = </a:t>
+            </a:r>
+            <a:r>
+              <a:rPr lang="de-DE" altLang="de-DE" sz="1200" dirty="0" err="1">
                 <a:solidFill>
                   <a:schemeClr val="accent6">
                     <a:lumMod val="75000"/>
@@ -27787,10 +27417,10 @@
                 </a:solidFill>
                 <a:latin typeface="Consolas" panose="020B0609020204030204" pitchFamily="49" charset="0"/>
               </a:rPr>
-              <a:t>= </a:t>
-            </a:r>
-            <a:r>
-              <a:rPr lang="de-DE" altLang="de-DE" sz="1200" dirty="0" err="1">
+              <a:t>LocationServices.</a:t>
+            </a:r>
+            <a:r>
+              <a:rPr lang="de-DE" altLang="de-DE" sz="1200" i="1" dirty="0" err="1">
                 <a:solidFill>
                   <a:schemeClr val="accent6">
                     <a:lumMod val="75000"/>
@@ -27798,10 +27428,10 @@
                 </a:solidFill>
                 <a:latin typeface="Consolas" panose="020B0609020204030204" pitchFamily="49" charset="0"/>
               </a:rPr>
-              <a:t>LocationServices.</a:t>
-            </a:r>
-            <a:r>
-              <a:rPr lang="de-DE" altLang="de-DE" sz="1200" i="1" dirty="0" err="1">
+              <a:t>getFusedLocationProviderClient</a:t>
+            </a:r>
+            <a:r>
+              <a:rPr lang="de-DE" altLang="de-DE" sz="1200" dirty="0">
                 <a:solidFill>
                   <a:schemeClr val="accent6">
                     <a:lumMod val="75000"/>
@@ -27809,10 +27439,10 @@
                 </a:solidFill>
                 <a:latin typeface="Consolas" panose="020B0609020204030204" pitchFamily="49" charset="0"/>
               </a:rPr>
-              <a:t>getFusedLocationProviderClient</a:t>
-            </a:r>
-            <a:r>
-              <a:rPr lang="de-DE" altLang="de-DE" sz="1200" dirty="0">
+              <a:t>(</a:t>
+            </a:r>
+            <a:r>
+              <a:rPr lang="de-DE" altLang="de-DE" sz="1200" dirty="0" err="1">
                 <a:solidFill>
                   <a:schemeClr val="accent6">
                     <a:lumMod val="75000"/>
@@ -27820,10 +27450,10 @@
                 </a:solidFill>
                 <a:latin typeface="Consolas" panose="020B0609020204030204" pitchFamily="49" charset="0"/>
               </a:rPr>
-              <a:t>(</a:t>
-            </a:r>
-            <a:r>
-              <a:rPr lang="de-DE" altLang="de-DE" sz="1200" dirty="0" err="1">
+              <a:t>MainActivity.this</a:t>
+            </a:r>
+            <a:r>
+              <a:rPr lang="de-DE" altLang="de-DE" sz="1200" dirty="0">
                 <a:solidFill>
                   <a:schemeClr val="accent6">
                     <a:lumMod val="75000"/>
@@ -27831,9 +27461,9 @@
                 </a:solidFill>
                 <a:latin typeface="Consolas" panose="020B0609020204030204" pitchFamily="49" charset="0"/>
               </a:rPr>
-              <a:t>MainActivity.this</a:t>
-            </a:r>
-            <a:r>
+              <a:t>);</a:t>
+            </a:r>
+            <a:br>
               <a:rPr lang="de-DE" altLang="de-DE" sz="1200" dirty="0">
                 <a:solidFill>
                   <a:schemeClr val="accent6">
@@ -27842,20 +27472,9 @@
                 </a:solidFill>
                 <a:latin typeface="Consolas" panose="020B0609020204030204" pitchFamily="49" charset="0"/>
               </a:rPr>
-              <a:t>);</a:t>
-            </a:r>
+            </a:br>
             <a:br>
-              <a:rPr lang="de-DE" altLang="de-DE" sz="1200" dirty="0">
-                <a:solidFill>
-                  <a:schemeClr val="accent6">
-                    <a:lumMod val="75000"/>
-                  </a:schemeClr>
-                </a:solidFill>
-                <a:latin typeface="Consolas" panose="020B0609020204030204" pitchFamily="49" charset="0"/>
-              </a:rPr>
-            </a:br>
-            <a:r>
-              <a:rPr kumimoji="0" lang="de-DE" altLang="de-DE" sz="1200" b="0" i="0" u="none" strike="noStrike" cap="none" normalizeH="0" baseline="0" dirty="0" smtClean="0">
+              <a:rPr kumimoji="0" lang="de-DE" altLang="de-DE" sz="1200" b="0" i="0" u="none" strike="noStrike" cap="none" normalizeH="0" baseline="0" dirty="0">
                 <a:ln>
                   <a:noFill/>
                 </a:ln>
@@ -27865,10 +27484,9 @@
                 <a:effectLst/>
                 <a:latin typeface="Consolas" panose="020B0609020204030204" pitchFamily="49" charset="0"/>
               </a:rPr>
-              <a:t/>
-            </a:r>
-            <a:br>
-              <a:rPr kumimoji="0" lang="de-DE" altLang="de-DE" sz="1200" b="0" i="0" u="none" strike="noStrike" cap="none" normalizeH="0" baseline="0" dirty="0" smtClean="0">
+            </a:br>
+            <a:r>
+              <a:rPr kumimoji="0" lang="de-DE" altLang="de-DE" sz="1200" b="0" i="0" u="none" strike="noStrike" cap="none" normalizeH="0" baseline="0" dirty="0">
                 <a:ln>
                   <a:noFill/>
                 </a:ln>
@@ -27878,49 +27496,37 @@
                 <a:effectLst/>
                 <a:latin typeface="Consolas" panose="020B0609020204030204" pitchFamily="49" charset="0"/>
               </a:rPr>
-            </a:br>
-            <a:r>
-              <a:rPr kumimoji="0" lang="de-DE" altLang="de-DE" sz="1200" b="0" i="0" u="none" strike="noStrike" cap="none" normalizeH="0" baseline="0" dirty="0" smtClean="0">
-                <a:ln>
-                  <a:noFill/>
-                </a:ln>
+              <a:t> </a:t>
+            </a:r>
+            <a:r>
+              <a:rPr lang="de-DE" altLang="de-DE" sz="1200" dirty="0" err="1">
+                <a:solidFill>
+                  <a:srgbClr val="9876AA"/>
+                </a:solidFill>
+                <a:latin typeface="Consolas" panose="020B0609020204030204" pitchFamily="49" charset="0"/>
+              </a:rPr>
+              <a:t>fusedLocationProviderClient</a:t>
+            </a:r>
+            <a:r>
+              <a:rPr lang="de-DE" altLang="de-DE" sz="1200" dirty="0">
+                <a:solidFill>
+                  <a:srgbClr val="9876AA"/>
+                </a:solidFill>
+                <a:latin typeface="Consolas" panose="020B0609020204030204" pitchFamily="49" charset="0"/>
+              </a:rPr>
+              <a:t> </a:t>
+            </a:r>
+            <a:r>
+              <a:rPr lang="de-DE" altLang="de-DE" sz="1200" dirty="0">
                 <a:solidFill>
                   <a:srgbClr val="A9B7C6"/>
                 </a:solidFill>
-                <a:effectLst/>
-                <a:latin typeface="Consolas" panose="020B0609020204030204" pitchFamily="49" charset="0"/>
-              </a:rPr>
-              <a:t> </a:t>
-            </a:r>
-            <a:r>
-              <a:rPr lang="de-DE" altLang="de-DE" sz="1200" dirty="0" err="1">
-                <a:solidFill>
-                  <a:srgbClr val="9876AA"/>
-                </a:solidFill>
-                <a:latin typeface="Consolas" panose="020B0609020204030204" pitchFamily="49" charset="0"/>
-              </a:rPr>
-              <a:t>fusedLocationProviderClient</a:t>
-            </a:r>
-            <a:r>
-              <a:rPr lang="de-DE" altLang="de-DE" sz="1200" dirty="0">
-                <a:solidFill>
-                  <a:srgbClr val="9876AA"/>
-                </a:solidFill>
-                <a:latin typeface="Consolas" panose="020B0609020204030204" pitchFamily="49" charset="0"/>
-              </a:rPr>
-              <a:t> </a:t>
-            </a:r>
-            <a:r>
-              <a:rPr lang="de-DE" altLang="de-DE" sz="1200" dirty="0">
-                <a:solidFill>
-                  <a:srgbClr val="A9B7C6"/>
-                </a:solidFill>
                 <a:latin typeface="Consolas" panose="020B0609020204030204" pitchFamily="49" charset="0"/>
               </a:rPr>
               <a:t>= </a:t>
             </a:r>
             <a:r>
-              <a:rPr lang="de-DE" altLang="de-DE" sz="1200" b="1" dirty="0" smtClean="0">
+              <a:rPr lang="de-DE" altLang="de-DE" sz="1200" b="1" dirty="0">
                 <a:solidFill>
                   <a:srgbClr val="FF0000"/>
                 </a:solidFill>
@@ -27938,8 +27544,8 @@
                 <a:spcPct val="0"/>
               </a:spcAft>
             </a:pPr>
-            <a:r>
-              <a:rPr kumimoji="0" lang="de-DE" altLang="de-DE" sz="1200" b="0" i="0" u="none" strike="noStrike" cap="none" normalizeH="0" baseline="0" dirty="0" smtClean="0">
+            <a:br>
+              <a:rPr kumimoji="0" lang="de-DE" altLang="de-DE" sz="1200" b="0" i="0" u="none" strike="noStrike" cap="none" normalizeH="0" baseline="0" dirty="0">
                 <a:ln>
                   <a:noFill/>
                 </a:ln>
@@ -27949,10 +27555,9 @@
                 <a:effectLst/>
                 <a:latin typeface="Consolas" panose="020B0609020204030204" pitchFamily="49" charset="0"/>
               </a:rPr>
-              <a:t/>
-            </a:r>
-            <a:br>
-              <a:rPr kumimoji="0" lang="de-DE" altLang="de-DE" sz="1200" b="0" i="0" u="none" strike="noStrike" cap="none" normalizeH="0" baseline="0" dirty="0" smtClean="0">
+            </a:br>
+            <a:r>
+              <a:rPr kumimoji="0" lang="de-DE" altLang="de-DE" sz="1200" b="0" i="0" u="none" strike="noStrike" cap="none" normalizeH="0" baseline="0" dirty="0">
                 <a:ln>
                   <a:noFill/>
                 </a:ln>
@@ -27962,9 +27567,10 @@
                 <a:effectLst/>
                 <a:latin typeface="Consolas" panose="020B0609020204030204" pitchFamily="49" charset="0"/>
               </a:rPr>
-            </a:br>
-            <a:r>
-              <a:rPr kumimoji="0" lang="de-DE" altLang="de-DE" sz="1200" b="0" i="0" u="none" strike="noStrike" cap="none" normalizeH="0" baseline="0" dirty="0" smtClean="0">
+              <a:t>    </a:t>
+            </a:r>
+            <a:r>
+              <a:rPr kumimoji="0" lang="de-DE" altLang="de-DE" sz="1200" b="0" i="0" u="none" strike="noStrike" cap="none" normalizeH="0" baseline="0" dirty="0" err="1">
                 <a:ln>
                   <a:noFill/>
                 </a:ln>
@@ -27974,23 +27580,23 @@
                 <a:effectLst/>
                 <a:latin typeface="Consolas" panose="020B0609020204030204" pitchFamily="49" charset="0"/>
               </a:rPr>
-              <a:t>    </a:t>
-            </a:r>
-            <a:r>
-              <a:rPr kumimoji="0" lang="de-DE" altLang="de-DE" sz="1200" b="0" i="0" u="none" strike="noStrike" cap="none" normalizeH="0" baseline="0" dirty="0" err="1" smtClean="0">
+              <a:t>if</a:t>
+            </a:r>
+            <a:r>
+              <a:rPr kumimoji="0" lang="de-DE" altLang="de-DE" sz="1200" b="0" i="0" u="none" strike="noStrike" cap="none" normalizeH="0" baseline="0" dirty="0">
                 <a:ln>
                   <a:noFill/>
                 </a:ln>
                 <a:solidFill>
-                  <a:srgbClr val="CC7832"/>
+                  <a:srgbClr val="A9B7C6"/>
                 </a:solidFill>
                 <a:effectLst/>
                 <a:latin typeface="Consolas" panose="020B0609020204030204" pitchFamily="49" charset="0"/>
               </a:rPr>
-              <a:t>if</a:t>
-            </a:r>
-            <a:r>
-              <a:rPr kumimoji="0" lang="de-DE" altLang="de-DE" sz="1200" b="0" i="0" u="none" strike="noStrike" cap="none" normalizeH="0" baseline="0" dirty="0" smtClean="0">
+              <a:t>(</a:t>
+            </a:r>
+            <a:r>
+              <a:rPr kumimoji="0" lang="de-DE" altLang="de-DE" sz="1200" b="0" i="0" u="none" strike="noStrike" cap="none" normalizeH="0" baseline="0" dirty="0" err="1">
                 <a:ln>
                   <a:noFill/>
                 </a:ln>
@@ -28000,10 +27606,10 @@
                 <a:effectLst/>
                 <a:latin typeface="Consolas" panose="020B0609020204030204" pitchFamily="49" charset="0"/>
               </a:rPr>
-              <a:t>(</a:t>
-            </a:r>
-            <a:r>
-              <a:rPr kumimoji="0" lang="de-DE" altLang="de-DE" sz="1200" b="0" i="0" u="none" strike="noStrike" cap="none" normalizeH="0" baseline="0" dirty="0" err="1" smtClean="0">
+              <a:t>ActivityCompat.</a:t>
+            </a:r>
+            <a:r>
+              <a:rPr kumimoji="0" lang="de-DE" altLang="de-DE" sz="1200" b="0" i="1" u="none" strike="noStrike" cap="none" normalizeH="0" baseline="0" dirty="0" err="1">
                 <a:ln>
                   <a:noFill/>
                 </a:ln>
@@ -28013,10 +27619,10 @@
                 <a:effectLst/>
                 <a:latin typeface="Consolas" panose="020B0609020204030204" pitchFamily="49" charset="0"/>
               </a:rPr>
-              <a:t>ActivityCompat.</a:t>
-            </a:r>
-            <a:r>
-              <a:rPr kumimoji="0" lang="de-DE" altLang="de-DE" sz="1200" b="0" i="1" u="none" strike="noStrike" cap="none" normalizeH="0" baseline="0" dirty="0" err="1" smtClean="0">
+              <a:t>checkSelfPermission</a:t>
+            </a:r>
+            <a:r>
+              <a:rPr kumimoji="0" lang="de-DE" altLang="de-DE" sz="1200" b="0" i="0" u="none" strike="noStrike" cap="none" normalizeH="0" baseline="0" dirty="0">
                 <a:ln>
                   <a:noFill/>
                 </a:ln>
@@ -28026,23 +27632,23 @@
                 <a:effectLst/>
                 <a:latin typeface="Consolas" panose="020B0609020204030204" pitchFamily="49" charset="0"/>
               </a:rPr>
-              <a:t>checkSelfPermission</a:t>
-            </a:r>
-            <a:r>
-              <a:rPr kumimoji="0" lang="de-DE" altLang="de-DE" sz="1200" b="0" i="0" u="none" strike="noStrike" cap="none" normalizeH="0" baseline="0" dirty="0" smtClean="0">
+              <a:t>(</a:t>
+            </a:r>
+            <a:r>
+              <a:rPr kumimoji="0" lang="de-DE" altLang="de-DE" sz="1200" b="0" i="0" u="none" strike="noStrike" cap="none" normalizeH="0" baseline="0" dirty="0" err="1">
                 <a:ln>
                   <a:noFill/>
                 </a:ln>
                 <a:solidFill>
-                  <a:srgbClr val="A9B7C6"/>
+                  <a:srgbClr val="CC7832"/>
                 </a:solidFill>
                 <a:effectLst/>
                 <a:latin typeface="Consolas" panose="020B0609020204030204" pitchFamily="49" charset="0"/>
               </a:rPr>
-              <a:t>(</a:t>
-            </a:r>
-            <a:r>
-              <a:rPr kumimoji="0" lang="de-DE" altLang="de-DE" sz="1200" b="0" i="0" u="none" strike="noStrike" cap="none" normalizeH="0" baseline="0" dirty="0" err="1" smtClean="0">
+              <a:t>this</a:t>
+            </a:r>
+            <a:r>
+              <a:rPr kumimoji="0" lang="de-DE" altLang="de-DE" sz="1200" b="0" i="0" u="none" strike="noStrike" cap="none" normalizeH="0" baseline="0" dirty="0">
                 <a:ln>
                   <a:noFill/>
                 </a:ln>
@@ -28052,49 +27658,49 @@
                 <a:effectLst/>
                 <a:latin typeface="Consolas" panose="020B0609020204030204" pitchFamily="49" charset="0"/>
               </a:rPr>
-              <a:t>this</a:t>
-            </a:r>
-            <a:r>
-              <a:rPr kumimoji="0" lang="de-DE" altLang="de-DE" sz="1200" b="0" i="0" u="none" strike="noStrike" cap="none" normalizeH="0" baseline="0" dirty="0" smtClean="0">
+              <a:t>, </a:t>
+            </a:r>
+            <a:r>
+              <a:rPr kumimoji="0" lang="de-DE" altLang="de-DE" sz="1200" b="0" i="0" u="none" strike="noStrike" cap="none" normalizeH="0" baseline="0" dirty="0" err="1">
                 <a:ln>
                   <a:noFill/>
                 </a:ln>
                 <a:solidFill>
-                  <a:srgbClr val="CC7832"/>
+                  <a:srgbClr val="A9B7C6"/>
                 </a:solidFill>
                 <a:effectLst/>
                 <a:latin typeface="Consolas" panose="020B0609020204030204" pitchFamily="49" charset="0"/>
               </a:rPr>
-              <a:t>, </a:t>
-            </a:r>
-            <a:r>
-              <a:rPr kumimoji="0" lang="de-DE" altLang="de-DE" sz="1200" b="0" i="0" u="none" strike="noStrike" cap="none" normalizeH="0" baseline="0" dirty="0" err="1" smtClean="0">
+              <a:t>Manifest.permission.</a:t>
+            </a:r>
+            <a:r>
+              <a:rPr kumimoji="0" lang="de-DE" altLang="de-DE" sz="1200" b="0" i="1" u="none" strike="noStrike" cap="none" normalizeH="0" baseline="0" dirty="0" err="1">
                 <a:ln>
                   <a:noFill/>
                 </a:ln>
                 <a:solidFill>
-                  <a:srgbClr val="A9B7C6"/>
+                  <a:srgbClr val="9876AA"/>
                 </a:solidFill>
                 <a:effectLst/>
                 <a:latin typeface="Consolas" panose="020B0609020204030204" pitchFamily="49" charset="0"/>
               </a:rPr>
-              <a:t>Manifest.permission.</a:t>
-            </a:r>
-            <a:r>
-              <a:rPr kumimoji="0" lang="de-DE" altLang="de-DE" sz="1200" b="0" i="1" u="none" strike="noStrike" cap="none" normalizeH="0" baseline="0" dirty="0" err="1" smtClean="0">
+              <a:t>ACCESS_FINE_LOCATION</a:t>
+            </a:r>
+            <a:r>
+              <a:rPr kumimoji="0" lang="de-DE" altLang="de-DE" sz="1200" b="0" i="0" u="none" strike="noStrike" cap="none" normalizeH="0" baseline="0" dirty="0">
                 <a:ln>
                   <a:noFill/>
                 </a:ln>
                 <a:solidFill>
-                  <a:srgbClr val="9876AA"/>
+                  <a:srgbClr val="A9B7C6"/>
                 </a:solidFill>
                 <a:effectLst/>
                 <a:latin typeface="Consolas" panose="020B0609020204030204" pitchFamily="49" charset="0"/>
               </a:rPr>
-              <a:t>ACCESS_FINE_LOCATION</a:t>
-            </a:r>
-            <a:r>
-              <a:rPr kumimoji="0" lang="de-DE" altLang="de-DE" sz="1200" b="0" i="0" u="none" strike="noStrike" cap="none" normalizeH="0" baseline="0" dirty="0" smtClean="0">
+              <a:t>) == </a:t>
+            </a:r>
+            <a:r>
+              <a:rPr kumimoji="0" lang="de-DE" altLang="de-DE" sz="1200" b="0" i="0" u="none" strike="noStrike" cap="none" normalizeH="0" baseline="0" dirty="0" err="1">
                 <a:ln>
                   <a:noFill/>
                 </a:ln>
@@ -28104,36 +27710,36 @@
                 <a:effectLst/>
                 <a:latin typeface="Consolas" panose="020B0609020204030204" pitchFamily="49" charset="0"/>
               </a:rPr>
-              <a:t>) == </a:t>
-            </a:r>
-            <a:r>
-              <a:rPr kumimoji="0" lang="de-DE" altLang="de-DE" sz="1200" b="0" i="0" u="none" strike="noStrike" cap="none" normalizeH="0" baseline="0" dirty="0" err="1" smtClean="0">
+              <a:t>PackageManager.</a:t>
+            </a:r>
+            <a:r>
+              <a:rPr kumimoji="0" lang="de-DE" altLang="de-DE" sz="1200" b="0" i="1" u="none" strike="noStrike" cap="none" normalizeH="0" baseline="0" dirty="0" err="1">
                 <a:ln>
                   <a:noFill/>
                 </a:ln>
                 <a:solidFill>
-                  <a:srgbClr val="A9B7C6"/>
+                  <a:srgbClr val="9876AA"/>
                 </a:solidFill>
                 <a:effectLst/>
                 <a:latin typeface="Consolas" panose="020B0609020204030204" pitchFamily="49" charset="0"/>
               </a:rPr>
-              <a:t>PackageManager.</a:t>
-            </a:r>
-            <a:r>
-              <a:rPr kumimoji="0" lang="de-DE" altLang="de-DE" sz="1200" b="0" i="1" u="none" strike="noStrike" cap="none" normalizeH="0" baseline="0" dirty="0" err="1" smtClean="0">
+              <a:t>PERMISSION_GRANTED</a:t>
+            </a:r>
+            <a:r>
+              <a:rPr kumimoji="0" lang="de-DE" altLang="de-DE" sz="1200" b="0" i="0" u="none" strike="noStrike" cap="none" normalizeH="0" baseline="0" dirty="0">
                 <a:ln>
                   <a:noFill/>
                 </a:ln>
                 <a:solidFill>
-                  <a:srgbClr val="9876AA"/>
+                  <a:srgbClr val="A9B7C6"/>
                 </a:solidFill>
                 <a:effectLst/>
                 <a:latin typeface="Consolas" panose="020B0609020204030204" pitchFamily="49" charset="0"/>
               </a:rPr>
-              <a:t>PERMISSION_GRANTED</a:t>
-            </a:r>
-            <a:r>
-              <a:rPr kumimoji="0" lang="de-DE" altLang="de-DE" sz="1200" b="0" i="0" u="none" strike="noStrike" cap="none" normalizeH="0" baseline="0" dirty="0" smtClean="0">
+              <a:t>){</a:t>
+            </a:r>
+            <a:br>
+              <a:rPr kumimoji="0" lang="de-DE" altLang="de-DE" sz="1200" b="0" i="0" u="none" strike="noStrike" cap="none" normalizeH="0" baseline="0" dirty="0">
                 <a:ln>
                   <a:noFill/>
                 </a:ln>
@@ -28143,10 +27749,9 @@
                 <a:effectLst/>
                 <a:latin typeface="Consolas" panose="020B0609020204030204" pitchFamily="49" charset="0"/>
               </a:rPr>
-              <a:t>){</a:t>
-            </a:r>
-            <a:br>
-              <a:rPr kumimoji="0" lang="de-DE" altLang="de-DE" sz="1200" b="0" i="0" u="none" strike="noStrike" cap="none" normalizeH="0" baseline="0" dirty="0" smtClean="0">
+            </a:br>
+            <a:r>
+              <a:rPr kumimoji="0" lang="de-DE" altLang="de-DE" sz="1200" b="0" i="0" u="none" strike="noStrike" cap="none" normalizeH="0" baseline="0" dirty="0">
                 <a:ln>
                   <a:noFill/>
                 </a:ln>
@@ -28156,35 +27761,36 @@
                 <a:effectLst/>
                 <a:latin typeface="Consolas" panose="020B0609020204030204" pitchFamily="49" charset="0"/>
               </a:rPr>
-            </a:br>
-            <a:r>
-              <a:rPr kumimoji="0" lang="de-DE" altLang="de-DE" sz="1200" b="0" i="0" u="none" strike="noStrike" cap="none" normalizeH="0" baseline="0" dirty="0" smtClean="0">
+              <a:t>            </a:t>
+            </a:r>
+            <a:r>
+              <a:rPr kumimoji="0" lang="de-DE" altLang="de-DE" sz="1200" b="0" i="0" u="none" strike="noStrike" cap="none" normalizeH="0" baseline="0" dirty="0" err="1">
                 <a:ln>
                   <a:noFill/>
                 </a:ln>
                 <a:solidFill>
-                  <a:srgbClr val="A9B7C6"/>
+                  <a:srgbClr val="9876AA"/>
                 </a:solidFill>
                 <a:effectLst/>
                 <a:latin typeface="Consolas" panose="020B0609020204030204" pitchFamily="49" charset="0"/>
               </a:rPr>
-              <a:t>            </a:t>
-            </a:r>
-            <a:r>
-              <a:rPr kumimoji="0" lang="de-DE" altLang="de-DE" sz="1200" b="0" i="0" u="none" strike="noStrike" cap="none" normalizeH="0" baseline="0" dirty="0" err="1" smtClean="0">
+              <a:t>fusedLocationProviderClient</a:t>
+            </a:r>
+            <a:r>
+              <a:rPr kumimoji="0" lang="de-DE" altLang="de-DE" sz="1200" b="0" i="0" u="none" strike="noStrike" cap="none" normalizeH="0" baseline="0" dirty="0" err="1">
                 <a:ln>
                   <a:noFill/>
                 </a:ln>
                 <a:solidFill>
-                  <a:srgbClr val="9876AA"/>
+                  <a:srgbClr val="A9B7C6"/>
                 </a:solidFill>
                 <a:effectLst/>
                 <a:latin typeface="Consolas" panose="020B0609020204030204" pitchFamily="49" charset="0"/>
               </a:rPr>
-              <a:t>fusedLocationProviderClient</a:t>
-            </a:r>
-            <a:r>
-              <a:rPr kumimoji="0" lang="de-DE" altLang="de-DE" sz="1200" b="0" i="0" u="none" strike="noStrike" cap="none" normalizeH="0" baseline="0" dirty="0" err="1" smtClean="0">
+              <a:t>.getLastLocation</a:t>
+            </a:r>
+            <a:r>
+              <a:rPr kumimoji="0" lang="de-DE" altLang="de-DE" sz="1200" b="0" i="0" u="none" strike="noStrike" cap="none" normalizeH="0" baseline="0" dirty="0">
                 <a:ln>
                   <a:noFill/>
                 </a:ln>
@@ -28194,10 +27800,10 @@
                 <a:effectLst/>
                 <a:latin typeface="Consolas" panose="020B0609020204030204" pitchFamily="49" charset="0"/>
               </a:rPr>
-              <a:t>.getLastLocation</a:t>
-            </a:r>
-            <a:r>
-              <a:rPr kumimoji="0" lang="de-DE" altLang="de-DE" sz="1200" b="0" i="0" u="none" strike="noStrike" cap="none" normalizeH="0" baseline="0" dirty="0" smtClean="0">
+              <a:t>().</a:t>
+            </a:r>
+            <a:r>
+              <a:rPr kumimoji="0" lang="de-DE" altLang="de-DE" sz="1200" b="0" i="0" u="none" strike="noStrike" cap="none" normalizeH="0" baseline="0" dirty="0" err="1">
                 <a:ln>
                   <a:noFill/>
                 </a:ln>
@@ -28207,10 +27813,10 @@
                 <a:effectLst/>
                 <a:latin typeface="Consolas" panose="020B0609020204030204" pitchFamily="49" charset="0"/>
               </a:rPr>
-              <a:t>().</a:t>
-            </a:r>
-            <a:r>
-              <a:rPr kumimoji="0" lang="de-DE" altLang="de-DE" sz="1200" b="0" i="0" u="none" strike="noStrike" cap="none" normalizeH="0" baseline="0" dirty="0" err="1" smtClean="0">
+              <a:t>addOnSuccessListener</a:t>
+            </a:r>
+            <a:r>
+              <a:rPr kumimoji="0" lang="de-DE" altLang="de-DE" sz="1200" b="0" i="0" u="none" strike="noStrike" cap="none" normalizeH="0" baseline="0" dirty="0">
                 <a:ln>
                   <a:noFill/>
                 </a:ln>
@@ -28220,23 +27826,23 @@
                 <a:effectLst/>
                 <a:latin typeface="Consolas" panose="020B0609020204030204" pitchFamily="49" charset="0"/>
               </a:rPr>
-              <a:t>addOnSuccessListener</a:t>
-            </a:r>
-            <a:r>
-              <a:rPr kumimoji="0" lang="de-DE" altLang="de-DE" sz="1200" b="0" i="0" u="none" strike="noStrike" cap="none" normalizeH="0" baseline="0" dirty="0" smtClean="0">
+              <a:t>(</a:t>
+            </a:r>
+            <a:r>
+              <a:rPr kumimoji="0" lang="de-DE" altLang="de-DE" sz="1200" b="0" i="0" u="none" strike="noStrike" cap="none" normalizeH="0" baseline="0" dirty="0" err="1">
                 <a:ln>
                   <a:noFill/>
                 </a:ln>
                 <a:solidFill>
-                  <a:srgbClr val="A9B7C6"/>
+                  <a:srgbClr val="CC7832"/>
                 </a:solidFill>
                 <a:effectLst/>
                 <a:latin typeface="Consolas" panose="020B0609020204030204" pitchFamily="49" charset="0"/>
               </a:rPr>
-              <a:t>(</a:t>
-            </a:r>
-            <a:r>
-              <a:rPr kumimoji="0" lang="de-DE" altLang="de-DE" sz="1200" b="0" i="0" u="none" strike="noStrike" cap="none" normalizeH="0" baseline="0" dirty="0" err="1" smtClean="0">
+              <a:t>this</a:t>
+            </a:r>
+            <a:r>
+              <a:rPr kumimoji="0" lang="de-DE" altLang="de-DE" sz="1200" b="0" i="0" u="none" strike="noStrike" cap="none" normalizeH="0" baseline="0" dirty="0">
                 <a:ln>
                   <a:noFill/>
                 </a:ln>
@@ -28246,10 +27852,10 @@
                 <a:effectLst/>
                 <a:latin typeface="Consolas" panose="020B0609020204030204" pitchFamily="49" charset="0"/>
               </a:rPr>
-              <a:t>this</a:t>
-            </a:r>
-            <a:r>
-              <a:rPr kumimoji="0" lang="de-DE" altLang="de-DE" sz="1200" b="0" i="0" u="none" strike="noStrike" cap="none" normalizeH="0" baseline="0" dirty="0" smtClean="0">
+              <a:t>, </a:t>
+            </a:r>
+            <a:r>
+              <a:rPr kumimoji="0" lang="de-DE" altLang="de-DE" sz="1200" b="0" i="0" u="none" strike="noStrike" cap="none" normalizeH="0" baseline="0" dirty="0" err="1">
                 <a:ln>
                   <a:noFill/>
                 </a:ln>
@@ -28259,10 +27865,10 @@
                 <a:effectLst/>
                 <a:latin typeface="Consolas" panose="020B0609020204030204" pitchFamily="49" charset="0"/>
               </a:rPr>
-              <a:t>, </a:t>
-            </a:r>
-            <a:r>
-              <a:rPr kumimoji="0" lang="de-DE" altLang="de-DE" sz="1200" b="0" i="0" u="none" strike="noStrike" cap="none" normalizeH="0" baseline="0" dirty="0" err="1" smtClean="0">
+              <a:t>new</a:t>
+            </a:r>
+            <a:r>
+              <a:rPr kumimoji="0" lang="de-DE" altLang="de-DE" sz="1200" b="0" i="0" u="none" strike="noStrike" cap="none" normalizeH="0" baseline="0" dirty="0">
                 <a:ln>
                   <a:noFill/>
                 </a:ln>
@@ -28272,23 +27878,23 @@
                 <a:effectLst/>
                 <a:latin typeface="Consolas" panose="020B0609020204030204" pitchFamily="49" charset="0"/>
               </a:rPr>
-              <a:t>new</a:t>
-            </a:r>
-            <a:r>
-              <a:rPr kumimoji="0" lang="de-DE" altLang="de-DE" sz="1200" b="0" i="0" u="none" strike="noStrike" cap="none" normalizeH="0" baseline="0" dirty="0" smtClean="0">
+              <a:t> </a:t>
+            </a:r>
+            <a:r>
+              <a:rPr kumimoji="0" lang="de-DE" altLang="de-DE" sz="1200" b="0" i="0" u="none" strike="noStrike" cap="none" normalizeH="0" baseline="0" dirty="0" err="1">
                 <a:ln>
                   <a:noFill/>
                 </a:ln>
                 <a:solidFill>
-                  <a:srgbClr val="CC7832"/>
+                  <a:srgbClr val="A9B7C6"/>
                 </a:solidFill>
                 <a:effectLst/>
                 <a:latin typeface="Consolas" panose="020B0609020204030204" pitchFamily="49" charset="0"/>
               </a:rPr>
-              <a:t> </a:t>
-            </a:r>
-            <a:r>
-              <a:rPr kumimoji="0" lang="de-DE" altLang="de-DE" sz="1200" b="0" i="0" u="none" strike="noStrike" cap="none" normalizeH="0" baseline="0" dirty="0" err="1" smtClean="0">
+              <a:t>OnSuccessListener</a:t>
+            </a:r>
+            <a:r>
+              <a:rPr kumimoji="0" lang="de-DE" altLang="de-DE" sz="1200" b="0" i="0" u="none" strike="noStrike" cap="none" normalizeH="0" baseline="0" dirty="0">
                 <a:ln>
                   <a:noFill/>
                 </a:ln>
@@ -28298,10 +27904,10 @@
                 <a:effectLst/>
                 <a:latin typeface="Consolas" panose="020B0609020204030204" pitchFamily="49" charset="0"/>
               </a:rPr>
-              <a:t>OnSuccessListener</a:t>
-            </a:r>
-            <a:r>
-              <a:rPr kumimoji="0" lang="de-DE" altLang="de-DE" sz="1200" b="0" i="0" u="none" strike="noStrike" cap="none" normalizeH="0" baseline="0" dirty="0" smtClean="0">
+              <a:t>&lt;Location&gt;(){</a:t>
+            </a:r>
+            <a:br>
+              <a:rPr kumimoji="0" lang="de-DE" altLang="de-DE" sz="1200" b="0" i="0" u="none" strike="noStrike" cap="none" normalizeH="0" baseline="0" dirty="0">
                 <a:ln>
                   <a:noFill/>
                 </a:ln>
@@ -28311,10 +27917,9 @@
                 <a:effectLst/>
                 <a:latin typeface="Consolas" panose="020B0609020204030204" pitchFamily="49" charset="0"/>
               </a:rPr>
-              <a:t>&lt;Location&gt;(){</a:t>
-            </a:r>
-            <a:br>
-              <a:rPr kumimoji="0" lang="de-DE" altLang="de-DE" sz="1200" b="0" i="0" u="none" strike="noStrike" cap="none" normalizeH="0" baseline="0" dirty="0" smtClean="0">
+            </a:br>
+            <a:r>
+              <a:rPr kumimoji="0" lang="de-DE" altLang="de-DE" sz="1200" b="0" i="0" u="none" strike="noStrike" cap="none" normalizeH="0" baseline="0" dirty="0">
                 <a:ln>
                   <a:noFill/>
                 </a:ln>
@@ -28324,22 +27929,23 @@
                 <a:effectLst/>
                 <a:latin typeface="Consolas" panose="020B0609020204030204" pitchFamily="49" charset="0"/>
               </a:rPr>
-            </a:br>
-            <a:r>
-              <a:rPr kumimoji="0" lang="de-DE" altLang="de-DE" sz="1200" b="0" i="0" u="none" strike="noStrike" cap="none" normalizeH="0" baseline="0" dirty="0" smtClean="0">
+              <a:t>                </a:t>
+            </a:r>
+            <a:r>
+              <a:rPr kumimoji="0" lang="de-DE" altLang="de-DE" sz="1200" b="0" i="0" u="none" strike="noStrike" cap="none" normalizeH="0" baseline="0" dirty="0">
                 <a:ln>
                   <a:noFill/>
                 </a:ln>
                 <a:solidFill>
-                  <a:srgbClr val="A9B7C6"/>
+                  <a:srgbClr val="BBB529"/>
                 </a:solidFill>
                 <a:effectLst/>
                 <a:latin typeface="Consolas" panose="020B0609020204030204" pitchFamily="49" charset="0"/>
               </a:rPr>
-              <a:t>                </a:t>
-            </a:r>
-            <a:r>
-              <a:rPr kumimoji="0" lang="de-DE" altLang="de-DE" sz="1200" b="0" i="0" u="none" strike="noStrike" cap="none" normalizeH="0" baseline="0" dirty="0" smtClean="0">
+              <a:t>@</a:t>
+            </a:r>
+            <a:r>
+              <a:rPr kumimoji="0" lang="de-DE" altLang="de-DE" sz="1200" b="0" i="0" u="none" strike="noStrike" cap="none" normalizeH="0" baseline="0" dirty="0" err="1">
                 <a:ln>
                   <a:noFill/>
                 </a:ln>
@@ -28349,10 +27955,10 @@
                 <a:effectLst/>
                 <a:latin typeface="Consolas" panose="020B0609020204030204" pitchFamily="49" charset="0"/>
               </a:rPr>
-              <a:t>@</a:t>
-            </a:r>
-            <a:r>
-              <a:rPr kumimoji="0" lang="de-DE" altLang="de-DE" sz="1200" b="0" i="0" u="none" strike="noStrike" cap="none" normalizeH="0" baseline="0" dirty="0" err="1" smtClean="0">
+              <a:t>Override</a:t>
+            </a:r>
+            <a:br>
+              <a:rPr kumimoji="0" lang="de-DE" altLang="de-DE" sz="1200" b="0" i="0" u="none" strike="noStrike" cap="none" normalizeH="0" baseline="0" dirty="0">
                 <a:ln>
                   <a:noFill/>
                 </a:ln>
@@ -28362,10 +27968,9 @@
                 <a:effectLst/>
                 <a:latin typeface="Consolas" panose="020B0609020204030204" pitchFamily="49" charset="0"/>
               </a:rPr>
-              <a:t>Override</a:t>
-            </a:r>
-            <a:r>
-              <a:rPr kumimoji="0" lang="de-DE" altLang="de-DE" sz="1200" b="0" i="0" u="none" strike="noStrike" cap="none" normalizeH="0" baseline="0" dirty="0" smtClean="0">
+            </a:br>
+            <a:r>
+              <a:rPr kumimoji="0" lang="de-DE" altLang="de-DE" sz="1200" b="0" i="0" u="none" strike="noStrike" cap="none" normalizeH="0" baseline="0" dirty="0">
                 <a:ln>
                   <a:noFill/>
                 </a:ln>
@@ -28375,35 +27980,36 @@
                 <a:effectLst/>
                 <a:latin typeface="Consolas" panose="020B0609020204030204" pitchFamily="49" charset="0"/>
               </a:rPr>
-              <a:t/>
-            </a:r>
-            <a:br>
-              <a:rPr kumimoji="0" lang="de-DE" altLang="de-DE" sz="1200" b="0" i="0" u="none" strike="noStrike" cap="none" normalizeH="0" baseline="0" dirty="0" smtClean="0">
+              <a:t>                </a:t>
+            </a:r>
+            <a:r>
+              <a:rPr kumimoji="0" lang="de-DE" altLang="de-DE" sz="1200" b="0" i="0" u="none" strike="noStrike" cap="none" normalizeH="0" baseline="0" dirty="0" err="1">
                 <a:ln>
                   <a:noFill/>
                 </a:ln>
                 <a:solidFill>
-                  <a:srgbClr val="BBB529"/>
+                  <a:srgbClr val="CC7832"/>
                 </a:solidFill>
                 <a:effectLst/>
                 <a:latin typeface="Consolas" panose="020B0609020204030204" pitchFamily="49" charset="0"/>
               </a:rPr>
-            </a:br>
-            <a:r>
-              <a:rPr kumimoji="0" lang="de-DE" altLang="de-DE" sz="1200" b="0" i="0" u="none" strike="noStrike" cap="none" normalizeH="0" baseline="0" dirty="0" smtClean="0">
+              <a:t>public</a:t>
+            </a:r>
+            <a:r>
+              <a:rPr kumimoji="0" lang="de-DE" altLang="de-DE" sz="1200" b="0" i="0" u="none" strike="noStrike" cap="none" normalizeH="0" baseline="0" dirty="0">
                 <a:ln>
                   <a:noFill/>
                 </a:ln>
                 <a:solidFill>
-                  <a:srgbClr val="BBB529"/>
+                  <a:srgbClr val="CC7832"/>
                 </a:solidFill>
                 <a:effectLst/>
                 <a:latin typeface="Consolas" panose="020B0609020204030204" pitchFamily="49" charset="0"/>
               </a:rPr>
-              <a:t>                </a:t>
-            </a:r>
-            <a:r>
-              <a:rPr kumimoji="0" lang="de-DE" altLang="de-DE" sz="1200" b="0" i="0" u="none" strike="noStrike" cap="none" normalizeH="0" baseline="0" dirty="0" err="1" smtClean="0">
+              <a:t> </a:t>
+            </a:r>
+            <a:r>
+              <a:rPr kumimoji="0" lang="de-DE" altLang="de-DE" sz="1200" b="0" i="0" u="none" strike="noStrike" cap="none" normalizeH="0" baseline="0" dirty="0" err="1">
                 <a:ln>
                   <a:noFill/>
                 </a:ln>
@@ -28413,10 +28019,10 @@
                 <a:effectLst/>
                 <a:latin typeface="Consolas" panose="020B0609020204030204" pitchFamily="49" charset="0"/>
               </a:rPr>
-              <a:t>public</a:t>
-            </a:r>
-            <a:r>
-              <a:rPr kumimoji="0" lang="de-DE" altLang="de-DE" sz="1200" b="0" i="0" u="none" strike="noStrike" cap="none" normalizeH="0" baseline="0" dirty="0" smtClean="0">
+              <a:t>void</a:t>
+            </a:r>
+            <a:r>
+              <a:rPr kumimoji="0" lang="de-DE" altLang="de-DE" sz="1200" b="0" i="0" u="none" strike="noStrike" cap="none" normalizeH="0" baseline="0" dirty="0">
                 <a:ln>
                   <a:noFill/>
                 </a:ln>
@@ -28429,46 +28035,46 @@
               <a:t> </a:t>
             </a:r>
             <a:r>
-              <a:rPr kumimoji="0" lang="de-DE" altLang="de-DE" sz="1200" b="0" i="0" u="none" strike="noStrike" cap="none" normalizeH="0" baseline="0" dirty="0" err="1" smtClean="0">
+              <a:rPr kumimoji="0" lang="de-DE" altLang="de-DE" sz="1200" b="0" i="0" u="none" strike="noStrike" cap="none" normalizeH="0" baseline="0" dirty="0" err="1">
                 <a:ln>
                   <a:noFill/>
                 </a:ln>
                 <a:solidFill>
-                  <a:srgbClr val="CC7832"/>
+                  <a:srgbClr val="FFC66D"/>
                 </a:solidFill>
                 <a:effectLst/>
                 <a:latin typeface="Consolas" panose="020B0609020204030204" pitchFamily="49" charset="0"/>
               </a:rPr>
-              <a:t>void</a:t>
-            </a:r>
-            <a:r>
-              <a:rPr kumimoji="0" lang="de-DE" altLang="de-DE" sz="1200" b="0" i="0" u="none" strike="noStrike" cap="none" normalizeH="0" baseline="0" dirty="0" smtClean="0">
+              <a:t>onSuccess</a:t>
+            </a:r>
+            <a:r>
+              <a:rPr kumimoji="0" lang="de-DE" altLang="de-DE" sz="1200" b="0" i="0" u="none" strike="noStrike" cap="none" normalizeH="0" baseline="0" dirty="0">
                 <a:ln>
                   <a:noFill/>
                 </a:ln>
                 <a:solidFill>
-                  <a:srgbClr val="CC7832"/>
+                  <a:srgbClr val="A9B7C6"/>
                 </a:solidFill>
                 <a:effectLst/>
                 <a:latin typeface="Consolas" panose="020B0609020204030204" pitchFamily="49" charset="0"/>
               </a:rPr>
-              <a:t> </a:t>
-            </a:r>
-            <a:r>
-              <a:rPr kumimoji="0" lang="de-DE" altLang="de-DE" sz="1200" b="0" i="0" u="none" strike="noStrike" cap="none" normalizeH="0" baseline="0" dirty="0" err="1" smtClean="0">
+              <a:t>(Location </a:t>
+            </a:r>
+            <a:r>
+              <a:rPr kumimoji="0" lang="de-DE" altLang="de-DE" sz="1200" b="0" i="0" u="none" strike="noStrike" cap="none" normalizeH="0" baseline="0" dirty="0" err="1">
                 <a:ln>
                   <a:noFill/>
                 </a:ln>
                 <a:solidFill>
-                  <a:srgbClr val="FFC66D"/>
+                  <a:srgbClr val="A9B7C6"/>
                 </a:solidFill>
                 <a:effectLst/>
                 <a:latin typeface="Consolas" panose="020B0609020204030204" pitchFamily="49" charset="0"/>
               </a:rPr>
-              <a:t>onSuccess</a:t>
-            </a:r>
-            <a:r>
-              <a:rPr kumimoji="0" lang="de-DE" altLang="de-DE" sz="1200" b="0" i="0" u="none" strike="noStrike" cap="none" normalizeH="0" baseline="0" dirty="0" smtClean="0">
+              <a:t>location</a:t>
+            </a:r>
+            <a:r>
+              <a:rPr kumimoji="0" lang="de-DE" altLang="de-DE" sz="1200" b="0" i="0" u="none" strike="noStrike" cap="none" normalizeH="0" baseline="0" dirty="0">
                 <a:ln>
                   <a:noFill/>
                 </a:ln>
@@ -28478,10 +28084,10 @@
                 <a:effectLst/>
                 <a:latin typeface="Consolas" panose="020B0609020204030204" pitchFamily="49" charset="0"/>
               </a:rPr>
-              <a:t>(Location </a:t>
-            </a:r>
-            <a:r>
-              <a:rPr kumimoji="0" lang="de-DE" altLang="de-DE" sz="1200" b="0" i="0" u="none" strike="noStrike" cap="none" normalizeH="0" baseline="0" dirty="0" err="1" smtClean="0">
+              <a:t>) {</a:t>
+            </a:r>
+            <a:br>
+              <a:rPr kumimoji="0" lang="de-DE" altLang="de-DE" sz="1200" b="0" i="0" u="none" strike="noStrike" cap="none" normalizeH="0" baseline="0" dirty="0">
                 <a:ln>
                   <a:noFill/>
                 </a:ln>
@@ -28491,10 +28097,9 @@
                 <a:effectLst/>
                 <a:latin typeface="Consolas" panose="020B0609020204030204" pitchFamily="49" charset="0"/>
               </a:rPr>
-              <a:t>location</a:t>
-            </a:r>
-            <a:r>
-              <a:rPr kumimoji="0" lang="de-DE" altLang="de-DE" sz="1200" b="0" i="0" u="none" strike="noStrike" cap="none" normalizeH="0" baseline="0" dirty="0" smtClean="0">
+            </a:br>
+            <a:r>
+              <a:rPr kumimoji="0" lang="de-DE" altLang="de-DE" sz="1200" b="0" i="0" u="none" strike="noStrike" cap="none" normalizeH="0" baseline="0" dirty="0">
                 <a:ln>
                   <a:noFill/>
                 </a:ln>
@@ -28504,10 +28109,10 @@
                 <a:effectLst/>
                 <a:latin typeface="Consolas" panose="020B0609020204030204" pitchFamily="49" charset="0"/>
               </a:rPr>
-              <a:t>) {</a:t>
-            </a:r>
-            <a:br>
-              <a:rPr kumimoji="0" lang="de-DE" altLang="de-DE" sz="1200" b="0" i="0" u="none" strike="noStrike" cap="none" normalizeH="0" baseline="0" dirty="0" smtClean="0">
+              <a:t>                    </a:t>
+            </a:r>
+            <a:r>
+              <a:rPr kumimoji="0" lang="de-DE" altLang="de-DE" sz="1200" b="0" i="0" u="none" strike="noStrike" cap="none" normalizeH="0" baseline="0" dirty="0" err="1">
                 <a:ln>
                   <a:noFill/>
                 </a:ln>
@@ -28517,9 +28122,10 @@
                 <a:effectLst/>
                 <a:latin typeface="Consolas" panose="020B0609020204030204" pitchFamily="49" charset="0"/>
               </a:rPr>
-            </a:br>
-            <a:r>
-              <a:rPr kumimoji="0" lang="de-DE" altLang="de-DE" sz="1200" b="0" i="0" u="none" strike="noStrike" cap="none" normalizeH="0" baseline="0" dirty="0" smtClean="0">
+              <a:t>updateUIValues</a:t>
+            </a:r>
+            <a:r>
+              <a:rPr kumimoji="0" lang="de-DE" altLang="de-DE" sz="1200" b="0" i="0" u="none" strike="noStrike" cap="none" normalizeH="0" baseline="0" dirty="0">
                 <a:ln>
                   <a:noFill/>
                 </a:ln>
@@ -28529,10 +28135,10 @@
                 <a:effectLst/>
                 <a:latin typeface="Consolas" panose="020B0609020204030204" pitchFamily="49" charset="0"/>
               </a:rPr>
-              <a:t>                    </a:t>
-            </a:r>
-            <a:r>
-              <a:rPr kumimoji="0" lang="de-DE" altLang="de-DE" sz="1200" b="0" i="0" u="none" strike="noStrike" cap="none" normalizeH="0" baseline="0" dirty="0" err="1" smtClean="0">
+              <a:t>(</a:t>
+            </a:r>
+            <a:r>
+              <a:rPr kumimoji="0" lang="de-DE" altLang="de-DE" sz="1200" b="0" i="0" u="none" strike="noStrike" cap="none" normalizeH="0" baseline="0" dirty="0" err="1">
                 <a:ln>
                   <a:noFill/>
                 </a:ln>
@@ -28542,10 +28148,10 @@
                 <a:effectLst/>
                 <a:latin typeface="Consolas" panose="020B0609020204030204" pitchFamily="49" charset="0"/>
               </a:rPr>
-              <a:t>updateUIValues</a:t>
-            </a:r>
-            <a:r>
-              <a:rPr kumimoji="0" lang="de-DE" altLang="de-DE" sz="1200" b="0" i="0" u="none" strike="noStrike" cap="none" normalizeH="0" baseline="0" dirty="0" smtClean="0">
+              <a:t>location</a:t>
+            </a:r>
+            <a:r>
+              <a:rPr kumimoji="0" lang="de-DE" altLang="de-DE" sz="1200" b="0" i="0" u="none" strike="noStrike" cap="none" normalizeH="0" baseline="0" dirty="0">
                 <a:ln>
                   <a:noFill/>
                 </a:ln>
@@ -28555,36 +28161,35 @@
                 <a:effectLst/>
                 <a:latin typeface="Consolas" panose="020B0609020204030204" pitchFamily="49" charset="0"/>
               </a:rPr>
-              <a:t>(</a:t>
-            </a:r>
-            <a:r>
-              <a:rPr kumimoji="0" lang="de-DE" altLang="de-DE" sz="1200" b="0" i="0" u="none" strike="noStrike" cap="none" normalizeH="0" baseline="0" dirty="0" err="1" smtClean="0">
+              <a:t>)</a:t>
+            </a:r>
+            <a:r>
+              <a:rPr kumimoji="0" lang="de-DE" altLang="de-DE" sz="1200" b="0" i="0" u="none" strike="noStrike" cap="none" normalizeH="0" baseline="0" dirty="0">
                 <a:ln>
                   <a:noFill/>
                 </a:ln>
                 <a:solidFill>
-                  <a:srgbClr val="A9B7C6"/>
+                  <a:srgbClr val="CC7832"/>
                 </a:solidFill>
                 <a:effectLst/>
                 <a:latin typeface="Consolas" panose="020B0609020204030204" pitchFamily="49" charset="0"/>
               </a:rPr>
-              <a:t>location</a:t>
-            </a:r>
-            <a:r>
-              <a:rPr kumimoji="0" lang="de-DE" altLang="de-DE" sz="1200" b="0" i="0" u="none" strike="noStrike" cap="none" normalizeH="0" baseline="0" dirty="0" smtClean="0">
+              <a:t>;</a:t>
+            </a:r>
+            <a:br>
+              <a:rPr kumimoji="0" lang="de-DE" altLang="de-DE" sz="1200" b="0" i="0" u="none" strike="noStrike" cap="none" normalizeH="0" baseline="0" dirty="0">
                 <a:ln>
                   <a:noFill/>
                 </a:ln>
                 <a:solidFill>
-                  <a:srgbClr val="A9B7C6"/>
+                  <a:srgbClr val="CC7832"/>
                 </a:solidFill>
                 <a:effectLst/>
                 <a:latin typeface="Consolas" panose="020B0609020204030204" pitchFamily="49" charset="0"/>
               </a:rPr>
-              <a:t>)</a:t>
-            </a:r>
-            <a:r>
-              <a:rPr kumimoji="0" lang="de-DE" altLang="de-DE" sz="1200" b="0" i="0" u="none" strike="noStrike" cap="none" normalizeH="0" baseline="0" dirty="0" smtClean="0">
+            </a:br>
+            <a:r>
+              <a:rPr kumimoji="0" lang="de-DE" altLang="de-DE" sz="1200" b="0" i="0" u="none" strike="noStrike" cap="none" normalizeH="0" baseline="0" dirty="0">
                 <a:ln>
                   <a:noFill/>
                 </a:ln>
@@ -28594,35 +28199,35 @@
                 <a:effectLst/>
                 <a:latin typeface="Consolas" panose="020B0609020204030204" pitchFamily="49" charset="0"/>
               </a:rPr>
-              <a:t>;</a:t>
-            </a:r>
-            <a:br>
-              <a:rPr kumimoji="0" lang="de-DE" altLang="de-DE" sz="1200" b="0" i="0" u="none" strike="noStrike" cap="none" normalizeH="0" baseline="0" dirty="0" smtClean="0">
+              <a:t>                </a:t>
+            </a:r>
+            <a:r>
+              <a:rPr kumimoji="0" lang="de-DE" altLang="de-DE" sz="1200" b="0" i="0" u="none" strike="noStrike" cap="none" normalizeH="0" baseline="0" dirty="0">
                 <a:ln>
                   <a:noFill/>
                 </a:ln>
                 <a:solidFill>
-                  <a:srgbClr val="CC7832"/>
+                  <a:srgbClr val="A9B7C6"/>
                 </a:solidFill>
                 <a:effectLst/>
                 <a:latin typeface="Consolas" panose="020B0609020204030204" pitchFamily="49" charset="0"/>
               </a:rPr>
-            </a:br>
-            <a:r>
-              <a:rPr kumimoji="0" lang="de-DE" altLang="de-DE" sz="1200" b="0" i="0" u="none" strike="noStrike" cap="none" normalizeH="0" baseline="0" dirty="0" smtClean="0">
+              <a:t>}</a:t>
+            </a:r>
+            <a:br>
+              <a:rPr kumimoji="0" lang="de-DE" altLang="de-DE" sz="1200" b="0" i="0" u="none" strike="noStrike" cap="none" normalizeH="0" baseline="0" dirty="0">
                 <a:ln>
                   <a:noFill/>
                 </a:ln>
                 <a:solidFill>
-                  <a:srgbClr val="CC7832"/>
+                  <a:srgbClr val="A9B7C6"/>
                 </a:solidFill>
                 <a:effectLst/>
                 <a:latin typeface="Consolas" panose="020B0609020204030204" pitchFamily="49" charset="0"/>
               </a:rPr>
-              <a:t>                </a:t>
-            </a:r>
-            <a:r>
-              <a:rPr kumimoji="0" lang="de-DE" altLang="de-DE" sz="1200" b="0" i="0" u="none" strike="noStrike" cap="none" normalizeH="0" baseline="0" dirty="0" smtClean="0">
+            </a:br>
+            <a:r>
+              <a:rPr kumimoji="0" lang="de-DE" altLang="de-DE" sz="1200" b="0" i="0" u="none" strike="noStrike" cap="none" normalizeH="0" baseline="0" dirty="0">
                 <a:ln>
                   <a:noFill/>
                 </a:ln>
@@ -28632,35 +28237,35 @@
                 <a:effectLst/>
                 <a:latin typeface="Consolas" panose="020B0609020204030204" pitchFamily="49" charset="0"/>
               </a:rPr>
-              <a:t>}</a:t>
-            </a:r>
-            <a:br>
-              <a:rPr kumimoji="0" lang="de-DE" altLang="de-DE" sz="1200" b="0" i="0" u="none" strike="noStrike" cap="none" normalizeH="0" baseline="0" dirty="0" smtClean="0">
+              <a:t>            })</a:t>
+            </a:r>
+            <a:r>
+              <a:rPr kumimoji="0" lang="de-DE" altLang="de-DE" sz="1200" b="0" i="0" u="none" strike="noStrike" cap="none" normalizeH="0" baseline="0" dirty="0">
                 <a:ln>
                   <a:noFill/>
                 </a:ln>
                 <a:solidFill>
-                  <a:srgbClr val="A9B7C6"/>
+                  <a:srgbClr val="CC7832"/>
                 </a:solidFill>
                 <a:effectLst/>
                 <a:latin typeface="Consolas" panose="020B0609020204030204" pitchFamily="49" charset="0"/>
               </a:rPr>
-            </a:br>
-            <a:r>
-              <a:rPr kumimoji="0" lang="de-DE" altLang="de-DE" sz="1200" b="0" i="0" u="none" strike="noStrike" cap="none" normalizeH="0" baseline="0" dirty="0" smtClean="0">
+              <a:t>;</a:t>
+            </a:r>
+            <a:br>
+              <a:rPr kumimoji="0" lang="de-DE" altLang="de-DE" sz="1200" b="0" i="0" u="none" strike="noStrike" cap="none" normalizeH="0" baseline="0" dirty="0">
                 <a:ln>
                   <a:noFill/>
                 </a:ln>
                 <a:solidFill>
-                  <a:srgbClr val="A9B7C6"/>
+                  <a:srgbClr val="CC7832"/>
                 </a:solidFill>
                 <a:effectLst/>
                 <a:latin typeface="Consolas" panose="020B0609020204030204" pitchFamily="49" charset="0"/>
               </a:rPr>
-              <a:t>            })</a:t>
-            </a:r>
-            <a:r>
-              <a:rPr kumimoji="0" lang="de-DE" altLang="de-DE" sz="1200" b="0" i="0" u="none" strike="noStrike" cap="none" normalizeH="0" baseline="0" dirty="0" smtClean="0">
+            </a:br>
+            <a:r>
+              <a:rPr kumimoji="0" lang="de-DE" altLang="de-DE" sz="1200" b="0" i="0" u="none" strike="noStrike" cap="none" normalizeH="0" baseline="0" dirty="0">
                 <a:ln>
                   <a:noFill/>
                 </a:ln>
@@ -28670,35 +28275,35 @@
                 <a:effectLst/>
                 <a:latin typeface="Consolas" panose="020B0609020204030204" pitchFamily="49" charset="0"/>
               </a:rPr>
-              <a:t>;</a:t>
-            </a:r>
-            <a:br>
-              <a:rPr kumimoji="0" lang="de-DE" altLang="de-DE" sz="1200" b="0" i="0" u="none" strike="noStrike" cap="none" normalizeH="0" baseline="0" dirty="0" smtClean="0">
+              <a:t>    </a:t>
+            </a:r>
+            <a:r>
+              <a:rPr kumimoji="0" lang="de-DE" altLang="de-DE" sz="1200" b="0" i="0" u="none" strike="noStrike" cap="none" normalizeH="0" baseline="0" dirty="0">
                 <a:ln>
                   <a:noFill/>
                 </a:ln>
                 <a:solidFill>
-                  <a:srgbClr val="CC7832"/>
+                  <a:srgbClr val="A9B7C6"/>
                 </a:solidFill>
                 <a:effectLst/>
                 <a:latin typeface="Consolas" panose="020B0609020204030204" pitchFamily="49" charset="0"/>
               </a:rPr>
-            </a:br>
-            <a:r>
-              <a:rPr kumimoji="0" lang="de-DE" altLang="de-DE" sz="1200" b="0" i="0" u="none" strike="noStrike" cap="none" normalizeH="0" baseline="0" dirty="0" smtClean="0">
+              <a:t>}</a:t>
+            </a:r>
+            <a:br>
+              <a:rPr kumimoji="0" lang="de-DE" altLang="de-DE" sz="1200" b="0" i="0" u="none" strike="noStrike" cap="none" normalizeH="0" baseline="0" dirty="0">
                 <a:ln>
                   <a:noFill/>
                 </a:ln>
                 <a:solidFill>
-                  <a:srgbClr val="CC7832"/>
+                  <a:srgbClr val="A9B7C6"/>
                 </a:solidFill>
                 <a:effectLst/>
                 <a:latin typeface="Consolas" panose="020B0609020204030204" pitchFamily="49" charset="0"/>
               </a:rPr>
-              <a:t>    </a:t>
-            </a:r>
-            <a:r>
-              <a:rPr kumimoji="0" lang="de-DE" altLang="de-DE" sz="1200" b="0" i="0" u="none" strike="noStrike" cap="none" normalizeH="0" baseline="0" dirty="0" smtClean="0">
+            </a:br>
+            <a:r>
+              <a:rPr kumimoji="0" lang="de-DE" altLang="de-DE" sz="1200" b="0" i="0" u="none" strike="noStrike" cap="none" normalizeH="0" baseline="0" dirty="0">
                 <a:ln>
                   <a:noFill/>
                 </a:ln>
@@ -28708,22 +28313,23 @@
                 <a:effectLst/>
                 <a:latin typeface="Consolas" panose="020B0609020204030204" pitchFamily="49" charset="0"/>
               </a:rPr>
-              <a:t>}</a:t>
-            </a:r>
-            <a:br>
-              <a:rPr kumimoji="0" lang="de-DE" altLang="de-DE" sz="1200" b="0" i="0" u="none" strike="noStrike" cap="none" normalizeH="0" baseline="0" dirty="0" smtClean="0">
+              <a:t>    </a:t>
+            </a:r>
+            <a:r>
+              <a:rPr kumimoji="0" lang="de-DE" altLang="de-DE" sz="1200" b="0" i="0" u="none" strike="noStrike" cap="none" normalizeH="0" baseline="0" dirty="0" err="1">
                 <a:ln>
                   <a:noFill/>
                 </a:ln>
                 <a:solidFill>
-                  <a:srgbClr val="A9B7C6"/>
+                  <a:srgbClr val="CC7832"/>
                 </a:solidFill>
                 <a:effectLst/>
                 <a:latin typeface="Consolas" panose="020B0609020204030204" pitchFamily="49" charset="0"/>
               </a:rPr>
-            </a:br>
-            <a:r>
-              <a:rPr kumimoji="0" lang="de-DE" altLang="de-DE" sz="1200" b="0" i="0" u="none" strike="noStrike" cap="none" normalizeH="0" baseline="0" dirty="0" smtClean="0">
+              <a:t>else</a:t>
+            </a:r>
+            <a:r>
+              <a:rPr kumimoji="0" lang="de-DE" altLang="de-DE" sz="1200" b="0" i="0" u="none" strike="noStrike" cap="none" normalizeH="0" baseline="0" dirty="0">
                 <a:ln>
                   <a:noFill/>
                 </a:ln>
@@ -28733,23 +28339,22 @@
                 <a:effectLst/>
                 <a:latin typeface="Consolas" panose="020B0609020204030204" pitchFamily="49" charset="0"/>
               </a:rPr>
-              <a:t>    </a:t>
-            </a:r>
-            <a:r>
-              <a:rPr kumimoji="0" lang="de-DE" altLang="de-DE" sz="1200" b="0" i="0" u="none" strike="noStrike" cap="none" normalizeH="0" baseline="0" dirty="0" err="1" smtClean="0">
+              <a:t>{</a:t>
+            </a:r>
+            <a:br>
+              <a:rPr kumimoji="0" lang="de-DE" altLang="de-DE" sz="1200" b="0" i="0" u="none" strike="noStrike" cap="none" normalizeH="0" baseline="0" dirty="0">
                 <a:ln>
                   <a:noFill/>
                 </a:ln>
                 <a:solidFill>
-                  <a:srgbClr val="CC7832"/>
+                  <a:srgbClr val="A9B7C6"/>
                 </a:solidFill>
                 <a:effectLst/>
                 <a:latin typeface="Consolas" panose="020B0609020204030204" pitchFamily="49" charset="0"/>
               </a:rPr>
-              <a:t>else</a:t>
-            </a:r>
-            <a:r>
-              <a:rPr kumimoji="0" lang="de-DE" altLang="de-DE" sz="1200" b="0" i="0" u="none" strike="noStrike" cap="none" normalizeH="0" baseline="0" dirty="0" smtClean="0">
+            </a:br>
+            <a:r>
+              <a:rPr kumimoji="0" lang="de-DE" altLang="de-DE" sz="1200" b="0" i="0" u="none" strike="noStrike" cap="none" normalizeH="0" baseline="0" dirty="0">
                 <a:ln>
                   <a:noFill/>
                 </a:ln>
@@ -28759,22 +28364,23 @@
                 <a:effectLst/>
                 <a:latin typeface="Consolas" panose="020B0609020204030204" pitchFamily="49" charset="0"/>
               </a:rPr>
-              <a:t>{</a:t>
-            </a:r>
-            <a:br>
-              <a:rPr kumimoji="0" lang="de-DE" altLang="de-DE" sz="1200" b="0" i="0" u="none" strike="noStrike" cap="none" normalizeH="0" baseline="0" dirty="0" smtClean="0">
+              <a:t>          </a:t>
+            </a:r>
+            <a:r>
+              <a:rPr kumimoji="0" lang="de-DE" altLang="de-DE" sz="1200" b="0" i="0" u="none" strike="noStrike" cap="none" normalizeH="0" baseline="0" dirty="0" err="1">
                 <a:ln>
                   <a:noFill/>
                 </a:ln>
                 <a:solidFill>
-                  <a:srgbClr val="A9B7C6"/>
+                  <a:srgbClr val="CC7832"/>
                 </a:solidFill>
                 <a:effectLst/>
                 <a:latin typeface="Consolas" panose="020B0609020204030204" pitchFamily="49" charset="0"/>
               </a:rPr>
-            </a:br>
-            <a:r>
-              <a:rPr kumimoji="0" lang="de-DE" altLang="de-DE" sz="1200" b="0" i="0" u="none" strike="noStrike" cap="none" normalizeH="0" baseline="0" dirty="0" smtClean="0">
+              <a:t>if</a:t>
+            </a:r>
+            <a:r>
+              <a:rPr kumimoji="0" lang="de-DE" altLang="de-DE" sz="1200" b="0" i="0" u="none" strike="noStrike" cap="none" normalizeH="0" baseline="0" dirty="0">
                 <a:ln>
                   <a:noFill/>
                 </a:ln>
@@ -28784,88 +28390,88 @@
                 <a:effectLst/>
                 <a:latin typeface="Consolas" panose="020B0609020204030204" pitchFamily="49" charset="0"/>
               </a:rPr>
-              <a:t>          </a:t>
-            </a:r>
-            <a:r>
-              <a:rPr kumimoji="0" lang="de-DE" altLang="de-DE" sz="1200" b="0" i="0" u="none" strike="noStrike" cap="none" normalizeH="0" baseline="0" dirty="0" err="1" smtClean="0">
+              <a:t>(</a:t>
+            </a:r>
+            <a:r>
+              <a:rPr kumimoji="0" lang="de-DE" altLang="de-DE" sz="1200" b="0" i="0" u="none" strike="noStrike" cap="none" normalizeH="0" baseline="0" dirty="0" err="1">
                 <a:ln>
                   <a:noFill/>
                 </a:ln>
                 <a:solidFill>
-                  <a:srgbClr val="CC7832"/>
+                  <a:srgbClr val="A9B7C6"/>
                 </a:solidFill>
                 <a:effectLst/>
                 <a:latin typeface="Consolas" panose="020B0609020204030204" pitchFamily="49" charset="0"/>
               </a:rPr>
-              <a:t>if</a:t>
-            </a:r>
-            <a:r>
-              <a:rPr kumimoji="0" lang="de-DE" altLang="de-DE" sz="1200" b="0" i="0" u="none" strike="noStrike" cap="none" normalizeH="0" baseline="0" dirty="0" smtClean="0">
+              <a:t>Build.VERSION.</a:t>
+            </a:r>
+            <a:r>
+              <a:rPr kumimoji="0" lang="de-DE" altLang="de-DE" sz="1200" b="0" i="1" u="none" strike="noStrike" cap="none" normalizeH="0" baseline="0" dirty="0" err="1">
                 <a:ln>
                   <a:noFill/>
                 </a:ln>
                 <a:solidFill>
-                  <a:srgbClr val="A9B7C6"/>
+                  <a:srgbClr val="9876AA"/>
                 </a:solidFill>
                 <a:effectLst/>
                 <a:latin typeface="Consolas" panose="020B0609020204030204" pitchFamily="49" charset="0"/>
               </a:rPr>
-              <a:t>(</a:t>
-            </a:r>
-            <a:r>
-              <a:rPr kumimoji="0" lang="de-DE" altLang="de-DE" sz="1200" b="0" i="0" u="none" strike="noStrike" cap="none" normalizeH="0" baseline="0" dirty="0" err="1" smtClean="0">
+              <a:t>SDK_INT</a:t>
+            </a:r>
+            <a:r>
+              <a:rPr kumimoji="0" lang="de-DE" altLang="de-DE" sz="1200" b="0" i="1" u="none" strike="noStrike" cap="none" normalizeH="0" baseline="0" dirty="0">
                 <a:ln>
                   <a:noFill/>
                 </a:ln>
                 <a:solidFill>
-                  <a:srgbClr val="A9B7C6"/>
+                  <a:srgbClr val="9876AA"/>
                 </a:solidFill>
                 <a:effectLst/>
                 <a:latin typeface="Consolas" panose="020B0609020204030204" pitchFamily="49" charset="0"/>
               </a:rPr>
-              <a:t>Build.VERSION.</a:t>
-            </a:r>
-            <a:r>
-              <a:rPr kumimoji="0" lang="de-DE" altLang="de-DE" sz="1200" b="0" i="1" u="none" strike="noStrike" cap="none" normalizeH="0" baseline="0" dirty="0" err="1" smtClean="0">
+              <a:t> </a:t>
+            </a:r>
+            <a:r>
+              <a:rPr kumimoji="0" lang="de-DE" altLang="de-DE" sz="1200" b="0" i="0" u="none" strike="noStrike" cap="none" normalizeH="0" baseline="0" dirty="0">
                 <a:ln>
                   <a:noFill/>
                 </a:ln>
                 <a:solidFill>
-                  <a:srgbClr val="9876AA"/>
+                  <a:srgbClr val="A9B7C6"/>
                 </a:solidFill>
                 <a:effectLst/>
                 <a:latin typeface="Consolas" panose="020B0609020204030204" pitchFamily="49" charset="0"/>
               </a:rPr>
-              <a:t>SDK_INT</a:t>
-            </a:r>
-            <a:r>
-              <a:rPr kumimoji="0" lang="de-DE" altLang="de-DE" sz="1200" b="0" i="1" u="none" strike="noStrike" cap="none" normalizeH="0" baseline="0" dirty="0" smtClean="0">
+              <a:t>&gt;= </a:t>
+            </a:r>
+            <a:r>
+              <a:rPr kumimoji="0" lang="de-DE" altLang="de-DE" sz="1200" b="0" i="0" u="none" strike="noStrike" cap="none" normalizeH="0" baseline="0" dirty="0" err="1">
                 <a:ln>
                   <a:noFill/>
                 </a:ln>
                 <a:solidFill>
-                  <a:srgbClr val="9876AA"/>
+                  <a:srgbClr val="A9B7C6"/>
                 </a:solidFill>
                 <a:effectLst/>
                 <a:latin typeface="Consolas" panose="020B0609020204030204" pitchFamily="49" charset="0"/>
               </a:rPr>
-              <a:t> </a:t>
-            </a:r>
-            <a:r>
-              <a:rPr kumimoji="0" lang="de-DE" altLang="de-DE" sz="1200" b="0" i="0" u="none" strike="noStrike" cap="none" normalizeH="0" baseline="0" dirty="0" smtClean="0">
+              <a:t>Build.VERSION_CODES.</a:t>
+            </a:r>
+            <a:r>
+              <a:rPr kumimoji="0" lang="de-DE" altLang="de-DE" sz="1200" b="0" i="1" u="none" strike="noStrike" cap="none" normalizeH="0" baseline="0" dirty="0" err="1">
                 <a:ln>
                   <a:noFill/>
                 </a:ln>
                 <a:solidFill>
-                  <a:srgbClr val="A9B7C6"/>
+                  <a:srgbClr val="9876AA"/>
                 </a:solidFill>
                 <a:effectLst/>
                 <a:latin typeface="Consolas" panose="020B0609020204030204" pitchFamily="49" charset="0"/>
               </a:rPr>
-              <a:t>&gt;= </a:t>
-            </a:r>
-            <a:r>
-              <a:rPr kumimoji="0" lang="de-DE" altLang="de-DE" sz="1200" b="0" i="0" u="none" strike="noStrike" cap="none" normalizeH="0" baseline="0" dirty="0" err="1" smtClean="0">
+              <a:t>M</a:t>
+            </a:r>
+            <a:r>
+              <a:rPr kumimoji="0" lang="de-DE" altLang="de-DE" sz="1200" b="0" i="0" u="none" strike="noStrike" cap="none" normalizeH="0" baseline="0" dirty="0">
                 <a:ln>
                   <a:noFill/>
                 </a:ln>
@@ -28875,23 +28481,22 @@
                 <a:effectLst/>
                 <a:latin typeface="Consolas" panose="020B0609020204030204" pitchFamily="49" charset="0"/>
               </a:rPr>
-              <a:t>Build.VERSION_CODES.</a:t>
-            </a:r>
-            <a:r>
-              <a:rPr kumimoji="0" lang="de-DE" altLang="de-DE" sz="1200" b="0" i="1" u="none" strike="noStrike" cap="none" normalizeH="0" baseline="0" dirty="0" err="1" smtClean="0">
+              <a:t>){</a:t>
+            </a:r>
+            <a:br>
+              <a:rPr kumimoji="0" lang="de-DE" altLang="de-DE" sz="1200" b="0" i="0" u="none" strike="noStrike" cap="none" normalizeH="0" baseline="0" dirty="0">
                 <a:ln>
                   <a:noFill/>
                 </a:ln>
                 <a:solidFill>
-                  <a:srgbClr val="9876AA"/>
+                  <a:srgbClr val="A9B7C6"/>
                 </a:solidFill>
                 <a:effectLst/>
                 <a:latin typeface="Consolas" panose="020B0609020204030204" pitchFamily="49" charset="0"/>
               </a:rPr>
-              <a:t>M</a:t>
-            </a:r>
-            <a:r>
-              <a:rPr kumimoji="0" lang="de-DE" altLang="de-DE" sz="1200" b="0" i="0" u="none" strike="noStrike" cap="none" normalizeH="0" baseline="0" dirty="0" smtClean="0">
+            </a:br>
+            <a:r>
+              <a:rPr kumimoji="0" lang="de-DE" altLang="de-DE" sz="1200" b="0" i="0" u="none" strike="noStrike" cap="none" normalizeH="0" baseline="0" dirty="0">
                 <a:ln>
                   <a:noFill/>
                 </a:ln>
@@ -28901,10 +28506,10 @@
                 <a:effectLst/>
                 <a:latin typeface="Consolas" panose="020B0609020204030204" pitchFamily="49" charset="0"/>
               </a:rPr>
-              <a:t>){</a:t>
-            </a:r>
-            <a:br>
-              <a:rPr kumimoji="0" lang="de-DE" altLang="de-DE" sz="1200" b="0" i="0" u="none" strike="noStrike" cap="none" normalizeH="0" baseline="0" dirty="0" smtClean="0">
+              <a:t>              </a:t>
+            </a:r>
+            <a:r>
+              <a:rPr kumimoji="0" lang="de-DE" altLang="de-DE" sz="1200" b="0" i="0" u="none" strike="noStrike" cap="none" normalizeH="0" baseline="0" dirty="0" err="1">
                 <a:ln>
                   <a:noFill/>
                 </a:ln>
@@ -28914,9 +28519,10 @@
                 <a:effectLst/>
                 <a:latin typeface="Consolas" panose="020B0609020204030204" pitchFamily="49" charset="0"/>
               </a:rPr>
-            </a:br>
-            <a:r>
-              <a:rPr kumimoji="0" lang="de-DE" altLang="de-DE" sz="1200" b="0" i="0" u="none" strike="noStrike" cap="none" normalizeH="0" baseline="0" dirty="0" smtClean="0">
+              <a:t>requestPermissions</a:t>
+            </a:r>
+            <a:r>
+              <a:rPr kumimoji="0" lang="de-DE" altLang="de-DE" sz="1200" b="0" i="0" u="none" strike="noStrike" cap="none" normalizeH="0" baseline="0" dirty="0">
                 <a:ln>
                   <a:noFill/>
                 </a:ln>
@@ -28926,75 +28532,75 @@
                 <a:effectLst/>
                 <a:latin typeface="Consolas" panose="020B0609020204030204" pitchFamily="49" charset="0"/>
               </a:rPr>
-              <a:t>              </a:t>
-            </a:r>
-            <a:r>
-              <a:rPr kumimoji="0" lang="de-DE" altLang="de-DE" sz="1200" b="0" i="0" u="none" strike="noStrike" cap="none" normalizeH="0" baseline="0" dirty="0" err="1" smtClean="0">
+              <a:t>(</a:t>
+            </a:r>
+            <a:r>
+              <a:rPr kumimoji="0" lang="de-DE" altLang="de-DE" sz="1200" b="0" i="0" u="none" strike="noStrike" cap="none" normalizeH="0" baseline="0" dirty="0" err="1">
                 <a:ln>
                   <a:noFill/>
                 </a:ln>
                 <a:solidFill>
-                  <a:srgbClr val="A9B7C6"/>
+                  <a:srgbClr val="CC7832"/>
                 </a:solidFill>
                 <a:effectLst/>
                 <a:latin typeface="Consolas" panose="020B0609020204030204" pitchFamily="49" charset="0"/>
               </a:rPr>
-              <a:t>requestPermissions</a:t>
-            </a:r>
-            <a:r>
-              <a:rPr kumimoji="0" lang="de-DE" altLang="de-DE" sz="1200" b="0" i="0" u="none" strike="noStrike" cap="none" normalizeH="0" baseline="0" dirty="0" smtClean="0">
+              <a:t>new</a:t>
+            </a:r>
+            <a:r>
+              <a:rPr kumimoji="0" lang="de-DE" altLang="de-DE" sz="1200" b="0" i="0" u="none" strike="noStrike" cap="none" normalizeH="0" baseline="0" dirty="0">
                 <a:ln>
                   <a:noFill/>
                 </a:ln>
                 <a:solidFill>
-                  <a:srgbClr val="A9B7C6"/>
+                  <a:srgbClr val="CC7832"/>
                 </a:solidFill>
                 <a:effectLst/>
                 <a:latin typeface="Consolas" panose="020B0609020204030204" pitchFamily="49" charset="0"/>
               </a:rPr>
-              <a:t>(</a:t>
-            </a:r>
-            <a:r>
-              <a:rPr kumimoji="0" lang="de-DE" altLang="de-DE" sz="1200" b="0" i="0" u="none" strike="noStrike" cap="none" normalizeH="0" baseline="0" dirty="0" err="1" smtClean="0">
+              <a:t> </a:t>
+            </a:r>
+            <a:r>
+              <a:rPr kumimoji="0" lang="de-DE" altLang="de-DE" sz="1200" b="0" i="0" u="none" strike="noStrike" cap="none" normalizeH="0" baseline="0" dirty="0">
                 <a:ln>
                   <a:noFill/>
                 </a:ln>
                 <a:solidFill>
-                  <a:srgbClr val="CC7832"/>
+                  <a:srgbClr val="A9B7C6"/>
                 </a:solidFill>
                 <a:effectLst/>
                 <a:latin typeface="Consolas" panose="020B0609020204030204" pitchFamily="49" charset="0"/>
               </a:rPr>
-              <a:t>new</a:t>
-            </a:r>
-            <a:r>
-              <a:rPr kumimoji="0" lang="de-DE" altLang="de-DE" sz="1200" b="0" i="0" u="none" strike="noStrike" cap="none" normalizeH="0" baseline="0" dirty="0" smtClean="0">
+              <a:t>String[] {</a:t>
+            </a:r>
+            <a:r>
+              <a:rPr kumimoji="0" lang="de-DE" altLang="de-DE" sz="1200" b="0" i="0" u="none" strike="noStrike" cap="none" normalizeH="0" baseline="0" dirty="0" err="1">
                 <a:ln>
                   <a:noFill/>
                 </a:ln>
                 <a:solidFill>
-                  <a:srgbClr val="CC7832"/>
+                  <a:srgbClr val="A9B7C6"/>
                 </a:solidFill>
                 <a:effectLst/>
                 <a:latin typeface="Consolas" panose="020B0609020204030204" pitchFamily="49" charset="0"/>
               </a:rPr>
-              <a:t> </a:t>
-            </a:r>
-            <a:r>
-              <a:rPr kumimoji="0" lang="de-DE" altLang="de-DE" sz="1200" b="0" i="0" u="none" strike="noStrike" cap="none" normalizeH="0" baseline="0" dirty="0" smtClean="0">
+              <a:t>Manifest.permission.</a:t>
+            </a:r>
+            <a:r>
+              <a:rPr kumimoji="0" lang="de-DE" altLang="de-DE" sz="1200" b="0" i="1" u="none" strike="noStrike" cap="none" normalizeH="0" baseline="0" dirty="0" err="1">
                 <a:ln>
                   <a:noFill/>
                 </a:ln>
                 <a:solidFill>
-                  <a:srgbClr val="A9B7C6"/>
+                  <a:srgbClr val="9876AA"/>
                 </a:solidFill>
                 <a:effectLst/>
                 <a:latin typeface="Consolas" panose="020B0609020204030204" pitchFamily="49" charset="0"/>
               </a:rPr>
-              <a:t>String[] {</a:t>
-            </a:r>
-            <a:r>
-              <a:rPr kumimoji="0" lang="de-DE" altLang="de-DE" sz="1200" b="0" i="0" u="none" strike="noStrike" cap="none" normalizeH="0" baseline="0" dirty="0" err="1" smtClean="0">
+              <a:t>ACCESS_FINE_LOCATION</a:t>
+            </a:r>
+            <a:r>
+              <a:rPr kumimoji="0" lang="de-DE" altLang="de-DE" sz="1200" b="0" i="0" u="none" strike="noStrike" cap="none" normalizeH="0" baseline="0" dirty="0">
                 <a:ln>
                   <a:noFill/>
                 </a:ln>
@@ -29004,75 +28610,74 @@
                 <a:effectLst/>
                 <a:latin typeface="Consolas" panose="020B0609020204030204" pitchFamily="49" charset="0"/>
               </a:rPr>
-              <a:t>Manifest.permission.</a:t>
-            </a:r>
-            <a:r>
-              <a:rPr kumimoji="0" lang="de-DE" altLang="de-DE" sz="1200" b="0" i="1" u="none" strike="noStrike" cap="none" normalizeH="0" baseline="0" dirty="0" err="1" smtClean="0">
+              <a:t>}</a:t>
+            </a:r>
+            <a:r>
+              <a:rPr kumimoji="0" lang="de-DE" altLang="de-DE" sz="1200" b="0" i="0" u="none" strike="noStrike" cap="none" normalizeH="0" baseline="0" dirty="0">
                 <a:ln>
                   <a:noFill/>
                 </a:ln>
                 <a:solidFill>
-                  <a:srgbClr val="9876AA"/>
+                  <a:srgbClr val="CC7832"/>
                 </a:solidFill>
                 <a:effectLst/>
                 <a:latin typeface="Consolas" panose="020B0609020204030204" pitchFamily="49" charset="0"/>
               </a:rPr>
-              <a:t>ACCESS_FINE_LOCATION</a:t>
-            </a:r>
-            <a:r>
-              <a:rPr kumimoji="0" lang="de-DE" altLang="de-DE" sz="1200" b="0" i="0" u="none" strike="noStrike" cap="none" normalizeH="0" baseline="0" dirty="0" smtClean="0">
+              <a:t>, </a:t>
+            </a:r>
+            <a:r>
+              <a:rPr kumimoji="0" lang="de-DE" altLang="de-DE" sz="1200" b="0" i="1" u="none" strike="noStrike" cap="none" normalizeH="0" baseline="0" dirty="0">
                 <a:ln>
                   <a:noFill/>
                 </a:ln>
                 <a:solidFill>
-                  <a:srgbClr val="A9B7C6"/>
+                  <a:srgbClr val="9876AA"/>
                 </a:solidFill>
                 <a:effectLst/>
                 <a:latin typeface="Consolas" panose="020B0609020204030204" pitchFamily="49" charset="0"/>
               </a:rPr>
-              <a:t>}</a:t>
-            </a:r>
-            <a:r>
-              <a:rPr kumimoji="0" lang="de-DE" altLang="de-DE" sz="1200" b="0" i="0" u="none" strike="noStrike" cap="none" normalizeH="0" baseline="0" dirty="0" smtClean="0">
+              <a:t>PERMISSION_FINE_LOCATION</a:t>
+            </a:r>
+            <a:r>
+              <a:rPr kumimoji="0" lang="de-DE" altLang="de-DE" sz="1200" b="0" i="0" u="none" strike="noStrike" cap="none" normalizeH="0" baseline="0" dirty="0">
                 <a:ln>
                   <a:noFill/>
                 </a:ln>
                 <a:solidFill>
-                  <a:srgbClr val="CC7832"/>
+                  <a:srgbClr val="A9B7C6"/>
                 </a:solidFill>
                 <a:effectLst/>
                 <a:latin typeface="Consolas" panose="020B0609020204030204" pitchFamily="49" charset="0"/>
               </a:rPr>
-              <a:t>, </a:t>
-            </a:r>
-            <a:r>
-              <a:rPr kumimoji="0" lang="de-DE" altLang="de-DE" sz="1200" b="0" i="1" u="none" strike="noStrike" cap="none" normalizeH="0" baseline="0" dirty="0" smtClean="0">
+              <a:t>)</a:t>
+            </a:r>
+            <a:r>
+              <a:rPr kumimoji="0" lang="de-DE" altLang="de-DE" sz="1200" b="0" i="0" u="none" strike="noStrike" cap="none" normalizeH="0" baseline="0" dirty="0">
                 <a:ln>
                   <a:noFill/>
                 </a:ln>
                 <a:solidFill>
-                  <a:srgbClr val="9876AA"/>
+                  <a:srgbClr val="CC7832"/>
                 </a:solidFill>
                 <a:effectLst/>
                 <a:latin typeface="Consolas" panose="020B0609020204030204" pitchFamily="49" charset="0"/>
               </a:rPr>
-              <a:t>PERMISSION_FINE_LOCATION</a:t>
-            </a:r>
-            <a:r>
-              <a:rPr kumimoji="0" lang="de-DE" altLang="de-DE" sz="1200" b="0" i="0" u="none" strike="noStrike" cap="none" normalizeH="0" baseline="0" dirty="0" smtClean="0">
+              <a:t>;</a:t>
+            </a:r>
+            <a:br>
+              <a:rPr kumimoji="0" lang="de-DE" altLang="de-DE" sz="1200" b="0" i="0" u="none" strike="noStrike" cap="none" normalizeH="0" baseline="0" dirty="0">
                 <a:ln>
                   <a:noFill/>
                 </a:ln>
                 <a:solidFill>
-                  <a:srgbClr val="A9B7C6"/>
+                  <a:srgbClr val="CC7832"/>
                 </a:solidFill>
                 <a:effectLst/>
                 <a:latin typeface="Consolas" panose="020B0609020204030204" pitchFamily="49" charset="0"/>
               </a:rPr>
-              <a:t>)</a:t>
-            </a:r>
-            <a:r>
-              <a:rPr kumimoji="0" lang="de-DE" altLang="de-DE" sz="1200" b="0" i="0" u="none" strike="noStrike" cap="none" normalizeH="0" baseline="0" dirty="0" smtClean="0">
+            </a:br>
+            <a:r>
+              <a:rPr kumimoji="0" lang="de-DE" altLang="de-DE" sz="1200" b="0" i="0" u="none" strike="noStrike" cap="none" normalizeH="0" baseline="0" dirty="0">
                 <a:ln>
                   <a:noFill/>
                 </a:ln>
@@ -29082,35 +28687,35 @@
                 <a:effectLst/>
                 <a:latin typeface="Consolas" panose="020B0609020204030204" pitchFamily="49" charset="0"/>
               </a:rPr>
-              <a:t>;</a:t>
-            </a:r>
-            <a:br>
-              <a:rPr kumimoji="0" lang="de-DE" altLang="de-DE" sz="1200" b="0" i="0" u="none" strike="noStrike" cap="none" normalizeH="0" baseline="0" dirty="0" smtClean="0">
+              <a:t>          </a:t>
+            </a:r>
+            <a:r>
+              <a:rPr kumimoji="0" lang="de-DE" altLang="de-DE" sz="1200" b="0" i="0" u="none" strike="noStrike" cap="none" normalizeH="0" baseline="0" dirty="0">
                 <a:ln>
                   <a:noFill/>
                 </a:ln>
                 <a:solidFill>
-                  <a:srgbClr val="CC7832"/>
+                  <a:srgbClr val="A9B7C6"/>
                 </a:solidFill>
                 <a:effectLst/>
                 <a:latin typeface="Consolas" panose="020B0609020204030204" pitchFamily="49" charset="0"/>
               </a:rPr>
-            </a:br>
-            <a:r>
-              <a:rPr kumimoji="0" lang="de-DE" altLang="de-DE" sz="1200" b="0" i="0" u="none" strike="noStrike" cap="none" normalizeH="0" baseline="0" dirty="0" smtClean="0">
+              <a:t>}</a:t>
+            </a:r>
+            <a:br>
+              <a:rPr kumimoji="0" lang="de-DE" altLang="de-DE" sz="1200" b="0" i="0" u="none" strike="noStrike" cap="none" normalizeH="0" baseline="0" dirty="0">
                 <a:ln>
                   <a:noFill/>
                 </a:ln>
                 <a:solidFill>
-                  <a:srgbClr val="CC7832"/>
+                  <a:srgbClr val="A9B7C6"/>
                 </a:solidFill>
                 <a:effectLst/>
                 <a:latin typeface="Consolas" panose="020B0609020204030204" pitchFamily="49" charset="0"/>
               </a:rPr>
-              <a:t>          </a:t>
-            </a:r>
-            <a:r>
-              <a:rPr kumimoji="0" lang="de-DE" altLang="de-DE" sz="1200" b="0" i="0" u="none" strike="noStrike" cap="none" normalizeH="0" baseline="0" dirty="0" smtClean="0">
+            </a:br>
+            <a:r>
+              <a:rPr kumimoji="0" lang="de-DE" altLang="de-DE" sz="1200" b="0" i="0" u="none" strike="noStrike" cap="none" normalizeH="0" baseline="0" dirty="0">
                 <a:ln>
                   <a:noFill/>
                 </a:ln>
@@ -29120,34 +28725,9 @@
                 <a:effectLst/>
                 <a:latin typeface="Consolas" panose="020B0609020204030204" pitchFamily="49" charset="0"/>
               </a:rPr>
-              <a:t>}</a:t>
-            </a:r>
-            <a:br>
-              <a:rPr kumimoji="0" lang="de-DE" altLang="de-DE" sz="1200" b="0" i="0" u="none" strike="noStrike" cap="none" normalizeH="0" baseline="0" dirty="0" smtClean="0">
-                <a:ln>
-                  <a:noFill/>
-                </a:ln>
-                <a:solidFill>
-                  <a:srgbClr val="A9B7C6"/>
-                </a:solidFill>
-                <a:effectLst/>
-                <a:latin typeface="Consolas" panose="020B0609020204030204" pitchFamily="49" charset="0"/>
-              </a:rPr>
-            </a:br>
-            <a:r>
-              <a:rPr kumimoji="0" lang="de-DE" altLang="de-DE" sz="1200" b="0" i="0" u="none" strike="noStrike" cap="none" normalizeH="0" baseline="0" dirty="0" smtClean="0">
-                <a:ln>
-                  <a:noFill/>
-                </a:ln>
-                <a:solidFill>
-                  <a:srgbClr val="A9B7C6"/>
-                </a:solidFill>
-                <a:effectLst/>
-                <a:latin typeface="Consolas" panose="020B0609020204030204" pitchFamily="49" charset="0"/>
-              </a:rPr>
               <a:t>    }}</a:t>
             </a:r>
-            <a:endParaRPr kumimoji="0" lang="de-DE" altLang="de-DE" sz="1200" b="0" i="0" u="none" strike="noStrike" cap="none" normalizeH="0" baseline="0" dirty="0" smtClean="0">
+            <a:endParaRPr kumimoji="0" lang="de-DE" altLang="de-DE" sz="1200" b="0" i="0" u="none" strike="noStrike" cap="none" normalizeH="0" baseline="0" dirty="0">
               <a:ln>
                 <a:noFill/>
               </a:ln>
@@ -29174,6 +28754,223 @@
 </file>
 
 <file path=ppt/slides/slide13.xml><?xml version="1.0" encoding="utf-8"?>
+<p:sld xmlns:a="http://schemas.openxmlformats.org/drawingml/2006/main" xmlns:r="http://schemas.openxmlformats.org/officeDocument/2006/relationships" xmlns:p="http://schemas.openxmlformats.org/presentationml/2006/main">
+  <p:cSld>
+    <p:spTree>
+      <p:nvGrpSpPr>
+        <p:cNvPr id="1" name=""/>
+        <p:cNvGrpSpPr/>
+        <p:nvPr/>
+      </p:nvGrpSpPr>
+      <p:grpSpPr>
+        <a:xfrm>
+          <a:off x="0" y="0"/>
+          <a:ext cx="0" cy="0"/>
+          <a:chOff x="0" y="0"/>
+          <a:chExt cx="0" cy="0"/>
+        </a:xfrm>
+      </p:grpSpPr>
+      <p:sp>
+        <p:nvSpPr>
+          <p:cNvPr id="2" name="Titel 1">
+            <a:extLst>
+              <a:ext uri="{FF2B5EF4-FFF2-40B4-BE49-F238E27FC236}">
+                <a16:creationId xmlns:a16="http://schemas.microsoft.com/office/drawing/2014/main" id="{75BE4FCB-E403-46E6-BA4F-9E3D63757160}"/>
+              </a:ext>
+            </a:extLst>
+          </p:cNvPr>
+          <p:cNvSpPr>
+            <a:spLocks noGrp="1"/>
+          </p:cNvSpPr>
+          <p:nvPr>
+            <p:ph type="title"/>
+          </p:nvPr>
+        </p:nvSpPr>
+        <p:spPr/>
+        <p:txBody>
+          <a:bodyPr/>
+          <a:lstStyle/>
+          <a:p>
+            <a:endParaRPr lang="en-GB"/>
+          </a:p>
+        </p:txBody>
+      </p:sp>
+      <p:sp>
+        <p:nvSpPr>
+          <p:cNvPr id="3" name="Inhaltsplatzhalter 2">
+            <a:extLst>
+              <a:ext uri="{FF2B5EF4-FFF2-40B4-BE49-F238E27FC236}">
+                <a16:creationId xmlns:a16="http://schemas.microsoft.com/office/drawing/2014/main" id="{DA7FCDF3-5A47-458D-83D9-78DE788A60F3}"/>
+              </a:ext>
+            </a:extLst>
+          </p:cNvPr>
+          <p:cNvSpPr>
+            <a:spLocks noGrp="1"/>
+          </p:cNvSpPr>
+          <p:nvPr>
+            <p:ph idx="1"/>
+          </p:nvPr>
+        </p:nvSpPr>
+        <p:spPr>
+          <a:xfrm>
+            <a:off x="186267" y="2005012"/>
+            <a:ext cx="10515600" cy="4351338"/>
+          </a:xfrm>
+        </p:spPr>
+        <p:txBody>
+          <a:bodyPr/>
+          <a:lstStyle/>
+          <a:p>
+            <a:pPr marL="0" indent="0">
+              <a:buNone/>
+            </a:pPr>
+            <a:r>
+              <a:rPr lang="de-DE" dirty="0"/>
+              <a:t>3. </a:t>
+            </a:r>
+            <a:r>
+              <a:rPr lang="de-DE" altLang="de-DE" dirty="0">
+                <a:latin typeface="Consolas" panose="020B0609020204030204" pitchFamily="49" charset="0"/>
+              </a:rPr>
+              <a:t>GUI der App</a:t>
+            </a:r>
+            <a:endParaRPr lang="de-DE" dirty="0"/>
+          </a:p>
+          <a:p>
+            <a:pPr marL="0" lvl="0" indent="0">
+              <a:buNone/>
+            </a:pPr>
+            <a:endParaRPr lang="en-GB" dirty="0"/>
+          </a:p>
+          <a:p>
+            <a:pPr marL="0" indent="0">
+              <a:buNone/>
+            </a:pPr>
+            <a:endParaRPr lang="en-GB" dirty="0"/>
+          </a:p>
+        </p:txBody>
+      </p:sp>
+      <p:sp>
+        <p:nvSpPr>
+          <p:cNvPr id="5" name="Foliennummernplatzhalter 4">
+            <a:extLst>
+              <a:ext uri="{FF2B5EF4-FFF2-40B4-BE49-F238E27FC236}">
+                <a16:creationId xmlns:a16="http://schemas.microsoft.com/office/drawing/2014/main" id="{1622778F-A676-4DF6-B19A-B961C06DBD6C}"/>
+              </a:ext>
+            </a:extLst>
+          </p:cNvPr>
+          <p:cNvSpPr>
+            <a:spLocks noGrp="1"/>
+          </p:cNvSpPr>
+          <p:nvPr>
+            <p:ph type="sldNum" sz="quarter" idx="12"/>
+          </p:nvPr>
+        </p:nvSpPr>
+        <p:spPr/>
+        <p:txBody>
+          <a:bodyPr/>
+          <a:lstStyle/>
+          <a:p>
+            <a:fld id="{B42D13F5-40CE-46CE-BD88-8E219A178948}" type="slidenum">
+              <a:rPr lang="en-GB" smtClean="0"/>
+              <a:t>13</a:t>
+            </a:fld>
+            <a:endParaRPr lang="en-GB"/>
+          </a:p>
+        </p:txBody>
+      </p:sp>
+      <p:sp>
+        <p:nvSpPr>
+          <p:cNvPr id="7" name="Fußzeilenplatzhalter 3">
+            <a:extLst>
+              <a:ext uri="{FF2B5EF4-FFF2-40B4-BE49-F238E27FC236}">
+                <a16:creationId xmlns:a16="http://schemas.microsoft.com/office/drawing/2014/main" id="{DA4D23DA-8ED1-4AAE-9951-E7F87761B041}"/>
+              </a:ext>
+            </a:extLst>
+          </p:cNvPr>
+          <p:cNvSpPr>
+            <a:spLocks noGrp="1"/>
+          </p:cNvSpPr>
+          <p:nvPr>
+            <p:ph type="ftr" sz="quarter" idx="11"/>
+          </p:nvPr>
+        </p:nvSpPr>
+        <p:spPr>
+          <a:xfrm>
+            <a:off x="2886495" y="6343649"/>
+            <a:ext cx="6419008" cy="365125"/>
+          </a:xfrm>
+        </p:spPr>
+        <p:txBody>
+          <a:bodyPr/>
+          <a:lstStyle/>
+          <a:p>
+            <a:r>
+              <a:rPr lang="de-DE" sz="1200" dirty="0"/>
+              <a:t>Geolocation and Maps Integration - Mobile Computing - SS 2020 - Fanni </a:t>
+            </a:r>
+            <a:r>
+              <a:rPr lang="de-DE" sz="1200" dirty="0" err="1"/>
+              <a:t>Marosi</a:t>
+            </a:r>
+            <a:r>
+              <a:rPr lang="de-DE" sz="1200" dirty="0"/>
+              <a:t> - Ebru Özcelik</a:t>
+            </a:r>
+            <a:endParaRPr lang="en-GB" sz="1200" dirty="0"/>
+          </a:p>
+        </p:txBody>
+      </p:sp>
+      <p:pic>
+        <p:nvPicPr>
+          <p:cNvPr id="8" name="Grafik 7" descr="Ein Bild, das Screenshot, Text enthält.&#10;&#10;Automatisch generierte Beschreibung">
+            <a:extLst>
+              <a:ext uri="{FF2B5EF4-FFF2-40B4-BE49-F238E27FC236}">
+                <a16:creationId xmlns:a16="http://schemas.microsoft.com/office/drawing/2014/main" id="{A2DB292D-BC07-4590-8494-414DB3248658}"/>
+              </a:ext>
+            </a:extLst>
+          </p:cNvPr>
+          <p:cNvPicPr>
+            <a:picLocks noChangeAspect="1"/>
+          </p:cNvPicPr>
+          <p:nvPr/>
+        </p:nvPicPr>
+        <p:blipFill>
+          <a:blip r:embed="rId2">
+            <a:extLst>
+              <a:ext uri="{28A0092B-C50C-407E-A947-70E740481C1C}">
+                <a14:useLocalDpi xmlns:a14="http://schemas.microsoft.com/office/drawing/2010/main" val="0"/>
+              </a:ext>
+            </a:extLst>
+          </a:blip>
+          <a:stretch>
+            <a:fillRect/>
+          </a:stretch>
+        </p:blipFill>
+        <p:spPr>
+          <a:xfrm>
+            <a:off x="4257675" y="1988830"/>
+            <a:ext cx="2457450" cy="4368799"/>
+          </a:xfrm>
+          <a:prstGeom prst="rect">
+            <a:avLst/>
+          </a:prstGeom>
+        </p:spPr>
+      </p:pic>
+    </p:spTree>
+    <p:extLst>
+      <p:ext uri="{BB962C8B-B14F-4D97-AF65-F5344CB8AC3E}">
+        <p14:creationId xmlns:p14="http://schemas.microsoft.com/office/powerpoint/2010/main" val="2607033755"/>
+      </p:ext>
+    </p:extLst>
+  </p:cSld>
+  <p:clrMapOvr>
+    <a:masterClrMapping/>
+  </p:clrMapOvr>
+</p:sld>
+</file>
+
+<file path=ppt/slides/slide14.xml><?xml version="1.0" encoding="utf-8"?>
 <p:sld xmlns:a="http://schemas.openxmlformats.org/drawingml/2006/main" xmlns:r="http://schemas.openxmlformats.org/officeDocument/2006/relationships" xmlns:p="http://schemas.openxmlformats.org/presentationml/2006/main">
   <p:cSld>
     <p:spTree>
@@ -29282,7 +29079,7 @@
           <a:p>
             <a:fld id="{B42D13F5-40CE-46CE-BD88-8E219A178948}" type="slidenum">
               <a:rPr lang="en-GB" smtClean="0"/>
-              <a:t>13</a:t>
+              <a:t>14</a:t>
             </a:fld>
             <a:endParaRPr lang="en-GB"/>
           </a:p>
@@ -29315,10 +29112,6 @@
           <a:lstStyle/>
           <a:p>
             <a:pPr algn="ctr"/>
-            <a:r>
-              <a:rPr lang="de-DE" b="1" dirty="0"/>
-              <a:t/>
-            </a:r>
             <a:br>
               <a:rPr lang="de-DE" b="1" dirty="0"/>
             </a:br>
@@ -29385,7 +29178,7 @@
 </p:sld>
 </file>
 
-<file path=ppt/slides/slide14.xml><?xml version="1.0" encoding="utf-8"?>
+<file path=ppt/slides/slide15.xml><?xml version="1.0" encoding="utf-8"?>
 <p:sld xmlns:a="http://schemas.openxmlformats.org/drawingml/2006/main" xmlns:r="http://schemas.openxmlformats.org/officeDocument/2006/relationships" xmlns:p="http://schemas.openxmlformats.org/presentationml/2006/main">
   <p:cSld>
     <p:spTree>
@@ -29496,7 +29289,7 @@
             <a:pPr marL="0" indent="0">
               <a:buNone/>
             </a:pPr>
-            <a:endParaRPr lang="en-GB" dirty="0" smtClean="0"/>
+            <a:endParaRPr lang="en-GB" dirty="0"/>
           </a:p>
           <a:p>
             <a:pPr marL="0" indent="0">
@@ -29504,11 +29297,7 @@
             </a:pPr>
             <a:r>
               <a:rPr lang="de-DE" sz="1200" dirty="0"/>
-              <a:t>https://</a:t>
-            </a:r>
-            <a:r>
-              <a:rPr lang="de-DE" sz="1200" dirty="0" smtClean="0"/>
-              <a:t>developers.google.com/android/reference/com/google/android/gms/location/FusedLocationProviderClient</a:t>
+              <a:t>https://developers.google.com/android/reference/com/google/android/gms/location/FusedLocationProviderClient</a:t>
             </a:r>
             <a:endParaRPr lang="en-GB" sz="1200" dirty="0"/>
           </a:p>
@@ -29543,7 +29332,7 @@
           <a:p>
             <a:fld id="{B42D13F5-40CE-46CE-BD88-8E219A178948}" type="slidenum">
               <a:rPr lang="en-GB" smtClean="0"/>
-              <a:t>14</a:t>
+              <a:t>15</a:t>
             </a:fld>
             <a:endParaRPr lang="en-GB"/>
           </a:p>
@@ -29656,14 +29445,6 @@
               </a:spcAft>
             </a:pPr>
             <a:r>
-              <a:rPr lang="en-GB" sz="1200" dirty="0">
-                <a:latin typeface="Calibri" panose="020F0502020204030204" pitchFamily="34" charset="0"/>
-                <a:ea typeface="Calibri" panose="020F0502020204030204" pitchFamily="34" charset="0"/>
-                <a:cs typeface="Calibri" panose="020F0502020204030204" pitchFamily="34" charset="0"/>
-              </a:rPr>
-              <a:t>[ 1 ] </a:t>
-            </a:r>
-            <a:r>
               <a:rPr lang="en-GB" sz="1200" dirty="0" err="1">
                 <a:latin typeface="Calibri" panose="020F0502020204030204" pitchFamily="34" charset="0"/>
                 <a:ea typeface="Calibri" panose="020F0502020204030204" pitchFamily="34" charset="0"/>
@@ -29695,14 +29476,6 @@
               </a:spcAft>
             </a:pPr>
             <a:r>
-              <a:rPr lang="en-GB" sz="1200" dirty="0">
-                <a:latin typeface="Calibri" panose="020F0502020204030204" pitchFamily="34" charset="0"/>
-                <a:ea typeface="Calibri" panose="020F0502020204030204" pitchFamily="34" charset="0"/>
-                <a:cs typeface="Calibri" panose="020F0502020204030204" pitchFamily="34" charset="0"/>
-              </a:rPr>
-              <a:t>[ 2 ] </a:t>
-            </a:r>
-            <a:r>
               <a:rPr lang="en-GB" sz="1200" dirty="0" err="1">
                 <a:latin typeface="Calibri" panose="020F0502020204030204" pitchFamily="34" charset="0"/>
                 <a:ea typeface="Calibri" panose="020F0502020204030204" pitchFamily="34" charset="0"/>
@@ -29739,7 +29512,7 @@
                 <a:ea typeface="Calibri" panose="020F0502020204030204" pitchFamily="34" charset="0"/>
                 <a:cs typeface="Calibri" panose="020F0502020204030204" pitchFamily="34" charset="0"/>
               </a:rPr>
-              <a:t>[ 3 ] Schüttler, T.: Satellitennavigation. Wie sie funktioniert und wie sie unseren Alltag beeinflusst. Springer, 2014. DOI 10.1007/978-3-642-53887-2</a:t>
+              <a:t>Schüttler, T.: Satellitennavigation. Wie sie funktioniert und wie sie unseren Alltag beeinflusst. Springer, 2014. DOI 10.1007/978-3-642-53887-2</a:t>
             </a:r>
             <a:endParaRPr lang="de-DE" sz="1200" dirty="0">
               <a:latin typeface="Calibri" panose="020F0502020204030204" pitchFamily="34" charset="0"/>
@@ -29762,13 +29535,8 @@
                 <a:ea typeface="Calibri" panose="020F0502020204030204" pitchFamily="34" charset="0"/>
                 <a:cs typeface="Calibri" panose="020F0502020204030204" pitchFamily="34" charset="0"/>
               </a:rPr>
-              <a:t>[ 4 ] Louis, D., Müller, L.: Android, Kapitel 17. Hanser, 2016. DOI 10.3139/978-3-446-45112-4 </a:t>
-            </a:r>
-            <a:endParaRPr lang="de-DE" sz="1200" dirty="0" smtClean="0">
-              <a:latin typeface="Calibri" panose="020F0502020204030204" pitchFamily="34" charset="0"/>
-              <a:ea typeface="Calibri" panose="020F0502020204030204" pitchFamily="34" charset="0"/>
-              <a:cs typeface="Calibri" panose="020F0502020204030204" pitchFamily="34" charset="0"/>
-            </a:endParaRPr>
+              <a:t>Louis, D., Müller, L.: Android, Kapitel 17. Hanser, 2016. DOI 10.3139/978-3-446-45112-4</a:t>
+            </a:r>
           </a:p>
           <a:p>
             <a:pPr algn="just">
@@ -29781,11 +29549,7 @@
             </a:pPr>
             <a:r>
               <a:rPr lang="de-DE" sz="1200" dirty="0"/>
-              <a:t>https://</a:t>
-            </a:r>
-            <a:r>
-              <a:rPr lang="de-DE" sz="1200" dirty="0" smtClean="0"/>
-              <a:t>developer.android.com/reference/kotlin/android/location/Location</a:t>
+              <a:t>https://developer.android.com/reference/kotlin/android/location/Location</a:t>
             </a:r>
           </a:p>
           <a:p>
@@ -29799,11 +29563,7 @@
             </a:pPr>
             <a:r>
               <a:rPr lang="de-DE" sz="1200" dirty="0"/>
-              <a:t>https://</a:t>
-            </a:r>
-            <a:r>
-              <a:rPr lang="de-DE" sz="1200" dirty="0" smtClean="0"/>
-              <a:t>developers.google.com/location-context/fused-location-provider</a:t>
+              <a:t>https://developers.google.com/location-context/fused-location-provider</a:t>
             </a:r>
           </a:p>
           <a:p>
@@ -29817,11 +29577,7 @@
             </a:pPr>
             <a:r>
               <a:rPr lang="de-DE" sz="1200" dirty="0"/>
-              <a:t>https://</a:t>
-            </a:r>
-            <a:r>
-              <a:rPr lang="de-DE" sz="1200" dirty="0" smtClean="0"/>
-              <a:t>developers.google.com/android/reference/com/google/android/gms/location/LocationRequest</a:t>
+              <a:t>https://developers.google.com/android/reference/com/google/android/gms/location/LocationRequest</a:t>
             </a:r>
             <a:endParaRPr lang="de-DE" dirty="0"/>
           </a:p>
@@ -29835,16 +29591,8 @@
               </a:spcAft>
             </a:pPr>
             <a:r>
-              <a:rPr lang="de-DE" sz="1200" dirty="0" smtClean="0"/>
-              <a:t>https</a:t>
-            </a:r>
-            <a:r>
               <a:rPr lang="de-DE" sz="1200" dirty="0"/>
-              <a:t>://</a:t>
-            </a:r>
-            <a:r>
-              <a:rPr lang="de-DE" sz="1200" dirty="0" smtClean="0"/>
-              <a:t>developers.google.com/android/reference/com/google/android/gms/location/LocationRequest</a:t>
+              <a:t>https://developers.google.com/android/reference/com/google/android/gms/location/LocationRequest</a:t>
             </a:r>
           </a:p>
           <a:p>
@@ -29856,7 +29604,7 @@
                 <a:spcPts val="800"/>
               </a:spcAft>
             </a:pPr>
-            <a:endParaRPr lang="de-DE" dirty="0" smtClean="0"/>
+            <a:endParaRPr lang="de-DE" dirty="0"/>
           </a:p>
           <a:p>
             <a:pPr algn="just">
@@ -29883,7 +29631,7 @@
               </a:spcAft>
             </a:pPr>
             <a:r>
-              <a:rPr lang="en-GB" sz="1200" dirty="0" smtClean="0"/>
+              <a:rPr lang="en-GB" sz="1200" dirty="0"/>
               <a:t>https://appus.software/blog/difference-between-locationmanager-and-google-location-api-services</a:t>
             </a:r>
           </a:p>
@@ -29897,7 +29645,7 @@
               </a:spcAft>
             </a:pPr>
             <a:r>
-              <a:rPr lang="de-DE" sz="1200" dirty="0" smtClean="0"/>
+              <a:rPr lang="de-DE" sz="1200" dirty="0"/>
               <a:t>https://developers.google.com/maps/documentation/android-sdk/intro?hl=de</a:t>
             </a:r>
           </a:p>
@@ -30635,7 +30383,15 @@
             </a:r>
             <a:r>
               <a:rPr lang="en-GB" dirty="0" err="1"/>
-              <a:t>Satelliten</a:t>
+              <a:t>Hauptsatelliten</a:t>
+            </a:r>
+            <a:r>
+              <a:rPr lang="en-GB" dirty="0"/>
+              <a:t>, 8 </a:t>
+            </a:r>
+            <a:r>
+              <a:rPr lang="en-GB" dirty="0" err="1"/>
+              <a:t>Notsatelliten</a:t>
             </a:r>
             <a:endParaRPr lang="en-GB" dirty="0"/>
           </a:p>
@@ -30646,15 +30402,15 @@
             </a:pPr>
             <a:r>
               <a:rPr lang="en-GB" dirty="0"/>
-              <a:t> </a:t>
+              <a:t> 3 </a:t>
             </a:r>
             <a:r>
               <a:rPr lang="en-GB" dirty="0" err="1"/>
-              <a:t>Positionsbestimmung</a:t>
+              <a:t>Komponenten</a:t>
             </a:r>
             <a:r>
               <a:rPr lang="en-GB" dirty="0"/>
-              <a:t> (mind. 4 </a:t>
+              <a:t>: </a:t>
             </a:r>
             <a:r>
               <a:rPr lang="en-GB" dirty="0" err="1"/>
@@ -30662,8 +30418,21 @@
             </a:r>
             <a:r>
               <a:rPr lang="en-GB" dirty="0"/>
-              <a:t>)</a:t>
-            </a:r>
+              <a:t>, </a:t>
+            </a:r>
+            <a:r>
+              <a:rPr lang="en-GB" dirty="0" err="1"/>
+              <a:t>Empfänger</a:t>
+            </a:r>
+            <a:r>
+              <a:rPr lang="en-GB" dirty="0"/>
+              <a:t> und </a:t>
+            </a:r>
+            <a:r>
+              <a:rPr lang="en-GB" dirty="0" err="1"/>
+              <a:t>Bodenstationen</a:t>
+            </a:r>
+            <a:endParaRPr lang="en-GB" dirty="0"/>
           </a:p>
           <a:p>
             <a:pPr lvl="2">
@@ -30675,8 +30444,20 @@
               <a:t> </a:t>
             </a:r>
             <a:r>
-              <a:rPr lang="de-DE" dirty="0"/>
-              <a:t>Position des Empfängers wird relativ zu dessen Entfernung zu den Satelliten ermittelt</a:t>
+              <a:rPr lang="en-GB" dirty="0" err="1"/>
+              <a:t>Positionsbestimmung</a:t>
+            </a:r>
+            <a:r>
+              <a:rPr lang="en-GB" dirty="0"/>
+              <a:t> (mind. 4 </a:t>
+            </a:r>
+            <a:r>
+              <a:rPr lang="en-GB" dirty="0" err="1"/>
+              <a:t>Satelliten</a:t>
+            </a:r>
+            <a:r>
+              <a:rPr lang="en-GB" dirty="0"/>
+              <a:t>)</a:t>
             </a:r>
           </a:p>
           <a:p>
@@ -30685,14 +30466,13 @@
               <a:buChar char=""/>
             </a:pPr>
             <a:r>
+              <a:rPr lang="en-GB" dirty="0"/>
+              <a:t> </a:t>
+            </a:r>
+            <a:r>
               <a:rPr lang="de-DE" dirty="0"/>
-              <a:t> Bodenstationen</a:t>
-            </a:r>
-            <a:endParaRPr lang="en-GB" dirty="0"/>
-          </a:p>
-          <a:p>
-            <a:pPr lvl="2"/>
-            <a:endParaRPr lang="de-DE" dirty="0"/>
+              <a:t>Position des Empfängers wird relativ zu dessen Entfernung zu den Satelliten ermittelt</a:t>
+            </a:r>
           </a:p>
         </p:txBody>
       </p:sp>
@@ -30907,7 +30687,7 @@
             </a:r>
             <a:r>
               <a:rPr lang="de-DE" dirty="0"/>
-              <a:t>() – Längengrad</a:t>
+              <a:t>() - Längengrad</a:t>
             </a:r>
           </a:p>
           <a:p>
@@ -31169,7 +30949,7 @@
             </a:pPr>
             <a:r>
               <a:rPr lang="de-DE" dirty="0"/>
-              <a:t> Netzwerk ( Mobilfunkdaten, WLAN, Funktürmen)</a:t>
+              <a:t> Netzwerk ( Mobilfunkdaten, WLAN, Funktürme)</a:t>
             </a:r>
           </a:p>
           <a:p>
@@ -31866,7 +31646,7 @@
         </p:nvGraphicFramePr>
         <p:xfrm>
           <a:off x="336884" y="1876927"/>
-          <a:ext cx="11405935" cy="4562718"/>
+          <a:ext cx="11405935" cy="4551097"/>
         </p:xfrm>
         <a:graphic>
           <a:graphicData uri="http://schemas.openxmlformats.org/drawingml/2006/table">
@@ -32656,7 +32436,7 @@
         </p:nvGraphicFramePr>
         <p:xfrm>
           <a:off x="433136" y="1989222"/>
-          <a:ext cx="11277602" cy="4407660"/>
+          <a:ext cx="11277602" cy="4397563"/>
         </p:xfrm>
         <a:graphic>
           <a:graphicData uri="http://schemas.openxmlformats.org/drawingml/2006/table">
@@ -33455,15 +33235,7 @@
           <a:p>
             <a:r>
               <a:rPr lang="de-DE" dirty="0"/>
-              <a:t>Die API bietet ein Zugriff zu </a:t>
-            </a:r>
-            <a:r>
-              <a:rPr lang="de-DE" dirty="0" smtClean="0"/>
-              <a:t>den </a:t>
-            </a:r>
-            <a:r>
-              <a:rPr lang="de-DE" dirty="0"/>
-              <a:t>Google-Maps Daten</a:t>
+              <a:t>Die API bietet Zugriff zu den Google-Maps Daten</a:t>
             </a:r>
           </a:p>
           <a:p>
@@ -33475,23 +33247,7 @@
           <a:p>
             <a:r>
               <a:rPr lang="de-DE" dirty="0"/>
-              <a:t>Man kann grafische </a:t>
-            </a:r>
-            <a:r>
-              <a:rPr lang="de-DE" dirty="0" smtClean="0"/>
-              <a:t>Elemente, </a:t>
-            </a:r>
-            <a:r>
-              <a:rPr lang="de-DE" dirty="0"/>
-              <a:t>Symbole, </a:t>
-            </a:r>
-            <a:r>
-              <a:rPr lang="de-DE" dirty="0" smtClean="0"/>
-              <a:t>Markierungen und </a:t>
-            </a:r>
-            <a:r>
-              <a:rPr lang="de-DE" dirty="0"/>
-              <a:t>Overlays zu der Karte hinzufügen</a:t>
+              <a:t>Man kann der Karte grafische Elemente, Symbole, Markierungen und Overlays hinzufügen</a:t>
             </a:r>
             <a:endParaRPr lang="en-GB" dirty="0"/>
           </a:p>

--- a/Geolokation/doc/Mobile_Computing_Seminar_Presentation_Marosi_Oezcelik.pptx
+++ b/Geolokation/doc/Mobile_Computing_Seminar_Presentation_Marosi_Oezcelik.pptx
@@ -4958,6 +4958,13 @@
         </dgm:presLayoutVars>
       </dgm:prSet>
       <dgm:spPr/>
+      <dgm:t>
+        <a:bodyPr/>
+        <a:lstStyle/>
+        <a:p>
+          <a:endParaRPr lang="de-DE"/>
+        </a:p>
+      </dgm:t>
     </dgm:pt>
     <dgm:pt modelId="{9609200F-81F6-47E6-8678-3DB023136184}" type="pres">
       <dgm:prSet presAssocID="{316E2E29-A49D-43FE-8CB0-A67A210B3406}" presName="parSpace" presStyleCnt="0"/>
@@ -4970,6 +4977,13 @@
         </dgm:presLayoutVars>
       </dgm:prSet>
       <dgm:spPr/>
+      <dgm:t>
+        <a:bodyPr/>
+        <a:lstStyle/>
+        <a:p>
+          <a:endParaRPr lang="de-DE"/>
+        </a:p>
+      </dgm:t>
     </dgm:pt>
     <dgm:pt modelId="{710D066B-FB16-4B2D-8AEC-F3F86FADF37C}" type="pres">
       <dgm:prSet presAssocID="{8501A7D4-507E-412C-98E3-C72FBE3B535E}" presName="parSpace" presStyleCnt="0"/>
@@ -4982,6 +4996,13 @@
         </dgm:presLayoutVars>
       </dgm:prSet>
       <dgm:spPr/>
+      <dgm:t>
+        <a:bodyPr/>
+        <a:lstStyle/>
+        <a:p>
+          <a:endParaRPr lang="de-DE"/>
+        </a:p>
+      </dgm:t>
     </dgm:pt>
     <dgm:pt modelId="{65B9A82A-C46C-4257-8F77-2E2F5ED9B4ED}" type="pres">
       <dgm:prSet presAssocID="{65178C3E-1AB9-44DE-A044-2DE099FF541E}" presName="parSpace" presStyleCnt="0"/>
@@ -4994,6 +5015,13 @@
         </dgm:presLayoutVars>
       </dgm:prSet>
       <dgm:spPr/>
+      <dgm:t>
+        <a:bodyPr/>
+        <a:lstStyle/>
+        <a:p>
+          <a:endParaRPr lang="de-DE"/>
+        </a:p>
+      </dgm:t>
     </dgm:pt>
     <dgm:pt modelId="{FA98F343-4F3E-4A24-86C6-4A85C7F71687}" type="pres">
       <dgm:prSet presAssocID="{A0D8349B-75A0-4DBC-AA15-03F8F0A68285}" presName="parSpace" presStyleCnt="0"/>
@@ -5006,6 +5034,13 @@
         </dgm:presLayoutVars>
       </dgm:prSet>
       <dgm:spPr/>
+      <dgm:t>
+        <a:bodyPr/>
+        <a:lstStyle/>
+        <a:p>
+          <a:endParaRPr lang="de-DE"/>
+        </a:p>
+      </dgm:t>
     </dgm:pt>
     <dgm:pt modelId="{4A16EEA0-CEB4-466B-9EBF-44E2356C1EF8}" type="pres">
       <dgm:prSet presAssocID="{E7C831B5-A889-49EF-99F0-9421C16125E3}" presName="parSpace" presStyleCnt="0"/>
@@ -5018,22 +5053,29 @@
         </dgm:presLayoutVars>
       </dgm:prSet>
       <dgm:spPr/>
+      <dgm:t>
+        <a:bodyPr/>
+        <a:lstStyle/>
+        <a:p>
+          <a:endParaRPr lang="de-DE"/>
+        </a:p>
+      </dgm:t>
     </dgm:pt>
   </dgm:ptLst>
   <dgm:cxnLst>
+    <dgm:cxn modelId="{511DCE54-0CD1-46F2-A5BC-75C3A51C8A7B}" srcId="{4454A727-A83C-4DCD-B316-0EC1DACA4FFC}" destId="{591160B3-0CC7-4065-B28B-BDCA097120BE}" srcOrd="4" destOrd="0" parTransId="{FA57BF0C-9521-4F49-94E3-AC6F67534010}" sibTransId="{E7C831B5-A889-49EF-99F0-9421C16125E3}"/>
+    <dgm:cxn modelId="{E02F8061-C48F-4284-B4F5-AD144901F9C7}" srcId="{4454A727-A83C-4DCD-B316-0EC1DACA4FFC}" destId="{6208FDFF-5F5B-421B-9930-F55F8E1CFA20}" srcOrd="3" destOrd="0" parTransId="{F2AA9172-F2A8-455D-8951-1D40EEC35E08}" sibTransId="{A0D8349B-75A0-4DBC-AA15-03F8F0A68285}"/>
+    <dgm:cxn modelId="{CF1093AA-9E6E-475B-A56D-48C263B44311}" srcId="{4454A727-A83C-4DCD-B316-0EC1DACA4FFC}" destId="{26BA3BE8-4CFD-4CA9-8A0B-960E670B65A3}" srcOrd="1" destOrd="0" parTransId="{031A14BD-A3F3-4D5D-AB2E-9A9FC5D00052}" sibTransId="{8501A7D4-507E-412C-98E3-C72FBE3B535E}"/>
+    <dgm:cxn modelId="{0EFA4E5C-CA90-452D-B822-F71C4FE89D10}" srcId="{4454A727-A83C-4DCD-B316-0EC1DACA4FFC}" destId="{B396D6FA-6927-4CC8-8185-8B4B0FB499E8}" srcOrd="0" destOrd="0" parTransId="{D11A700C-2360-4A22-B5EB-18DEBF802321}" sibTransId="{316E2E29-A49D-43FE-8CB0-A67A210B3406}"/>
+    <dgm:cxn modelId="{C2155998-1A9C-487B-8269-69ACCC160A74}" type="presOf" srcId="{6208FDFF-5F5B-421B-9930-F55F8E1CFA20}" destId="{87B6F2D0-51B9-4D75-883E-5AFB3AE684B2}" srcOrd="0" destOrd="0" presId="urn:microsoft.com/office/officeart/2005/8/layout/hChevron3"/>
+    <dgm:cxn modelId="{021EFDC7-1A5D-4856-B5B7-82BB85B99E41}" srcId="{4454A727-A83C-4DCD-B316-0EC1DACA4FFC}" destId="{268661AE-5228-4712-A35C-B596C8C525D9}" srcOrd="5" destOrd="0" parTransId="{3B592B06-CC2F-48AB-8B5C-C56B7779F833}" sibTransId="{9A56A5F5-DDAA-4186-9213-903858370B82}"/>
     <dgm:cxn modelId="{C6C8171E-6EF6-4076-A59A-E6356720D4A7}" type="presOf" srcId="{26BA3BE8-4CFD-4CA9-8A0B-960E670B65A3}" destId="{359CC400-CD02-4C6C-9C4B-90749A316125}" srcOrd="0" destOrd="0" presId="urn:microsoft.com/office/officeart/2005/8/layout/hChevron3"/>
-    <dgm:cxn modelId="{0EFA4E5C-CA90-452D-B822-F71C4FE89D10}" srcId="{4454A727-A83C-4DCD-B316-0EC1DACA4FFC}" destId="{B396D6FA-6927-4CC8-8185-8B4B0FB499E8}" srcOrd="0" destOrd="0" parTransId="{D11A700C-2360-4A22-B5EB-18DEBF802321}" sibTransId="{316E2E29-A49D-43FE-8CB0-A67A210B3406}"/>
-    <dgm:cxn modelId="{E02F8061-C48F-4284-B4F5-AD144901F9C7}" srcId="{4454A727-A83C-4DCD-B316-0EC1DACA4FFC}" destId="{6208FDFF-5F5B-421B-9930-F55F8E1CFA20}" srcOrd="3" destOrd="0" parTransId="{F2AA9172-F2A8-455D-8951-1D40EEC35E08}" sibTransId="{A0D8349B-75A0-4DBC-AA15-03F8F0A68285}"/>
     <dgm:cxn modelId="{08159F64-F1A1-435A-BDC4-5E6D098BF2EC}" type="presOf" srcId="{268661AE-5228-4712-A35C-B596C8C525D9}" destId="{8CA444A2-8682-4E4C-B30C-1B5E0E3255B8}" srcOrd="0" destOrd="0" presId="urn:microsoft.com/office/officeart/2005/8/layout/hChevron3"/>
-    <dgm:cxn modelId="{511DCE54-0CD1-46F2-A5BC-75C3A51C8A7B}" srcId="{4454A727-A83C-4DCD-B316-0EC1DACA4FFC}" destId="{591160B3-0CC7-4065-B28B-BDCA097120BE}" srcOrd="4" destOrd="0" parTransId="{FA57BF0C-9521-4F49-94E3-AC6F67534010}" sibTransId="{E7C831B5-A889-49EF-99F0-9421C16125E3}"/>
-    <dgm:cxn modelId="{21419275-74A6-4E57-9F5A-C34B6EC65F6A}" type="presOf" srcId="{B396D6FA-6927-4CC8-8185-8B4B0FB499E8}" destId="{AD8E9CC5-1181-4C5D-BB10-713ED4CAB4C5}" srcOrd="0" destOrd="0" presId="urn:microsoft.com/office/officeart/2005/8/layout/hChevron3"/>
-    <dgm:cxn modelId="{2034F992-34C6-440A-B928-5209F97EC116}" type="presOf" srcId="{DAEBF9CB-EC7C-4933-9250-C2B155723297}" destId="{6919D201-A12F-4AB9-AE93-FD70FC3889BA}" srcOrd="0" destOrd="0" presId="urn:microsoft.com/office/officeart/2005/8/layout/hChevron3"/>
-    <dgm:cxn modelId="{C2155998-1A9C-487B-8269-69ACCC160A74}" type="presOf" srcId="{6208FDFF-5F5B-421B-9930-F55F8E1CFA20}" destId="{87B6F2D0-51B9-4D75-883E-5AFB3AE684B2}" srcOrd="0" destOrd="0" presId="urn:microsoft.com/office/officeart/2005/8/layout/hChevron3"/>
-    <dgm:cxn modelId="{CF1093AA-9E6E-475B-A56D-48C263B44311}" srcId="{4454A727-A83C-4DCD-B316-0EC1DACA4FFC}" destId="{26BA3BE8-4CFD-4CA9-8A0B-960E670B65A3}" srcOrd="1" destOrd="0" parTransId="{031A14BD-A3F3-4D5D-AB2E-9A9FC5D00052}" sibTransId="{8501A7D4-507E-412C-98E3-C72FBE3B535E}"/>
     <dgm:cxn modelId="{99B3EBB2-AFC4-4418-9FAA-B458E7D0F853}" type="presOf" srcId="{4454A727-A83C-4DCD-B316-0EC1DACA4FFC}" destId="{0B456547-30FB-44C9-B3BF-6AB7A39712F3}" srcOrd="0" destOrd="0" presId="urn:microsoft.com/office/officeart/2005/8/layout/hChevron3"/>
     <dgm:cxn modelId="{21E53CB4-1225-45C6-92DB-2201EC3E22EF}" type="presOf" srcId="{591160B3-0CC7-4065-B28B-BDCA097120BE}" destId="{9436A75D-2A17-4250-A3BD-4BBF46653EA6}" srcOrd="0" destOrd="0" presId="urn:microsoft.com/office/officeart/2005/8/layout/hChevron3"/>
     <dgm:cxn modelId="{28961BB9-93A8-4173-840A-0752E8342B69}" srcId="{4454A727-A83C-4DCD-B316-0EC1DACA4FFC}" destId="{DAEBF9CB-EC7C-4933-9250-C2B155723297}" srcOrd="2" destOrd="0" parTransId="{6C163563-6DBF-4F12-99C5-F245633289A4}" sibTransId="{65178C3E-1AB9-44DE-A044-2DE099FF541E}"/>
-    <dgm:cxn modelId="{021EFDC7-1A5D-4856-B5B7-82BB85B99E41}" srcId="{4454A727-A83C-4DCD-B316-0EC1DACA4FFC}" destId="{268661AE-5228-4712-A35C-B596C8C525D9}" srcOrd="5" destOrd="0" parTransId="{3B592B06-CC2F-48AB-8B5C-C56B7779F833}" sibTransId="{9A56A5F5-DDAA-4186-9213-903858370B82}"/>
+    <dgm:cxn modelId="{2034F992-34C6-440A-B928-5209F97EC116}" type="presOf" srcId="{DAEBF9CB-EC7C-4933-9250-C2B155723297}" destId="{6919D201-A12F-4AB9-AE93-FD70FC3889BA}" srcOrd="0" destOrd="0" presId="urn:microsoft.com/office/officeart/2005/8/layout/hChevron3"/>
+    <dgm:cxn modelId="{21419275-74A6-4E57-9F5A-C34B6EC65F6A}" type="presOf" srcId="{B396D6FA-6927-4CC8-8185-8B4B0FB499E8}" destId="{AD8E9CC5-1181-4C5D-BB10-713ED4CAB4C5}" srcOrd="0" destOrd="0" presId="urn:microsoft.com/office/officeart/2005/8/layout/hChevron3"/>
     <dgm:cxn modelId="{A9E581F0-C140-43EF-BC9D-15E543326862}" type="presParOf" srcId="{0B456547-30FB-44C9-B3BF-6AB7A39712F3}" destId="{AD8E9CC5-1181-4C5D-BB10-713ED4CAB4C5}" srcOrd="0" destOrd="0" presId="urn:microsoft.com/office/officeart/2005/8/layout/hChevron3"/>
     <dgm:cxn modelId="{E7E2B71D-6621-4A8D-A24B-E6F8588F9095}" type="presParOf" srcId="{0B456547-30FB-44C9-B3BF-6AB7A39712F3}" destId="{9609200F-81F6-47E6-8678-3DB023136184}" srcOrd="1" destOrd="0" presId="urn:microsoft.com/office/officeart/2005/8/layout/hChevron3"/>
     <dgm:cxn modelId="{191F937D-0699-4311-AB73-90AB8749EF3B}" type="presParOf" srcId="{0B456547-30FB-44C9-B3BF-6AB7A39712F3}" destId="{359CC400-CD02-4C6C-9C4B-90749A316125}" srcOrd="2" destOrd="0" presId="urn:microsoft.com/office/officeart/2005/8/layout/hChevron3"/>
@@ -5403,6 +5445,13 @@
         </dgm:presLayoutVars>
       </dgm:prSet>
       <dgm:spPr/>
+      <dgm:t>
+        <a:bodyPr/>
+        <a:lstStyle/>
+        <a:p>
+          <a:endParaRPr lang="de-DE"/>
+        </a:p>
+      </dgm:t>
     </dgm:pt>
     <dgm:pt modelId="{9609200F-81F6-47E6-8678-3DB023136184}" type="pres">
       <dgm:prSet presAssocID="{316E2E29-A49D-43FE-8CB0-A67A210B3406}" presName="parSpace" presStyleCnt="0"/>
@@ -5415,6 +5464,13 @@
         </dgm:presLayoutVars>
       </dgm:prSet>
       <dgm:spPr/>
+      <dgm:t>
+        <a:bodyPr/>
+        <a:lstStyle/>
+        <a:p>
+          <a:endParaRPr lang="de-DE"/>
+        </a:p>
+      </dgm:t>
     </dgm:pt>
     <dgm:pt modelId="{710D066B-FB16-4B2D-8AEC-F3F86FADF37C}" type="pres">
       <dgm:prSet presAssocID="{8501A7D4-507E-412C-98E3-C72FBE3B535E}" presName="parSpace" presStyleCnt="0"/>
@@ -5427,6 +5483,13 @@
         </dgm:presLayoutVars>
       </dgm:prSet>
       <dgm:spPr/>
+      <dgm:t>
+        <a:bodyPr/>
+        <a:lstStyle/>
+        <a:p>
+          <a:endParaRPr lang="de-DE"/>
+        </a:p>
+      </dgm:t>
     </dgm:pt>
     <dgm:pt modelId="{65B9A82A-C46C-4257-8F77-2E2F5ED9B4ED}" type="pres">
       <dgm:prSet presAssocID="{65178C3E-1AB9-44DE-A044-2DE099FF541E}" presName="parSpace" presStyleCnt="0"/>
@@ -5439,6 +5502,13 @@
         </dgm:presLayoutVars>
       </dgm:prSet>
       <dgm:spPr/>
+      <dgm:t>
+        <a:bodyPr/>
+        <a:lstStyle/>
+        <a:p>
+          <a:endParaRPr lang="de-DE"/>
+        </a:p>
+      </dgm:t>
     </dgm:pt>
     <dgm:pt modelId="{FA98F343-4F3E-4A24-86C6-4A85C7F71687}" type="pres">
       <dgm:prSet presAssocID="{A0D8349B-75A0-4DBC-AA15-03F8F0A68285}" presName="parSpace" presStyleCnt="0"/>
@@ -5451,6 +5521,13 @@
         </dgm:presLayoutVars>
       </dgm:prSet>
       <dgm:spPr/>
+      <dgm:t>
+        <a:bodyPr/>
+        <a:lstStyle/>
+        <a:p>
+          <a:endParaRPr lang="de-DE"/>
+        </a:p>
+      </dgm:t>
     </dgm:pt>
     <dgm:pt modelId="{4A16EEA0-CEB4-466B-9EBF-44E2356C1EF8}" type="pres">
       <dgm:prSet presAssocID="{E7C831B5-A889-49EF-99F0-9421C16125E3}" presName="parSpace" presStyleCnt="0"/>
@@ -5463,22 +5540,29 @@
         </dgm:presLayoutVars>
       </dgm:prSet>
       <dgm:spPr/>
+      <dgm:t>
+        <a:bodyPr/>
+        <a:lstStyle/>
+        <a:p>
+          <a:endParaRPr lang="de-DE"/>
+        </a:p>
+      </dgm:t>
     </dgm:pt>
   </dgm:ptLst>
   <dgm:cxnLst>
+    <dgm:cxn modelId="{511DCE54-0CD1-46F2-A5BC-75C3A51C8A7B}" srcId="{4454A727-A83C-4DCD-B316-0EC1DACA4FFC}" destId="{591160B3-0CC7-4065-B28B-BDCA097120BE}" srcOrd="4" destOrd="0" parTransId="{FA57BF0C-9521-4F49-94E3-AC6F67534010}" sibTransId="{E7C831B5-A889-49EF-99F0-9421C16125E3}"/>
+    <dgm:cxn modelId="{E02F8061-C48F-4284-B4F5-AD144901F9C7}" srcId="{4454A727-A83C-4DCD-B316-0EC1DACA4FFC}" destId="{6208FDFF-5F5B-421B-9930-F55F8E1CFA20}" srcOrd="3" destOrd="0" parTransId="{F2AA9172-F2A8-455D-8951-1D40EEC35E08}" sibTransId="{A0D8349B-75A0-4DBC-AA15-03F8F0A68285}"/>
+    <dgm:cxn modelId="{CF1093AA-9E6E-475B-A56D-48C263B44311}" srcId="{4454A727-A83C-4DCD-B316-0EC1DACA4FFC}" destId="{26BA3BE8-4CFD-4CA9-8A0B-960E670B65A3}" srcOrd="1" destOrd="0" parTransId="{031A14BD-A3F3-4D5D-AB2E-9A9FC5D00052}" sibTransId="{8501A7D4-507E-412C-98E3-C72FBE3B535E}"/>
+    <dgm:cxn modelId="{0EFA4E5C-CA90-452D-B822-F71C4FE89D10}" srcId="{4454A727-A83C-4DCD-B316-0EC1DACA4FFC}" destId="{B396D6FA-6927-4CC8-8185-8B4B0FB499E8}" srcOrd="0" destOrd="0" parTransId="{D11A700C-2360-4A22-B5EB-18DEBF802321}" sibTransId="{316E2E29-A49D-43FE-8CB0-A67A210B3406}"/>
+    <dgm:cxn modelId="{C2155998-1A9C-487B-8269-69ACCC160A74}" type="presOf" srcId="{6208FDFF-5F5B-421B-9930-F55F8E1CFA20}" destId="{87B6F2D0-51B9-4D75-883E-5AFB3AE684B2}" srcOrd="0" destOrd="0" presId="urn:microsoft.com/office/officeart/2005/8/layout/hChevron3"/>
+    <dgm:cxn modelId="{021EFDC7-1A5D-4856-B5B7-82BB85B99E41}" srcId="{4454A727-A83C-4DCD-B316-0EC1DACA4FFC}" destId="{268661AE-5228-4712-A35C-B596C8C525D9}" srcOrd="5" destOrd="0" parTransId="{3B592B06-CC2F-48AB-8B5C-C56B7779F833}" sibTransId="{9A56A5F5-DDAA-4186-9213-903858370B82}"/>
     <dgm:cxn modelId="{C6C8171E-6EF6-4076-A59A-E6356720D4A7}" type="presOf" srcId="{26BA3BE8-4CFD-4CA9-8A0B-960E670B65A3}" destId="{359CC400-CD02-4C6C-9C4B-90749A316125}" srcOrd="0" destOrd="0" presId="urn:microsoft.com/office/officeart/2005/8/layout/hChevron3"/>
-    <dgm:cxn modelId="{0EFA4E5C-CA90-452D-B822-F71C4FE89D10}" srcId="{4454A727-A83C-4DCD-B316-0EC1DACA4FFC}" destId="{B396D6FA-6927-4CC8-8185-8B4B0FB499E8}" srcOrd="0" destOrd="0" parTransId="{D11A700C-2360-4A22-B5EB-18DEBF802321}" sibTransId="{316E2E29-A49D-43FE-8CB0-A67A210B3406}"/>
-    <dgm:cxn modelId="{E02F8061-C48F-4284-B4F5-AD144901F9C7}" srcId="{4454A727-A83C-4DCD-B316-0EC1DACA4FFC}" destId="{6208FDFF-5F5B-421B-9930-F55F8E1CFA20}" srcOrd="3" destOrd="0" parTransId="{F2AA9172-F2A8-455D-8951-1D40EEC35E08}" sibTransId="{A0D8349B-75A0-4DBC-AA15-03F8F0A68285}"/>
     <dgm:cxn modelId="{08159F64-F1A1-435A-BDC4-5E6D098BF2EC}" type="presOf" srcId="{268661AE-5228-4712-A35C-B596C8C525D9}" destId="{8CA444A2-8682-4E4C-B30C-1B5E0E3255B8}" srcOrd="0" destOrd="0" presId="urn:microsoft.com/office/officeart/2005/8/layout/hChevron3"/>
-    <dgm:cxn modelId="{511DCE54-0CD1-46F2-A5BC-75C3A51C8A7B}" srcId="{4454A727-A83C-4DCD-B316-0EC1DACA4FFC}" destId="{591160B3-0CC7-4065-B28B-BDCA097120BE}" srcOrd="4" destOrd="0" parTransId="{FA57BF0C-9521-4F49-94E3-AC6F67534010}" sibTransId="{E7C831B5-A889-49EF-99F0-9421C16125E3}"/>
-    <dgm:cxn modelId="{21419275-74A6-4E57-9F5A-C34B6EC65F6A}" type="presOf" srcId="{B396D6FA-6927-4CC8-8185-8B4B0FB499E8}" destId="{AD8E9CC5-1181-4C5D-BB10-713ED4CAB4C5}" srcOrd="0" destOrd="0" presId="urn:microsoft.com/office/officeart/2005/8/layout/hChevron3"/>
-    <dgm:cxn modelId="{2034F992-34C6-440A-B928-5209F97EC116}" type="presOf" srcId="{DAEBF9CB-EC7C-4933-9250-C2B155723297}" destId="{6919D201-A12F-4AB9-AE93-FD70FC3889BA}" srcOrd="0" destOrd="0" presId="urn:microsoft.com/office/officeart/2005/8/layout/hChevron3"/>
-    <dgm:cxn modelId="{C2155998-1A9C-487B-8269-69ACCC160A74}" type="presOf" srcId="{6208FDFF-5F5B-421B-9930-F55F8E1CFA20}" destId="{87B6F2D0-51B9-4D75-883E-5AFB3AE684B2}" srcOrd="0" destOrd="0" presId="urn:microsoft.com/office/officeart/2005/8/layout/hChevron3"/>
-    <dgm:cxn modelId="{CF1093AA-9E6E-475B-A56D-48C263B44311}" srcId="{4454A727-A83C-4DCD-B316-0EC1DACA4FFC}" destId="{26BA3BE8-4CFD-4CA9-8A0B-960E670B65A3}" srcOrd="1" destOrd="0" parTransId="{031A14BD-A3F3-4D5D-AB2E-9A9FC5D00052}" sibTransId="{8501A7D4-507E-412C-98E3-C72FBE3B535E}"/>
     <dgm:cxn modelId="{99B3EBB2-AFC4-4418-9FAA-B458E7D0F853}" type="presOf" srcId="{4454A727-A83C-4DCD-B316-0EC1DACA4FFC}" destId="{0B456547-30FB-44C9-B3BF-6AB7A39712F3}" srcOrd="0" destOrd="0" presId="urn:microsoft.com/office/officeart/2005/8/layout/hChevron3"/>
     <dgm:cxn modelId="{21E53CB4-1225-45C6-92DB-2201EC3E22EF}" type="presOf" srcId="{591160B3-0CC7-4065-B28B-BDCA097120BE}" destId="{9436A75D-2A17-4250-A3BD-4BBF46653EA6}" srcOrd="0" destOrd="0" presId="urn:microsoft.com/office/officeart/2005/8/layout/hChevron3"/>
     <dgm:cxn modelId="{28961BB9-93A8-4173-840A-0752E8342B69}" srcId="{4454A727-A83C-4DCD-B316-0EC1DACA4FFC}" destId="{DAEBF9CB-EC7C-4933-9250-C2B155723297}" srcOrd="2" destOrd="0" parTransId="{6C163563-6DBF-4F12-99C5-F245633289A4}" sibTransId="{65178C3E-1AB9-44DE-A044-2DE099FF541E}"/>
-    <dgm:cxn modelId="{021EFDC7-1A5D-4856-B5B7-82BB85B99E41}" srcId="{4454A727-A83C-4DCD-B316-0EC1DACA4FFC}" destId="{268661AE-5228-4712-A35C-B596C8C525D9}" srcOrd="5" destOrd="0" parTransId="{3B592B06-CC2F-48AB-8B5C-C56B7779F833}" sibTransId="{9A56A5F5-DDAA-4186-9213-903858370B82}"/>
+    <dgm:cxn modelId="{2034F992-34C6-440A-B928-5209F97EC116}" type="presOf" srcId="{DAEBF9CB-EC7C-4933-9250-C2B155723297}" destId="{6919D201-A12F-4AB9-AE93-FD70FC3889BA}" srcOrd="0" destOrd="0" presId="urn:microsoft.com/office/officeart/2005/8/layout/hChevron3"/>
+    <dgm:cxn modelId="{21419275-74A6-4E57-9F5A-C34B6EC65F6A}" type="presOf" srcId="{B396D6FA-6927-4CC8-8185-8B4B0FB499E8}" destId="{AD8E9CC5-1181-4C5D-BB10-713ED4CAB4C5}" srcOrd="0" destOrd="0" presId="urn:microsoft.com/office/officeart/2005/8/layout/hChevron3"/>
     <dgm:cxn modelId="{A9E581F0-C140-43EF-BC9D-15E543326862}" type="presParOf" srcId="{0B456547-30FB-44C9-B3BF-6AB7A39712F3}" destId="{AD8E9CC5-1181-4C5D-BB10-713ED4CAB4C5}" srcOrd="0" destOrd="0" presId="urn:microsoft.com/office/officeart/2005/8/layout/hChevron3"/>
     <dgm:cxn modelId="{E7E2B71D-6621-4A8D-A24B-E6F8588F9095}" type="presParOf" srcId="{0B456547-30FB-44C9-B3BF-6AB7A39712F3}" destId="{9609200F-81F6-47E6-8678-3DB023136184}" srcOrd="1" destOrd="0" presId="urn:microsoft.com/office/officeart/2005/8/layout/hChevron3"/>
     <dgm:cxn modelId="{191F937D-0699-4311-AB73-90AB8749EF3B}" type="presParOf" srcId="{0B456547-30FB-44C9-B3BF-6AB7A39712F3}" destId="{359CC400-CD02-4C6C-9C4B-90749A316125}" srcOrd="2" destOrd="0" presId="urn:microsoft.com/office/officeart/2005/8/layout/hChevron3"/>
@@ -5848,6 +5932,13 @@
         </dgm:presLayoutVars>
       </dgm:prSet>
       <dgm:spPr/>
+      <dgm:t>
+        <a:bodyPr/>
+        <a:lstStyle/>
+        <a:p>
+          <a:endParaRPr lang="de-DE"/>
+        </a:p>
+      </dgm:t>
     </dgm:pt>
     <dgm:pt modelId="{9609200F-81F6-47E6-8678-3DB023136184}" type="pres">
       <dgm:prSet presAssocID="{316E2E29-A49D-43FE-8CB0-A67A210B3406}" presName="parSpace" presStyleCnt="0"/>
@@ -5860,6 +5951,13 @@
         </dgm:presLayoutVars>
       </dgm:prSet>
       <dgm:spPr/>
+      <dgm:t>
+        <a:bodyPr/>
+        <a:lstStyle/>
+        <a:p>
+          <a:endParaRPr lang="de-DE"/>
+        </a:p>
+      </dgm:t>
     </dgm:pt>
     <dgm:pt modelId="{710D066B-FB16-4B2D-8AEC-F3F86FADF37C}" type="pres">
       <dgm:prSet presAssocID="{8501A7D4-507E-412C-98E3-C72FBE3B535E}" presName="parSpace" presStyleCnt="0"/>
@@ -5872,6 +5970,13 @@
         </dgm:presLayoutVars>
       </dgm:prSet>
       <dgm:spPr/>
+      <dgm:t>
+        <a:bodyPr/>
+        <a:lstStyle/>
+        <a:p>
+          <a:endParaRPr lang="de-DE"/>
+        </a:p>
+      </dgm:t>
     </dgm:pt>
     <dgm:pt modelId="{65B9A82A-C46C-4257-8F77-2E2F5ED9B4ED}" type="pres">
       <dgm:prSet presAssocID="{65178C3E-1AB9-44DE-A044-2DE099FF541E}" presName="parSpace" presStyleCnt="0"/>
@@ -5884,6 +5989,13 @@
         </dgm:presLayoutVars>
       </dgm:prSet>
       <dgm:spPr/>
+      <dgm:t>
+        <a:bodyPr/>
+        <a:lstStyle/>
+        <a:p>
+          <a:endParaRPr lang="de-DE"/>
+        </a:p>
+      </dgm:t>
     </dgm:pt>
     <dgm:pt modelId="{FA98F343-4F3E-4A24-86C6-4A85C7F71687}" type="pres">
       <dgm:prSet presAssocID="{A0D8349B-75A0-4DBC-AA15-03F8F0A68285}" presName="parSpace" presStyleCnt="0"/>
@@ -5896,6 +6008,13 @@
         </dgm:presLayoutVars>
       </dgm:prSet>
       <dgm:spPr/>
+      <dgm:t>
+        <a:bodyPr/>
+        <a:lstStyle/>
+        <a:p>
+          <a:endParaRPr lang="de-DE"/>
+        </a:p>
+      </dgm:t>
     </dgm:pt>
     <dgm:pt modelId="{4A16EEA0-CEB4-466B-9EBF-44E2356C1EF8}" type="pres">
       <dgm:prSet presAssocID="{E7C831B5-A889-49EF-99F0-9421C16125E3}" presName="parSpace" presStyleCnt="0"/>
@@ -5908,22 +6027,29 @@
         </dgm:presLayoutVars>
       </dgm:prSet>
       <dgm:spPr/>
+      <dgm:t>
+        <a:bodyPr/>
+        <a:lstStyle/>
+        <a:p>
+          <a:endParaRPr lang="de-DE"/>
+        </a:p>
+      </dgm:t>
     </dgm:pt>
   </dgm:ptLst>
   <dgm:cxnLst>
+    <dgm:cxn modelId="{511DCE54-0CD1-46F2-A5BC-75C3A51C8A7B}" srcId="{4454A727-A83C-4DCD-B316-0EC1DACA4FFC}" destId="{591160B3-0CC7-4065-B28B-BDCA097120BE}" srcOrd="4" destOrd="0" parTransId="{FA57BF0C-9521-4F49-94E3-AC6F67534010}" sibTransId="{E7C831B5-A889-49EF-99F0-9421C16125E3}"/>
+    <dgm:cxn modelId="{E02F8061-C48F-4284-B4F5-AD144901F9C7}" srcId="{4454A727-A83C-4DCD-B316-0EC1DACA4FFC}" destId="{6208FDFF-5F5B-421B-9930-F55F8E1CFA20}" srcOrd="3" destOrd="0" parTransId="{F2AA9172-F2A8-455D-8951-1D40EEC35E08}" sibTransId="{A0D8349B-75A0-4DBC-AA15-03F8F0A68285}"/>
+    <dgm:cxn modelId="{CF1093AA-9E6E-475B-A56D-48C263B44311}" srcId="{4454A727-A83C-4DCD-B316-0EC1DACA4FFC}" destId="{26BA3BE8-4CFD-4CA9-8A0B-960E670B65A3}" srcOrd="1" destOrd="0" parTransId="{031A14BD-A3F3-4D5D-AB2E-9A9FC5D00052}" sibTransId="{8501A7D4-507E-412C-98E3-C72FBE3B535E}"/>
+    <dgm:cxn modelId="{0EFA4E5C-CA90-452D-B822-F71C4FE89D10}" srcId="{4454A727-A83C-4DCD-B316-0EC1DACA4FFC}" destId="{B396D6FA-6927-4CC8-8185-8B4B0FB499E8}" srcOrd="0" destOrd="0" parTransId="{D11A700C-2360-4A22-B5EB-18DEBF802321}" sibTransId="{316E2E29-A49D-43FE-8CB0-A67A210B3406}"/>
+    <dgm:cxn modelId="{C2155998-1A9C-487B-8269-69ACCC160A74}" type="presOf" srcId="{6208FDFF-5F5B-421B-9930-F55F8E1CFA20}" destId="{87B6F2D0-51B9-4D75-883E-5AFB3AE684B2}" srcOrd="0" destOrd="0" presId="urn:microsoft.com/office/officeart/2005/8/layout/hChevron3"/>
+    <dgm:cxn modelId="{021EFDC7-1A5D-4856-B5B7-82BB85B99E41}" srcId="{4454A727-A83C-4DCD-B316-0EC1DACA4FFC}" destId="{268661AE-5228-4712-A35C-B596C8C525D9}" srcOrd="5" destOrd="0" parTransId="{3B592B06-CC2F-48AB-8B5C-C56B7779F833}" sibTransId="{9A56A5F5-DDAA-4186-9213-903858370B82}"/>
     <dgm:cxn modelId="{C6C8171E-6EF6-4076-A59A-E6356720D4A7}" type="presOf" srcId="{26BA3BE8-4CFD-4CA9-8A0B-960E670B65A3}" destId="{359CC400-CD02-4C6C-9C4B-90749A316125}" srcOrd="0" destOrd="0" presId="urn:microsoft.com/office/officeart/2005/8/layout/hChevron3"/>
-    <dgm:cxn modelId="{0EFA4E5C-CA90-452D-B822-F71C4FE89D10}" srcId="{4454A727-A83C-4DCD-B316-0EC1DACA4FFC}" destId="{B396D6FA-6927-4CC8-8185-8B4B0FB499E8}" srcOrd="0" destOrd="0" parTransId="{D11A700C-2360-4A22-B5EB-18DEBF802321}" sibTransId="{316E2E29-A49D-43FE-8CB0-A67A210B3406}"/>
-    <dgm:cxn modelId="{E02F8061-C48F-4284-B4F5-AD144901F9C7}" srcId="{4454A727-A83C-4DCD-B316-0EC1DACA4FFC}" destId="{6208FDFF-5F5B-421B-9930-F55F8E1CFA20}" srcOrd="3" destOrd="0" parTransId="{F2AA9172-F2A8-455D-8951-1D40EEC35E08}" sibTransId="{A0D8349B-75A0-4DBC-AA15-03F8F0A68285}"/>
     <dgm:cxn modelId="{08159F64-F1A1-435A-BDC4-5E6D098BF2EC}" type="presOf" srcId="{268661AE-5228-4712-A35C-B596C8C525D9}" destId="{8CA444A2-8682-4E4C-B30C-1B5E0E3255B8}" srcOrd="0" destOrd="0" presId="urn:microsoft.com/office/officeart/2005/8/layout/hChevron3"/>
-    <dgm:cxn modelId="{511DCE54-0CD1-46F2-A5BC-75C3A51C8A7B}" srcId="{4454A727-A83C-4DCD-B316-0EC1DACA4FFC}" destId="{591160B3-0CC7-4065-B28B-BDCA097120BE}" srcOrd="4" destOrd="0" parTransId="{FA57BF0C-9521-4F49-94E3-AC6F67534010}" sibTransId="{E7C831B5-A889-49EF-99F0-9421C16125E3}"/>
-    <dgm:cxn modelId="{21419275-74A6-4E57-9F5A-C34B6EC65F6A}" type="presOf" srcId="{B396D6FA-6927-4CC8-8185-8B4B0FB499E8}" destId="{AD8E9CC5-1181-4C5D-BB10-713ED4CAB4C5}" srcOrd="0" destOrd="0" presId="urn:microsoft.com/office/officeart/2005/8/layout/hChevron3"/>
-    <dgm:cxn modelId="{2034F992-34C6-440A-B928-5209F97EC116}" type="presOf" srcId="{DAEBF9CB-EC7C-4933-9250-C2B155723297}" destId="{6919D201-A12F-4AB9-AE93-FD70FC3889BA}" srcOrd="0" destOrd="0" presId="urn:microsoft.com/office/officeart/2005/8/layout/hChevron3"/>
-    <dgm:cxn modelId="{C2155998-1A9C-487B-8269-69ACCC160A74}" type="presOf" srcId="{6208FDFF-5F5B-421B-9930-F55F8E1CFA20}" destId="{87B6F2D0-51B9-4D75-883E-5AFB3AE684B2}" srcOrd="0" destOrd="0" presId="urn:microsoft.com/office/officeart/2005/8/layout/hChevron3"/>
-    <dgm:cxn modelId="{CF1093AA-9E6E-475B-A56D-48C263B44311}" srcId="{4454A727-A83C-4DCD-B316-0EC1DACA4FFC}" destId="{26BA3BE8-4CFD-4CA9-8A0B-960E670B65A3}" srcOrd="1" destOrd="0" parTransId="{031A14BD-A3F3-4D5D-AB2E-9A9FC5D00052}" sibTransId="{8501A7D4-507E-412C-98E3-C72FBE3B535E}"/>
     <dgm:cxn modelId="{99B3EBB2-AFC4-4418-9FAA-B458E7D0F853}" type="presOf" srcId="{4454A727-A83C-4DCD-B316-0EC1DACA4FFC}" destId="{0B456547-30FB-44C9-B3BF-6AB7A39712F3}" srcOrd="0" destOrd="0" presId="urn:microsoft.com/office/officeart/2005/8/layout/hChevron3"/>
     <dgm:cxn modelId="{21E53CB4-1225-45C6-92DB-2201EC3E22EF}" type="presOf" srcId="{591160B3-0CC7-4065-B28B-BDCA097120BE}" destId="{9436A75D-2A17-4250-A3BD-4BBF46653EA6}" srcOrd="0" destOrd="0" presId="urn:microsoft.com/office/officeart/2005/8/layout/hChevron3"/>
     <dgm:cxn modelId="{28961BB9-93A8-4173-840A-0752E8342B69}" srcId="{4454A727-A83C-4DCD-B316-0EC1DACA4FFC}" destId="{DAEBF9CB-EC7C-4933-9250-C2B155723297}" srcOrd="2" destOrd="0" parTransId="{6C163563-6DBF-4F12-99C5-F245633289A4}" sibTransId="{65178C3E-1AB9-44DE-A044-2DE099FF541E}"/>
-    <dgm:cxn modelId="{021EFDC7-1A5D-4856-B5B7-82BB85B99E41}" srcId="{4454A727-A83C-4DCD-B316-0EC1DACA4FFC}" destId="{268661AE-5228-4712-A35C-B596C8C525D9}" srcOrd="5" destOrd="0" parTransId="{3B592B06-CC2F-48AB-8B5C-C56B7779F833}" sibTransId="{9A56A5F5-DDAA-4186-9213-903858370B82}"/>
+    <dgm:cxn modelId="{2034F992-34C6-440A-B928-5209F97EC116}" type="presOf" srcId="{DAEBF9CB-EC7C-4933-9250-C2B155723297}" destId="{6919D201-A12F-4AB9-AE93-FD70FC3889BA}" srcOrd="0" destOrd="0" presId="urn:microsoft.com/office/officeart/2005/8/layout/hChevron3"/>
+    <dgm:cxn modelId="{21419275-74A6-4E57-9F5A-C34B6EC65F6A}" type="presOf" srcId="{B396D6FA-6927-4CC8-8185-8B4B0FB499E8}" destId="{AD8E9CC5-1181-4C5D-BB10-713ED4CAB4C5}" srcOrd="0" destOrd="0" presId="urn:microsoft.com/office/officeart/2005/8/layout/hChevron3"/>
     <dgm:cxn modelId="{A9E581F0-C140-43EF-BC9D-15E543326862}" type="presParOf" srcId="{0B456547-30FB-44C9-B3BF-6AB7A39712F3}" destId="{AD8E9CC5-1181-4C5D-BB10-713ED4CAB4C5}" srcOrd="0" destOrd="0" presId="urn:microsoft.com/office/officeart/2005/8/layout/hChevron3"/>
     <dgm:cxn modelId="{E7E2B71D-6621-4A8D-A24B-E6F8588F9095}" type="presParOf" srcId="{0B456547-30FB-44C9-B3BF-6AB7A39712F3}" destId="{9609200F-81F6-47E6-8678-3DB023136184}" srcOrd="1" destOrd="0" presId="urn:microsoft.com/office/officeart/2005/8/layout/hChevron3"/>
     <dgm:cxn modelId="{191F937D-0699-4311-AB73-90AB8749EF3B}" type="presParOf" srcId="{0B456547-30FB-44C9-B3BF-6AB7A39712F3}" destId="{359CC400-CD02-4C6C-9C4B-90749A316125}" srcOrd="2" destOrd="0" presId="urn:microsoft.com/office/officeart/2005/8/layout/hChevron3"/>
@@ -6293,6 +6419,13 @@
         </dgm:presLayoutVars>
       </dgm:prSet>
       <dgm:spPr/>
+      <dgm:t>
+        <a:bodyPr/>
+        <a:lstStyle/>
+        <a:p>
+          <a:endParaRPr lang="de-DE"/>
+        </a:p>
+      </dgm:t>
     </dgm:pt>
     <dgm:pt modelId="{9609200F-81F6-47E6-8678-3DB023136184}" type="pres">
       <dgm:prSet presAssocID="{316E2E29-A49D-43FE-8CB0-A67A210B3406}" presName="parSpace" presStyleCnt="0"/>
@@ -6305,6 +6438,13 @@
         </dgm:presLayoutVars>
       </dgm:prSet>
       <dgm:spPr/>
+      <dgm:t>
+        <a:bodyPr/>
+        <a:lstStyle/>
+        <a:p>
+          <a:endParaRPr lang="de-DE"/>
+        </a:p>
+      </dgm:t>
     </dgm:pt>
     <dgm:pt modelId="{710D066B-FB16-4B2D-8AEC-F3F86FADF37C}" type="pres">
       <dgm:prSet presAssocID="{8501A7D4-507E-412C-98E3-C72FBE3B535E}" presName="parSpace" presStyleCnt="0"/>
@@ -6317,6 +6457,13 @@
         </dgm:presLayoutVars>
       </dgm:prSet>
       <dgm:spPr/>
+      <dgm:t>
+        <a:bodyPr/>
+        <a:lstStyle/>
+        <a:p>
+          <a:endParaRPr lang="de-DE"/>
+        </a:p>
+      </dgm:t>
     </dgm:pt>
     <dgm:pt modelId="{65B9A82A-C46C-4257-8F77-2E2F5ED9B4ED}" type="pres">
       <dgm:prSet presAssocID="{65178C3E-1AB9-44DE-A044-2DE099FF541E}" presName="parSpace" presStyleCnt="0"/>
@@ -6329,6 +6476,13 @@
         </dgm:presLayoutVars>
       </dgm:prSet>
       <dgm:spPr/>
+      <dgm:t>
+        <a:bodyPr/>
+        <a:lstStyle/>
+        <a:p>
+          <a:endParaRPr lang="de-DE"/>
+        </a:p>
+      </dgm:t>
     </dgm:pt>
     <dgm:pt modelId="{FA98F343-4F3E-4A24-86C6-4A85C7F71687}" type="pres">
       <dgm:prSet presAssocID="{A0D8349B-75A0-4DBC-AA15-03F8F0A68285}" presName="parSpace" presStyleCnt="0"/>
@@ -6341,6 +6495,13 @@
         </dgm:presLayoutVars>
       </dgm:prSet>
       <dgm:spPr/>
+      <dgm:t>
+        <a:bodyPr/>
+        <a:lstStyle/>
+        <a:p>
+          <a:endParaRPr lang="de-DE"/>
+        </a:p>
+      </dgm:t>
     </dgm:pt>
     <dgm:pt modelId="{4A16EEA0-CEB4-466B-9EBF-44E2356C1EF8}" type="pres">
       <dgm:prSet presAssocID="{E7C831B5-A889-49EF-99F0-9421C16125E3}" presName="parSpace" presStyleCnt="0"/>
@@ -6353,22 +6514,29 @@
         </dgm:presLayoutVars>
       </dgm:prSet>
       <dgm:spPr/>
+      <dgm:t>
+        <a:bodyPr/>
+        <a:lstStyle/>
+        <a:p>
+          <a:endParaRPr lang="de-DE"/>
+        </a:p>
+      </dgm:t>
     </dgm:pt>
   </dgm:ptLst>
   <dgm:cxnLst>
+    <dgm:cxn modelId="{511DCE54-0CD1-46F2-A5BC-75C3A51C8A7B}" srcId="{4454A727-A83C-4DCD-B316-0EC1DACA4FFC}" destId="{591160B3-0CC7-4065-B28B-BDCA097120BE}" srcOrd="4" destOrd="0" parTransId="{FA57BF0C-9521-4F49-94E3-AC6F67534010}" sibTransId="{E7C831B5-A889-49EF-99F0-9421C16125E3}"/>
+    <dgm:cxn modelId="{E02F8061-C48F-4284-B4F5-AD144901F9C7}" srcId="{4454A727-A83C-4DCD-B316-0EC1DACA4FFC}" destId="{6208FDFF-5F5B-421B-9930-F55F8E1CFA20}" srcOrd="3" destOrd="0" parTransId="{F2AA9172-F2A8-455D-8951-1D40EEC35E08}" sibTransId="{A0D8349B-75A0-4DBC-AA15-03F8F0A68285}"/>
+    <dgm:cxn modelId="{CF1093AA-9E6E-475B-A56D-48C263B44311}" srcId="{4454A727-A83C-4DCD-B316-0EC1DACA4FFC}" destId="{26BA3BE8-4CFD-4CA9-8A0B-960E670B65A3}" srcOrd="1" destOrd="0" parTransId="{031A14BD-A3F3-4D5D-AB2E-9A9FC5D00052}" sibTransId="{8501A7D4-507E-412C-98E3-C72FBE3B535E}"/>
+    <dgm:cxn modelId="{0EFA4E5C-CA90-452D-B822-F71C4FE89D10}" srcId="{4454A727-A83C-4DCD-B316-0EC1DACA4FFC}" destId="{B396D6FA-6927-4CC8-8185-8B4B0FB499E8}" srcOrd="0" destOrd="0" parTransId="{D11A700C-2360-4A22-B5EB-18DEBF802321}" sibTransId="{316E2E29-A49D-43FE-8CB0-A67A210B3406}"/>
+    <dgm:cxn modelId="{C2155998-1A9C-487B-8269-69ACCC160A74}" type="presOf" srcId="{6208FDFF-5F5B-421B-9930-F55F8E1CFA20}" destId="{87B6F2D0-51B9-4D75-883E-5AFB3AE684B2}" srcOrd="0" destOrd="0" presId="urn:microsoft.com/office/officeart/2005/8/layout/hChevron3"/>
+    <dgm:cxn modelId="{021EFDC7-1A5D-4856-B5B7-82BB85B99E41}" srcId="{4454A727-A83C-4DCD-B316-0EC1DACA4FFC}" destId="{268661AE-5228-4712-A35C-B596C8C525D9}" srcOrd="5" destOrd="0" parTransId="{3B592B06-CC2F-48AB-8B5C-C56B7779F833}" sibTransId="{9A56A5F5-DDAA-4186-9213-903858370B82}"/>
     <dgm:cxn modelId="{C6C8171E-6EF6-4076-A59A-E6356720D4A7}" type="presOf" srcId="{26BA3BE8-4CFD-4CA9-8A0B-960E670B65A3}" destId="{359CC400-CD02-4C6C-9C4B-90749A316125}" srcOrd="0" destOrd="0" presId="urn:microsoft.com/office/officeart/2005/8/layout/hChevron3"/>
-    <dgm:cxn modelId="{0EFA4E5C-CA90-452D-B822-F71C4FE89D10}" srcId="{4454A727-A83C-4DCD-B316-0EC1DACA4FFC}" destId="{B396D6FA-6927-4CC8-8185-8B4B0FB499E8}" srcOrd="0" destOrd="0" parTransId="{D11A700C-2360-4A22-B5EB-18DEBF802321}" sibTransId="{316E2E29-A49D-43FE-8CB0-A67A210B3406}"/>
-    <dgm:cxn modelId="{E02F8061-C48F-4284-B4F5-AD144901F9C7}" srcId="{4454A727-A83C-4DCD-B316-0EC1DACA4FFC}" destId="{6208FDFF-5F5B-421B-9930-F55F8E1CFA20}" srcOrd="3" destOrd="0" parTransId="{F2AA9172-F2A8-455D-8951-1D40EEC35E08}" sibTransId="{A0D8349B-75A0-4DBC-AA15-03F8F0A68285}"/>
     <dgm:cxn modelId="{08159F64-F1A1-435A-BDC4-5E6D098BF2EC}" type="presOf" srcId="{268661AE-5228-4712-A35C-B596C8C525D9}" destId="{8CA444A2-8682-4E4C-B30C-1B5E0E3255B8}" srcOrd="0" destOrd="0" presId="urn:microsoft.com/office/officeart/2005/8/layout/hChevron3"/>
-    <dgm:cxn modelId="{511DCE54-0CD1-46F2-A5BC-75C3A51C8A7B}" srcId="{4454A727-A83C-4DCD-B316-0EC1DACA4FFC}" destId="{591160B3-0CC7-4065-B28B-BDCA097120BE}" srcOrd="4" destOrd="0" parTransId="{FA57BF0C-9521-4F49-94E3-AC6F67534010}" sibTransId="{E7C831B5-A889-49EF-99F0-9421C16125E3}"/>
-    <dgm:cxn modelId="{21419275-74A6-4E57-9F5A-C34B6EC65F6A}" type="presOf" srcId="{B396D6FA-6927-4CC8-8185-8B4B0FB499E8}" destId="{AD8E9CC5-1181-4C5D-BB10-713ED4CAB4C5}" srcOrd="0" destOrd="0" presId="urn:microsoft.com/office/officeart/2005/8/layout/hChevron3"/>
-    <dgm:cxn modelId="{2034F992-34C6-440A-B928-5209F97EC116}" type="presOf" srcId="{DAEBF9CB-EC7C-4933-9250-C2B155723297}" destId="{6919D201-A12F-4AB9-AE93-FD70FC3889BA}" srcOrd="0" destOrd="0" presId="urn:microsoft.com/office/officeart/2005/8/layout/hChevron3"/>
-    <dgm:cxn modelId="{C2155998-1A9C-487B-8269-69ACCC160A74}" type="presOf" srcId="{6208FDFF-5F5B-421B-9930-F55F8E1CFA20}" destId="{87B6F2D0-51B9-4D75-883E-5AFB3AE684B2}" srcOrd="0" destOrd="0" presId="urn:microsoft.com/office/officeart/2005/8/layout/hChevron3"/>
-    <dgm:cxn modelId="{CF1093AA-9E6E-475B-A56D-48C263B44311}" srcId="{4454A727-A83C-4DCD-B316-0EC1DACA4FFC}" destId="{26BA3BE8-4CFD-4CA9-8A0B-960E670B65A3}" srcOrd="1" destOrd="0" parTransId="{031A14BD-A3F3-4D5D-AB2E-9A9FC5D00052}" sibTransId="{8501A7D4-507E-412C-98E3-C72FBE3B535E}"/>
     <dgm:cxn modelId="{99B3EBB2-AFC4-4418-9FAA-B458E7D0F853}" type="presOf" srcId="{4454A727-A83C-4DCD-B316-0EC1DACA4FFC}" destId="{0B456547-30FB-44C9-B3BF-6AB7A39712F3}" srcOrd="0" destOrd="0" presId="urn:microsoft.com/office/officeart/2005/8/layout/hChevron3"/>
     <dgm:cxn modelId="{21E53CB4-1225-45C6-92DB-2201EC3E22EF}" type="presOf" srcId="{591160B3-0CC7-4065-B28B-BDCA097120BE}" destId="{9436A75D-2A17-4250-A3BD-4BBF46653EA6}" srcOrd="0" destOrd="0" presId="urn:microsoft.com/office/officeart/2005/8/layout/hChevron3"/>
     <dgm:cxn modelId="{28961BB9-93A8-4173-840A-0752E8342B69}" srcId="{4454A727-A83C-4DCD-B316-0EC1DACA4FFC}" destId="{DAEBF9CB-EC7C-4933-9250-C2B155723297}" srcOrd="2" destOrd="0" parTransId="{6C163563-6DBF-4F12-99C5-F245633289A4}" sibTransId="{65178C3E-1AB9-44DE-A044-2DE099FF541E}"/>
-    <dgm:cxn modelId="{021EFDC7-1A5D-4856-B5B7-82BB85B99E41}" srcId="{4454A727-A83C-4DCD-B316-0EC1DACA4FFC}" destId="{268661AE-5228-4712-A35C-B596C8C525D9}" srcOrd="5" destOrd="0" parTransId="{3B592B06-CC2F-48AB-8B5C-C56B7779F833}" sibTransId="{9A56A5F5-DDAA-4186-9213-903858370B82}"/>
+    <dgm:cxn modelId="{2034F992-34C6-440A-B928-5209F97EC116}" type="presOf" srcId="{DAEBF9CB-EC7C-4933-9250-C2B155723297}" destId="{6919D201-A12F-4AB9-AE93-FD70FC3889BA}" srcOrd="0" destOrd="0" presId="urn:microsoft.com/office/officeart/2005/8/layout/hChevron3"/>
+    <dgm:cxn modelId="{21419275-74A6-4E57-9F5A-C34B6EC65F6A}" type="presOf" srcId="{B396D6FA-6927-4CC8-8185-8B4B0FB499E8}" destId="{AD8E9CC5-1181-4C5D-BB10-713ED4CAB4C5}" srcOrd="0" destOrd="0" presId="urn:microsoft.com/office/officeart/2005/8/layout/hChevron3"/>
     <dgm:cxn modelId="{A9E581F0-C140-43EF-BC9D-15E543326862}" type="presParOf" srcId="{0B456547-30FB-44C9-B3BF-6AB7A39712F3}" destId="{AD8E9CC5-1181-4C5D-BB10-713ED4CAB4C5}" srcOrd="0" destOrd="0" presId="urn:microsoft.com/office/officeart/2005/8/layout/hChevron3"/>
     <dgm:cxn modelId="{E7E2B71D-6621-4A8D-A24B-E6F8588F9095}" type="presParOf" srcId="{0B456547-30FB-44C9-B3BF-6AB7A39712F3}" destId="{9609200F-81F6-47E6-8678-3DB023136184}" srcOrd="1" destOrd="0" presId="urn:microsoft.com/office/officeart/2005/8/layout/hChevron3"/>
     <dgm:cxn modelId="{191F937D-0699-4311-AB73-90AB8749EF3B}" type="presParOf" srcId="{0B456547-30FB-44C9-B3BF-6AB7A39712F3}" destId="{359CC400-CD02-4C6C-9C4B-90749A316125}" srcOrd="2" destOrd="0" presId="urn:microsoft.com/office/officeart/2005/8/layout/hChevron3"/>
@@ -6738,6 +6906,13 @@
         </dgm:presLayoutVars>
       </dgm:prSet>
       <dgm:spPr/>
+      <dgm:t>
+        <a:bodyPr/>
+        <a:lstStyle/>
+        <a:p>
+          <a:endParaRPr lang="de-DE"/>
+        </a:p>
+      </dgm:t>
     </dgm:pt>
     <dgm:pt modelId="{9609200F-81F6-47E6-8678-3DB023136184}" type="pres">
       <dgm:prSet presAssocID="{316E2E29-A49D-43FE-8CB0-A67A210B3406}" presName="parSpace" presStyleCnt="0"/>
@@ -6750,6 +6925,13 @@
         </dgm:presLayoutVars>
       </dgm:prSet>
       <dgm:spPr/>
+      <dgm:t>
+        <a:bodyPr/>
+        <a:lstStyle/>
+        <a:p>
+          <a:endParaRPr lang="de-DE"/>
+        </a:p>
+      </dgm:t>
     </dgm:pt>
     <dgm:pt modelId="{710D066B-FB16-4B2D-8AEC-F3F86FADF37C}" type="pres">
       <dgm:prSet presAssocID="{8501A7D4-507E-412C-98E3-C72FBE3B535E}" presName="parSpace" presStyleCnt="0"/>
@@ -6762,6 +6944,13 @@
         </dgm:presLayoutVars>
       </dgm:prSet>
       <dgm:spPr/>
+      <dgm:t>
+        <a:bodyPr/>
+        <a:lstStyle/>
+        <a:p>
+          <a:endParaRPr lang="de-DE"/>
+        </a:p>
+      </dgm:t>
     </dgm:pt>
     <dgm:pt modelId="{65B9A82A-C46C-4257-8F77-2E2F5ED9B4ED}" type="pres">
       <dgm:prSet presAssocID="{65178C3E-1AB9-44DE-A044-2DE099FF541E}" presName="parSpace" presStyleCnt="0"/>
@@ -6774,6 +6963,13 @@
         </dgm:presLayoutVars>
       </dgm:prSet>
       <dgm:spPr/>
+      <dgm:t>
+        <a:bodyPr/>
+        <a:lstStyle/>
+        <a:p>
+          <a:endParaRPr lang="de-DE"/>
+        </a:p>
+      </dgm:t>
     </dgm:pt>
     <dgm:pt modelId="{FA98F343-4F3E-4A24-86C6-4A85C7F71687}" type="pres">
       <dgm:prSet presAssocID="{A0D8349B-75A0-4DBC-AA15-03F8F0A68285}" presName="parSpace" presStyleCnt="0"/>
@@ -6786,6 +6982,13 @@
         </dgm:presLayoutVars>
       </dgm:prSet>
       <dgm:spPr/>
+      <dgm:t>
+        <a:bodyPr/>
+        <a:lstStyle/>
+        <a:p>
+          <a:endParaRPr lang="de-DE"/>
+        </a:p>
+      </dgm:t>
     </dgm:pt>
     <dgm:pt modelId="{4A16EEA0-CEB4-466B-9EBF-44E2356C1EF8}" type="pres">
       <dgm:prSet presAssocID="{E7C831B5-A889-49EF-99F0-9421C16125E3}" presName="parSpace" presStyleCnt="0"/>
@@ -6798,22 +7001,29 @@
         </dgm:presLayoutVars>
       </dgm:prSet>
       <dgm:spPr/>
+      <dgm:t>
+        <a:bodyPr/>
+        <a:lstStyle/>
+        <a:p>
+          <a:endParaRPr lang="de-DE"/>
+        </a:p>
+      </dgm:t>
     </dgm:pt>
   </dgm:ptLst>
   <dgm:cxnLst>
+    <dgm:cxn modelId="{511DCE54-0CD1-46F2-A5BC-75C3A51C8A7B}" srcId="{4454A727-A83C-4DCD-B316-0EC1DACA4FFC}" destId="{591160B3-0CC7-4065-B28B-BDCA097120BE}" srcOrd="4" destOrd="0" parTransId="{FA57BF0C-9521-4F49-94E3-AC6F67534010}" sibTransId="{E7C831B5-A889-49EF-99F0-9421C16125E3}"/>
+    <dgm:cxn modelId="{E02F8061-C48F-4284-B4F5-AD144901F9C7}" srcId="{4454A727-A83C-4DCD-B316-0EC1DACA4FFC}" destId="{6208FDFF-5F5B-421B-9930-F55F8E1CFA20}" srcOrd="3" destOrd="0" parTransId="{F2AA9172-F2A8-455D-8951-1D40EEC35E08}" sibTransId="{A0D8349B-75A0-4DBC-AA15-03F8F0A68285}"/>
+    <dgm:cxn modelId="{CF1093AA-9E6E-475B-A56D-48C263B44311}" srcId="{4454A727-A83C-4DCD-B316-0EC1DACA4FFC}" destId="{26BA3BE8-4CFD-4CA9-8A0B-960E670B65A3}" srcOrd="1" destOrd="0" parTransId="{031A14BD-A3F3-4D5D-AB2E-9A9FC5D00052}" sibTransId="{8501A7D4-507E-412C-98E3-C72FBE3B535E}"/>
+    <dgm:cxn modelId="{0EFA4E5C-CA90-452D-B822-F71C4FE89D10}" srcId="{4454A727-A83C-4DCD-B316-0EC1DACA4FFC}" destId="{B396D6FA-6927-4CC8-8185-8B4B0FB499E8}" srcOrd="0" destOrd="0" parTransId="{D11A700C-2360-4A22-B5EB-18DEBF802321}" sibTransId="{316E2E29-A49D-43FE-8CB0-A67A210B3406}"/>
+    <dgm:cxn modelId="{C2155998-1A9C-487B-8269-69ACCC160A74}" type="presOf" srcId="{6208FDFF-5F5B-421B-9930-F55F8E1CFA20}" destId="{87B6F2D0-51B9-4D75-883E-5AFB3AE684B2}" srcOrd="0" destOrd="0" presId="urn:microsoft.com/office/officeart/2005/8/layout/hChevron3"/>
+    <dgm:cxn modelId="{021EFDC7-1A5D-4856-B5B7-82BB85B99E41}" srcId="{4454A727-A83C-4DCD-B316-0EC1DACA4FFC}" destId="{268661AE-5228-4712-A35C-B596C8C525D9}" srcOrd="5" destOrd="0" parTransId="{3B592B06-CC2F-48AB-8B5C-C56B7779F833}" sibTransId="{9A56A5F5-DDAA-4186-9213-903858370B82}"/>
     <dgm:cxn modelId="{C6C8171E-6EF6-4076-A59A-E6356720D4A7}" type="presOf" srcId="{26BA3BE8-4CFD-4CA9-8A0B-960E670B65A3}" destId="{359CC400-CD02-4C6C-9C4B-90749A316125}" srcOrd="0" destOrd="0" presId="urn:microsoft.com/office/officeart/2005/8/layout/hChevron3"/>
-    <dgm:cxn modelId="{0EFA4E5C-CA90-452D-B822-F71C4FE89D10}" srcId="{4454A727-A83C-4DCD-B316-0EC1DACA4FFC}" destId="{B396D6FA-6927-4CC8-8185-8B4B0FB499E8}" srcOrd="0" destOrd="0" parTransId="{D11A700C-2360-4A22-B5EB-18DEBF802321}" sibTransId="{316E2E29-A49D-43FE-8CB0-A67A210B3406}"/>
-    <dgm:cxn modelId="{E02F8061-C48F-4284-B4F5-AD144901F9C7}" srcId="{4454A727-A83C-4DCD-B316-0EC1DACA4FFC}" destId="{6208FDFF-5F5B-421B-9930-F55F8E1CFA20}" srcOrd="3" destOrd="0" parTransId="{F2AA9172-F2A8-455D-8951-1D40EEC35E08}" sibTransId="{A0D8349B-75A0-4DBC-AA15-03F8F0A68285}"/>
     <dgm:cxn modelId="{08159F64-F1A1-435A-BDC4-5E6D098BF2EC}" type="presOf" srcId="{268661AE-5228-4712-A35C-B596C8C525D9}" destId="{8CA444A2-8682-4E4C-B30C-1B5E0E3255B8}" srcOrd="0" destOrd="0" presId="urn:microsoft.com/office/officeart/2005/8/layout/hChevron3"/>
-    <dgm:cxn modelId="{511DCE54-0CD1-46F2-A5BC-75C3A51C8A7B}" srcId="{4454A727-A83C-4DCD-B316-0EC1DACA4FFC}" destId="{591160B3-0CC7-4065-B28B-BDCA097120BE}" srcOrd="4" destOrd="0" parTransId="{FA57BF0C-9521-4F49-94E3-AC6F67534010}" sibTransId="{E7C831B5-A889-49EF-99F0-9421C16125E3}"/>
-    <dgm:cxn modelId="{21419275-74A6-4E57-9F5A-C34B6EC65F6A}" type="presOf" srcId="{B396D6FA-6927-4CC8-8185-8B4B0FB499E8}" destId="{AD8E9CC5-1181-4C5D-BB10-713ED4CAB4C5}" srcOrd="0" destOrd="0" presId="urn:microsoft.com/office/officeart/2005/8/layout/hChevron3"/>
-    <dgm:cxn modelId="{2034F992-34C6-440A-B928-5209F97EC116}" type="presOf" srcId="{DAEBF9CB-EC7C-4933-9250-C2B155723297}" destId="{6919D201-A12F-4AB9-AE93-FD70FC3889BA}" srcOrd="0" destOrd="0" presId="urn:microsoft.com/office/officeart/2005/8/layout/hChevron3"/>
-    <dgm:cxn modelId="{C2155998-1A9C-487B-8269-69ACCC160A74}" type="presOf" srcId="{6208FDFF-5F5B-421B-9930-F55F8E1CFA20}" destId="{87B6F2D0-51B9-4D75-883E-5AFB3AE684B2}" srcOrd="0" destOrd="0" presId="urn:microsoft.com/office/officeart/2005/8/layout/hChevron3"/>
-    <dgm:cxn modelId="{CF1093AA-9E6E-475B-A56D-48C263B44311}" srcId="{4454A727-A83C-4DCD-B316-0EC1DACA4FFC}" destId="{26BA3BE8-4CFD-4CA9-8A0B-960E670B65A3}" srcOrd="1" destOrd="0" parTransId="{031A14BD-A3F3-4D5D-AB2E-9A9FC5D00052}" sibTransId="{8501A7D4-507E-412C-98E3-C72FBE3B535E}"/>
     <dgm:cxn modelId="{99B3EBB2-AFC4-4418-9FAA-B458E7D0F853}" type="presOf" srcId="{4454A727-A83C-4DCD-B316-0EC1DACA4FFC}" destId="{0B456547-30FB-44C9-B3BF-6AB7A39712F3}" srcOrd="0" destOrd="0" presId="urn:microsoft.com/office/officeart/2005/8/layout/hChevron3"/>
     <dgm:cxn modelId="{21E53CB4-1225-45C6-92DB-2201EC3E22EF}" type="presOf" srcId="{591160B3-0CC7-4065-B28B-BDCA097120BE}" destId="{9436A75D-2A17-4250-A3BD-4BBF46653EA6}" srcOrd="0" destOrd="0" presId="urn:microsoft.com/office/officeart/2005/8/layout/hChevron3"/>
     <dgm:cxn modelId="{28961BB9-93A8-4173-840A-0752E8342B69}" srcId="{4454A727-A83C-4DCD-B316-0EC1DACA4FFC}" destId="{DAEBF9CB-EC7C-4933-9250-C2B155723297}" srcOrd="2" destOrd="0" parTransId="{6C163563-6DBF-4F12-99C5-F245633289A4}" sibTransId="{65178C3E-1AB9-44DE-A044-2DE099FF541E}"/>
-    <dgm:cxn modelId="{021EFDC7-1A5D-4856-B5B7-82BB85B99E41}" srcId="{4454A727-A83C-4DCD-B316-0EC1DACA4FFC}" destId="{268661AE-5228-4712-A35C-B596C8C525D9}" srcOrd="5" destOrd="0" parTransId="{3B592B06-CC2F-48AB-8B5C-C56B7779F833}" sibTransId="{9A56A5F5-DDAA-4186-9213-903858370B82}"/>
+    <dgm:cxn modelId="{2034F992-34C6-440A-B928-5209F97EC116}" type="presOf" srcId="{DAEBF9CB-EC7C-4933-9250-C2B155723297}" destId="{6919D201-A12F-4AB9-AE93-FD70FC3889BA}" srcOrd="0" destOrd="0" presId="urn:microsoft.com/office/officeart/2005/8/layout/hChevron3"/>
+    <dgm:cxn modelId="{21419275-74A6-4E57-9F5A-C34B6EC65F6A}" type="presOf" srcId="{B396D6FA-6927-4CC8-8185-8B4B0FB499E8}" destId="{AD8E9CC5-1181-4C5D-BB10-713ED4CAB4C5}" srcOrd="0" destOrd="0" presId="urn:microsoft.com/office/officeart/2005/8/layout/hChevron3"/>
     <dgm:cxn modelId="{A9E581F0-C140-43EF-BC9D-15E543326862}" type="presParOf" srcId="{0B456547-30FB-44C9-B3BF-6AB7A39712F3}" destId="{AD8E9CC5-1181-4C5D-BB10-713ED4CAB4C5}" srcOrd="0" destOrd="0" presId="urn:microsoft.com/office/officeart/2005/8/layout/hChevron3"/>
     <dgm:cxn modelId="{E7E2B71D-6621-4A8D-A24B-E6F8588F9095}" type="presParOf" srcId="{0B456547-30FB-44C9-B3BF-6AB7A39712F3}" destId="{9609200F-81F6-47E6-8678-3DB023136184}" srcOrd="1" destOrd="0" presId="urn:microsoft.com/office/officeart/2005/8/layout/hChevron3"/>
     <dgm:cxn modelId="{191F937D-0699-4311-AB73-90AB8749EF3B}" type="presParOf" srcId="{0B456547-30FB-44C9-B3BF-6AB7A39712F3}" destId="{359CC400-CD02-4C6C-9C4B-90749A316125}" srcOrd="2" destOrd="0" presId="urn:microsoft.com/office/officeart/2005/8/layout/hChevron3"/>
@@ -7183,6 +7393,13 @@
         </dgm:presLayoutVars>
       </dgm:prSet>
       <dgm:spPr/>
+      <dgm:t>
+        <a:bodyPr/>
+        <a:lstStyle/>
+        <a:p>
+          <a:endParaRPr lang="de-DE"/>
+        </a:p>
+      </dgm:t>
     </dgm:pt>
     <dgm:pt modelId="{9609200F-81F6-47E6-8678-3DB023136184}" type="pres">
       <dgm:prSet presAssocID="{316E2E29-A49D-43FE-8CB0-A67A210B3406}" presName="parSpace" presStyleCnt="0"/>
@@ -7195,6 +7412,13 @@
         </dgm:presLayoutVars>
       </dgm:prSet>
       <dgm:spPr/>
+      <dgm:t>
+        <a:bodyPr/>
+        <a:lstStyle/>
+        <a:p>
+          <a:endParaRPr lang="de-DE"/>
+        </a:p>
+      </dgm:t>
     </dgm:pt>
     <dgm:pt modelId="{710D066B-FB16-4B2D-8AEC-F3F86FADF37C}" type="pres">
       <dgm:prSet presAssocID="{8501A7D4-507E-412C-98E3-C72FBE3B535E}" presName="parSpace" presStyleCnt="0"/>
@@ -7207,6 +7431,13 @@
         </dgm:presLayoutVars>
       </dgm:prSet>
       <dgm:spPr/>
+      <dgm:t>
+        <a:bodyPr/>
+        <a:lstStyle/>
+        <a:p>
+          <a:endParaRPr lang="de-DE"/>
+        </a:p>
+      </dgm:t>
     </dgm:pt>
     <dgm:pt modelId="{65B9A82A-C46C-4257-8F77-2E2F5ED9B4ED}" type="pres">
       <dgm:prSet presAssocID="{65178C3E-1AB9-44DE-A044-2DE099FF541E}" presName="parSpace" presStyleCnt="0"/>
@@ -7219,6 +7450,13 @@
         </dgm:presLayoutVars>
       </dgm:prSet>
       <dgm:spPr/>
+      <dgm:t>
+        <a:bodyPr/>
+        <a:lstStyle/>
+        <a:p>
+          <a:endParaRPr lang="de-DE"/>
+        </a:p>
+      </dgm:t>
     </dgm:pt>
     <dgm:pt modelId="{FA98F343-4F3E-4A24-86C6-4A85C7F71687}" type="pres">
       <dgm:prSet presAssocID="{A0D8349B-75A0-4DBC-AA15-03F8F0A68285}" presName="parSpace" presStyleCnt="0"/>
@@ -7231,6 +7469,13 @@
         </dgm:presLayoutVars>
       </dgm:prSet>
       <dgm:spPr/>
+      <dgm:t>
+        <a:bodyPr/>
+        <a:lstStyle/>
+        <a:p>
+          <a:endParaRPr lang="de-DE"/>
+        </a:p>
+      </dgm:t>
     </dgm:pt>
     <dgm:pt modelId="{4A16EEA0-CEB4-466B-9EBF-44E2356C1EF8}" type="pres">
       <dgm:prSet presAssocID="{E7C831B5-A889-49EF-99F0-9421C16125E3}" presName="parSpace" presStyleCnt="0"/>
@@ -7243,22 +7488,29 @@
         </dgm:presLayoutVars>
       </dgm:prSet>
       <dgm:spPr/>
+      <dgm:t>
+        <a:bodyPr/>
+        <a:lstStyle/>
+        <a:p>
+          <a:endParaRPr lang="de-DE"/>
+        </a:p>
+      </dgm:t>
     </dgm:pt>
   </dgm:ptLst>
   <dgm:cxnLst>
+    <dgm:cxn modelId="{511DCE54-0CD1-46F2-A5BC-75C3A51C8A7B}" srcId="{4454A727-A83C-4DCD-B316-0EC1DACA4FFC}" destId="{591160B3-0CC7-4065-B28B-BDCA097120BE}" srcOrd="4" destOrd="0" parTransId="{FA57BF0C-9521-4F49-94E3-AC6F67534010}" sibTransId="{E7C831B5-A889-49EF-99F0-9421C16125E3}"/>
+    <dgm:cxn modelId="{E02F8061-C48F-4284-B4F5-AD144901F9C7}" srcId="{4454A727-A83C-4DCD-B316-0EC1DACA4FFC}" destId="{6208FDFF-5F5B-421B-9930-F55F8E1CFA20}" srcOrd="3" destOrd="0" parTransId="{F2AA9172-F2A8-455D-8951-1D40EEC35E08}" sibTransId="{A0D8349B-75A0-4DBC-AA15-03F8F0A68285}"/>
+    <dgm:cxn modelId="{CF1093AA-9E6E-475B-A56D-48C263B44311}" srcId="{4454A727-A83C-4DCD-B316-0EC1DACA4FFC}" destId="{26BA3BE8-4CFD-4CA9-8A0B-960E670B65A3}" srcOrd="1" destOrd="0" parTransId="{031A14BD-A3F3-4D5D-AB2E-9A9FC5D00052}" sibTransId="{8501A7D4-507E-412C-98E3-C72FBE3B535E}"/>
+    <dgm:cxn modelId="{0EFA4E5C-CA90-452D-B822-F71C4FE89D10}" srcId="{4454A727-A83C-4DCD-B316-0EC1DACA4FFC}" destId="{B396D6FA-6927-4CC8-8185-8B4B0FB499E8}" srcOrd="0" destOrd="0" parTransId="{D11A700C-2360-4A22-B5EB-18DEBF802321}" sibTransId="{316E2E29-A49D-43FE-8CB0-A67A210B3406}"/>
+    <dgm:cxn modelId="{C2155998-1A9C-487B-8269-69ACCC160A74}" type="presOf" srcId="{6208FDFF-5F5B-421B-9930-F55F8E1CFA20}" destId="{87B6F2D0-51B9-4D75-883E-5AFB3AE684B2}" srcOrd="0" destOrd="0" presId="urn:microsoft.com/office/officeart/2005/8/layout/hChevron3"/>
+    <dgm:cxn modelId="{021EFDC7-1A5D-4856-B5B7-82BB85B99E41}" srcId="{4454A727-A83C-4DCD-B316-0EC1DACA4FFC}" destId="{268661AE-5228-4712-A35C-B596C8C525D9}" srcOrd="5" destOrd="0" parTransId="{3B592B06-CC2F-48AB-8B5C-C56B7779F833}" sibTransId="{9A56A5F5-DDAA-4186-9213-903858370B82}"/>
     <dgm:cxn modelId="{C6C8171E-6EF6-4076-A59A-E6356720D4A7}" type="presOf" srcId="{26BA3BE8-4CFD-4CA9-8A0B-960E670B65A3}" destId="{359CC400-CD02-4C6C-9C4B-90749A316125}" srcOrd="0" destOrd="0" presId="urn:microsoft.com/office/officeart/2005/8/layout/hChevron3"/>
-    <dgm:cxn modelId="{0EFA4E5C-CA90-452D-B822-F71C4FE89D10}" srcId="{4454A727-A83C-4DCD-B316-0EC1DACA4FFC}" destId="{B396D6FA-6927-4CC8-8185-8B4B0FB499E8}" srcOrd="0" destOrd="0" parTransId="{D11A700C-2360-4A22-B5EB-18DEBF802321}" sibTransId="{316E2E29-A49D-43FE-8CB0-A67A210B3406}"/>
-    <dgm:cxn modelId="{E02F8061-C48F-4284-B4F5-AD144901F9C7}" srcId="{4454A727-A83C-4DCD-B316-0EC1DACA4FFC}" destId="{6208FDFF-5F5B-421B-9930-F55F8E1CFA20}" srcOrd="3" destOrd="0" parTransId="{F2AA9172-F2A8-455D-8951-1D40EEC35E08}" sibTransId="{A0D8349B-75A0-4DBC-AA15-03F8F0A68285}"/>
     <dgm:cxn modelId="{08159F64-F1A1-435A-BDC4-5E6D098BF2EC}" type="presOf" srcId="{268661AE-5228-4712-A35C-B596C8C525D9}" destId="{8CA444A2-8682-4E4C-B30C-1B5E0E3255B8}" srcOrd="0" destOrd="0" presId="urn:microsoft.com/office/officeart/2005/8/layout/hChevron3"/>
-    <dgm:cxn modelId="{511DCE54-0CD1-46F2-A5BC-75C3A51C8A7B}" srcId="{4454A727-A83C-4DCD-B316-0EC1DACA4FFC}" destId="{591160B3-0CC7-4065-B28B-BDCA097120BE}" srcOrd="4" destOrd="0" parTransId="{FA57BF0C-9521-4F49-94E3-AC6F67534010}" sibTransId="{E7C831B5-A889-49EF-99F0-9421C16125E3}"/>
-    <dgm:cxn modelId="{21419275-74A6-4E57-9F5A-C34B6EC65F6A}" type="presOf" srcId="{B396D6FA-6927-4CC8-8185-8B4B0FB499E8}" destId="{AD8E9CC5-1181-4C5D-BB10-713ED4CAB4C5}" srcOrd="0" destOrd="0" presId="urn:microsoft.com/office/officeart/2005/8/layout/hChevron3"/>
-    <dgm:cxn modelId="{2034F992-34C6-440A-B928-5209F97EC116}" type="presOf" srcId="{DAEBF9CB-EC7C-4933-9250-C2B155723297}" destId="{6919D201-A12F-4AB9-AE93-FD70FC3889BA}" srcOrd="0" destOrd="0" presId="urn:microsoft.com/office/officeart/2005/8/layout/hChevron3"/>
-    <dgm:cxn modelId="{C2155998-1A9C-487B-8269-69ACCC160A74}" type="presOf" srcId="{6208FDFF-5F5B-421B-9930-F55F8E1CFA20}" destId="{87B6F2D0-51B9-4D75-883E-5AFB3AE684B2}" srcOrd="0" destOrd="0" presId="urn:microsoft.com/office/officeart/2005/8/layout/hChevron3"/>
-    <dgm:cxn modelId="{CF1093AA-9E6E-475B-A56D-48C263B44311}" srcId="{4454A727-A83C-4DCD-B316-0EC1DACA4FFC}" destId="{26BA3BE8-4CFD-4CA9-8A0B-960E670B65A3}" srcOrd="1" destOrd="0" parTransId="{031A14BD-A3F3-4D5D-AB2E-9A9FC5D00052}" sibTransId="{8501A7D4-507E-412C-98E3-C72FBE3B535E}"/>
     <dgm:cxn modelId="{99B3EBB2-AFC4-4418-9FAA-B458E7D0F853}" type="presOf" srcId="{4454A727-A83C-4DCD-B316-0EC1DACA4FFC}" destId="{0B456547-30FB-44C9-B3BF-6AB7A39712F3}" srcOrd="0" destOrd="0" presId="urn:microsoft.com/office/officeart/2005/8/layout/hChevron3"/>
     <dgm:cxn modelId="{21E53CB4-1225-45C6-92DB-2201EC3E22EF}" type="presOf" srcId="{591160B3-0CC7-4065-B28B-BDCA097120BE}" destId="{9436A75D-2A17-4250-A3BD-4BBF46653EA6}" srcOrd="0" destOrd="0" presId="urn:microsoft.com/office/officeart/2005/8/layout/hChevron3"/>
     <dgm:cxn modelId="{28961BB9-93A8-4173-840A-0752E8342B69}" srcId="{4454A727-A83C-4DCD-B316-0EC1DACA4FFC}" destId="{DAEBF9CB-EC7C-4933-9250-C2B155723297}" srcOrd="2" destOrd="0" parTransId="{6C163563-6DBF-4F12-99C5-F245633289A4}" sibTransId="{65178C3E-1AB9-44DE-A044-2DE099FF541E}"/>
-    <dgm:cxn modelId="{021EFDC7-1A5D-4856-B5B7-82BB85B99E41}" srcId="{4454A727-A83C-4DCD-B316-0EC1DACA4FFC}" destId="{268661AE-5228-4712-A35C-B596C8C525D9}" srcOrd="5" destOrd="0" parTransId="{3B592B06-CC2F-48AB-8B5C-C56B7779F833}" sibTransId="{9A56A5F5-DDAA-4186-9213-903858370B82}"/>
+    <dgm:cxn modelId="{2034F992-34C6-440A-B928-5209F97EC116}" type="presOf" srcId="{DAEBF9CB-EC7C-4933-9250-C2B155723297}" destId="{6919D201-A12F-4AB9-AE93-FD70FC3889BA}" srcOrd="0" destOrd="0" presId="urn:microsoft.com/office/officeart/2005/8/layout/hChevron3"/>
+    <dgm:cxn modelId="{21419275-74A6-4E57-9F5A-C34B6EC65F6A}" type="presOf" srcId="{B396D6FA-6927-4CC8-8185-8B4B0FB499E8}" destId="{AD8E9CC5-1181-4C5D-BB10-713ED4CAB4C5}" srcOrd="0" destOrd="0" presId="urn:microsoft.com/office/officeart/2005/8/layout/hChevron3"/>
     <dgm:cxn modelId="{A9E581F0-C140-43EF-BC9D-15E543326862}" type="presParOf" srcId="{0B456547-30FB-44C9-B3BF-6AB7A39712F3}" destId="{AD8E9CC5-1181-4C5D-BB10-713ED4CAB4C5}" srcOrd="0" destOrd="0" presId="urn:microsoft.com/office/officeart/2005/8/layout/hChevron3"/>
     <dgm:cxn modelId="{E7E2B71D-6621-4A8D-A24B-E6F8588F9095}" type="presParOf" srcId="{0B456547-30FB-44C9-B3BF-6AB7A39712F3}" destId="{9609200F-81F6-47E6-8678-3DB023136184}" srcOrd="1" destOrd="0" presId="urn:microsoft.com/office/officeart/2005/8/layout/hChevron3"/>
     <dgm:cxn modelId="{191F937D-0699-4311-AB73-90AB8749EF3B}" type="presParOf" srcId="{0B456547-30FB-44C9-B3BF-6AB7A39712F3}" destId="{359CC400-CD02-4C6C-9C4B-90749A316125}" srcOrd="2" destOrd="0" presId="urn:microsoft.com/office/officeart/2005/8/layout/hChevron3"/>
@@ -7334,7 +7586,7 @@
         </a:bodyPr>
         <a:lstStyle/>
         <a:p>
-          <a:pPr marL="0" lvl="0" indent="0" algn="ctr" defTabSz="800100">
+          <a:pPr lvl="0" algn="ctr" defTabSz="800100">
             <a:lnSpc>
               <a:spcPct val="90000"/>
             </a:lnSpc>
@@ -7344,7 +7596,6 @@
             <a:spcAft>
               <a:spcPct val="35000"/>
             </a:spcAft>
-            <a:buNone/>
           </a:pPr>
           <a:r>
             <a:rPr lang="de-DE" sz="1800" b="1" kern="1200" dirty="0">
@@ -7411,7 +7662,7 @@
         </a:bodyPr>
         <a:lstStyle/>
         <a:p>
-          <a:pPr marL="0" lvl="0" indent="0" algn="ctr" defTabSz="711200">
+          <a:pPr lvl="0" algn="ctr" defTabSz="711200">
             <a:lnSpc>
               <a:spcPct val="90000"/>
             </a:lnSpc>
@@ -7421,7 +7672,6 @@
             <a:spcAft>
               <a:spcPct val="35000"/>
             </a:spcAft>
-            <a:buNone/>
           </a:pPr>
           <a:r>
             <a:rPr lang="de-DE" sz="1600" kern="1200" dirty="0">
@@ -7488,7 +7738,7 @@
         </a:bodyPr>
         <a:lstStyle/>
         <a:p>
-          <a:pPr marL="0" lvl="0" indent="0" algn="ctr" defTabSz="711200">
+          <a:pPr lvl="0" algn="ctr" defTabSz="711200">
             <a:lnSpc>
               <a:spcPct val="90000"/>
             </a:lnSpc>
@@ -7498,7 +7748,6 @@
             <a:spcAft>
               <a:spcPct val="35000"/>
             </a:spcAft>
-            <a:buNone/>
           </a:pPr>
           <a:r>
             <a:rPr lang="de-DE" sz="1600" kern="1200" dirty="0">
@@ -7565,7 +7814,7 @@
         </a:bodyPr>
         <a:lstStyle/>
         <a:p>
-          <a:pPr marL="0" lvl="0" indent="0" algn="ctr" defTabSz="711200">
+          <a:pPr lvl="0" algn="ctr" defTabSz="711200">
             <a:lnSpc>
               <a:spcPct val="90000"/>
             </a:lnSpc>
@@ -7575,7 +7824,6 @@
             <a:spcAft>
               <a:spcPct val="35000"/>
             </a:spcAft>
-            <a:buNone/>
           </a:pPr>
           <a:r>
             <a:rPr lang="de-DE" sz="1600" kern="1200" dirty="0">
@@ -7642,7 +7890,7 @@
         </a:bodyPr>
         <a:lstStyle/>
         <a:p>
-          <a:pPr marL="0" lvl="0" indent="0" algn="ctr" defTabSz="711200">
+          <a:pPr lvl="0" algn="ctr" defTabSz="711200">
             <a:lnSpc>
               <a:spcPct val="90000"/>
             </a:lnSpc>
@@ -7652,7 +7900,6 @@
             <a:spcAft>
               <a:spcPct val="35000"/>
             </a:spcAft>
-            <a:buNone/>
           </a:pPr>
           <a:r>
             <a:rPr lang="de-DE" sz="1600" kern="1200" dirty="0">
@@ -7719,7 +7966,7 @@
         </a:bodyPr>
         <a:lstStyle/>
         <a:p>
-          <a:pPr marL="0" lvl="0" indent="0" algn="ctr" defTabSz="711200">
+          <a:pPr lvl="0" algn="ctr" defTabSz="711200">
             <a:lnSpc>
               <a:spcPct val="90000"/>
             </a:lnSpc>
@@ -7729,7 +7976,6 @@
             <a:spcAft>
               <a:spcPct val="35000"/>
             </a:spcAft>
-            <a:buNone/>
           </a:pPr>
           <a:r>
             <a:rPr lang="de-DE" sz="1600" kern="1200" dirty="0">
@@ -7808,7 +8054,7 @@
         </a:bodyPr>
         <a:lstStyle/>
         <a:p>
-          <a:pPr marL="0" lvl="0" indent="0" algn="ctr" defTabSz="711200">
+          <a:pPr lvl="0" algn="ctr" defTabSz="711200">
             <a:lnSpc>
               <a:spcPct val="90000"/>
             </a:lnSpc>
@@ -7818,7 +8064,6 @@
             <a:spcAft>
               <a:spcPct val="35000"/>
             </a:spcAft>
-            <a:buNone/>
           </a:pPr>
           <a:r>
             <a:rPr lang="de-DE" sz="1600" b="0" kern="1200" dirty="0">
@@ -7885,7 +8130,7 @@
         </a:bodyPr>
         <a:lstStyle/>
         <a:p>
-          <a:pPr marL="0" lvl="0" indent="0" algn="ctr" defTabSz="800100">
+          <a:pPr lvl="0" algn="ctr" defTabSz="800100">
             <a:lnSpc>
               <a:spcPct val="90000"/>
             </a:lnSpc>
@@ -7895,7 +8140,6 @@
             <a:spcAft>
               <a:spcPct val="35000"/>
             </a:spcAft>
-            <a:buNone/>
           </a:pPr>
           <a:r>
             <a:rPr lang="de-DE" sz="1800" b="1" kern="1200" dirty="0">
@@ -7962,7 +8206,7 @@
         </a:bodyPr>
         <a:lstStyle/>
         <a:p>
-          <a:pPr marL="0" lvl="0" indent="0" algn="ctr" defTabSz="711200">
+          <a:pPr lvl="0" algn="ctr" defTabSz="711200">
             <a:lnSpc>
               <a:spcPct val="90000"/>
             </a:lnSpc>
@@ -7972,7 +8216,6 @@
             <a:spcAft>
               <a:spcPct val="35000"/>
             </a:spcAft>
-            <a:buNone/>
           </a:pPr>
           <a:r>
             <a:rPr lang="de-DE" sz="1600" kern="1200" dirty="0">
@@ -8039,7 +8282,7 @@
         </a:bodyPr>
         <a:lstStyle/>
         <a:p>
-          <a:pPr marL="0" lvl="0" indent="0" algn="ctr" defTabSz="711200">
+          <a:pPr lvl="0" algn="ctr" defTabSz="711200">
             <a:lnSpc>
               <a:spcPct val="90000"/>
             </a:lnSpc>
@@ -8049,7 +8292,6 @@
             <a:spcAft>
               <a:spcPct val="35000"/>
             </a:spcAft>
-            <a:buNone/>
           </a:pPr>
           <a:r>
             <a:rPr lang="de-DE" sz="1600" kern="1200" dirty="0">
@@ -8116,7 +8358,7 @@
         </a:bodyPr>
         <a:lstStyle/>
         <a:p>
-          <a:pPr marL="0" lvl="0" indent="0" algn="ctr" defTabSz="711200">
+          <a:pPr lvl="0" algn="ctr" defTabSz="711200">
             <a:lnSpc>
               <a:spcPct val="90000"/>
             </a:lnSpc>
@@ -8126,7 +8368,6 @@
             <a:spcAft>
               <a:spcPct val="35000"/>
             </a:spcAft>
-            <a:buNone/>
           </a:pPr>
           <a:r>
             <a:rPr lang="de-DE" sz="1600" kern="1200" dirty="0">
@@ -8193,7 +8434,7 @@
         </a:bodyPr>
         <a:lstStyle/>
         <a:p>
-          <a:pPr marL="0" lvl="0" indent="0" algn="ctr" defTabSz="711200">
+          <a:pPr lvl="0" algn="ctr" defTabSz="711200">
             <a:lnSpc>
               <a:spcPct val="90000"/>
             </a:lnSpc>
@@ -8203,7 +8444,6 @@
             <a:spcAft>
               <a:spcPct val="35000"/>
             </a:spcAft>
-            <a:buNone/>
           </a:pPr>
           <a:r>
             <a:rPr lang="de-DE" sz="1600" kern="1200" dirty="0">
@@ -8282,7 +8522,7 @@
         </a:bodyPr>
         <a:lstStyle/>
         <a:p>
-          <a:pPr marL="0" lvl="0" indent="0" algn="ctr" defTabSz="711200">
+          <a:pPr lvl="0" algn="ctr" defTabSz="711200">
             <a:lnSpc>
               <a:spcPct val="90000"/>
             </a:lnSpc>
@@ -8292,7 +8532,6 @@
             <a:spcAft>
               <a:spcPct val="35000"/>
             </a:spcAft>
-            <a:buNone/>
           </a:pPr>
           <a:r>
             <a:rPr lang="de-DE" sz="1600" b="0" kern="1200" dirty="0">
@@ -8359,7 +8598,7 @@
         </a:bodyPr>
         <a:lstStyle/>
         <a:p>
-          <a:pPr marL="0" lvl="0" indent="0" algn="ctr" defTabSz="711200">
+          <a:pPr lvl="0" algn="ctr" defTabSz="711200">
             <a:lnSpc>
               <a:spcPct val="90000"/>
             </a:lnSpc>
@@ -8369,7 +8608,6 @@
             <a:spcAft>
               <a:spcPct val="35000"/>
             </a:spcAft>
-            <a:buNone/>
           </a:pPr>
           <a:r>
             <a:rPr lang="de-DE" sz="1600" kern="1200" dirty="0">
@@ -8436,7 +8674,7 @@
         </a:bodyPr>
         <a:lstStyle/>
         <a:p>
-          <a:pPr marL="0" lvl="0" indent="0" algn="ctr" defTabSz="800100">
+          <a:pPr lvl="0" algn="ctr" defTabSz="800100">
             <a:lnSpc>
               <a:spcPct val="90000"/>
             </a:lnSpc>
@@ -8446,7 +8684,6 @@
             <a:spcAft>
               <a:spcPct val="35000"/>
             </a:spcAft>
-            <a:buNone/>
           </a:pPr>
           <a:r>
             <a:rPr lang="de-DE" sz="1800" b="1" kern="1200" dirty="0">
@@ -8513,7 +8750,7 @@
         </a:bodyPr>
         <a:lstStyle/>
         <a:p>
-          <a:pPr marL="0" lvl="0" indent="0" algn="ctr" defTabSz="711200">
+          <a:pPr lvl="0" algn="ctr" defTabSz="711200">
             <a:lnSpc>
               <a:spcPct val="90000"/>
             </a:lnSpc>
@@ -8523,7 +8760,6 @@
             <a:spcAft>
               <a:spcPct val="35000"/>
             </a:spcAft>
-            <a:buNone/>
           </a:pPr>
           <a:r>
             <a:rPr lang="de-DE" sz="1600" kern="1200" dirty="0">
@@ -8590,7 +8826,7 @@
         </a:bodyPr>
         <a:lstStyle/>
         <a:p>
-          <a:pPr marL="0" lvl="0" indent="0" algn="ctr" defTabSz="711200">
+          <a:pPr lvl="0" algn="ctr" defTabSz="711200">
             <a:lnSpc>
               <a:spcPct val="90000"/>
             </a:lnSpc>
@@ -8600,7 +8836,6 @@
             <a:spcAft>
               <a:spcPct val="35000"/>
             </a:spcAft>
-            <a:buNone/>
           </a:pPr>
           <a:r>
             <a:rPr lang="de-DE" sz="1600" kern="1200" dirty="0">
@@ -8667,7 +8902,7 @@
         </a:bodyPr>
         <a:lstStyle/>
         <a:p>
-          <a:pPr marL="0" lvl="0" indent="0" algn="ctr" defTabSz="711200">
+          <a:pPr lvl="0" algn="ctr" defTabSz="711200">
             <a:lnSpc>
               <a:spcPct val="90000"/>
             </a:lnSpc>
@@ -8677,7 +8912,6 @@
             <a:spcAft>
               <a:spcPct val="35000"/>
             </a:spcAft>
-            <a:buNone/>
           </a:pPr>
           <a:r>
             <a:rPr lang="de-DE" sz="1600" kern="1200" dirty="0">
@@ -8756,7 +8990,7 @@
         </a:bodyPr>
         <a:lstStyle/>
         <a:p>
-          <a:pPr marL="0" lvl="0" indent="0" algn="ctr" defTabSz="711200">
+          <a:pPr lvl="0" algn="ctr" defTabSz="711200">
             <a:lnSpc>
               <a:spcPct val="90000"/>
             </a:lnSpc>
@@ -8766,7 +9000,6 @@
             <a:spcAft>
               <a:spcPct val="35000"/>
             </a:spcAft>
-            <a:buNone/>
           </a:pPr>
           <a:r>
             <a:rPr lang="de-DE" sz="1600" b="0" kern="1200" dirty="0">
@@ -8833,7 +9066,7 @@
         </a:bodyPr>
         <a:lstStyle/>
         <a:p>
-          <a:pPr marL="0" lvl="0" indent="0" algn="ctr" defTabSz="711200">
+          <a:pPr lvl="0" algn="ctr" defTabSz="711200">
             <a:lnSpc>
               <a:spcPct val="90000"/>
             </a:lnSpc>
@@ -8843,7 +9076,6 @@
             <a:spcAft>
               <a:spcPct val="35000"/>
             </a:spcAft>
-            <a:buNone/>
           </a:pPr>
           <a:r>
             <a:rPr lang="de-DE" sz="1600" kern="1200" dirty="0">
@@ -8910,7 +9142,7 @@
         </a:bodyPr>
         <a:lstStyle/>
         <a:p>
-          <a:pPr marL="0" lvl="0" indent="0" algn="ctr" defTabSz="711200">
+          <a:pPr lvl="0" algn="ctr" defTabSz="711200">
             <a:lnSpc>
               <a:spcPct val="90000"/>
             </a:lnSpc>
@@ -8920,7 +9152,6 @@
             <a:spcAft>
               <a:spcPct val="35000"/>
             </a:spcAft>
-            <a:buNone/>
           </a:pPr>
           <a:r>
             <a:rPr lang="de-DE" sz="1600" kern="1200" dirty="0">
@@ -8987,7 +9218,7 @@
         </a:bodyPr>
         <a:lstStyle/>
         <a:p>
-          <a:pPr marL="0" lvl="0" indent="0" algn="ctr" defTabSz="800100">
+          <a:pPr lvl="0" algn="ctr" defTabSz="800100">
             <a:lnSpc>
               <a:spcPct val="90000"/>
             </a:lnSpc>
@@ -8997,7 +9228,6 @@
             <a:spcAft>
               <a:spcPct val="35000"/>
             </a:spcAft>
-            <a:buNone/>
           </a:pPr>
           <a:r>
             <a:rPr lang="de-DE" sz="1800" b="1" kern="1200" dirty="0">
@@ -9064,7 +9294,7 @@
         </a:bodyPr>
         <a:lstStyle/>
         <a:p>
-          <a:pPr marL="0" lvl="0" indent="0" algn="ctr" defTabSz="711200">
+          <a:pPr lvl="0" algn="ctr" defTabSz="711200">
             <a:lnSpc>
               <a:spcPct val="90000"/>
             </a:lnSpc>
@@ -9074,7 +9304,6 @@
             <a:spcAft>
               <a:spcPct val="35000"/>
             </a:spcAft>
-            <a:buNone/>
           </a:pPr>
           <a:r>
             <a:rPr lang="de-DE" sz="1600" kern="1200" dirty="0">
@@ -9141,7 +9370,7 @@
         </a:bodyPr>
         <a:lstStyle/>
         <a:p>
-          <a:pPr marL="0" lvl="0" indent="0" algn="ctr" defTabSz="711200">
+          <a:pPr lvl="0" algn="ctr" defTabSz="711200">
             <a:lnSpc>
               <a:spcPct val="90000"/>
             </a:lnSpc>
@@ -9151,7 +9380,6 @@
             <a:spcAft>
               <a:spcPct val="35000"/>
             </a:spcAft>
-            <a:buNone/>
           </a:pPr>
           <a:r>
             <a:rPr lang="de-DE" sz="1600" kern="1200" dirty="0">
@@ -9230,7 +9458,7 @@
         </a:bodyPr>
         <a:lstStyle/>
         <a:p>
-          <a:pPr marL="0" lvl="0" indent="0" algn="ctr" defTabSz="711200">
+          <a:pPr lvl="0" algn="ctr" defTabSz="711200">
             <a:lnSpc>
               <a:spcPct val="90000"/>
             </a:lnSpc>
@@ -9240,7 +9468,6 @@
             <a:spcAft>
               <a:spcPct val="35000"/>
             </a:spcAft>
-            <a:buNone/>
           </a:pPr>
           <a:r>
             <a:rPr lang="de-DE" sz="1600" b="0" kern="1200" dirty="0">
@@ -9307,7 +9534,7 @@
         </a:bodyPr>
         <a:lstStyle/>
         <a:p>
-          <a:pPr marL="0" lvl="0" indent="0" algn="ctr" defTabSz="711200">
+          <a:pPr lvl="0" algn="ctr" defTabSz="711200">
             <a:lnSpc>
               <a:spcPct val="90000"/>
             </a:lnSpc>
@@ -9317,7 +9544,6 @@
             <a:spcAft>
               <a:spcPct val="35000"/>
             </a:spcAft>
-            <a:buNone/>
           </a:pPr>
           <a:r>
             <a:rPr lang="de-DE" sz="1600" kern="1200" dirty="0">
@@ -9384,7 +9610,7 @@
         </a:bodyPr>
         <a:lstStyle/>
         <a:p>
-          <a:pPr marL="0" lvl="0" indent="0" algn="ctr" defTabSz="711200">
+          <a:pPr lvl="0" algn="ctr" defTabSz="711200">
             <a:lnSpc>
               <a:spcPct val="90000"/>
             </a:lnSpc>
@@ -9394,7 +9620,6 @@
             <a:spcAft>
               <a:spcPct val="35000"/>
             </a:spcAft>
-            <a:buNone/>
           </a:pPr>
           <a:r>
             <a:rPr lang="de-DE" sz="1600" kern="1200" dirty="0">
@@ -9461,7 +9686,7 @@
         </a:bodyPr>
         <a:lstStyle/>
         <a:p>
-          <a:pPr marL="0" lvl="0" indent="0" algn="ctr" defTabSz="711200">
+          <a:pPr lvl="0" algn="ctr" defTabSz="711200">
             <a:lnSpc>
               <a:spcPct val="90000"/>
             </a:lnSpc>
@@ -9471,7 +9696,6 @@
             <a:spcAft>
               <a:spcPct val="35000"/>
             </a:spcAft>
-            <a:buNone/>
           </a:pPr>
           <a:r>
             <a:rPr lang="de-DE" sz="1600" kern="1200" dirty="0">
@@ -9538,7 +9762,7 @@
         </a:bodyPr>
         <a:lstStyle/>
         <a:p>
-          <a:pPr marL="0" lvl="0" indent="0" algn="ctr" defTabSz="800100">
+          <a:pPr lvl="0" algn="ctr" defTabSz="800100">
             <a:lnSpc>
               <a:spcPct val="90000"/>
             </a:lnSpc>
@@ -9548,7 +9772,6 @@
             <a:spcAft>
               <a:spcPct val="35000"/>
             </a:spcAft>
-            <a:buNone/>
           </a:pPr>
           <a:r>
             <a:rPr lang="de-DE" sz="1800" b="1" kern="1200" dirty="0">
@@ -9615,7 +9838,7 @@
         </a:bodyPr>
         <a:lstStyle/>
         <a:p>
-          <a:pPr marL="0" lvl="0" indent="0" algn="ctr" defTabSz="711200">
+          <a:pPr lvl="0" algn="ctr" defTabSz="711200">
             <a:lnSpc>
               <a:spcPct val="90000"/>
             </a:lnSpc>
@@ -9625,7 +9848,6 @@
             <a:spcAft>
               <a:spcPct val="35000"/>
             </a:spcAft>
-            <a:buNone/>
           </a:pPr>
           <a:r>
             <a:rPr lang="de-DE" sz="1600" kern="1200" dirty="0">
@@ -9704,7 +9926,7 @@
         </a:bodyPr>
         <a:lstStyle/>
         <a:p>
-          <a:pPr marL="0" lvl="0" indent="0" algn="ctr" defTabSz="711200">
+          <a:pPr lvl="0" algn="ctr" defTabSz="711200">
             <a:lnSpc>
               <a:spcPct val="90000"/>
             </a:lnSpc>
@@ -9714,7 +9936,6 @@
             <a:spcAft>
               <a:spcPct val="35000"/>
             </a:spcAft>
-            <a:buNone/>
           </a:pPr>
           <a:r>
             <a:rPr lang="de-DE" sz="1600" b="0" kern="1200" dirty="0">
@@ -9781,7 +10002,7 @@
         </a:bodyPr>
         <a:lstStyle/>
         <a:p>
-          <a:pPr marL="0" lvl="0" indent="0" algn="ctr" defTabSz="711200">
+          <a:pPr lvl="0" algn="ctr" defTabSz="711200">
             <a:lnSpc>
               <a:spcPct val="90000"/>
             </a:lnSpc>
@@ -9791,7 +10012,6 @@
             <a:spcAft>
               <a:spcPct val="35000"/>
             </a:spcAft>
-            <a:buNone/>
           </a:pPr>
           <a:r>
             <a:rPr lang="de-DE" sz="1600" kern="1200" dirty="0">
@@ -9858,7 +10078,7 @@
         </a:bodyPr>
         <a:lstStyle/>
         <a:p>
-          <a:pPr marL="0" lvl="0" indent="0" algn="ctr" defTabSz="711200">
+          <a:pPr lvl="0" algn="ctr" defTabSz="711200">
             <a:lnSpc>
               <a:spcPct val="90000"/>
             </a:lnSpc>
@@ -9868,7 +10088,6 @@
             <a:spcAft>
               <a:spcPct val="35000"/>
             </a:spcAft>
-            <a:buNone/>
           </a:pPr>
           <a:r>
             <a:rPr lang="de-DE" sz="1600" kern="1200" dirty="0">
@@ -9935,7 +10154,7 @@
         </a:bodyPr>
         <a:lstStyle/>
         <a:p>
-          <a:pPr marL="0" lvl="0" indent="0" algn="ctr" defTabSz="711200">
+          <a:pPr lvl="0" algn="ctr" defTabSz="711200">
             <a:lnSpc>
               <a:spcPct val="90000"/>
             </a:lnSpc>
@@ -9945,7 +10164,6 @@
             <a:spcAft>
               <a:spcPct val="35000"/>
             </a:spcAft>
-            <a:buNone/>
           </a:pPr>
           <a:r>
             <a:rPr lang="de-DE" sz="1600" kern="1200" dirty="0">
@@ -10012,7 +10230,7 @@
         </a:bodyPr>
         <a:lstStyle/>
         <a:p>
-          <a:pPr marL="0" lvl="0" indent="0" algn="ctr" defTabSz="711200">
+          <a:pPr lvl="0" algn="ctr" defTabSz="711200">
             <a:lnSpc>
               <a:spcPct val="90000"/>
             </a:lnSpc>
@@ -10022,7 +10240,6 @@
             <a:spcAft>
               <a:spcPct val="35000"/>
             </a:spcAft>
-            <a:buNone/>
           </a:pPr>
           <a:r>
             <a:rPr lang="de-DE" sz="1600" kern="1200" dirty="0">
@@ -10089,7 +10306,7 @@
         </a:bodyPr>
         <a:lstStyle/>
         <a:p>
-          <a:pPr marL="0" lvl="0" indent="0" algn="ctr" defTabSz="800100">
+          <a:pPr lvl="0" algn="ctr" defTabSz="800100">
             <a:lnSpc>
               <a:spcPct val="90000"/>
             </a:lnSpc>
@@ -10099,7 +10316,6 @@
             <a:spcAft>
               <a:spcPct val="35000"/>
             </a:spcAft>
-            <a:buNone/>
           </a:pPr>
           <a:r>
             <a:rPr lang="de-DE" sz="1800" b="1" kern="1200" dirty="0">
@@ -23661,6 +23877,19 @@
                 <a:latin typeface="Consolas" panose="020B0609020204030204" pitchFamily="49" charset="0"/>
               </a:rPr>
             </a:br>
+            <a:r>
+              <a:rPr kumimoji="0" lang="de-DE" altLang="de-DE" sz="1200" b="0" i="0" u="none" strike="noStrike" cap="none" normalizeH="0" baseline="0" dirty="0">
+                <a:ln>
+                  <a:noFill/>
+                </a:ln>
+                <a:solidFill>
+                  <a:srgbClr val="A9B7C6"/>
+                </a:solidFill>
+                <a:effectLst/>
+                <a:latin typeface="Consolas" panose="020B0609020204030204" pitchFamily="49" charset="0"/>
+              </a:rPr>
+              <a:t/>
+            </a:r>
             <a:br>
               <a:rPr kumimoji="0" lang="de-DE" altLang="de-DE" sz="1200" b="0" i="0" u="none" strike="noStrike" cap="none" normalizeH="0" baseline="0" dirty="0">
                 <a:ln>
@@ -24059,6 +24288,19 @@
               </a:rPr>
               <a:t>API hinzufügen</a:t>
             </a:r>
+            <a:r>
+              <a:rPr kumimoji="0" lang="de-DE" altLang="de-DE" sz="1200" b="0" i="0" u="none" strike="noStrike" cap="none" normalizeH="0" baseline="0" dirty="0">
+                <a:ln>
+                  <a:noFill/>
+                </a:ln>
+                <a:solidFill>
+                  <a:srgbClr val="6A8759"/>
+                </a:solidFill>
+                <a:effectLst/>
+                <a:latin typeface="Consolas" panose="020B0609020204030204" pitchFamily="49" charset="0"/>
+              </a:rPr>
+              <a:t/>
+            </a:r>
             <a:br>
               <a:rPr kumimoji="0" lang="de-DE" altLang="de-DE" sz="1200" b="0" i="0" u="none" strike="noStrike" cap="none" normalizeH="0" baseline="0" dirty="0">
                 <a:ln>
@@ -24139,6 +24381,19 @@
                 <a:spcPct val="0"/>
               </a:spcAft>
             </a:pPr>
+            <a:r>
+              <a:rPr kumimoji="0" lang="de-DE" altLang="de-DE" sz="1200" b="0" i="0" u="none" strike="noStrike" cap="none" normalizeH="0" baseline="0" dirty="0">
+                <a:ln>
+                  <a:noFill/>
+                </a:ln>
+                <a:solidFill>
+                  <a:srgbClr val="6A8759"/>
+                </a:solidFill>
+                <a:effectLst/>
+                <a:latin typeface="Consolas" panose="020B0609020204030204" pitchFamily="49" charset="0"/>
+              </a:rPr>
+              <a:t/>
+            </a:r>
             <a:br>
               <a:rPr kumimoji="0" lang="de-DE" altLang="de-DE" sz="1200" b="0" i="0" u="none" strike="noStrike" cap="none" normalizeH="0" baseline="0" dirty="0">
                 <a:ln>
@@ -24587,6 +24842,19 @@
                 <a:latin typeface="Consolas" panose="020B0609020204030204" pitchFamily="49" charset="0"/>
               </a:rPr>
             </a:br>
+            <a:r>
+              <a:rPr kumimoji="0" lang="de-DE" altLang="de-DE" sz="1100" b="0" i="0" u="none" strike="noStrike" cap="none" normalizeH="0" baseline="0" dirty="0">
+                <a:ln>
+                  <a:noFill/>
+                </a:ln>
+                <a:solidFill>
+                  <a:srgbClr val="A9B7C6"/>
+                </a:solidFill>
+                <a:effectLst/>
+                <a:latin typeface="Consolas" panose="020B0609020204030204" pitchFamily="49" charset="0"/>
+              </a:rPr>
+              <a:t/>
+            </a:r>
             <a:br>
               <a:rPr kumimoji="0" lang="de-DE" altLang="de-DE" sz="1100" b="0" i="0" u="none" strike="noStrike" cap="none" normalizeH="0" baseline="0" dirty="0">
                 <a:ln>
@@ -25247,6 +25515,19 @@
               <a:buNone/>
               <a:tabLst/>
             </a:pPr>
+            <a:r>
+              <a:rPr kumimoji="0" lang="de-DE" altLang="de-DE" sz="1100" b="0" i="0" u="none" strike="noStrike" cap="none" normalizeH="0" baseline="0" dirty="0">
+                <a:ln>
+                  <a:noFill/>
+                </a:ln>
+                <a:solidFill>
+                  <a:srgbClr val="CC7832"/>
+                </a:solidFill>
+                <a:effectLst/>
+                <a:latin typeface="Consolas" panose="020B0609020204030204" pitchFamily="49" charset="0"/>
+              </a:rPr>
+              <a:t/>
+            </a:r>
             <a:br>
               <a:rPr kumimoji="0" lang="de-DE" altLang="de-DE" sz="1100" b="0" i="0" u="none" strike="noStrike" cap="none" normalizeH="0" baseline="0" dirty="0">
                 <a:ln>
@@ -25293,6 +25574,19 @@
                 <a:latin typeface="Consolas" panose="020B0609020204030204" pitchFamily="49" charset="0"/>
               </a:rPr>
               <a:t>…&gt;</a:t>
+            </a:r>
+            <a:r>
+              <a:rPr kumimoji="0" lang="de-DE" altLang="de-DE" sz="1100" b="0" i="0" u="none" strike="noStrike" cap="none" normalizeH="0" baseline="0" dirty="0">
+                <a:ln>
+                  <a:noFill/>
+                </a:ln>
+                <a:solidFill>
+                  <a:srgbClr val="CC7832"/>
+                </a:solidFill>
+                <a:effectLst/>
+                <a:latin typeface="Consolas" panose="020B0609020204030204" pitchFamily="49" charset="0"/>
+              </a:rPr>
+              <a:t/>
             </a:r>
             <a:br>
               <a:rPr kumimoji="0" lang="de-DE" altLang="de-DE" sz="1100" b="0" i="0" u="none" strike="noStrike" cap="none" normalizeH="0" baseline="0" dirty="0">
@@ -25775,6 +26069,19 @@
               </a:rPr>
               <a:t>Override</a:t>
             </a:r>
+            <a:r>
+              <a:rPr kumimoji="0" lang="de-DE" altLang="de-DE" sz="1100" b="0" i="0" u="none" strike="noStrike" cap="none" normalizeH="0" baseline="0" dirty="0">
+                <a:ln>
+                  <a:noFill/>
+                </a:ln>
+                <a:solidFill>
+                  <a:srgbClr val="BBB529"/>
+                </a:solidFill>
+                <a:effectLst/>
+                <a:latin typeface="Consolas" panose="020B0609020204030204" pitchFamily="49" charset="0"/>
+              </a:rPr>
+              <a:t/>
+            </a:r>
             <a:br>
               <a:rPr kumimoji="0" lang="de-DE" altLang="de-DE" sz="1100" b="0" i="0" u="none" strike="noStrike" cap="none" normalizeH="0" baseline="0" dirty="0">
                 <a:ln>
@@ -26095,6 +26402,19 @@
                 <a:spcPct val="0"/>
               </a:spcAft>
             </a:pPr>
+            <a:r>
+              <a:rPr kumimoji="0" lang="de-DE" altLang="de-DE" sz="1100" b="0" i="0" u="none" strike="noStrike" cap="none" normalizeH="0" baseline="0" dirty="0">
+                <a:ln>
+                  <a:noFill/>
+                </a:ln>
+                <a:solidFill>
+                  <a:srgbClr val="A9B7C6"/>
+                </a:solidFill>
+                <a:effectLst/>
+                <a:latin typeface="Consolas" panose="020B0609020204030204" pitchFamily="49" charset="0"/>
+              </a:rPr>
+              <a:t/>
+            </a:r>
             <a:br>
               <a:rPr kumimoji="0" lang="de-DE" altLang="de-DE" sz="1100" b="0" i="0" u="none" strike="noStrike" cap="none" normalizeH="0" baseline="0" dirty="0">
                 <a:ln>
@@ -27473,6 +27793,19 @@
                 <a:latin typeface="Consolas" panose="020B0609020204030204" pitchFamily="49" charset="0"/>
               </a:rPr>
             </a:br>
+            <a:r>
+              <a:rPr kumimoji="0" lang="de-DE" altLang="de-DE" sz="1200" b="0" i="0" u="none" strike="noStrike" cap="none" normalizeH="0" baseline="0" dirty="0">
+                <a:ln>
+                  <a:noFill/>
+                </a:ln>
+                <a:solidFill>
+                  <a:srgbClr val="A9B7C6"/>
+                </a:solidFill>
+                <a:effectLst/>
+                <a:latin typeface="Consolas" panose="020B0609020204030204" pitchFamily="49" charset="0"/>
+              </a:rPr>
+              <a:t/>
+            </a:r>
             <a:br>
               <a:rPr kumimoji="0" lang="de-DE" altLang="de-DE" sz="1200" b="0" i="0" u="none" strike="noStrike" cap="none" normalizeH="0" baseline="0" dirty="0">
                 <a:ln>
@@ -27544,6 +27877,19 @@
                 <a:spcPct val="0"/>
               </a:spcAft>
             </a:pPr>
+            <a:r>
+              <a:rPr kumimoji="0" lang="de-DE" altLang="de-DE" sz="1200" b="0" i="0" u="none" strike="noStrike" cap="none" normalizeH="0" baseline="0" dirty="0">
+                <a:ln>
+                  <a:noFill/>
+                </a:ln>
+                <a:solidFill>
+                  <a:srgbClr val="CC7832"/>
+                </a:solidFill>
+                <a:effectLst/>
+                <a:latin typeface="Consolas" panose="020B0609020204030204" pitchFamily="49" charset="0"/>
+              </a:rPr>
+              <a:t/>
+            </a:r>
             <a:br>
               <a:rPr kumimoji="0" lang="de-DE" altLang="de-DE" sz="1200" b="0" i="0" u="none" strike="noStrike" cap="none" normalizeH="0" baseline="0" dirty="0">
                 <a:ln>
@@ -27956,6 +28302,19 @@
                 <a:latin typeface="Consolas" panose="020B0609020204030204" pitchFamily="49" charset="0"/>
               </a:rPr>
               <a:t>Override</a:t>
+            </a:r>
+            <a:r>
+              <a:rPr kumimoji="0" lang="de-DE" altLang="de-DE" sz="1200" b="0" i="0" u="none" strike="noStrike" cap="none" normalizeH="0" baseline="0" dirty="0">
+                <a:ln>
+                  <a:noFill/>
+                </a:ln>
+                <a:solidFill>
+                  <a:srgbClr val="BBB529"/>
+                </a:solidFill>
+                <a:effectLst/>
+                <a:latin typeface="Consolas" panose="020B0609020204030204" pitchFamily="49" charset="0"/>
+              </a:rPr>
+              <a:t/>
             </a:r>
             <a:br>
               <a:rPr kumimoji="0" lang="de-DE" altLang="de-DE" sz="1200" b="0" i="0" u="none" strike="noStrike" cap="none" normalizeH="0" baseline="0" dirty="0">
@@ -28825,16 +29184,16 @@
               <a:buNone/>
             </a:pPr>
             <a:r>
-              <a:rPr lang="de-DE" dirty="0"/>
+              <a:rPr lang="de-DE" sz="1600" dirty="0"/>
               <a:t>3. </a:t>
             </a:r>
             <a:r>
-              <a:rPr lang="de-DE" altLang="de-DE" dirty="0">
+              <a:rPr lang="de-DE" altLang="de-DE" sz="1600" dirty="0">
                 <a:latin typeface="Consolas" panose="020B0609020204030204" pitchFamily="49" charset="0"/>
               </a:rPr>
               <a:t>GUI der App</a:t>
             </a:r>
-            <a:endParaRPr lang="de-DE" dirty="0"/>
+            <a:endParaRPr lang="de-DE" sz="1600" dirty="0"/>
           </a:p>
           <a:p>
             <a:pPr marL="0" lvl="0" indent="0">
@@ -28923,13 +29282,7 @@
       </p:sp>
       <p:pic>
         <p:nvPicPr>
-          <p:cNvPr id="8" name="Grafik 7" descr="Ein Bild, das Screenshot, Text enthält.&#10;&#10;Automatisch generierte Beschreibung">
-            <a:extLst>
-              <a:ext uri="{FF2B5EF4-FFF2-40B4-BE49-F238E27FC236}">
-                <a16:creationId xmlns:a16="http://schemas.microsoft.com/office/drawing/2014/main" id="{A2DB292D-BC07-4590-8494-414DB3248658}"/>
-              </a:ext>
-            </a:extLst>
-          </p:cNvPr>
+          <p:cNvPr id="4" name="Grafik 3"/>
           <p:cNvPicPr>
             <a:picLocks noChangeAspect="1"/>
           </p:cNvPicPr>
@@ -28949,14 +29302,154 @@
         </p:blipFill>
         <p:spPr>
           <a:xfrm>
-            <a:off x="4257675" y="1988830"/>
-            <a:ext cx="2457450" cy="4368799"/>
+            <a:off x="684523" y="2441732"/>
+            <a:ext cx="2201972" cy="3914618"/>
           </a:xfrm>
           <a:prstGeom prst="rect">
             <a:avLst/>
           </a:prstGeom>
         </p:spPr>
       </p:pic>
+      <p:pic>
+        <p:nvPicPr>
+          <p:cNvPr id="6" name="Grafik 5"/>
+          <p:cNvPicPr>
+            <a:picLocks noChangeAspect="1"/>
+          </p:cNvPicPr>
+          <p:nvPr/>
+        </p:nvPicPr>
+        <p:blipFill>
+          <a:blip r:embed="rId3">
+            <a:extLst>
+              <a:ext uri="{28A0092B-C50C-407E-A947-70E740481C1C}">
+                <a14:useLocalDpi xmlns:a14="http://schemas.microsoft.com/office/drawing/2010/main" val="0"/>
+              </a:ext>
+            </a:extLst>
+          </a:blip>
+          <a:stretch>
+            <a:fillRect/>
+          </a:stretch>
+        </p:blipFill>
+        <p:spPr>
+          <a:xfrm>
+            <a:off x="8246323" y="2441732"/>
+            <a:ext cx="2201973" cy="3914618"/>
+          </a:xfrm>
+          <a:prstGeom prst="rect">
+            <a:avLst/>
+          </a:prstGeom>
+        </p:spPr>
+      </p:pic>
+      <p:pic>
+        <p:nvPicPr>
+          <p:cNvPr id="9" name="Grafik 8"/>
+          <p:cNvPicPr>
+            <a:picLocks noChangeAspect="1"/>
+          </p:cNvPicPr>
+          <p:nvPr/>
+        </p:nvPicPr>
+        <p:blipFill>
+          <a:blip r:embed="rId4">
+            <a:extLst>
+              <a:ext uri="{28A0092B-C50C-407E-A947-70E740481C1C}">
+                <a14:useLocalDpi xmlns:a14="http://schemas.microsoft.com/office/drawing/2010/main" val="0"/>
+              </a:ext>
+            </a:extLst>
+          </a:blip>
+          <a:stretch>
+            <a:fillRect/>
+          </a:stretch>
+        </p:blipFill>
+        <p:spPr>
+          <a:xfrm>
+            <a:off x="4421490" y="2441732"/>
+            <a:ext cx="2201973" cy="3914618"/>
+          </a:xfrm>
+          <a:prstGeom prst="rect">
+            <a:avLst/>
+          </a:prstGeom>
+        </p:spPr>
+      </p:pic>
+      <p:sp>
+        <p:nvSpPr>
+          <p:cNvPr id="10" name="Abgerundetes Rechteck 9"/>
+          <p:cNvSpPr/>
+          <p:nvPr/>
+        </p:nvSpPr>
+        <p:spPr>
+          <a:xfrm>
+            <a:off x="1430867" y="4512733"/>
+            <a:ext cx="1354666" cy="101600"/>
+          </a:xfrm>
+          <a:prstGeom prst="roundRect">
+            <a:avLst/>
+          </a:prstGeom>
+        </p:spPr>
+        <p:style>
+          <a:lnRef idx="2">
+            <a:schemeClr val="accent1">
+              <a:shade val="50000"/>
+            </a:schemeClr>
+          </a:lnRef>
+          <a:fillRef idx="1">
+            <a:schemeClr val="accent1"/>
+          </a:fillRef>
+          <a:effectRef idx="0">
+            <a:schemeClr val="accent1"/>
+          </a:effectRef>
+          <a:fontRef idx="minor">
+            <a:schemeClr val="lt1"/>
+          </a:fontRef>
+        </p:style>
+        <p:txBody>
+          <a:bodyPr rtlCol="0" anchor="ctr"/>
+          <a:lstStyle/>
+          <a:p>
+            <a:pPr algn="ctr"/>
+            <a:endParaRPr lang="de-DE"/>
+          </a:p>
+        </p:txBody>
+      </p:sp>
+      <p:sp>
+        <p:nvSpPr>
+          <p:cNvPr id="11" name="Abgerundetes Rechteck 10"/>
+          <p:cNvSpPr/>
+          <p:nvPr/>
+        </p:nvSpPr>
+        <p:spPr>
+          <a:xfrm>
+            <a:off x="5190067" y="4512733"/>
+            <a:ext cx="1354666" cy="101600"/>
+          </a:xfrm>
+          <a:prstGeom prst="roundRect">
+            <a:avLst/>
+          </a:prstGeom>
+        </p:spPr>
+        <p:style>
+          <a:lnRef idx="2">
+            <a:schemeClr val="accent1">
+              <a:shade val="50000"/>
+            </a:schemeClr>
+          </a:lnRef>
+          <a:fillRef idx="1">
+            <a:schemeClr val="accent1"/>
+          </a:fillRef>
+          <a:effectRef idx="0">
+            <a:schemeClr val="accent1"/>
+          </a:effectRef>
+          <a:fontRef idx="minor">
+            <a:schemeClr val="lt1"/>
+          </a:fontRef>
+        </p:style>
+        <p:txBody>
+          <a:bodyPr rtlCol="0" anchor="ctr"/>
+          <a:lstStyle/>
+          <a:p>
+            <a:pPr algn="ctr"/>
+            <a:endParaRPr lang="de-DE"/>
+          </a:p>
+        </p:txBody>
+      </p:sp>
     </p:spTree>
     <p:extLst>
       <p:ext uri="{BB962C8B-B14F-4D97-AF65-F5344CB8AC3E}">
@@ -29112,6 +29605,10 @@
           <a:lstStyle/>
           <a:p>
             <a:pPr algn="ctr"/>
+            <a:r>
+              <a:rPr lang="de-DE" b="1" dirty="0"/>
+              <a:t/>
+            </a:r>
             <a:br>
               <a:rPr lang="de-DE" b="1" dirty="0"/>
             </a:br>
